--- a/translations/en-us/advanced/Arrays.pptx
+++ b/translations/en-us/advanced/Arrays.pptx
@@ -14,7 +14,7 @@
     <p:sldId id="258" r:id="rId2"/>
     <p:sldId id="286" r:id="rId3"/>
     <p:sldId id="275" r:id="rId4"/>
-    <p:sldId id="276" r:id="rId5"/>
+    <p:sldId id="291" r:id="rId5"/>
     <p:sldId id="277" r:id="rId6"/>
     <p:sldId id="278" r:id="rId7"/>
     <p:sldId id="279" r:id="rId8"/>
@@ -227,7 +227,7 @@
           <a:p>
             <a:fld id="{E354B44E-40A3-0E46-B16A-9BF1250A248B}" type="datetimeFigureOut">
               <a:rPr lang="en-US" smtClean="0"/>
-              <a:t>7/6/2015</a:t>
+              <a:t>11/15/15</a:t>
             </a:fld>
             <a:endParaRPr lang="en-US"/>
           </a:p>
@@ -393,7 +393,7 @@
           <a:p>
             <a:fld id="{C86AD16C-2DB4-6642-BAD4-9ED973A087A0}" type="datetimeFigureOut">
               <a:rPr lang="en-US" smtClean="0"/>
-              <a:t>7/6/2015</a:t>
+              <a:t>11/15/15</a:t>
             </a:fld>
             <a:endParaRPr lang="en-US"/>
           </a:p>
@@ -1030,9 +1030,9 @@
           <a:bodyPr/>
           <a:lstStyle/>
           <a:p>
-            <a:fld id="{BA2A8F67-8630-4344-8EFE-CB845E48C1C3}" type="datetime1">
+            <a:fld id="{9CA3B8AB-C6E3-CF4F-BDBA-ADE069F8E21F}" type="datetime1">
               <a:rPr lang="en-US" smtClean="0"/>
-              <a:t>7/6/2015</a:t>
+              <a:t>11/15/15</a:t>
             </a:fld>
             <a:endParaRPr lang="en-US"/>
           </a:p>
@@ -1080,7 +1080,7 @@
               <a:rPr lang="en-US" smtClean="0"/>
               <a:t>‹#›</a:t>
             </a:fld>
-            <a:endParaRPr lang="en-US"/>
+            <a:endParaRPr lang="en-US" dirty="0"/>
           </a:p>
         </p:txBody>
       </p:sp>
@@ -1092,17 +1092,15 @@
         </p:nvSpPr>
         <p:spPr>
           <a:xfrm>
-            <a:off x="284163" y="444728"/>
-            <a:ext cx="8574087" cy="1468437"/>
+            <a:off x="1" y="-1"/>
+            <a:ext cx="9144000" cy="1920240"/>
           </a:xfrm>
           <a:prstGeom prst="rect">
             <a:avLst/>
           </a:prstGeom>
           <a:solidFill>
-            <a:schemeClr val="tx1">
-              <a:lumMod val="85000"/>
-              <a:lumOff val="15000"/>
-              <a:alpha val="85000"/>
+            <a:schemeClr val="bg2">
+              <a:lumMod val="25000"/>
             </a:schemeClr>
           </a:solidFill>
         </p:spPr>
@@ -1120,7 +1118,10 @@
             </a:pPr>
             <a:endParaRPr sz="4200" kern="1200">
               <a:solidFill>
-                <a:schemeClr val="bg1"/>
+                <a:schemeClr val="tx1">
+                  <a:lumMod val="85000"/>
+                  <a:lumOff val="15000"/>
+                </a:schemeClr>
               </a:solidFill>
               <a:latin typeface="+mj-lt"/>
               <a:ea typeface="+mj-ea"/>
@@ -1137,8 +1138,8 @@
         </p:nvGrpSpPr>
         <p:grpSpPr>
           <a:xfrm>
-            <a:off x="284163" y="1906542"/>
-            <a:ext cx="8576373" cy="137411"/>
+            <a:off x="0" y="1920240"/>
+            <a:ext cx="9144000" cy="137411"/>
             <a:chOff x="284163" y="1759424"/>
             <a:chExt cx="8576373" cy="137411"/>
           </a:xfrm>
@@ -1289,13 +1290,13 @@
             <a:spLocks noGrp="1"/>
           </p:cNvSpPr>
           <p:nvPr>
-            <p:ph type="ctrTitle" hasCustomPrompt="1"/>
+            <p:ph type="ctrTitle"/>
           </p:nvPr>
         </p:nvSpPr>
         <p:spPr>
           <a:xfrm>
-            <a:off x="421341" y="449005"/>
-            <a:ext cx="7808976" cy="1088136"/>
+            <a:off x="457200" y="2855890"/>
+            <a:ext cx="8229600" cy="1088136"/>
           </a:xfrm>
           <a:noFill/>
         </p:spPr>
@@ -1304,7 +1305,7 @@
             <a:normAutofit/>
           </a:bodyPr>
           <a:lstStyle>
-            <a:lvl1pPr marL="0" algn="l" defTabSz="914400" rtl="0" eaLnBrk="1" latinLnBrk="0" hangingPunct="1">
+            <a:lvl1pPr marL="0" algn="ctr" defTabSz="914400" rtl="0" eaLnBrk="1" latinLnBrk="0" hangingPunct="1">
               <a:lnSpc>
                 <a:spcPts val="4600"/>
               </a:lnSpc>
@@ -1314,7 +1315,7 @@
               <a:buNone/>
               <a:defRPr sz="4200" kern="1200" baseline="0">
                 <a:solidFill>
-                  <a:schemeClr val="bg1"/>
+                  <a:schemeClr val="tx1"/>
                 </a:solidFill>
                 <a:latin typeface="+mj-lt"/>
                 <a:ea typeface="+mj-ea"/>
@@ -1323,10 +1324,6 @@
             </a:lvl1pPr>
           </a:lstStyle>
           <a:p>
-            <a:r>
-              <a:rPr lang="en-US" dirty="0" smtClean="0"/>
-              <a:t>Advanced Programming Lesson</a:t>
-            </a:r>
             <a:endParaRPr dirty="0"/>
           </a:p>
         </p:txBody>
@@ -1343,8 +1340,8 @@
         </p:nvSpPr>
         <p:spPr>
           <a:xfrm>
-            <a:off x="476205" y="1532427"/>
-            <a:ext cx="7754112" cy="484632"/>
+            <a:off x="457200" y="4075497"/>
+            <a:ext cx="8229600" cy="484632"/>
           </a:xfrm>
         </p:spPr>
         <p:txBody>
@@ -1352,7 +1349,7 @@
             <a:normAutofit/>
           </a:bodyPr>
           <a:lstStyle>
-            <a:lvl1pPr marL="0" indent="0" algn="l" defTabSz="914400" rtl="0" eaLnBrk="1" latinLnBrk="0" hangingPunct="1">
+            <a:lvl1pPr marL="0" indent="0" algn="ctr" defTabSz="914400" rtl="0" eaLnBrk="1" latinLnBrk="0" hangingPunct="1">
               <a:lnSpc>
                 <a:spcPct val="100000"/>
               </a:lnSpc>
@@ -1369,7 +1366,7 @@
               <a:buNone/>
               <a:defRPr sz="1800" kern="1200">
                 <a:solidFill>
-                  <a:schemeClr val="bg1"/>
+                  <a:schemeClr val="tx1"/>
                 </a:solidFill>
                 <a:latin typeface="+mn-lt"/>
                 <a:ea typeface="+mn-ea"/>
@@ -1481,11 +1478,7 @@
             <a:avLst/>
           </a:prstGeom>
           <a:solidFill>
-            <a:schemeClr val="tx1">
-              <a:lumMod val="85000"/>
-              <a:lumOff val="15000"/>
-              <a:alpha val="70000"/>
-            </a:schemeClr>
+            <a:schemeClr val="tx1"/>
           </a:solidFill>
           <a:ln>
             <a:noFill/>
@@ -1516,1941 +1509,120 @@
           </a:p>
         </p:txBody>
       </p:sp>
-    </p:spTree>
-  </p:cSld>
-  <p:clrMapOvr>
-    <a:masterClrMapping/>
-  </p:clrMapOvr>
-  <p:timing>
-    <p:tnLst>
-      <p:par>
-        <p:cTn id="1" dur="indefinite" restart="never" nodeType="tmRoot"/>
-      </p:par>
-    </p:tnLst>
-  </p:timing>
-</p:sldLayout>
-</file>
-
-<file path=ppt/slideLayouts/slideLayout10.xml><?xml version="1.0" encoding="utf-8"?>
-<p:sldLayout xmlns:a="http://schemas.openxmlformats.org/drawingml/2006/main" xmlns:r="http://schemas.openxmlformats.org/officeDocument/2006/relationships" xmlns:p="http://schemas.openxmlformats.org/presentationml/2006/main" preserve="1">
-  <p:cSld name="Content, Picture, and Caption">
-    <p:spTree>
-      <p:nvGrpSpPr>
-        <p:cNvPr id="1" name=""/>
-        <p:cNvGrpSpPr/>
-        <p:nvPr/>
-      </p:nvGrpSpPr>
-      <p:grpSpPr>
-        <a:xfrm>
-          <a:off x="0" y="0"/>
-          <a:ext cx="0" cy="0"/>
-          <a:chOff x="0" y="0"/>
-          <a:chExt cx="0" cy="0"/>
-        </a:xfrm>
-      </p:grpSpPr>
-      <p:sp>
-        <p:nvSpPr>
-          <p:cNvPr id="3" name="Content Placeholder 2"/>
-          <p:cNvSpPr>
-            <a:spLocks noGrp="1"/>
-          </p:cNvSpPr>
-          <p:nvPr>
-            <p:ph idx="1"/>
-          </p:nvPr>
+      <p:sp>
+        <p:nvSpPr>
+          <p:cNvPr id="14" name="TextBox 13"/>
+          <p:cNvSpPr txBox="1"/>
+          <p:nvPr userDrawn="1"/>
         </p:nvSpPr>
         <p:spPr>
           <a:xfrm>
-            <a:off x="3657600" y="914400"/>
-            <a:ext cx="5195047" cy="5211763"/>
-          </a:xfrm>
-        </p:spPr>
-        <p:txBody>
-          <a:bodyPr>
-            <a:normAutofit/>
-          </a:bodyPr>
-          <a:lstStyle>
-            <a:lvl1pPr>
-              <a:defRPr sz="2200"/>
-            </a:lvl1pPr>
-            <a:lvl2pPr>
-              <a:defRPr sz="2000"/>
-            </a:lvl2pPr>
-            <a:lvl3pPr>
-              <a:defRPr sz="1800"/>
-            </a:lvl3pPr>
-            <a:lvl4pPr>
-              <a:defRPr sz="1800"/>
-            </a:lvl4pPr>
-            <a:lvl5pPr>
-              <a:defRPr sz="1800"/>
-            </a:lvl5pPr>
-            <a:lvl6pPr>
-              <a:defRPr sz="1800"/>
-            </a:lvl6pPr>
-            <a:lvl7pPr>
-              <a:defRPr sz="1800"/>
-            </a:lvl7pPr>
-            <a:lvl8pPr>
-              <a:defRPr sz="1800"/>
-            </a:lvl8pPr>
-            <a:lvl9pPr>
-              <a:defRPr sz="1800"/>
-            </a:lvl9pPr>
-          </a:lstStyle>
-          <a:p>
-            <a:pPr lvl="0"/>
-            <a:r>
-              <a:rPr lang="en-US" smtClean="0"/>
-              <a:t>Click to edit Master text styles</a:t>
-            </a:r>
-          </a:p>
-          <a:p>
-            <a:pPr lvl="1"/>
-            <a:r>
-              <a:rPr lang="en-US" smtClean="0"/>
-              <a:t>Second level</a:t>
-            </a:r>
-          </a:p>
-          <a:p>
-            <a:pPr lvl="2"/>
-            <a:r>
-              <a:rPr lang="en-US" smtClean="0"/>
-              <a:t>Third level</a:t>
-            </a:r>
-          </a:p>
-          <a:p>
-            <a:pPr lvl="3"/>
-            <a:r>
-              <a:rPr lang="en-US" smtClean="0"/>
-              <a:t>Fourth level</a:t>
-            </a:r>
-          </a:p>
-          <a:p>
-            <a:pPr lvl="4"/>
-            <a:r>
-              <a:rPr lang="en-US" smtClean="0"/>
-              <a:t>Fifth level</a:t>
-            </a:r>
-            <a:endParaRPr dirty="0"/>
-          </a:p>
-        </p:txBody>
-      </p:sp>
-      <p:sp>
-        <p:nvSpPr>
-          <p:cNvPr id="5" name="Date Placeholder 4"/>
-          <p:cNvSpPr>
-            <a:spLocks noGrp="1"/>
-          </p:cNvSpPr>
-          <p:nvPr>
-            <p:ph type="dt" sz="half" idx="10"/>
-          </p:nvPr>
-        </p:nvSpPr>
-        <p:spPr/>
-        <p:txBody>
-          <a:bodyPr/>
-          <a:lstStyle/>
-          <a:p>
-            <a:fld id="{A62A6E12-9394-4FEC-976D-CCB7BAD3FE95}" type="datetime1">
-              <a:rPr lang="en-US" smtClean="0"/>
-              <a:t>7/6/2015</a:t>
-            </a:fld>
-            <a:endParaRPr lang="en-US" dirty="0"/>
-          </a:p>
-        </p:txBody>
-      </p:sp>
-      <p:sp>
-        <p:nvSpPr>
-          <p:cNvPr id="6" name="Footer Placeholder 5"/>
-          <p:cNvSpPr>
-            <a:spLocks noGrp="1"/>
-          </p:cNvSpPr>
-          <p:nvPr>
-            <p:ph type="ftr" sz="quarter" idx="11"/>
-          </p:nvPr>
-        </p:nvSpPr>
-        <p:spPr/>
-        <p:txBody>
-          <a:bodyPr/>
-          <a:lstStyle/>
-          <a:p>
-            <a:r>
-              <a:rPr lang="en-US" smtClean="0"/>
-              <a:t>© 2015 EV3Lessons.com, Last edit 2/28/2015</a:t>
-            </a:r>
-            <a:endParaRPr lang="en-US" dirty="0"/>
-          </a:p>
-        </p:txBody>
-      </p:sp>
-      <p:sp>
-        <p:nvSpPr>
-          <p:cNvPr id="7" name="Slide Number Placeholder 6"/>
-          <p:cNvSpPr>
-            <a:spLocks noGrp="1"/>
-          </p:cNvSpPr>
-          <p:nvPr>
-            <p:ph type="sldNum" sz="quarter" idx="12"/>
-          </p:nvPr>
-        </p:nvSpPr>
-        <p:spPr/>
-        <p:txBody>
-          <a:bodyPr/>
-          <a:lstStyle/>
-          <a:p>
-            <a:fld id="{4382A7F7-08BF-4252-8141-63FB96055BBB}" type="slidenum">
-              <a:rPr lang="en-US" smtClean="0"/>
-              <a:t>‹#›</a:t>
-            </a:fld>
-            <a:endParaRPr lang="en-US"/>
-          </a:p>
-        </p:txBody>
-      </p:sp>
-      <p:sp>
-        <p:nvSpPr>
-          <p:cNvPr id="12" name="Rectangle 11"/>
-          <p:cNvSpPr/>
-          <p:nvPr/>
-        </p:nvSpPr>
-        <p:spPr>
-          <a:xfrm>
-            <a:off x="284163" y="4267200"/>
-            <a:ext cx="2743200" cy="2120153"/>
+            <a:off x="329321" y="365291"/>
+            <a:ext cx="5046247" cy="1200329"/>
           </a:xfrm>
           <a:prstGeom prst="rect">
             <a:avLst/>
           </a:prstGeom>
-          <a:solidFill>
-            <a:schemeClr val="tx1">
-              <a:lumMod val="85000"/>
-              <a:lumOff val="15000"/>
-              <a:alpha val="85000"/>
-            </a:schemeClr>
-          </a:solidFill>
+          <a:noFill/>
         </p:spPr>
         <p:txBody>
-          <a:bodyPr vert="horz" lIns="91440" tIns="45720" rIns="182880" bIns="365760" rtlCol="0" anchor="b" anchorCtr="0">
-            <a:normAutofit/>
+          <a:bodyPr wrap="square" rtlCol="0">
+            <a:spAutoFit/>
           </a:bodyPr>
           <a:lstStyle/>
           <a:p>
-            <a:pPr algn="l" defTabSz="914400" rtl="0" eaLnBrk="1" latinLnBrk="0" hangingPunct="1">
-              <a:spcBef>
-                <a:spcPct val="0"/>
-              </a:spcBef>
-              <a:buNone/>
-            </a:pPr>
-            <a:endParaRPr sz="4200" kern="1200">
+            <a:r>
+              <a:rPr lang="en-US" sz="3600" dirty="0" smtClean="0">
+                <a:solidFill>
+                  <a:schemeClr val="bg1"/>
+                </a:solidFill>
+              </a:rPr>
+              <a:t>ADVANCED EV3 PROGRAMMING LESSON</a:t>
+            </a:r>
+            <a:endParaRPr lang="en-US" sz="3600" dirty="0">
               <a:solidFill>
                 <a:schemeClr val="bg1"/>
               </a:solidFill>
-              <a:latin typeface="+mj-lt"/>
-              <a:ea typeface="+mj-ea"/>
-              <a:cs typeface="+mj-cs"/>
             </a:endParaRPr>
           </a:p>
         </p:txBody>
       </p:sp>
-      <p:sp>
-        <p:nvSpPr>
-          <p:cNvPr id="4" name="Text Placeholder 3"/>
-          <p:cNvSpPr>
-            <a:spLocks noGrp="1"/>
-          </p:cNvSpPr>
-          <p:nvPr>
-            <p:ph type="body" sz="half" idx="2"/>
-          </p:nvPr>
-        </p:nvSpPr>
-        <p:spPr>
+      <p:pic>
+        <p:nvPicPr>
+          <p:cNvPr id="15" name="Picture 14" descr="EV3Lessons.com"/>
+          <p:cNvPicPr>
+            <a:picLocks noChangeAspect="1" noChangeArrowheads="1"/>
+          </p:cNvPicPr>
+          <p:nvPr userDrawn="1"/>
+        </p:nvPicPr>
+        <p:blipFill>
+          <a:blip r:embed="rId2" cstate="email">
+            <a:extLst>
+              <a:ext uri="{28A0092B-C50C-407E-A947-70E740481C1C}">
+                <a14:useLocalDpi xmlns:a14="http://schemas.microsoft.com/office/drawing/2010/main" val="0"/>
+              </a:ext>
+            </a:extLst>
+          </a:blip>
+          <a:srcRect/>
+          <a:stretch>
+            <a:fillRect/>
+          </a:stretch>
+        </p:blipFill>
+        <p:spPr bwMode="auto">
           <a:xfrm>
-            <a:off x="419101" y="4953001"/>
-            <a:ext cx="2472017" cy="1246094"/>
-          </a:xfrm>
-        </p:spPr>
-        <p:txBody>
-          <a:bodyPr>
-            <a:normAutofit/>
-          </a:bodyPr>
-          <a:lstStyle>
-            <a:lvl1pPr marL="0" indent="0" algn="l">
-              <a:spcBef>
-                <a:spcPts val="0"/>
-              </a:spcBef>
-              <a:buNone/>
-              <a:defRPr sz="1400">
-                <a:solidFill>
-                  <a:schemeClr val="bg1"/>
-                </a:solidFill>
-              </a:defRPr>
-            </a:lvl1pPr>
-            <a:lvl2pPr marL="457200" indent="0">
-              <a:buNone/>
-              <a:defRPr sz="1200"/>
-            </a:lvl2pPr>
-            <a:lvl3pPr marL="914400" indent="0">
-              <a:buNone/>
-              <a:defRPr sz="1000"/>
-            </a:lvl3pPr>
-            <a:lvl4pPr marL="1371600" indent="0">
-              <a:buNone/>
-              <a:defRPr sz="900"/>
-            </a:lvl4pPr>
-            <a:lvl5pPr marL="1828800" indent="0">
-              <a:buNone/>
-              <a:defRPr sz="900"/>
-            </a:lvl5pPr>
-            <a:lvl6pPr marL="2286000" indent="0">
-              <a:buNone/>
-              <a:defRPr sz="900"/>
-            </a:lvl6pPr>
-            <a:lvl7pPr marL="2743200" indent="0">
-              <a:buNone/>
-              <a:defRPr sz="900"/>
-            </a:lvl7pPr>
-            <a:lvl8pPr marL="3200400" indent="0">
-              <a:buNone/>
-              <a:defRPr sz="900"/>
-            </a:lvl8pPr>
-            <a:lvl9pPr marL="3657600" indent="0">
-              <a:buNone/>
-              <a:defRPr sz="900"/>
-            </a:lvl9pPr>
-          </a:lstStyle>
-          <a:p>
-            <a:pPr lvl="0"/>
-            <a:r>
-              <a:rPr lang="en-US" smtClean="0"/>
-              <a:t>Click to edit Master text styles</a:t>
-            </a:r>
-          </a:p>
-        </p:txBody>
-      </p:sp>
-      <p:sp>
-        <p:nvSpPr>
-          <p:cNvPr id="2" name="Title 1"/>
-          <p:cNvSpPr>
-            <a:spLocks noGrp="1"/>
-          </p:cNvSpPr>
-          <p:nvPr>
-            <p:ph type="title"/>
-          </p:nvPr>
-        </p:nvSpPr>
-        <p:spPr>
-          <a:xfrm>
-            <a:off x="410764" y="4419600"/>
-            <a:ext cx="2475395" cy="510988"/>
-          </a:xfrm>
-          <a:noFill/>
-        </p:spPr>
-        <p:txBody>
-          <a:bodyPr anchor="b">
-            <a:normAutofit/>
-          </a:bodyPr>
-          <a:lstStyle>
-            <a:lvl1pPr algn="l">
-              <a:defRPr sz="2000" b="1">
-                <a:solidFill>
-                  <a:schemeClr val="bg1"/>
-                </a:solidFill>
-              </a:defRPr>
-            </a:lvl1pPr>
-          </a:lstStyle>
-          <a:p>
-            <a:r>
-              <a:rPr lang="en-US" smtClean="0"/>
-              <a:t>Click to edit Master title style</a:t>
-            </a:r>
-            <a:endParaRPr/>
-          </a:p>
-        </p:txBody>
-      </p:sp>
-      <p:sp>
-        <p:nvSpPr>
-          <p:cNvPr id="14" name="Picture Placeholder 13"/>
-          <p:cNvSpPr>
-            <a:spLocks noGrp="1"/>
-          </p:cNvSpPr>
-          <p:nvPr>
-            <p:ph type="pic" sz="quarter" idx="13"/>
-          </p:nvPr>
-        </p:nvSpPr>
-        <p:spPr>
-          <a:xfrm>
-            <a:off x="284164" y="594360"/>
-            <a:ext cx="2743200" cy="3675888"/>
-          </a:xfrm>
-        </p:spPr>
-        <p:txBody>
-          <a:bodyPr/>
-          <a:lstStyle>
-            <a:lvl1pPr>
-              <a:buNone/>
-              <a:defRPr/>
-            </a:lvl1pPr>
-          </a:lstStyle>
-          <a:p>
-            <a:r>
-              <a:rPr lang="en-US" smtClean="0"/>
-              <a:t>Drag picture to placeholder or click icon to add</a:t>
-            </a:r>
-            <a:endParaRPr/>
-          </a:p>
-        </p:txBody>
-      </p:sp>
-      <p:grpSp>
-        <p:nvGrpSpPr>
-          <p:cNvPr id="8" name="Group 14"/>
-          <p:cNvGrpSpPr/>
-          <p:nvPr/>
-        </p:nvGrpSpPr>
-        <p:grpSpPr>
-          <a:xfrm>
-            <a:off x="284163" y="461682"/>
-            <a:ext cx="8576373" cy="137411"/>
-            <a:chOff x="284163" y="1759424"/>
-            <a:chExt cx="8576373" cy="137411"/>
-          </a:xfrm>
-        </p:grpSpPr>
-        <p:sp>
-          <p:nvSpPr>
-            <p:cNvPr id="16" name="Rectangle 15"/>
-            <p:cNvSpPr/>
-            <p:nvPr/>
-          </p:nvSpPr>
-          <p:spPr>
-            <a:xfrm>
-              <a:off x="284163" y="1759424"/>
-              <a:ext cx="2743200" cy="137411"/>
-            </a:xfrm>
-            <a:prstGeom prst="rect">
-              <a:avLst/>
-            </a:prstGeom>
-            <a:solidFill>
-              <a:schemeClr val="accent1"/>
-            </a:solidFill>
-            <a:ln>
-              <a:noFill/>
-            </a:ln>
-          </p:spPr>
-          <p:style>
-            <a:lnRef idx="2">
-              <a:schemeClr val="accent1">
-                <a:shade val="50000"/>
-              </a:schemeClr>
-            </a:lnRef>
-            <a:fillRef idx="1">
-              <a:schemeClr val="accent1"/>
-            </a:fillRef>
-            <a:effectRef idx="0">
-              <a:schemeClr val="accent1"/>
-            </a:effectRef>
-            <a:fontRef idx="minor">
-              <a:schemeClr val="lt1"/>
-            </a:fontRef>
-          </p:style>
-          <p:txBody>
-            <a:bodyPr rtlCol="0" anchor="ctr"/>
-            <a:lstStyle/>
-            <a:p>
-              <a:pPr algn="ctr"/>
-              <a:endParaRPr/>
-            </a:p>
-          </p:txBody>
-        </p:sp>
-        <p:sp>
-          <p:nvSpPr>
-            <p:cNvPr id="17" name="Rectangle 16"/>
-            <p:cNvSpPr/>
-            <p:nvPr/>
-          </p:nvSpPr>
-          <p:spPr>
-            <a:xfrm>
-              <a:off x="3026392" y="1759424"/>
-              <a:ext cx="1600200" cy="137411"/>
-            </a:xfrm>
-            <a:prstGeom prst="rect">
-              <a:avLst/>
-            </a:prstGeom>
-            <a:solidFill>
-              <a:schemeClr val="accent2"/>
-            </a:solidFill>
-            <a:ln>
-              <a:noFill/>
-            </a:ln>
-          </p:spPr>
-          <p:style>
-            <a:lnRef idx="2">
-              <a:schemeClr val="accent1">
-                <a:shade val="50000"/>
-              </a:schemeClr>
-            </a:lnRef>
-            <a:fillRef idx="1">
-              <a:schemeClr val="accent1"/>
-            </a:fillRef>
-            <a:effectRef idx="0">
-              <a:schemeClr val="accent1"/>
-            </a:effectRef>
-            <a:fontRef idx="minor">
-              <a:schemeClr val="lt1"/>
-            </a:fontRef>
-          </p:style>
-          <p:txBody>
-            <a:bodyPr rtlCol="0" anchor="ctr"/>
-            <a:lstStyle/>
-            <a:p>
-              <a:pPr algn="ctr"/>
-              <a:endParaRPr/>
-            </a:p>
-          </p:txBody>
-        </p:sp>
-        <p:sp>
-          <p:nvSpPr>
-            <p:cNvPr id="18" name="Rectangle 17"/>
-            <p:cNvSpPr/>
-            <p:nvPr/>
-          </p:nvSpPr>
-          <p:spPr>
-            <a:xfrm>
-              <a:off x="4626864" y="1759424"/>
-              <a:ext cx="4233672" cy="137411"/>
-            </a:xfrm>
-            <a:prstGeom prst="rect">
-              <a:avLst/>
-            </a:prstGeom>
-            <a:solidFill>
-              <a:schemeClr val="accent4"/>
-            </a:solidFill>
-            <a:ln>
-              <a:noFill/>
-            </a:ln>
-          </p:spPr>
-          <p:style>
-            <a:lnRef idx="2">
-              <a:schemeClr val="accent1">
-                <a:shade val="50000"/>
-              </a:schemeClr>
-            </a:lnRef>
-            <a:fillRef idx="1">
-              <a:schemeClr val="accent1"/>
-            </a:fillRef>
-            <a:effectRef idx="0">
-              <a:schemeClr val="accent1"/>
-            </a:effectRef>
-            <a:fontRef idx="minor">
-              <a:schemeClr val="lt1"/>
-            </a:fontRef>
-          </p:style>
-          <p:txBody>
-            <a:bodyPr rtlCol="0" anchor="ctr"/>
-            <a:lstStyle/>
-            <a:p>
-              <a:pPr algn="ctr"/>
-              <a:endParaRPr/>
-            </a:p>
-          </p:txBody>
-        </p:sp>
-      </p:grpSp>
-    </p:spTree>
-  </p:cSld>
-  <p:clrMapOvr>
-    <a:masterClrMapping/>
-  </p:clrMapOvr>
-  <p:timing>
-    <p:tnLst>
-      <p:par>
-        <p:cTn id="1" dur="indefinite" restart="never" nodeType="tmRoot"/>
-      </p:par>
-    </p:tnLst>
-  </p:timing>
-</p:sldLayout>
-</file>
-
-<file path=ppt/slideLayouts/slideLayout11.xml><?xml version="1.0" encoding="utf-8"?>
-<p:sldLayout xmlns:a="http://schemas.openxmlformats.org/drawingml/2006/main" xmlns:r="http://schemas.openxmlformats.org/officeDocument/2006/relationships" xmlns:p="http://schemas.openxmlformats.org/presentationml/2006/main" type="picTx" preserve="1">
-  <p:cSld name="3 Pictures with Caption">
-    <p:spTree>
-      <p:nvGrpSpPr>
-        <p:cNvPr id="1" name=""/>
-        <p:cNvGrpSpPr/>
-        <p:nvPr/>
-      </p:nvGrpSpPr>
-      <p:grpSpPr>
-        <a:xfrm>
-          <a:off x="0" y="0"/>
-          <a:ext cx="0" cy="0"/>
-          <a:chOff x="0" y="0"/>
-          <a:chExt cx="0" cy="0"/>
-        </a:xfrm>
-      </p:grpSpPr>
-      <p:sp>
-        <p:nvSpPr>
-          <p:cNvPr id="8" name="Rectangle 7"/>
-          <p:cNvSpPr/>
-          <p:nvPr/>
-        </p:nvSpPr>
-        <p:spPr>
-          <a:xfrm>
-            <a:off x="3021013" y="4801575"/>
-            <a:ext cx="5837237" cy="1468437"/>
+            <a:off x="5820917" y="473502"/>
+            <a:ext cx="2940317" cy="1092118"/>
           </a:xfrm>
           <a:prstGeom prst="rect">
             <a:avLst/>
           </a:prstGeom>
-          <a:solidFill>
-            <a:schemeClr val="tx1">
-              <a:lumMod val="85000"/>
-              <a:lumOff val="15000"/>
-              <a:alpha val="85000"/>
-            </a:schemeClr>
-          </a:solidFill>
+          <a:noFill/>
+          <a:extLst>
+            <a:ext uri="{909E8E84-426E-40dd-AFC4-6F175D3DCCD1}">
+              <a14:hiddenFill xmlns:a14="http://schemas.microsoft.com/office/drawing/2010/main" xmlns="">
+                <a:solidFill>
+                  <a:srgbClr val="FFFFFF"/>
+                </a:solidFill>
+              </a14:hiddenFill>
+            </a:ext>
+          </a:extLst>
         </p:spPr>
-        <p:txBody>
-          <a:bodyPr vert="horz" lIns="91440" tIns="45720" rIns="182880" bIns="365760" rtlCol="0" anchor="b" anchorCtr="0">
-            <a:normAutofit/>
-          </a:bodyPr>
-          <a:lstStyle/>
-          <a:p>
-            <a:pPr algn="l" defTabSz="914400" rtl="0" eaLnBrk="1" latinLnBrk="0" hangingPunct="1">
-              <a:spcBef>
-                <a:spcPct val="0"/>
-              </a:spcBef>
-              <a:buNone/>
-            </a:pPr>
-            <a:endParaRPr sz="4200" kern="1200">
-              <a:solidFill>
-                <a:schemeClr val="bg1"/>
-              </a:solidFill>
-              <a:latin typeface="+mj-lt"/>
-              <a:ea typeface="+mj-ea"/>
-              <a:cs typeface="+mj-cs"/>
-            </a:endParaRPr>
-          </a:p>
-        </p:txBody>
-      </p:sp>
-      <p:grpSp>
-        <p:nvGrpSpPr>
-          <p:cNvPr id="9" name="Group 8"/>
-          <p:cNvGrpSpPr/>
-          <p:nvPr/>
-        </p:nvGrpSpPr>
-        <p:grpSpPr>
-          <a:xfrm>
-            <a:off x="284163" y="6263389"/>
-            <a:ext cx="8576373" cy="137411"/>
-            <a:chOff x="284163" y="1759424"/>
-            <a:chExt cx="8576373" cy="137411"/>
-          </a:xfrm>
-        </p:grpSpPr>
-        <p:sp>
-          <p:nvSpPr>
-            <p:cNvPr id="10" name="Rectangle 9"/>
-            <p:cNvSpPr/>
-            <p:nvPr/>
-          </p:nvSpPr>
-          <p:spPr>
-            <a:xfrm>
-              <a:off x="284163" y="1759424"/>
-              <a:ext cx="2743200" cy="137411"/>
-            </a:xfrm>
-            <a:prstGeom prst="rect">
-              <a:avLst/>
-            </a:prstGeom>
-            <a:solidFill>
-              <a:schemeClr val="accent1"/>
-            </a:solidFill>
-            <a:ln>
-              <a:noFill/>
-            </a:ln>
-          </p:spPr>
-          <p:style>
-            <a:lnRef idx="2">
-              <a:schemeClr val="accent1">
-                <a:shade val="50000"/>
-              </a:schemeClr>
-            </a:lnRef>
-            <a:fillRef idx="1">
-              <a:schemeClr val="accent1"/>
-            </a:fillRef>
-            <a:effectRef idx="0">
-              <a:schemeClr val="accent1"/>
-            </a:effectRef>
-            <a:fontRef idx="minor">
-              <a:schemeClr val="lt1"/>
-            </a:fontRef>
-          </p:style>
-          <p:txBody>
-            <a:bodyPr rtlCol="0" anchor="ctr"/>
-            <a:lstStyle/>
-            <a:p>
-              <a:pPr algn="ctr"/>
-              <a:endParaRPr/>
-            </a:p>
-          </p:txBody>
-        </p:sp>
-        <p:sp>
-          <p:nvSpPr>
-            <p:cNvPr id="11" name="Rectangle 10"/>
-            <p:cNvSpPr/>
-            <p:nvPr/>
-          </p:nvSpPr>
-          <p:spPr>
-            <a:xfrm>
-              <a:off x="3026392" y="1759424"/>
-              <a:ext cx="1600200" cy="137411"/>
-            </a:xfrm>
-            <a:prstGeom prst="rect">
-              <a:avLst/>
-            </a:prstGeom>
-            <a:solidFill>
-              <a:schemeClr val="accent2"/>
-            </a:solidFill>
-            <a:ln>
-              <a:noFill/>
-            </a:ln>
-          </p:spPr>
-          <p:style>
-            <a:lnRef idx="2">
-              <a:schemeClr val="accent1">
-                <a:shade val="50000"/>
-              </a:schemeClr>
-            </a:lnRef>
-            <a:fillRef idx="1">
-              <a:schemeClr val="accent1"/>
-            </a:fillRef>
-            <a:effectRef idx="0">
-              <a:schemeClr val="accent1"/>
-            </a:effectRef>
-            <a:fontRef idx="minor">
-              <a:schemeClr val="lt1"/>
-            </a:fontRef>
-          </p:style>
-          <p:txBody>
-            <a:bodyPr rtlCol="0" anchor="ctr"/>
-            <a:lstStyle/>
-            <a:p>
-              <a:pPr algn="ctr"/>
-              <a:endParaRPr/>
-            </a:p>
-          </p:txBody>
-        </p:sp>
-        <p:sp>
-          <p:nvSpPr>
-            <p:cNvPr id="12" name="Rectangle 11"/>
-            <p:cNvSpPr/>
-            <p:nvPr/>
-          </p:nvSpPr>
-          <p:spPr>
-            <a:xfrm>
-              <a:off x="4626864" y="1759424"/>
-              <a:ext cx="4233672" cy="137411"/>
-            </a:xfrm>
-            <a:prstGeom prst="rect">
-              <a:avLst/>
-            </a:prstGeom>
-            <a:solidFill>
-              <a:schemeClr val="accent4"/>
-            </a:solidFill>
-            <a:ln>
-              <a:noFill/>
-            </a:ln>
-          </p:spPr>
-          <p:style>
-            <a:lnRef idx="2">
-              <a:schemeClr val="accent1">
-                <a:shade val="50000"/>
-              </a:schemeClr>
-            </a:lnRef>
-            <a:fillRef idx="1">
-              <a:schemeClr val="accent1"/>
-            </a:fillRef>
-            <a:effectRef idx="0">
-              <a:schemeClr val="accent1"/>
-            </a:effectRef>
-            <a:fontRef idx="minor">
-              <a:schemeClr val="lt1"/>
-            </a:fontRef>
-          </p:style>
-          <p:txBody>
-            <a:bodyPr rtlCol="0" anchor="ctr"/>
-            <a:lstStyle/>
-            <a:p>
-              <a:pPr algn="ctr"/>
-              <a:endParaRPr/>
-            </a:p>
-          </p:txBody>
-        </p:sp>
-      </p:grpSp>
-      <p:sp>
-        <p:nvSpPr>
-          <p:cNvPr id="2" name="Title 1"/>
-          <p:cNvSpPr>
-            <a:spLocks noGrp="1"/>
-          </p:cNvSpPr>
-          <p:nvPr>
-            <p:ph type="title"/>
-          </p:nvPr>
-        </p:nvSpPr>
+      </p:pic>
+      <p:cxnSp>
+        <p:nvCxnSpPr>
+          <p:cNvPr id="17" name="Straight Connector 16"/>
+          <p:cNvCxnSpPr/>
+          <p:nvPr userDrawn="1"/>
+        </p:nvCxnSpPr>
         <p:spPr>
           <a:xfrm>
-            <a:off x="3031661" y="4800600"/>
-            <a:ext cx="5691651" cy="566738"/>
+            <a:off x="457200" y="4012165"/>
+            <a:ext cx="8229600" cy="0"/>
           </a:xfrm>
-          <a:noFill/>
-        </p:spPr>
-        <p:txBody>
-          <a:bodyPr vert="horz" lIns="91440" tIns="45720" rIns="91440" bIns="45720" rtlCol="0" anchor="b" anchorCtr="0">
-            <a:normAutofit/>
-          </a:bodyPr>
-          <a:lstStyle>
-            <a:lvl1pPr algn="l" defTabSz="914400" rtl="0" eaLnBrk="1" latinLnBrk="0" hangingPunct="1">
-              <a:spcBef>
-                <a:spcPct val="0"/>
-              </a:spcBef>
-              <a:buNone/>
-              <a:defRPr sz="2800" b="0" i="0" kern="1200" cap="none" baseline="0">
-                <a:solidFill>
-                  <a:schemeClr val="bg1"/>
-                </a:solidFill>
-                <a:latin typeface="+mj-lt"/>
-                <a:ea typeface="+mj-ea"/>
-                <a:cs typeface="+mj-cs"/>
-              </a:defRPr>
-            </a:lvl1pPr>
-          </a:lstStyle>
-          <a:p>
-            <a:r>
-              <a:rPr lang="en-US" smtClean="0"/>
-              <a:t>Click to edit Master title style</a:t>
-            </a:r>
-            <a:endParaRPr/>
-          </a:p>
-        </p:txBody>
-      </p:sp>
-      <p:sp>
-        <p:nvSpPr>
-          <p:cNvPr id="3" name="Picture Placeholder 2"/>
-          <p:cNvSpPr>
-            <a:spLocks noGrp="1"/>
-          </p:cNvSpPr>
-          <p:nvPr>
-            <p:ph type="pic" idx="1"/>
-          </p:nvPr>
-        </p:nvSpPr>
-        <p:spPr>
-          <a:xfrm>
-            <a:off x="3021014" y="457199"/>
-            <a:ext cx="5833872" cy="4352544"/>
-          </a:xfrm>
-        </p:spPr>
-        <p:txBody>
-          <a:bodyPr>
-            <a:normAutofit/>
-          </a:bodyPr>
-          <a:lstStyle>
-            <a:lvl1pPr marL="0" indent="0">
-              <a:buNone/>
-              <a:defRPr sz="2400"/>
-            </a:lvl1pPr>
-            <a:lvl2pPr marL="457200" indent="0">
-              <a:buNone/>
-              <a:defRPr sz="2800"/>
-            </a:lvl2pPr>
-            <a:lvl3pPr marL="914400" indent="0">
-              <a:buNone/>
-              <a:defRPr sz="2400"/>
-            </a:lvl3pPr>
-            <a:lvl4pPr marL="1371600" indent="0">
-              <a:buNone/>
-              <a:defRPr sz="2000"/>
-            </a:lvl4pPr>
-            <a:lvl5pPr marL="1828800" indent="0">
-              <a:buNone/>
-              <a:defRPr sz="2000"/>
-            </a:lvl5pPr>
-            <a:lvl6pPr marL="2286000" indent="0">
-              <a:buNone/>
-              <a:defRPr sz="2000"/>
-            </a:lvl6pPr>
-            <a:lvl7pPr marL="2743200" indent="0">
-              <a:buNone/>
-              <a:defRPr sz="2000"/>
-            </a:lvl7pPr>
-            <a:lvl8pPr marL="3200400" indent="0">
-              <a:buNone/>
-              <a:defRPr sz="2000"/>
-            </a:lvl8pPr>
-            <a:lvl9pPr marL="3657600" indent="0">
-              <a:buNone/>
-              <a:defRPr sz="2000"/>
-            </a:lvl9pPr>
-          </a:lstStyle>
-          <a:p>
-            <a:r>
-              <a:rPr lang="en-US" smtClean="0"/>
-              <a:t>Drag picture to placeholder or click icon to add</a:t>
-            </a:r>
-            <a:endParaRPr/>
-          </a:p>
-        </p:txBody>
-      </p:sp>
-      <p:sp>
-        <p:nvSpPr>
-          <p:cNvPr id="4" name="Text Placeholder 3"/>
-          <p:cNvSpPr>
-            <a:spLocks noGrp="1"/>
-          </p:cNvSpPr>
-          <p:nvPr>
-            <p:ph type="body" sz="half" idx="2"/>
-          </p:nvPr>
-        </p:nvSpPr>
-        <p:spPr>
-          <a:xfrm>
-            <a:off x="3069805" y="5367338"/>
-            <a:ext cx="5653507" cy="804862"/>
-          </a:xfrm>
-        </p:spPr>
-        <p:txBody>
-          <a:bodyPr/>
-          <a:lstStyle>
-            <a:lvl1pPr marL="0" indent="0">
-              <a:spcBef>
-                <a:spcPts val="0"/>
-              </a:spcBef>
-              <a:buNone/>
-              <a:defRPr sz="1400">
-                <a:solidFill>
-                  <a:schemeClr val="bg1"/>
-                </a:solidFill>
-              </a:defRPr>
-            </a:lvl1pPr>
-            <a:lvl2pPr marL="457200" indent="0">
-              <a:buNone/>
-              <a:defRPr sz="1200"/>
-            </a:lvl2pPr>
-            <a:lvl3pPr marL="914400" indent="0">
-              <a:buNone/>
-              <a:defRPr sz="1000"/>
-            </a:lvl3pPr>
-            <a:lvl4pPr marL="1371600" indent="0">
-              <a:buNone/>
-              <a:defRPr sz="900"/>
-            </a:lvl4pPr>
-            <a:lvl5pPr marL="1828800" indent="0">
-              <a:buNone/>
-              <a:defRPr sz="900"/>
-            </a:lvl5pPr>
-            <a:lvl6pPr marL="2286000" indent="0">
-              <a:buNone/>
-              <a:defRPr sz="900"/>
-            </a:lvl6pPr>
-            <a:lvl7pPr marL="2743200" indent="0">
-              <a:buNone/>
-              <a:defRPr sz="900"/>
-            </a:lvl7pPr>
-            <a:lvl8pPr marL="3200400" indent="0">
-              <a:buNone/>
-              <a:defRPr sz="900"/>
-            </a:lvl8pPr>
-            <a:lvl9pPr marL="3657600" indent="0">
-              <a:buNone/>
-              <a:defRPr sz="900"/>
-            </a:lvl9pPr>
-          </a:lstStyle>
-          <a:p>
-            <a:pPr lvl="0"/>
-            <a:r>
-              <a:rPr lang="en-US" smtClean="0"/>
-              <a:t>Click to edit Master text styles</a:t>
-            </a:r>
-          </a:p>
-        </p:txBody>
-      </p:sp>
-      <p:sp>
-        <p:nvSpPr>
-          <p:cNvPr id="5" name="Date Placeholder 4"/>
-          <p:cNvSpPr>
-            <a:spLocks noGrp="1"/>
-          </p:cNvSpPr>
-          <p:nvPr>
-            <p:ph type="dt" sz="half" idx="10"/>
-          </p:nvPr>
-        </p:nvSpPr>
-        <p:spPr/>
-        <p:txBody>
-          <a:bodyPr/>
-          <a:lstStyle/>
-          <a:p>
-            <a:fld id="{EC14AE97-C046-4361-AE74-19B1AF52EBB5}" type="datetime1">
-              <a:rPr lang="en-US" smtClean="0"/>
-              <a:t>7/6/2015</a:t>
-            </a:fld>
-            <a:endParaRPr lang="en-US" dirty="0"/>
-          </a:p>
-        </p:txBody>
-      </p:sp>
-      <p:sp>
-        <p:nvSpPr>
-          <p:cNvPr id="6" name="Footer Placeholder 5"/>
-          <p:cNvSpPr>
-            <a:spLocks noGrp="1"/>
-          </p:cNvSpPr>
-          <p:nvPr>
-            <p:ph type="ftr" sz="quarter" idx="11"/>
-          </p:nvPr>
-        </p:nvSpPr>
-        <p:spPr/>
-        <p:txBody>
-          <a:bodyPr/>
-          <a:lstStyle/>
-          <a:p>
-            <a:r>
-              <a:rPr lang="en-US" smtClean="0"/>
-              <a:t>© 2015 EV3Lessons.com, Last edit 2/28/2015</a:t>
-            </a:r>
-            <a:endParaRPr lang="en-US" dirty="0"/>
-          </a:p>
-        </p:txBody>
-      </p:sp>
-      <p:sp>
-        <p:nvSpPr>
-          <p:cNvPr id="7" name="Slide Number Placeholder 6"/>
-          <p:cNvSpPr>
-            <a:spLocks noGrp="1"/>
-          </p:cNvSpPr>
-          <p:nvPr>
-            <p:ph type="sldNum" sz="quarter" idx="12"/>
-          </p:nvPr>
-        </p:nvSpPr>
-        <p:spPr/>
-        <p:txBody>
-          <a:bodyPr/>
-          <a:lstStyle/>
-          <a:p>
-            <a:fld id="{4382A7F7-08BF-4252-8141-63FB96055BBB}" type="slidenum">
-              <a:rPr lang="en-US" smtClean="0"/>
-              <a:t>‹#›</a:t>
-            </a:fld>
-            <a:endParaRPr lang="en-US"/>
-          </a:p>
-        </p:txBody>
-      </p:sp>
-      <p:sp>
-        <p:nvSpPr>
-          <p:cNvPr id="13" name="Picture Placeholder 2"/>
-          <p:cNvSpPr>
-            <a:spLocks noGrp="1"/>
-          </p:cNvSpPr>
-          <p:nvPr>
-            <p:ph type="pic" idx="13"/>
-          </p:nvPr>
-        </p:nvSpPr>
-        <p:spPr>
-          <a:xfrm>
-            <a:off x="284164" y="457200"/>
-            <a:ext cx="2736850" cy="2907792"/>
-          </a:xfrm>
-        </p:spPr>
-        <p:txBody>
-          <a:bodyPr>
-            <a:normAutofit/>
-          </a:bodyPr>
-          <a:lstStyle>
-            <a:lvl1pPr marL="0" indent="0">
-              <a:buNone/>
-              <a:defRPr sz="2400"/>
-            </a:lvl1pPr>
-            <a:lvl2pPr marL="457200" indent="0">
-              <a:buNone/>
-              <a:defRPr sz="2800"/>
-            </a:lvl2pPr>
-            <a:lvl3pPr marL="914400" indent="0">
-              <a:buNone/>
-              <a:defRPr sz="2400"/>
-            </a:lvl3pPr>
-            <a:lvl4pPr marL="1371600" indent="0">
-              <a:buNone/>
-              <a:defRPr sz="2000"/>
-            </a:lvl4pPr>
-            <a:lvl5pPr marL="1828800" indent="0">
-              <a:buNone/>
-              <a:defRPr sz="2000"/>
-            </a:lvl5pPr>
-            <a:lvl6pPr marL="2286000" indent="0">
-              <a:buNone/>
-              <a:defRPr sz="2000"/>
-            </a:lvl6pPr>
-            <a:lvl7pPr marL="2743200" indent="0">
-              <a:buNone/>
-              <a:defRPr sz="2000"/>
-            </a:lvl7pPr>
-            <a:lvl8pPr marL="3200400" indent="0">
-              <a:buNone/>
-              <a:defRPr sz="2000"/>
-            </a:lvl8pPr>
-            <a:lvl9pPr marL="3657600" indent="0">
-              <a:buNone/>
-              <a:defRPr sz="2000"/>
-            </a:lvl9pPr>
-          </a:lstStyle>
-          <a:p>
-            <a:r>
-              <a:rPr lang="en-US" smtClean="0"/>
-              <a:t>Drag picture to placeholder or click icon to add</a:t>
-            </a:r>
-            <a:endParaRPr/>
-          </a:p>
-        </p:txBody>
-      </p:sp>
-      <p:sp>
-        <p:nvSpPr>
-          <p:cNvPr id="14" name="Picture Placeholder 2"/>
-          <p:cNvSpPr>
-            <a:spLocks noGrp="1"/>
-          </p:cNvSpPr>
-          <p:nvPr>
-            <p:ph type="pic" idx="14"/>
-          </p:nvPr>
-        </p:nvSpPr>
-        <p:spPr>
-          <a:xfrm>
-            <a:off x="284164" y="3364992"/>
-            <a:ext cx="2736850" cy="2898648"/>
-          </a:xfrm>
-        </p:spPr>
-        <p:txBody>
-          <a:bodyPr>
-            <a:normAutofit/>
-          </a:bodyPr>
-          <a:lstStyle>
-            <a:lvl1pPr marL="0" indent="0">
-              <a:buNone/>
-              <a:defRPr sz="2400"/>
-            </a:lvl1pPr>
-            <a:lvl2pPr marL="457200" indent="0">
-              <a:buNone/>
-              <a:defRPr sz="2800"/>
-            </a:lvl2pPr>
-            <a:lvl3pPr marL="914400" indent="0">
-              <a:buNone/>
-              <a:defRPr sz="2400"/>
-            </a:lvl3pPr>
-            <a:lvl4pPr marL="1371600" indent="0">
-              <a:buNone/>
-              <a:defRPr sz="2000"/>
-            </a:lvl4pPr>
-            <a:lvl5pPr marL="1828800" indent="0">
-              <a:buNone/>
-              <a:defRPr sz="2000"/>
-            </a:lvl5pPr>
-            <a:lvl6pPr marL="2286000" indent="0">
-              <a:buNone/>
-              <a:defRPr sz="2000"/>
-            </a:lvl6pPr>
-            <a:lvl7pPr marL="2743200" indent="0">
-              <a:buNone/>
-              <a:defRPr sz="2000"/>
-            </a:lvl7pPr>
-            <a:lvl8pPr marL="3200400" indent="0">
-              <a:buNone/>
-              <a:defRPr sz="2000"/>
-            </a:lvl8pPr>
-            <a:lvl9pPr marL="3657600" indent="0">
-              <a:buNone/>
-              <a:defRPr sz="2000"/>
-            </a:lvl9pPr>
-          </a:lstStyle>
-          <a:p>
-            <a:r>
-              <a:rPr lang="en-US" smtClean="0"/>
-              <a:t>Drag picture to placeholder or click icon to add</a:t>
-            </a:r>
-            <a:endParaRPr/>
-          </a:p>
-        </p:txBody>
-      </p:sp>
-    </p:spTree>
-  </p:cSld>
-  <p:clrMapOvr>
-    <a:masterClrMapping/>
-  </p:clrMapOvr>
-  <p:timing>
-    <p:tnLst>
-      <p:par>
-        <p:cTn id="1" dur="indefinite" restart="never" nodeType="tmRoot"/>
-      </p:par>
-    </p:tnLst>
-  </p:timing>
-</p:sldLayout>
-</file>
-
-<file path=ppt/slideLayouts/slideLayout12.xml><?xml version="1.0" encoding="utf-8"?>
-<p:sldLayout xmlns:a="http://schemas.openxmlformats.org/drawingml/2006/main" xmlns:r="http://schemas.openxmlformats.org/officeDocument/2006/relationships" xmlns:p="http://schemas.openxmlformats.org/presentationml/2006/main" type="vertTx" preserve="1">
-  <p:cSld name="Title and Vertical Text">
-    <p:spTree>
-      <p:nvGrpSpPr>
-        <p:cNvPr id="1" name=""/>
-        <p:cNvGrpSpPr/>
-        <p:nvPr/>
-      </p:nvGrpSpPr>
-      <p:grpSpPr>
-        <a:xfrm>
-          <a:off x="0" y="0"/>
-          <a:ext cx="0" cy="0"/>
-          <a:chOff x="0" y="0"/>
-          <a:chExt cx="0" cy="0"/>
-        </a:xfrm>
-      </p:grpSpPr>
-      <p:sp>
-        <p:nvSpPr>
-          <p:cNvPr id="7" name="Rectangle 6"/>
-          <p:cNvSpPr/>
-          <p:nvPr/>
-        </p:nvSpPr>
-        <p:spPr>
-          <a:xfrm>
-            <a:off x="284163" y="455773"/>
-            <a:ext cx="8574087" cy="1133949"/>
-          </a:xfrm>
-          <a:prstGeom prst="rect">
+          <a:prstGeom prst="line">
             <a:avLst/>
           </a:prstGeom>
-          <a:solidFill>
-            <a:schemeClr val="tx1">
-              <a:lumMod val="85000"/>
-              <a:lumOff val="15000"/>
-              <a:alpha val="70000"/>
-            </a:schemeClr>
-          </a:solidFill>
           <a:ln>
-            <a:noFill/>
+            <a:solidFill>
+              <a:schemeClr val="tx1"/>
+            </a:solidFill>
           </a:ln>
         </p:spPr>
         <p:style>
           <a:lnRef idx="2">
-            <a:schemeClr val="accent1">
-              <a:shade val="50000"/>
-            </a:schemeClr>
+            <a:schemeClr val="accent1"/>
           </a:lnRef>
-          <a:fillRef idx="1">
+          <a:fillRef idx="0">
             <a:schemeClr val="accent1"/>
           </a:fillRef>
-          <a:effectRef idx="0">
+          <a:effectRef idx="1">
             <a:schemeClr val="accent1"/>
           </a:effectRef>
           <a:fontRef idx="minor">
-            <a:schemeClr val="lt1"/>
+            <a:schemeClr val="tx1"/>
           </a:fontRef>
         </p:style>
-        <p:txBody>
-          <a:bodyPr rtlCol="0" anchor="ctr"/>
-          <a:lstStyle/>
-          <a:p>
-            <a:pPr algn="ctr"/>
-            <a:endParaRPr/>
-          </a:p>
-        </p:txBody>
-      </p:sp>
-      <p:grpSp>
-        <p:nvGrpSpPr>
-          <p:cNvPr id="8" name="Group 7"/>
-          <p:cNvGrpSpPr/>
-          <p:nvPr/>
-        </p:nvGrpSpPr>
-        <p:grpSpPr>
-          <a:xfrm>
-            <a:off x="284163" y="1577847"/>
-            <a:ext cx="8576373" cy="137411"/>
-            <a:chOff x="284163" y="1577847"/>
-            <a:chExt cx="8576373" cy="137411"/>
-          </a:xfrm>
-        </p:grpSpPr>
-        <p:sp>
-          <p:nvSpPr>
-            <p:cNvPr id="9" name="Rectangle 8"/>
-            <p:cNvSpPr/>
-            <p:nvPr/>
-          </p:nvSpPr>
-          <p:spPr>
-            <a:xfrm>
-              <a:off x="284163" y="1577847"/>
-              <a:ext cx="1600200" cy="137411"/>
-            </a:xfrm>
-            <a:prstGeom prst="rect">
-              <a:avLst/>
-            </a:prstGeom>
-            <a:solidFill>
-              <a:schemeClr val="accent1"/>
-            </a:solidFill>
-            <a:ln>
-              <a:noFill/>
-            </a:ln>
-          </p:spPr>
-          <p:style>
-            <a:lnRef idx="2">
-              <a:schemeClr val="accent1">
-                <a:shade val="50000"/>
-              </a:schemeClr>
-            </a:lnRef>
-            <a:fillRef idx="1">
-              <a:schemeClr val="accent1"/>
-            </a:fillRef>
-            <a:effectRef idx="0">
-              <a:schemeClr val="accent1"/>
-            </a:effectRef>
-            <a:fontRef idx="minor">
-              <a:schemeClr val="lt1"/>
-            </a:fontRef>
-          </p:style>
-          <p:txBody>
-            <a:bodyPr rtlCol="0" anchor="ctr"/>
-            <a:lstStyle/>
-            <a:p>
-              <a:pPr algn="ctr"/>
-              <a:endParaRPr/>
-            </a:p>
-          </p:txBody>
-        </p:sp>
-        <p:sp>
-          <p:nvSpPr>
-            <p:cNvPr id="10" name="Rectangle 9"/>
-            <p:cNvSpPr/>
-            <p:nvPr/>
-          </p:nvSpPr>
-          <p:spPr>
-            <a:xfrm>
-              <a:off x="1885174" y="1577847"/>
-              <a:ext cx="2743200" cy="137411"/>
-            </a:xfrm>
-            <a:prstGeom prst="rect">
-              <a:avLst/>
-            </a:prstGeom>
-            <a:solidFill>
-              <a:schemeClr val="accent2"/>
-            </a:solidFill>
-            <a:ln>
-              <a:noFill/>
-            </a:ln>
-          </p:spPr>
-          <p:style>
-            <a:lnRef idx="2">
-              <a:schemeClr val="accent1">
-                <a:shade val="50000"/>
-              </a:schemeClr>
-            </a:lnRef>
-            <a:fillRef idx="1">
-              <a:schemeClr val="accent1"/>
-            </a:fillRef>
-            <a:effectRef idx="0">
-              <a:schemeClr val="accent1"/>
-            </a:effectRef>
-            <a:fontRef idx="minor">
-              <a:schemeClr val="lt1"/>
-            </a:fontRef>
-          </p:style>
-          <p:txBody>
-            <a:bodyPr rtlCol="0" anchor="ctr"/>
-            <a:lstStyle/>
-            <a:p>
-              <a:pPr algn="ctr"/>
-              <a:endParaRPr/>
-            </a:p>
-          </p:txBody>
-        </p:sp>
-        <p:sp>
-          <p:nvSpPr>
-            <p:cNvPr id="11" name="Rectangle 10"/>
-            <p:cNvSpPr/>
-            <p:nvPr/>
-          </p:nvSpPr>
-          <p:spPr>
-            <a:xfrm>
-              <a:off x="4626864" y="1577847"/>
-              <a:ext cx="4233672" cy="137411"/>
-            </a:xfrm>
-            <a:prstGeom prst="rect">
-              <a:avLst/>
-            </a:prstGeom>
-            <a:solidFill>
-              <a:schemeClr val="accent4"/>
-            </a:solidFill>
-            <a:ln>
-              <a:noFill/>
-            </a:ln>
-          </p:spPr>
-          <p:style>
-            <a:lnRef idx="2">
-              <a:schemeClr val="accent1">
-                <a:shade val="50000"/>
-              </a:schemeClr>
-            </a:lnRef>
-            <a:fillRef idx="1">
-              <a:schemeClr val="accent1"/>
-            </a:fillRef>
-            <a:effectRef idx="0">
-              <a:schemeClr val="accent1"/>
-            </a:effectRef>
-            <a:fontRef idx="minor">
-              <a:schemeClr val="lt1"/>
-            </a:fontRef>
-          </p:style>
-          <p:txBody>
-            <a:bodyPr rtlCol="0" anchor="ctr"/>
-            <a:lstStyle/>
-            <a:p>
-              <a:pPr algn="ctr"/>
-              <a:endParaRPr/>
-            </a:p>
-          </p:txBody>
-        </p:sp>
-      </p:grpSp>
-      <p:sp>
-        <p:nvSpPr>
-          <p:cNvPr id="2" name="Title 1"/>
-          <p:cNvSpPr>
-            <a:spLocks noGrp="1"/>
-          </p:cNvSpPr>
-          <p:nvPr>
-            <p:ph type="title"/>
-          </p:nvPr>
-        </p:nvSpPr>
-        <p:spPr/>
-        <p:txBody>
-          <a:bodyPr/>
-          <a:lstStyle/>
-          <a:p>
-            <a:r>
-              <a:rPr lang="en-US" smtClean="0"/>
-              <a:t>Click to edit Master title style</a:t>
-            </a:r>
-            <a:endParaRPr/>
-          </a:p>
-        </p:txBody>
-      </p:sp>
-      <p:sp>
-        <p:nvSpPr>
-          <p:cNvPr id="3" name="Vertical Text Placeholder 2"/>
-          <p:cNvSpPr>
-            <a:spLocks noGrp="1"/>
-          </p:cNvSpPr>
-          <p:nvPr>
-            <p:ph type="body" orient="vert" idx="1"/>
-          </p:nvPr>
-        </p:nvSpPr>
-        <p:spPr>
-          <a:xfrm>
-            <a:off x="284163" y="2133600"/>
-            <a:ext cx="8574087" cy="4013200"/>
-          </a:xfrm>
-        </p:spPr>
-        <p:txBody>
-          <a:bodyPr vert="eaVert"/>
-          <a:lstStyle>
-            <a:lvl5pPr>
-              <a:defRPr/>
-            </a:lvl5pPr>
-          </a:lstStyle>
-          <a:p>
-            <a:pPr lvl="0"/>
-            <a:r>
-              <a:rPr lang="en-US" smtClean="0"/>
-              <a:t>Click to edit Master text styles</a:t>
-            </a:r>
-          </a:p>
-          <a:p>
-            <a:pPr lvl="1"/>
-            <a:r>
-              <a:rPr lang="en-US" smtClean="0"/>
-              <a:t>Second level</a:t>
-            </a:r>
-          </a:p>
-          <a:p>
-            <a:pPr lvl="2"/>
-            <a:r>
-              <a:rPr lang="en-US" smtClean="0"/>
-              <a:t>Third level</a:t>
-            </a:r>
-          </a:p>
-          <a:p>
-            <a:pPr lvl="3"/>
-            <a:r>
-              <a:rPr lang="en-US" smtClean="0"/>
-              <a:t>Fourth level</a:t>
-            </a:r>
-          </a:p>
-          <a:p>
-            <a:pPr lvl="4"/>
-            <a:r>
-              <a:rPr lang="en-US" smtClean="0"/>
-              <a:t>Fifth level</a:t>
-            </a:r>
-            <a:endParaRPr dirty="0"/>
-          </a:p>
-        </p:txBody>
-      </p:sp>
-      <p:sp>
-        <p:nvSpPr>
-          <p:cNvPr id="4" name="Date Placeholder 3"/>
-          <p:cNvSpPr>
-            <a:spLocks noGrp="1"/>
-          </p:cNvSpPr>
-          <p:nvPr>
-            <p:ph type="dt" sz="half" idx="10"/>
-          </p:nvPr>
-        </p:nvSpPr>
-        <p:spPr/>
-        <p:txBody>
-          <a:bodyPr/>
-          <a:lstStyle/>
-          <a:p>
-            <a:fld id="{F3F70ED4-C839-41DE-B332-D34AB17F31E3}" type="datetime1">
-              <a:rPr lang="en-US" smtClean="0"/>
-              <a:t>7/6/2015</a:t>
-            </a:fld>
-            <a:endParaRPr lang="en-US"/>
-          </a:p>
-        </p:txBody>
-      </p:sp>
-      <p:sp>
-        <p:nvSpPr>
-          <p:cNvPr id="5" name="Footer Placeholder 4"/>
-          <p:cNvSpPr>
-            <a:spLocks noGrp="1"/>
-          </p:cNvSpPr>
-          <p:nvPr>
-            <p:ph type="ftr" sz="quarter" idx="11"/>
-          </p:nvPr>
-        </p:nvSpPr>
-        <p:spPr/>
-        <p:txBody>
-          <a:bodyPr/>
-          <a:lstStyle/>
-          <a:p>
-            <a:r>
-              <a:rPr lang="en-US" smtClean="0"/>
-              <a:t>© 2015 EV3Lessons.com, Last edit 2/28/2015</a:t>
-            </a:r>
-            <a:endParaRPr lang="en-US"/>
-          </a:p>
-        </p:txBody>
-      </p:sp>
-      <p:sp>
-        <p:nvSpPr>
-          <p:cNvPr id="6" name="Slide Number Placeholder 5"/>
-          <p:cNvSpPr>
-            <a:spLocks noGrp="1"/>
-          </p:cNvSpPr>
-          <p:nvPr>
-            <p:ph type="sldNum" sz="quarter" idx="12"/>
-          </p:nvPr>
-        </p:nvSpPr>
-        <p:spPr/>
-        <p:txBody>
-          <a:bodyPr/>
-          <a:lstStyle/>
-          <a:p>
-            <a:fld id="{4382A7F7-08BF-4252-8141-63FB96055BBB}" type="slidenum">
-              <a:rPr lang="en-US" smtClean="0"/>
-              <a:t>‹#›</a:t>
-            </a:fld>
-            <a:endParaRPr lang="en-US"/>
-          </a:p>
-        </p:txBody>
-      </p:sp>
-    </p:spTree>
-  </p:cSld>
-  <p:clrMapOvr>
-    <a:masterClrMapping/>
-  </p:clrMapOvr>
-  <p:timing>
-    <p:tnLst>
-      <p:par>
-        <p:cTn id="1" dur="indefinite" restart="never" nodeType="tmRoot"/>
-      </p:par>
-    </p:tnLst>
-  </p:timing>
-</p:sldLayout>
-</file>
-
-<file path=ppt/slideLayouts/slideLayout13.xml><?xml version="1.0" encoding="utf-8"?>
-<p:sldLayout xmlns:a="http://schemas.openxmlformats.org/drawingml/2006/main" xmlns:r="http://schemas.openxmlformats.org/officeDocument/2006/relationships" xmlns:p="http://schemas.openxmlformats.org/presentationml/2006/main" type="vertTitleAndTx" preserve="1">
-  <p:cSld name="Vertical Title and Text">
-    <p:spTree>
-      <p:nvGrpSpPr>
-        <p:cNvPr id="1" name=""/>
-        <p:cNvGrpSpPr/>
-        <p:nvPr/>
-      </p:nvGrpSpPr>
-      <p:grpSpPr>
-        <a:xfrm>
-          <a:off x="0" y="0"/>
-          <a:ext cx="0" cy="0"/>
-          <a:chOff x="0" y="0"/>
-          <a:chExt cx="0" cy="0"/>
-        </a:xfrm>
-      </p:grpSpPr>
-      <p:sp>
-        <p:nvSpPr>
-          <p:cNvPr id="7" name="Rectangle 6"/>
-          <p:cNvSpPr/>
-          <p:nvPr/>
-        </p:nvSpPr>
-        <p:spPr>
-          <a:xfrm rot="5400000">
-            <a:off x="5313882" y="2857535"/>
-            <a:ext cx="5934615" cy="1133949"/>
-          </a:xfrm>
-          <a:prstGeom prst="rect">
-            <a:avLst/>
-          </a:prstGeom>
-          <a:solidFill>
-            <a:schemeClr val="tx1">
-              <a:lumMod val="85000"/>
-              <a:lumOff val="15000"/>
-              <a:alpha val="70000"/>
-            </a:schemeClr>
-          </a:solidFill>
-          <a:ln>
-            <a:noFill/>
-          </a:ln>
-        </p:spPr>
-        <p:style>
-          <a:lnRef idx="2">
-            <a:schemeClr val="accent1">
-              <a:shade val="50000"/>
-            </a:schemeClr>
-          </a:lnRef>
-          <a:fillRef idx="1">
-            <a:schemeClr val="accent1"/>
-          </a:fillRef>
-          <a:effectRef idx="0">
-            <a:schemeClr val="accent1"/>
-          </a:effectRef>
-          <a:fontRef idx="minor">
-            <a:schemeClr val="lt1"/>
-          </a:fontRef>
-        </p:style>
-        <p:txBody>
-          <a:bodyPr rtlCol="0" anchor="ctr"/>
-          <a:lstStyle/>
-          <a:p>
-            <a:pPr algn="ctr"/>
-            <a:endParaRPr/>
-          </a:p>
-        </p:txBody>
-      </p:sp>
-      <p:sp>
-        <p:nvSpPr>
-          <p:cNvPr id="2" name="Vertical Title 1"/>
-          <p:cNvSpPr>
-            <a:spLocks noGrp="1"/>
-          </p:cNvSpPr>
-          <p:nvPr>
-            <p:ph type="title" orient="vert"/>
-          </p:nvPr>
-        </p:nvSpPr>
-        <p:spPr>
-          <a:xfrm>
-            <a:off x="7695124" y="473075"/>
-            <a:ext cx="969264" cy="5921375"/>
-          </a:xfrm>
-        </p:spPr>
-        <p:txBody>
-          <a:bodyPr vert="eaVert"/>
-          <a:lstStyle>
-            <a:lvl1pPr algn="l">
-              <a:defRPr sz="3400"/>
-            </a:lvl1pPr>
-          </a:lstStyle>
-          <a:p>
-            <a:r>
-              <a:rPr lang="en-US" smtClean="0"/>
-              <a:t>Click to edit Master title style</a:t>
-            </a:r>
-            <a:endParaRPr/>
-          </a:p>
-        </p:txBody>
-      </p:sp>
-      <p:sp>
-        <p:nvSpPr>
-          <p:cNvPr id="3" name="Vertical Text Placeholder 2"/>
-          <p:cNvSpPr>
-            <a:spLocks noGrp="1"/>
-          </p:cNvSpPr>
-          <p:nvPr>
-            <p:ph type="body" orient="vert" idx="1"/>
-          </p:nvPr>
-        </p:nvSpPr>
-        <p:spPr>
-          <a:xfrm>
-            <a:off x="284163" y="457200"/>
-            <a:ext cx="6497637" cy="5937250"/>
-          </a:xfrm>
-        </p:spPr>
-        <p:txBody>
-          <a:bodyPr vert="eaVert"/>
-          <a:lstStyle>
-            <a:lvl5pPr algn="l">
-              <a:defRPr/>
-            </a:lvl5pPr>
-          </a:lstStyle>
-          <a:p>
-            <a:pPr lvl="0"/>
-            <a:r>
-              <a:rPr lang="en-US" smtClean="0"/>
-              <a:t>Click to edit Master text styles</a:t>
-            </a:r>
-          </a:p>
-          <a:p>
-            <a:pPr lvl="1"/>
-            <a:r>
-              <a:rPr lang="en-US" smtClean="0"/>
-              <a:t>Second level</a:t>
-            </a:r>
-          </a:p>
-          <a:p>
-            <a:pPr lvl="2"/>
-            <a:r>
-              <a:rPr lang="en-US" smtClean="0"/>
-              <a:t>Third level</a:t>
-            </a:r>
-          </a:p>
-          <a:p>
-            <a:pPr lvl="3"/>
-            <a:r>
-              <a:rPr lang="en-US" smtClean="0"/>
-              <a:t>Fourth level</a:t>
-            </a:r>
-          </a:p>
-          <a:p>
-            <a:pPr lvl="4"/>
-            <a:r>
-              <a:rPr lang="en-US" smtClean="0"/>
-              <a:t>Fifth level</a:t>
-            </a:r>
-            <a:endParaRPr dirty="0"/>
-          </a:p>
-        </p:txBody>
-      </p:sp>
-      <p:sp>
-        <p:nvSpPr>
-          <p:cNvPr id="4" name="Date Placeholder 3"/>
-          <p:cNvSpPr>
-            <a:spLocks noGrp="1"/>
-          </p:cNvSpPr>
-          <p:nvPr>
-            <p:ph type="dt" sz="half" idx="10"/>
-          </p:nvPr>
-        </p:nvSpPr>
-        <p:spPr/>
-        <p:txBody>
-          <a:bodyPr/>
-          <a:lstStyle/>
-          <a:p>
-            <a:fld id="{1E8E1670-1FA3-48B6-9067-6F1E9A217A42}" type="datetime1">
-              <a:rPr lang="en-US" smtClean="0"/>
-              <a:t>7/6/2015</a:t>
-            </a:fld>
-            <a:endParaRPr lang="en-US"/>
-          </a:p>
-        </p:txBody>
-      </p:sp>
-      <p:sp>
-        <p:nvSpPr>
-          <p:cNvPr id="5" name="Footer Placeholder 4"/>
-          <p:cNvSpPr>
-            <a:spLocks noGrp="1"/>
-          </p:cNvSpPr>
-          <p:nvPr>
-            <p:ph type="ftr" sz="quarter" idx="11"/>
-          </p:nvPr>
-        </p:nvSpPr>
-        <p:spPr/>
-        <p:txBody>
-          <a:bodyPr/>
-          <a:lstStyle/>
-          <a:p>
-            <a:r>
-              <a:rPr lang="en-US" smtClean="0"/>
-              <a:t>© 2015 EV3Lessons.com, Last edit 2/28/2015</a:t>
-            </a:r>
-            <a:endParaRPr lang="en-US"/>
-          </a:p>
-        </p:txBody>
-      </p:sp>
-      <p:sp>
-        <p:nvSpPr>
-          <p:cNvPr id="6" name="Slide Number Placeholder 5"/>
-          <p:cNvSpPr>
-            <a:spLocks noGrp="1"/>
-          </p:cNvSpPr>
-          <p:nvPr>
-            <p:ph type="sldNum" sz="quarter" idx="12"/>
-          </p:nvPr>
-        </p:nvSpPr>
-        <p:spPr/>
-        <p:txBody>
-          <a:bodyPr/>
-          <a:lstStyle/>
-          <a:p>
-            <a:fld id="{4382A7F7-08BF-4252-8141-63FB96055BBB}" type="slidenum">
-              <a:rPr lang="en-US" smtClean="0"/>
-              <a:t>‹#›</a:t>
-            </a:fld>
-            <a:endParaRPr lang="en-US"/>
-          </a:p>
-        </p:txBody>
-      </p:sp>
-      <p:grpSp>
-        <p:nvGrpSpPr>
-          <p:cNvPr id="8" name="Group 7"/>
-          <p:cNvGrpSpPr/>
-          <p:nvPr/>
-        </p:nvGrpSpPr>
-        <p:grpSpPr>
-          <a:xfrm rot="5400000">
-            <a:off x="4658724" y="3355723"/>
-            <a:ext cx="5934456" cy="137411"/>
-            <a:chOff x="284163" y="1577847"/>
-            <a:chExt cx="8576373" cy="137411"/>
-          </a:xfrm>
-        </p:grpSpPr>
-        <p:sp>
-          <p:nvSpPr>
-            <p:cNvPr id="9" name="Rectangle 8"/>
-            <p:cNvSpPr/>
-            <p:nvPr/>
-          </p:nvSpPr>
-          <p:spPr>
-            <a:xfrm>
-              <a:off x="284163" y="1577847"/>
-              <a:ext cx="1600200" cy="137411"/>
-            </a:xfrm>
-            <a:prstGeom prst="rect">
-              <a:avLst/>
-            </a:prstGeom>
-            <a:solidFill>
-              <a:schemeClr val="accent1"/>
-            </a:solidFill>
-            <a:ln>
-              <a:noFill/>
-            </a:ln>
-          </p:spPr>
-          <p:style>
-            <a:lnRef idx="2">
-              <a:schemeClr val="accent1">
-                <a:shade val="50000"/>
-              </a:schemeClr>
-            </a:lnRef>
-            <a:fillRef idx="1">
-              <a:schemeClr val="accent1"/>
-            </a:fillRef>
-            <a:effectRef idx="0">
-              <a:schemeClr val="accent1"/>
-            </a:effectRef>
-            <a:fontRef idx="minor">
-              <a:schemeClr val="lt1"/>
-            </a:fontRef>
-          </p:style>
-          <p:txBody>
-            <a:bodyPr rtlCol="0" anchor="ctr"/>
-            <a:lstStyle/>
-            <a:p>
-              <a:pPr algn="ctr"/>
-              <a:endParaRPr/>
-            </a:p>
-          </p:txBody>
-        </p:sp>
-        <p:sp>
-          <p:nvSpPr>
-            <p:cNvPr id="10" name="Rectangle 9"/>
-            <p:cNvSpPr/>
-            <p:nvPr/>
-          </p:nvSpPr>
-          <p:spPr>
-            <a:xfrm>
-              <a:off x="1885174" y="1577847"/>
-              <a:ext cx="2743200" cy="137411"/>
-            </a:xfrm>
-            <a:prstGeom prst="rect">
-              <a:avLst/>
-            </a:prstGeom>
-            <a:solidFill>
-              <a:schemeClr val="accent2"/>
-            </a:solidFill>
-            <a:ln>
-              <a:noFill/>
-            </a:ln>
-          </p:spPr>
-          <p:style>
-            <a:lnRef idx="2">
-              <a:schemeClr val="accent1">
-                <a:shade val="50000"/>
-              </a:schemeClr>
-            </a:lnRef>
-            <a:fillRef idx="1">
-              <a:schemeClr val="accent1"/>
-            </a:fillRef>
-            <a:effectRef idx="0">
-              <a:schemeClr val="accent1"/>
-            </a:effectRef>
-            <a:fontRef idx="minor">
-              <a:schemeClr val="lt1"/>
-            </a:fontRef>
-          </p:style>
-          <p:txBody>
-            <a:bodyPr rtlCol="0" anchor="ctr"/>
-            <a:lstStyle/>
-            <a:p>
-              <a:pPr algn="ctr"/>
-              <a:endParaRPr/>
-            </a:p>
-          </p:txBody>
-        </p:sp>
-        <p:sp>
-          <p:nvSpPr>
-            <p:cNvPr id="11" name="Rectangle 10"/>
-            <p:cNvSpPr/>
-            <p:nvPr/>
-          </p:nvSpPr>
-          <p:spPr>
-            <a:xfrm>
-              <a:off x="4626864" y="1577847"/>
-              <a:ext cx="4233672" cy="137411"/>
-            </a:xfrm>
-            <a:prstGeom prst="rect">
-              <a:avLst/>
-            </a:prstGeom>
-            <a:solidFill>
-              <a:schemeClr val="accent4"/>
-            </a:solidFill>
-            <a:ln>
-              <a:noFill/>
-            </a:ln>
-          </p:spPr>
-          <p:style>
-            <a:lnRef idx="2">
-              <a:schemeClr val="accent1">
-                <a:shade val="50000"/>
-              </a:schemeClr>
-            </a:lnRef>
-            <a:fillRef idx="1">
-              <a:schemeClr val="accent1"/>
-            </a:fillRef>
-            <a:effectRef idx="0">
-              <a:schemeClr val="accent1"/>
-            </a:effectRef>
-            <a:fontRef idx="minor">
-              <a:schemeClr val="lt1"/>
-            </a:fontRef>
-          </p:style>
-          <p:txBody>
-            <a:bodyPr rtlCol="0" anchor="ctr"/>
-            <a:lstStyle/>
-            <a:p>
-              <a:pPr algn="ctr"/>
-              <a:endParaRPr/>
-            </a:p>
-          </p:txBody>
-        </p:sp>
-      </p:grpSp>
+      </p:cxnSp>
     </p:spTree>
   </p:cSld>
   <p:clrMapOvr>
@@ -3467,7 +1639,7 @@
 </file>
 
 <file path=ppt/slideLayouts/slideLayout2.xml><?xml version="1.0" encoding="utf-8"?>
-<p:sldLayout xmlns:a="http://schemas.openxmlformats.org/drawingml/2006/main" xmlns:r="http://schemas.openxmlformats.org/officeDocument/2006/relationships" xmlns:p="http://schemas.openxmlformats.org/presentationml/2006/main" type="obj" preserve="1">
+<p:sldLayout xmlns:a="http://schemas.openxmlformats.org/drawingml/2006/main" xmlns:r="http://schemas.openxmlformats.org/officeDocument/2006/relationships" xmlns:p="http://schemas.openxmlformats.org/presentationml/2006/main" preserve="1" userDrawn="1">
   <p:cSld name="Title and Content">
     <p:spTree>
       <p:nvGrpSpPr>
@@ -3485,71 +1657,146 @@
       </p:grpSpPr>
       <p:sp>
         <p:nvSpPr>
-          <p:cNvPr id="7" name="Rectangle 6"/>
-          <p:cNvSpPr/>
-          <p:nvPr/>
-        </p:nvSpPr>
-        <p:spPr>
-          <a:xfrm>
-            <a:off x="284163" y="455773"/>
-            <a:ext cx="8574087" cy="1133949"/>
-          </a:xfrm>
-          <a:prstGeom prst="rect">
-            <a:avLst/>
-          </a:prstGeom>
-          <a:solidFill>
-            <a:schemeClr val="tx1">
-              <a:lumMod val="85000"/>
-              <a:lumOff val="15000"/>
-              <a:alpha val="70000"/>
-            </a:schemeClr>
-          </a:solidFill>
-          <a:ln>
-            <a:noFill/>
-          </a:ln>
-        </p:spPr>
-        <p:style>
-          <a:lnRef idx="2">
-            <a:schemeClr val="accent1">
-              <a:shade val="50000"/>
-            </a:schemeClr>
-          </a:lnRef>
-          <a:fillRef idx="1">
-            <a:schemeClr val="accent1"/>
-          </a:fillRef>
-          <a:effectRef idx="0">
-            <a:schemeClr val="accent1"/>
-          </a:effectRef>
-          <a:fontRef idx="minor">
-            <a:schemeClr val="lt1"/>
-          </a:fontRef>
-        </p:style>
-        <p:txBody>
-          <a:bodyPr rtlCol="0" anchor="ctr"/>
+          <p:cNvPr id="3" name="Content Placeholder 2"/>
+          <p:cNvSpPr>
+            <a:spLocks noGrp="1"/>
+          </p:cNvSpPr>
+          <p:nvPr>
+            <p:ph idx="1"/>
+          </p:nvPr>
+        </p:nvSpPr>
+        <p:spPr/>
+        <p:txBody>
+          <a:bodyPr/>
+          <a:lstStyle>
+            <a:lvl5pPr>
+              <a:defRPr/>
+            </a:lvl5pPr>
+          </a:lstStyle>
+          <a:p>
+            <a:pPr lvl="0"/>
+            <a:r>
+              <a:rPr lang="en-US" smtClean="0"/>
+              <a:t>Click to edit Master text styles</a:t>
+            </a:r>
+          </a:p>
+          <a:p>
+            <a:pPr lvl="1"/>
+            <a:r>
+              <a:rPr lang="en-US" smtClean="0"/>
+              <a:t>Second level</a:t>
+            </a:r>
+          </a:p>
+          <a:p>
+            <a:pPr lvl="2"/>
+            <a:r>
+              <a:rPr lang="en-US" smtClean="0"/>
+              <a:t>Third level</a:t>
+            </a:r>
+          </a:p>
+          <a:p>
+            <a:pPr lvl="3"/>
+            <a:r>
+              <a:rPr lang="en-US" smtClean="0"/>
+              <a:t>Fourth level</a:t>
+            </a:r>
+          </a:p>
+          <a:p>
+            <a:pPr lvl="4"/>
+            <a:r>
+              <a:rPr lang="en-US" smtClean="0"/>
+              <a:t>Fifth level</a:t>
+            </a:r>
+            <a:endParaRPr dirty="0"/>
+          </a:p>
+        </p:txBody>
+      </p:sp>
+      <p:sp>
+        <p:nvSpPr>
+          <p:cNvPr id="4" name="Date Placeholder 3"/>
+          <p:cNvSpPr>
+            <a:spLocks noGrp="1"/>
+          </p:cNvSpPr>
+          <p:nvPr>
+            <p:ph type="dt" sz="half" idx="10"/>
+          </p:nvPr>
+        </p:nvSpPr>
+        <p:spPr/>
+        <p:txBody>
+          <a:bodyPr/>
           <a:lstStyle/>
           <a:p>
-            <a:pPr algn="ctr"/>
-            <a:endParaRPr/>
+            <a:fld id="{05FBF797-BE5E-6E4F-8AD0-DF512F93D285}" type="datetime1">
+              <a:rPr lang="en-US" smtClean="0"/>
+              <a:t>11/15/15</a:t>
+            </a:fld>
+            <a:endParaRPr lang="en-US"/>
+          </a:p>
+        </p:txBody>
+      </p:sp>
+      <p:sp>
+        <p:nvSpPr>
+          <p:cNvPr id="5" name="Footer Placeholder 4"/>
+          <p:cNvSpPr>
+            <a:spLocks noGrp="1"/>
+          </p:cNvSpPr>
+          <p:nvPr>
+            <p:ph type="ftr" sz="quarter" idx="11"/>
+          </p:nvPr>
+        </p:nvSpPr>
+        <p:spPr/>
+        <p:txBody>
+          <a:bodyPr/>
+          <a:lstStyle/>
+          <a:p>
+            <a:r>
+              <a:rPr lang="en-US" smtClean="0"/>
+              <a:t>© 2015 EV3Lessons.com, Last edit 2/28/2015</a:t>
+            </a:r>
+            <a:endParaRPr lang="en-US"/>
+          </a:p>
+        </p:txBody>
+      </p:sp>
+      <p:sp>
+        <p:nvSpPr>
+          <p:cNvPr id="6" name="Slide Number Placeholder 5"/>
+          <p:cNvSpPr>
+            <a:spLocks noGrp="1"/>
+          </p:cNvSpPr>
+          <p:nvPr>
+            <p:ph type="sldNum" sz="quarter" idx="12"/>
+          </p:nvPr>
+        </p:nvSpPr>
+        <p:spPr/>
+        <p:txBody>
+          <a:bodyPr/>
+          <a:lstStyle/>
+          <a:p>
+            <a:fld id="{4382A7F7-08BF-4252-8141-63FB96055BBB}" type="slidenum">
+              <a:rPr lang="en-US" smtClean="0"/>
+              <a:t>‹#›</a:t>
+            </a:fld>
+            <a:endParaRPr lang="en-US" dirty="0"/>
           </a:p>
         </p:txBody>
       </p:sp>
       <p:grpSp>
         <p:nvGrpSpPr>
-          <p:cNvPr id="8" name="Group 7"/>
+          <p:cNvPr id="12" name="Group 11"/>
           <p:cNvGrpSpPr/>
-          <p:nvPr/>
+          <p:nvPr userDrawn="1"/>
         </p:nvGrpSpPr>
         <p:grpSpPr>
           <a:xfrm>
-            <a:off x="284163" y="1577847"/>
-            <a:ext cx="8576373" cy="137411"/>
+            <a:off x="0" y="1188720"/>
+            <a:ext cx="9144000" cy="137411"/>
             <a:chOff x="284163" y="1577847"/>
             <a:chExt cx="8576373" cy="137411"/>
           </a:xfrm>
         </p:grpSpPr>
         <p:sp>
           <p:nvSpPr>
-            <p:cNvPr id="9" name="Rectangle 8"/>
+            <p:cNvPr id="13" name="Rectangle 12"/>
             <p:cNvSpPr/>
             <p:nvPr/>
           </p:nvSpPr>
@@ -3595,7 +1842,7 @@
         </p:sp>
         <p:sp>
           <p:nvSpPr>
-            <p:cNvPr id="10" name="Rectangle 9"/>
+            <p:cNvPr id="14" name="Rectangle 13"/>
             <p:cNvSpPr/>
             <p:nvPr/>
           </p:nvSpPr>
@@ -3641,7 +1888,7 @@
         </p:sp>
         <p:sp>
           <p:nvSpPr>
-            <p:cNvPr id="11" name="Rectangle 10"/>
+            <p:cNvPr id="15" name="Rectangle 14"/>
             <p:cNvSpPr/>
             <p:nvPr/>
           </p:nvSpPr>
@@ -3688,7 +1935,7 @@
       </p:grpSp>
       <p:sp>
         <p:nvSpPr>
-          <p:cNvPr id="2" name="Title 1"/>
+          <p:cNvPr id="16" name="Title 15"/>
           <p:cNvSpPr>
             <a:spLocks noGrp="1"/>
           </p:cNvSpPr>
@@ -3696,9 +1943,7 @@
             <p:ph type="title"/>
           </p:nvPr>
         </p:nvSpPr>
-        <p:spPr>
-          <a:noFill/>
-        </p:spPr>
+        <p:spPr/>
         <p:txBody>
           <a:bodyPr/>
           <a:lstStyle/>
@@ -3707,131 +1952,6 @@
               <a:rPr lang="en-US" smtClean="0"/>
               <a:t>Click to edit Master title style</a:t>
             </a:r>
-            <a:endParaRPr/>
-          </a:p>
-        </p:txBody>
-      </p:sp>
-      <p:sp>
-        <p:nvSpPr>
-          <p:cNvPr id="3" name="Content Placeholder 2"/>
-          <p:cNvSpPr>
-            <a:spLocks noGrp="1"/>
-          </p:cNvSpPr>
-          <p:nvPr>
-            <p:ph idx="1"/>
-          </p:nvPr>
-        </p:nvSpPr>
-        <p:spPr/>
-        <p:txBody>
-          <a:bodyPr/>
-          <a:lstStyle>
-            <a:lvl5pPr>
-              <a:defRPr/>
-            </a:lvl5pPr>
-          </a:lstStyle>
-          <a:p>
-            <a:pPr lvl="0"/>
-            <a:r>
-              <a:rPr lang="en-US" smtClean="0"/>
-              <a:t>Click to edit Master text styles</a:t>
-            </a:r>
-          </a:p>
-          <a:p>
-            <a:pPr lvl="1"/>
-            <a:r>
-              <a:rPr lang="en-US" smtClean="0"/>
-              <a:t>Second level</a:t>
-            </a:r>
-          </a:p>
-          <a:p>
-            <a:pPr lvl="2"/>
-            <a:r>
-              <a:rPr lang="en-US" smtClean="0"/>
-              <a:t>Third level</a:t>
-            </a:r>
-          </a:p>
-          <a:p>
-            <a:pPr lvl="3"/>
-            <a:r>
-              <a:rPr lang="en-US" smtClean="0"/>
-              <a:t>Fourth level</a:t>
-            </a:r>
-          </a:p>
-          <a:p>
-            <a:pPr lvl="4"/>
-            <a:r>
-              <a:rPr lang="en-US" smtClean="0"/>
-              <a:t>Fifth level</a:t>
-            </a:r>
-            <a:endParaRPr dirty="0"/>
-          </a:p>
-        </p:txBody>
-      </p:sp>
-      <p:sp>
-        <p:nvSpPr>
-          <p:cNvPr id="4" name="Date Placeholder 3"/>
-          <p:cNvSpPr>
-            <a:spLocks noGrp="1"/>
-          </p:cNvSpPr>
-          <p:nvPr>
-            <p:ph type="dt" sz="half" idx="10"/>
-          </p:nvPr>
-        </p:nvSpPr>
-        <p:spPr/>
-        <p:txBody>
-          <a:bodyPr/>
-          <a:lstStyle/>
-          <a:p>
-            <a:fld id="{578632CD-C86C-4E89-AD9E-8737D266F3C5}" type="datetime1">
-              <a:rPr lang="en-US" smtClean="0"/>
-              <a:t>7/6/2015</a:t>
-            </a:fld>
-            <a:endParaRPr lang="en-US"/>
-          </a:p>
-        </p:txBody>
-      </p:sp>
-      <p:sp>
-        <p:nvSpPr>
-          <p:cNvPr id="5" name="Footer Placeholder 4"/>
-          <p:cNvSpPr>
-            <a:spLocks noGrp="1"/>
-          </p:cNvSpPr>
-          <p:nvPr>
-            <p:ph type="ftr" sz="quarter" idx="11"/>
-          </p:nvPr>
-        </p:nvSpPr>
-        <p:spPr/>
-        <p:txBody>
-          <a:bodyPr/>
-          <a:lstStyle/>
-          <a:p>
-            <a:r>
-              <a:rPr lang="en-US" smtClean="0"/>
-              <a:t>© 2015 EV3Lessons.com, Last edit 2/28/2015</a:t>
-            </a:r>
-            <a:endParaRPr lang="en-US"/>
-          </a:p>
-        </p:txBody>
-      </p:sp>
-      <p:sp>
-        <p:nvSpPr>
-          <p:cNvPr id="6" name="Slide Number Placeholder 5"/>
-          <p:cNvSpPr>
-            <a:spLocks noGrp="1"/>
-          </p:cNvSpPr>
-          <p:nvPr>
-            <p:ph type="sldNum" sz="quarter" idx="12"/>
-          </p:nvPr>
-        </p:nvSpPr>
-        <p:spPr/>
-        <p:txBody>
-          <a:bodyPr/>
-          <a:lstStyle/>
-          <a:p>
-            <a:fld id="{4382A7F7-08BF-4252-8141-63FB96055BBB}" type="slidenum">
-              <a:rPr lang="en-US" smtClean="0"/>
-              <a:t>‹#›</a:t>
-            </a:fld>
             <a:endParaRPr lang="en-US"/>
           </a:p>
         </p:txBody>
@@ -3852,8 +1972,8 @@
 </file>
 
 <file path=ppt/slideLayouts/slideLayout3.xml><?xml version="1.0" encoding="utf-8"?>
-<p:sldLayout xmlns:a="http://schemas.openxmlformats.org/drawingml/2006/main" xmlns:r="http://schemas.openxmlformats.org/officeDocument/2006/relationships" xmlns:p="http://schemas.openxmlformats.org/presentationml/2006/main" preserve="1">
-  <p:cSld name="Title Slide with Picture">
+<p:sldLayout xmlns:a="http://schemas.openxmlformats.org/drawingml/2006/main" xmlns:r="http://schemas.openxmlformats.org/officeDocument/2006/relationships" xmlns:p="http://schemas.openxmlformats.org/presentationml/2006/main" preserve="1" userDrawn="1">
+  <p:cSld name="Section Header">
     <p:spTree>
       <p:nvGrpSpPr>
         <p:cNvPr id="1" name=""/>
@@ -3870,300 +1990,56 @@
       </p:grpSpPr>
       <p:sp>
         <p:nvSpPr>
-          <p:cNvPr id="18" name="Rectangle 17"/>
-          <p:cNvSpPr/>
-          <p:nvPr/>
-        </p:nvSpPr>
-        <p:spPr>
-          <a:xfrm>
-            <a:off x="284163" y="444728"/>
-            <a:ext cx="8574087" cy="1468437"/>
-          </a:xfrm>
-          <a:prstGeom prst="rect">
-            <a:avLst/>
-          </a:prstGeom>
-          <a:solidFill>
-            <a:schemeClr val="tx1">
-              <a:lumMod val="85000"/>
-              <a:lumOff val="15000"/>
-              <a:alpha val="85000"/>
-            </a:schemeClr>
-          </a:solidFill>
-        </p:spPr>
-        <p:txBody>
-          <a:bodyPr vert="horz" lIns="91440" tIns="45720" rIns="182880" bIns="365760" rtlCol="0" anchor="b" anchorCtr="0">
-            <a:normAutofit/>
-          </a:bodyPr>
-          <a:lstStyle/>
-          <a:p>
-            <a:pPr algn="l" defTabSz="914400" rtl="0" eaLnBrk="1" latinLnBrk="0" hangingPunct="1">
-              <a:spcBef>
-                <a:spcPct val="0"/>
-              </a:spcBef>
-              <a:buNone/>
-            </a:pPr>
-            <a:endParaRPr sz="4200" kern="1200">
-              <a:solidFill>
-                <a:schemeClr val="bg1"/>
-              </a:solidFill>
-              <a:latin typeface="+mj-lt"/>
-              <a:ea typeface="+mj-ea"/>
-              <a:cs typeface="+mj-cs"/>
-            </a:endParaRPr>
-          </a:p>
-        </p:txBody>
-      </p:sp>
-      <p:sp>
-        <p:nvSpPr>
-          <p:cNvPr id="4" name="Date Placeholder 3"/>
+          <p:cNvPr id="20" name="Title 19"/>
           <p:cNvSpPr>
             <a:spLocks noGrp="1"/>
           </p:cNvSpPr>
           <p:nvPr>
-            <p:ph type="dt" sz="half" idx="10"/>
+            <p:ph type="title"/>
           </p:nvPr>
         </p:nvSpPr>
-        <p:spPr/>
+        <p:spPr>
+          <a:xfrm>
+            <a:off x="0" y="5075171"/>
+            <a:ext cx="9143999" cy="1782829"/>
+          </a:xfrm>
+        </p:spPr>
         <p:txBody>
           <a:bodyPr/>
           <a:lstStyle/>
           <a:p>
-            <a:fld id="{21703285-5BE4-4993-A5E2-EB83ECCD76DE}" type="datetime1">
+            <a:r>
               <a:rPr lang="en-US" smtClean="0"/>
-              <a:t>7/6/2015</a:t>
-            </a:fld>
+              <a:t>Click to edit Master title style</a:t>
+            </a:r>
             <a:endParaRPr lang="en-US"/>
-          </a:p>
-        </p:txBody>
-      </p:sp>
-      <p:sp>
-        <p:nvSpPr>
-          <p:cNvPr id="5" name="Footer Placeholder 4"/>
-          <p:cNvSpPr>
-            <a:spLocks noGrp="1"/>
-          </p:cNvSpPr>
-          <p:nvPr>
-            <p:ph type="ftr" sz="quarter" idx="11"/>
-          </p:nvPr>
-        </p:nvSpPr>
-        <p:spPr/>
-        <p:txBody>
-          <a:bodyPr/>
-          <a:lstStyle/>
-          <a:p>
-            <a:r>
-              <a:rPr lang="en-US" smtClean="0"/>
-              <a:t>© 2015 EV3Lessons.com, Last edit 2/28/2015</a:t>
-            </a:r>
-            <a:endParaRPr lang="en-US"/>
-          </a:p>
-        </p:txBody>
-      </p:sp>
-      <p:sp>
-        <p:nvSpPr>
-          <p:cNvPr id="6" name="Slide Number Placeholder 5"/>
-          <p:cNvSpPr>
-            <a:spLocks noGrp="1"/>
-          </p:cNvSpPr>
-          <p:nvPr>
-            <p:ph type="sldNum" sz="quarter" idx="12"/>
-          </p:nvPr>
-        </p:nvSpPr>
-        <p:spPr/>
-        <p:txBody>
-          <a:bodyPr/>
-          <a:lstStyle/>
-          <a:p>
-            <a:fld id="{7F5CE407-6216-4202-80E4-A30DC2F709B2}" type="slidenum">
-              <a:rPr lang="en-US" smtClean="0"/>
-              <a:t>‹#›</a:t>
-            </a:fld>
-            <a:endParaRPr lang="en-US"/>
-          </a:p>
-        </p:txBody>
-      </p:sp>
-      <p:sp>
-        <p:nvSpPr>
-          <p:cNvPr id="8" name="Picture Placeholder 7"/>
-          <p:cNvSpPr>
-            <a:spLocks noGrp="1"/>
-          </p:cNvSpPr>
-          <p:nvPr>
-            <p:ph type="pic" sz="quarter" idx="13"/>
-          </p:nvPr>
-        </p:nvSpPr>
-        <p:spPr>
-          <a:xfrm>
-            <a:off x="284162" y="2017058"/>
-            <a:ext cx="8574087" cy="4377391"/>
-          </a:xfrm>
-        </p:spPr>
-        <p:txBody>
-          <a:bodyPr/>
-          <a:lstStyle>
-            <a:lvl1pPr>
-              <a:buNone/>
-              <a:defRPr/>
-            </a:lvl1pPr>
-          </a:lstStyle>
-          <a:p>
-            <a:r>
-              <a:rPr lang="en-US" smtClean="0"/>
-              <a:t>Drag picture to placeholder or click icon to add</a:t>
-            </a:r>
-            <a:endParaRPr/>
-          </a:p>
-        </p:txBody>
-      </p:sp>
-      <p:sp>
-        <p:nvSpPr>
-          <p:cNvPr id="3" name="Subtitle 2"/>
-          <p:cNvSpPr>
-            <a:spLocks noGrp="1"/>
-          </p:cNvSpPr>
-          <p:nvPr>
-            <p:ph type="subTitle" idx="1"/>
-          </p:nvPr>
-        </p:nvSpPr>
-        <p:spPr>
-          <a:xfrm>
-            <a:off x="472420" y="1532965"/>
-            <a:ext cx="7754284" cy="484094"/>
-          </a:xfrm>
-        </p:spPr>
-        <p:txBody>
-          <a:bodyPr>
-            <a:normAutofit/>
-          </a:bodyPr>
-          <a:lstStyle>
-            <a:lvl1pPr marL="0" indent="0" algn="l">
-              <a:lnSpc>
-                <a:spcPct val="100000"/>
-              </a:lnSpc>
-              <a:spcBef>
-                <a:spcPts val="0"/>
-              </a:spcBef>
-              <a:buNone/>
-              <a:defRPr sz="1800">
-                <a:solidFill>
-                  <a:schemeClr val="bg1"/>
-                </a:solidFill>
-              </a:defRPr>
-            </a:lvl1pPr>
-            <a:lvl2pPr marL="457200" indent="0" algn="ctr">
-              <a:buNone/>
-              <a:defRPr>
-                <a:solidFill>
-                  <a:schemeClr val="tx1">
-                    <a:tint val="75000"/>
-                  </a:schemeClr>
-                </a:solidFill>
-              </a:defRPr>
-            </a:lvl2pPr>
-            <a:lvl3pPr marL="914400" indent="0" algn="ctr">
-              <a:buNone/>
-              <a:defRPr>
-                <a:solidFill>
-                  <a:schemeClr val="tx1">
-                    <a:tint val="75000"/>
-                  </a:schemeClr>
-                </a:solidFill>
-              </a:defRPr>
-            </a:lvl3pPr>
-            <a:lvl4pPr marL="1371600" indent="0" algn="ctr">
-              <a:buNone/>
-              <a:defRPr>
-                <a:solidFill>
-                  <a:schemeClr val="tx1">
-                    <a:tint val="75000"/>
-                  </a:schemeClr>
-                </a:solidFill>
-              </a:defRPr>
-            </a:lvl4pPr>
-            <a:lvl5pPr marL="1828800" indent="0" algn="ctr">
-              <a:buNone/>
-              <a:defRPr>
-                <a:solidFill>
-                  <a:schemeClr val="tx1">
-                    <a:tint val="75000"/>
-                  </a:schemeClr>
-                </a:solidFill>
-              </a:defRPr>
-            </a:lvl5pPr>
-            <a:lvl6pPr marL="2286000" indent="0" algn="ctr">
-              <a:buNone/>
-              <a:defRPr>
-                <a:solidFill>
-                  <a:schemeClr val="tx1">
-                    <a:tint val="75000"/>
-                  </a:schemeClr>
-                </a:solidFill>
-              </a:defRPr>
-            </a:lvl6pPr>
-            <a:lvl7pPr marL="2743200" indent="0" algn="ctr">
-              <a:buNone/>
-              <a:defRPr>
-                <a:solidFill>
-                  <a:schemeClr val="tx1">
-                    <a:tint val="75000"/>
-                  </a:schemeClr>
-                </a:solidFill>
-              </a:defRPr>
-            </a:lvl7pPr>
-            <a:lvl8pPr marL="3200400" indent="0" algn="ctr">
-              <a:buNone/>
-              <a:defRPr>
-                <a:solidFill>
-                  <a:schemeClr val="tx1">
-                    <a:tint val="75000"/>
-                  </a:schemeClr>
-                </a:solidFill>
-              </a:defRPr>
-            </a:lvl8pPr>
-            <a:lvl9pPr marL="3657600" indent="0" algn="ctr">
-              <a:buNone/>
-              <a:defRPr>
-                <a:solidFill>
-                  <a:schemeClr val="tx1">
-                    <a:tint val="75000"/>
-                  </a:schemeClr>
-                </a:solidFill>
-              </a:defRPr>
-            </a:lvl9pPr>
-          </a:lstStyle>
-          <a:p>
-            <a:r>
-              <a:rPr lang="en-US" smtClean="0"/>
-              <a:t>Click to edit Master subtitle style</a:t>
-            </a:r>
-            <a:endParaRPr dirty="0"/>
           </a:p>
         </p:txBody>
       </p:sp>
       <p:grpSp>
         <p:nvGrpSpPr>
-          <p:cNvPr id="7" name="Group 16"/>
+          <p:cNvPr id="15" name="Group 14"/>
           <p:cNvGrpSpPr/>
-          <p:nvPr/>
+          <p:nvPr userDrawn="1"/>
         </p:nvGrpSpPr>
         <p:grpSpPr>
           <a:xfrm>
-            <a:off x="284163" y="1906542"/>
-            <a:ext cx="8576373" cy="137411"/>
-            <a:chOff x="284163" y="1759424"/>
+            <a:off x="0" y="4937760"/>
+            <a:ext cx="9144000" cy="137411"/>
+            <a:chOff x="284163" y="1577847"/>
             <a:chExt cx="8576373" cy="137411"/>
           </a:xfrm>
         </p:grpSpPr>
         <p:sp>
           <p:nvSpPr>
-            <p:cNvPr id="11" name="Rectangle 10"/>
+            <p:cNvPr id="16" name="Rectangle 15"/>
             <p:cNvSpPr/>
             <p:nvPr/>
           </p:nvSpPr>
           <p:spPr>
             <a:xfrm>
-              <a:off x="284163" y="1759424"/>
-              <a:ext cx="2743200" cy="137411"/>
+              <a:off x="284163" y="1577847"/>
+              <a:ext cx="1600200" cy="137411"/>
             </a:xfrm>
             <a:prstGeom prst="rect">
               <a:avLst/>
@@ -4202,14 +2078,14 @@
         </p:sp>
         <p:sp>
           <p:nvSpPr>
-            <p:cNvPr id="12" name="Rectangle 11"/>
+            <p:cNvPr id="17" name="Rectangle 16"/>
             <p:cNvSpPr/>
             <p:nvPr/>
           </p:nvSpPr>
           <p:spPr>
             <a:xfrm>
-              <a:off x="3026392" y="1759424"/>
-              <a:ext cx="1600200" cy="137411"/>
+              <a:off x="1885174" y="1577847"/>
+              <a:ext cx="2743200" cy="137411"/>
             </a:xfrm>
             <a:prstGeom prst="rect">
               <a:avLst/>
@@ -4248,13 +2124,13 @@
         </p:sp>
         <p:sp>
           <p:nvSpPr>
-            <p:cNvPr id="13" name="Rectangle 12"/>
+            <p:cNvPr id="18" name="Rectangle 17"/>
             <p:cNvSpPr/>
             <p:nvPr/>
           </p:nvSpPr>
           <p:spPr>
             <a:xfrm>
-              <a:off x="4626864" y="1759424"/>
+              <a:off x="4626864" y="1577847"/>
               <a:ext cx="4233672" cy="137411"/>
             </a:xfrm>
             <a:prstGeom prst="rect">
@@ -4295,39 +2171,70 @@
       </p:grpSp>
       <p:sp>
         <p:nvSpPr>
-          <p:cNvPr id="2" name="Title 1"/>
+          <p:cNvPr id="4" name="Date Placeholder 3"/>
           <p:cNvSpPr>
             <a:spLocks noGrp="1"/>
           </p:cNvSpPr>
           <p:nvPr>
-            <p:ph type="ctrTitle"/>
+            <p:ph type="dt" sz="half" idx="10"/>
           </p:nvPr>
         </p:nvSpPr>
-        <p:spPr>
-          <a:xfrm>
-            <a:off x="418633" y="444728"/>
-            <a:ext cx="7810967" cy="1088237"/>
-          </a:xfrm>
-          <a:noFill/>
-        </p:spPr>
-        <p:txBody>
-          <a:bodyPr bIns="45720" anchor="b" anchorCtr="0">
-            <a:normAutofit/>
-          </a:bodyPr>
-          <a:lstStyle>
-            <a:lvl1pPr algn="l">
-              <a:lnSpc>
-                <a:spcPts val="4600"/>
-              </a:lnSpc>
-              <a:defRPr/>
-            </a:lvl1pPr>
-          </a:lstStyle>
-          <a:p>
-            <a:r>
+        <p:spPr/>
+        <p:txBody>
+          <a:bodyPr/>
+          <a:lstStyle/>
+          <a:p>
+            <a:fld id="{0DEC0D4B-934F-7F4D-AF68-4129F764169F}" type="datetime1">
               <a:rPr lang="en-US" smtClean="0"/>
-              <a:t>Click to edit Master title style</a:t>
-            </a:r>
-            <a:endParaRPr/>
+              <a:t>11/15/15</a:t>
+            </a:fld>
+            <a:endParaRPr lang="en-US"/>
+          </a:p>
+        </p:txBody>
+      </p:sp>
+      <p:sp>
+        <p:nvSpPr>
+          <p:cNvPr id="5" name="Footer Placeholder 4"/>
+          <p:cNvSpPr>
+            <a:spLocks noGrp="1"/>
+          </p:cNvSpPr>
+          <p:nvPr>
+            <p:ph type="ftr" sz="quarter" idx="11"/>
+          </p:nvPr>
+        </p:nvSpPr>
+        <p:spPr/>
+        <p:txBody>
+          <a:bodyPr/>
+          <a:lstStyle/>
+          <a:p>
+            <a:r>
+              <a:rPr lang="en-US" smtClean="0"/>
+              <a:t>© 2015 EV3Lessons.com, Last edit 2/28/2015</a:t>
+            </a:r>
+            <a:endParaRPr lang="en-US"/>
+          </a:p>
+        </p:txBody>
+      </p:sp>
+      <p:sp>
+        <p:nvSpPr>
+          <p:cNvPr id="6" name="Slide Number Placeholder 5"/>
+          <p:cNvSpPr>
+            <a:spLocks noGrp="1"/>
+          </p:cNvSpPr>
+          <p:nvPr>
+            <p:ph type="sldNum" sz="quarter" idx="12"/>
+          </p:nvPr>
+        </p:nvSpPr>
+        <p:spPr/>
+        <p:txBody>
+          <a:bodyPr/>
+          <a:lstStyle/>
+          <a:p>
+            <a:fld id="{162F1D00-BD13-4404-86B0-79703945A0A7}" type="slidenum">
+              <a:rPr lang="en-US" smtClean="0"/>
+              <a:t>‹#›</a:t>
+            </a:fld>
+            <a:endParaRPr lang="en-US"/>
           </a:p>
         </p:txBody>
       </p:sp>
@@ -4347,8 +2254,8 @@
 </file>
 
 <file path=ppt/slideLayouts/slideLayout4.xml><?xml version="1.0" encoding="utf-8"?>
-<p:sldLayout xmlns:a="http://schemas.openxmlformats.org/drawingml/2006/main" xmlns:r="http://schemas.openxmlformats.org/officeDocument/2006/relationships" xmlns:p="http://schemas.openxmlformats.org/presentationml/2006/main" type="secHead" preserve="1">
-  <p:cSld name="Section Header">
+<p:sldLayout xmlns:a="http://schemas.openxmlformats.org/drawingml/2006/main" xmlns:r="http://schemas.openxmlformats.org/officeDocument/2006/relationships" xmlns:p="http://schemas.openxmlformats.org/presentationml/2006/main" preserve="1" userDrawn="1">
+  <p:cSld name="Two Content">
     <p:spTree>
       <p:nvGrpSpPr>
         <p:cNvPr id="1" name=""/>
@@ -4365,79 +2272,57 @@
       </p:grpSpPr>
       <p:sp>
         <p:nvSpPr>
-          <p:cNvPr id="8" name="Rectangle 7"/>
-          <p:cNvSpPr/>
-          <p:nvPr/>
-        </p:nvSpPr>
-        <p:spPr>
-          <a:xfrm>
-            <a:off x="284163" y="4801575"/>
-            <a:ext cx="8574087" cy="1468437"/>
-          </a:xfrm>
-          <a:prstGeom prst="rect">
-            <a:avLst/>
-          </a:prstGeom>
-          <a:solidFill>
-            <a:schemeClr val="tx1">
-              <a:lumMod val="85000"/>
-              <a:lumOff val="15000"/>
-              <a:alpha val="85000"/>
-            </a:schemeClr>
-          </a:solidFill>
-        </p:spPr>
-        <p:txBody>
-          <a:bodyPr vert="horz" lIns="91440" tIns="45720" rIns="182880" bIns="365760" rtlCol="0" anchor="b" anchorCtr="0">
-            <a:normAutofit/>
-          </a:bodyPr>
+          <p:cNvPr id="6" name="Title 5"/>
+          <p:cNvSpPr>
+            <a:spLocks noGrp="1"/>
+          </p:cNvSpPr>
+          <p:nvPr>
+            <p:ph type="title"/>
+          </p:nvPr>
+        </p:nvSpPr>
+        <p:spPr/>
+        <p:txBody>
+          <a:bodyPr/>
           <a:lstStyle/>
           <a:p>
-            <a:pPr algn="l" defTabSz="914400" rtl="0" eaLnBrk="1" latinLnBrk="0" hangingPunct="1">
-              <a:spcBef>
-                <a:spcPct val="0"/>
-              </a:spcBef>
-              <a:buNone/>
-            </a:pPr>
-            <a:endParaRPr sz="4200" kern="1200">
-              <a:solidFill>
-                <a:schemeClr val="bg1"/>
-              </a:solidFill>
-              <a:latin typeface="+mj-lt"/>
-              <a:ea typeface="+mj-ea"/>
-              <a:cs typeface="+mj-cs"/>
-            </a:endParaRPr>
+            <a:r>
+              <a:rPr lang="en-US" smtClean="0"/>
+              <a:t>Click to edit Master title style</a:t>
+            </a:r>
+            <a:endParaRPr lang="en-US"/>
           </a:p>
         </p:txBody>
       </p:sp>
       <p:grpSp>
         <p:nvGrpSpPr>
-          <p:cNvPr id="9" name="Group 8"/>
+          <p:cNvPr id="17" name="Group 16"/>
           <p:cNvGrpSpPr/>
-          <p:nvPr/>
+          <p:nvPr userDrawn="1"/>
         </p:nvGrpSpPr>
         <p:grpSpPr>
           <a:xfrm>
-            <a:off x="284163" y="6263389"/>
-            <a:ext cx="8576373" cy="137411"/>
-            <a:chOff x="284163" y="1759424"/>
+            <a:off x="0" y="1188720"/>
+            <a:ext cx="9144000" cy="137411"/>
+            <a:chOff x="284163" y="1577847"/>
             <a:chExt cx="8576373" cy="137411"/>
           </a:xfrm>
         </p:grpSpPr>
         <p:sp>
           <p:nvSpPr>
-            <p:cNvPr id="10" name="Rectangle 9"/>
+            <p:cNvPr id="18" name="Rectangle 17"/>
             <p:cNvSpPr/>
             <p:nvPr/>
           </p:nvSpPr>
           <p:spPr>
             <a:xfrm>
-              <a:off x="284163" y="1759424"/>
-              <a:ext cx="2743200" cy="137411"/>
+              <a:off x="284163" y="1577847"/>
+              <a:ext cx="1600200" cy="137411"/>
             </a:xfrm>
             <a:prstGeom prst="rect">
               <a:avLst/>
             </a:prstGeom>
             <a:solidFill>
-              <a:schemeClr val="accent1"/>
+              <a:srgbClr val="7030A0"/>
             </a:solidFill>
             <a:ln>
               <a:noFill/>
@@ -4470,20 +2355,20 @@
         </p:sp>
         <p:sp>
           <p:nvSpPr>
-            <p:cNvPr id="11" name="Rectangle 10"/>
+            <p:cNvPr id="19" name="Rectangle 18"/>
             <p:cNvSpPr/>
             <p:nvPr/>
           </p:nvSpPr>
           <p:spPr>
             <a:xfrm>
-              <a:off x="3026392" y="1759424"/>
-              <a:ext cx="1600200" cy="137411"/>
+              <a:off x="1885174" y="1577847"/>
+              <a:ext cx="2743200" cy="137411"/>
             </a:xfrm>
             <a:prstGeom prst="rect">
               <a:avLst/>
             </a:prstGeom>
             <a:solidFill>
-              <a:schemeClr val="accent2"/>
+              <a:srgbClr val="00B050"/>
             </a:solidFill>
             <a:ln>
               <a:noFill/>
@@ -4516,20 +2401,20 @@
         </p:sp>
         <p:sp>
           <p:nvSpPr>
-            <p:cNvPr id="12" name="Rectangle 11"/>
+            <p:cNvPr id="20" name="Rectangle 19"/>
             <p:cNvSpPr/>
             <p:nvPr/>
           </p:nvSpPr>
           <p:spPr>
             <a:xfrm>
-              <a:off x="4626864" y="1759424"/>
+              <a:off x="4626864" y="1577847"/>
               <a:ext cx="4233672" cy="137411"/>
             </a:xfrm>
             <a:prstGeom prst="rect">
               <a:avLst/>
             </a:prstGeom>
             <a:solidFill>
-              <a:schemeClr val="accent4"/>
+              <a:srgbClr val="0070C0"/>
             </a:solidFill>
             <a:ln>
               <a:noFill/>
@@ -4563,229 +2448,181 @@
       </p:grpSp>
       <p:sp>
         <p:nvSpPr>
-          <p:cNvPr id="13" name="TextBox 12"/>
-          <p:cNvSpPr txBox="1"/>
-          <p:nvPr/>
-        </p:nvSpPr>
-        <p:spPr>
-          <a:xfrm>
-            <a:off x="8230889" y="4801575"/>
-            <a:ext cx="587020" cy="646331"/>
-          </a:xfrm>
-          <a:prstGeom prst="rect">
-            <a:avLst/>
-          </a:prstGeom>
-          <a:noFill/>
-        </p:spPr>
-        <p:txBody>
-          <a:bodyPr wrap="none" rtlCol="0">
-            <a:spAutoFit/>
-          </a:bodyPr>
-          <a:lstStyle/>
-          <a:p>
-            <a:r>
-              <a:rPr sz="3600">
-                <a:solidFill>
-                  <a:schemeClr val="bg1"/>
-                </a:solidFill>
-                <a:sym typeface="Wingdings"/>
-              </a:rPr>
-              <a:t></a:t>
-            </a:r>
-            <a:endParaRPr sz="3600">
-              <a:solidFill>
-                <a:schemeClr val="bg1"/>
-              </a:solidFill>
-            </a:endParaRPr>
-          </a:p>
-        </p:txBody>
-      </p:sp>
-      <p:sp>
-        <p:nvSpPr>
-          <p:cNvPr id="2" name="Title 1"/>
+          <p:cNvPr id="3" name="Content Placeholder 2"/>
           <p:cNvSpPr>
             <a:spLocks noGrp="1"/>
           </p:cNvSpPr>
           <p:nvPr>
-            <p:ph type="title"/>
+            <p:ph sz="half" idx="1"/>
           </p:nvPr>
         </p:nvSpPr>
         <p:spPr>
           <a:xfrm>
-            <a:off x="429768" y="4814125"/>
-            <a:ext cx="7772400" cy="1051560"/>
+            <a:off x="403412" y="2151063"/>
+            <a:ext cx="3931920" cy="3975100"/>
           </a:xfrm>
-          <a:noFill/>
         </p:spPr>
         <p:txBody>
-          <a:bodyPr vert="horz" lIns="91440" tIns="45720" rIns="91440" bIns="45720" rtlCol="0" anchor="b" anchorCtr="0">
+          <a:bodyPr>
             <a:normAutofit/>
           </a:bodyPr>
           <a:lstStyle>
-            <a:lvl1pPr algn="l" defTabSz="914400" rtl="0" eaLnBrk="1" latinLnBrk="0" hangingPunct="1">
-              <a:spcBef>
-                <a:spcPct val="0"/>
-              </a:spcBef>
-              <a:buNone/>
-              <a:defRPr sz="4200" b="0" i="0" kern="1200" cap="none" baseline="0">
-                <a:solidFill>
-                  <a:schemeClr val="bg1"/>
-                </a:solidFill>
-                <a:latin typeface="+mj-lt"/>
-                <a:ea typeface="+mj-ea"/>
-                <a:cs typeface="+mj-cs"/>
-              </a:defRPr>
+            <a:lvl1pPr>
+              <a:defRPr sz="2200"/>
             </a:lvl1pPr>
+            <a:lvl2pPr>
+              <a:defRPr sz="2000"/>
+            </a:lvl2pPr>
+            <a:lvl3pPr>
+              <a:defRPr sz="1800"/>
+            </a:lvl3pPr>
+            <a:lvl4pPr>
+              <a:defRPr sz="1800"/>
+            </a:lvl4pPr>
+            <a:lvl5pPr>
+              <a:defRPr sz="1800"/>
+            </a:lvl5pPr>
+            <a:lvl6pPr>
+              <a:defRPr sz="1800"/>
+            </a:lvl6pPr>
+            <a:lvl7pPr>
+              <a:defRPr sz="1800"/>
+            </a:lvl7pPr>
+            <a:lvl8pPr>
+              <a:defRPr sz="1800"/>
+            </a:lvl8pPr>
+            <a:lvl9pPr>
+              <a:defRPr sz="1800"/>
+            </a:lvl9pPr>
           </a:lstStyle>
           <a:p>
+            <a:pPr lvl="0"/>
             <a:r>
               <a:rPr lang="en-US" smtClean="0"/>
-              <a:t>Click to edit Master title style</a:t>
-            </a:r>
-            <a:endParaRPr/>
-          </a:p>
-        </p:txBody>
-      </p:sp>
-      <p:sp>
-        <p:nvSpPr>
-          <p:cNvPr id="3" name="Text Placeholder 2"/>
+              <a:t>Click to edit Master text styles</a:t>
+            </a:r>
+          </a:p>
+          <a:p>
+            <a:pPr lvl="1"/>
+            <a:r>
+              <a:rPr lang="en-US" smtClean="0"/>
+              <a:t>Second level</a:t>
+            </a:r>
+          </a:p>
+          <a:p>
+            <a:pPr lvl="2"/>
+            <a:r>
+              <a:rPr lang="en-US" smtClean="0"/>
+              <a:t>Third level</a:t>
+            </a:r>
+          </a:p>
+          <a:p>
+            <a:pPr lvl="3"/>
+            <a:r>
+              <a:rPr lang="en-US" smtClean="0"/>
+              <a:t>Fourth level</a:t>
+            </a:r>
+          </a:p>
+          <a:p>
+            <a:pPr lvl="4"/>
+            <a:r>
+              <a:rPr lang="en-US" smtClean="0"/>
+              <a:t>Fifth level</a:t>
+            </a:r>
+            <a:endParaRPr dirty="0"/>
+          </a:p>
+        </p:txBody>
+      </p:sp>
+      <p:sp>
+        <p:nvSpPr>
+          <p:cNvPr id="4" name="Content Placeholder 3"/>
           <p:cNvSpPr>
             <a:spLocks noGrp="1"/>
           </p:cNvSpPr>
           <p:nvPr>
-            <p:ph type="body" idx="1"/>
+            <p:ph sz="half" idx="2"/>
           </p:nvPr>
         </p:nvSpPr>
         <p:spPr>
           <a:xfrm>
-            <a:off x="475488" y="5861304"/>
-            <a:ext cx="7735824" cy="402336"/>
+            <a:off x="4778188" y="2151063"/>
+            <a:ext cx="3931920" cy="3975100"/>
           </a:xfrm>
         </p:spPr>
         <p:txBody>
-          <a:bodyPr vert="horz" lIns="91440" tIns="45720" rIns="91440" bIns="45720" rtlCol="0" anchor="t" anchorCtr="0">
+          <a:bodyPr>
             <a:normAutofit/>
           </a:bodyPr>
           <a:lstStyle>
-            <a:lvl1pPr marL="0" indent="0">
-              <a:spcBef>
-                <a:spcPts val="0"/>
-              </a:spcBef>
-              <a:buNone/>
-              <a:defRPr sz="1800" kern="1200">
-                <a:solidFill>
-                  <a:schemeClr val="bg1"/>
-                </a:solidFill>
-                <a:latin typeface="+mn-lt"/>
-                <a:ea typeface="+mn-ea"/>
-                <a:cs typeface="+mn-cs"/>
-              </a:defRPr>
+            <a:lvl1pPr>
+              <a:defRPr sz="2200"/>
             </a:lvl1pPr>
-            <a:lvl2pPr marL="457200" indent="0">
-              <a:buNone/>
-              <a:defRPr sz="1800">
-                <a:solidFill>
-                  <a:schemeClr val="tx1">
-                    <a:tint val="75000"/>
-                  </a:schemeClr>
-                </a:solidFill>
-              </a:defRPr>
+            <a:lvl2pPr>
+              <a:defRPr sz="2000"/>
             </a:lvl2pPr>
-            <a:lvl3pPr marL="914400" indent="0">
-              <a:buNone/>
-              <a:defRPr sz="1600">
-                <a:solidFill>
-                  <a:schemeClr val="tx1">
-                    <a:tint val="75000"/>
-                  </a:schemeClr>
-                </a:solidFill>
-              </a:defRPr>
+            <a:lvl3pPr>
+              <a:defRPr sz="1800"/>
             </a:lvl3pPr>
-            <a:lvl4pPr marL="1371600" indent="0">
-              <a:buNone/>
-              <a:defRPr sz="1400">
-                <a:solidFill>
-                  <a:schemeClr val="tx1">
-                    <a:tint val="75000"/>
-                  </a:schemeClr>
-                </a:solidFill>
-              </a:defRPr>
+            <a:lvl4pPr>
+              <a:defRPr sz="1800"/>
             </a:lvl4pPr>
-            <a:lvl5pPr marL="1828800" indent="0">
-              <a:buNone/>
-              <a:defRPr sz="1400">
-                <a:solidFill>
-                  <a:schemeClr val="tx1">
-                    <a:tint val="75000"/>
-                  </a:schemeClr>
-                </a:solidFill>
-              </a:defRPr>
+            <a:lvl5pPr>
+              <a:defRPr sz="1800"/>
             </a:lvl5pPr>
-            <a:lvl6pPr marL="2286000" indent="0">
-              <a:buNone/>
-              <a:defRPr sz="1400">
-                <a:solidFill>
-                  <a:schemeClr val="tx1">
-                    <a:tint val="75000"/>
-                  </a:schemeClr>
-                </a:solidFill>
-              </a:defRPr>
+            <a:lvl6pPr>
+              <a:defRPr sz="1800"/>
             </a:lvl6pPr>
-            <a:lvl7pPr marL="2743200" indent="0">
-              <a:buNone/>
-              <a:defRPr sz="1400">
-                <a:solidFill>
-                  <a:schemeClr val="tx1">
-                    <a:tint val="75000"/>
-                  </a:schemeClr>
-                </a:solidFill>
-              </a:defRPr>
+            <a:lvl7pPr>
+              <a:defRPr sz="1800"/>
             </a:lvl7pPr>
-            <a:lvl8pPr marL="3200400" indent="0">
-              <a:buNone/>
-              <a:defRPr sz="1400">
-                <a:solidFill>
-                  <a:schemeClr val="tx1">
-                    <a:tint val="75000"/>
-                  </a:schemeClr>
-                </a:solidFill>
-              </a:defRPr>
+            <a:lvl8pPr>
+              <a:defRPr sz="1800"/>
             </a:lvl8pPr>
-            <a:lvl9pPr marL="3657600" indent="0">
-              <a:buNone/>
-              <a:defRPr sz="1400">
-                <a:solidFill>
-                  <a:schemeClr val="tx1">
-                    <a:tint val="75000"/>
-                  </a:schemeClr>
-                </a:solidFill>
-              </a:defRPr>
+            <a:lvl9pPr>
+              <a:defRPr sz="1800"/>
             </a:lvl9pPr>
           </a:lstStyle>
           <a:p>
-            <a:pPr marL="0" lvl="0" indent="0" algn="l" defTabSz="914400" rtl="0" eaLnBrk="1" latinLnBrk="0" hangingPunct="1">
-              <a:spcBef>
-                <a:spcPts val="2000"/>
-              </a:spcBef>
-              <a:buClr>
-                <a:schemeClr val="bg1">
-                  <a:lumMod val="65000"/>
-                </a:schemeClr>
-              </a:buClr>
-              <a:buSzPct val="90000"/>
-              <a:buFont typeface="Wingdings" pitchFamily="2" charset="2"/>
-              <a:buNone/>
-            </a:pPr>
+            <a:pPr lvl="0"/>
             <a:r>
               <a:rPr lang="en-US" smtClean="0"/>
               <a:t>Click to edit Master text styles</a:t>
             </a:r>
           </a:p>
-        </p:txBody>
-      </p:sp>
-      <p:sp>
-        <p:nvSpPr>
-          <p:cNvPr id="4" name="Date Placeholder 3"/>
+          <a:p>
+            <a:pPr lvl="1"/>
+            <a:r>
+              <a:rPr lang="en-US" smtClean="0"/>
+              <a:t>Second level</a:t>
+            </a:r>
+          </a:p>
+          <a:p>
+            <a:pPr lvl="2"/>
+            <a:r>
+              <a:rPr lang="en-US" smtClean="0"/>
+              <a:t>Third level</a:t>
+            </a:r>
+          </a:p>
+          <a:p>
+            <a:pPr lvl="3"/>
+            <a:r>
+              <a:rPr lang="en-US" smtClean="0"/>
+              <a:t>Fourth level</a:t>
+            </a:r>
+          </a:p>
+          <a:p>
+            <a:pPr lvl="4"/>
+            <a:r>
+              <a:rPr lang="en-US" smtClean="0"/>
+              <a:t>Fifth level</a:t>
+            </a:r>
+            <a:endParaRPr dirty="0"/>
+          </a:p>
+        </p:txBody>
+      </p:sp>
+      <p:sp>
+        <p:nvSpPr>
+          <p:cNvPr id="5" name="Date Placeholder 4"/>
           <p:cNvSpPr>
             <a:spLocks noGrp="1"/>
           </p:cNvSpPr>
@@ -4798,9 +2635,9 @@
           <a:bodyPr/>
           <a:lstStyle/>
           <a:p>
-            <a:fld id="{9DCCAD5A-7313-4CB2-84E8-CBD20F4A9F12}" type="datetime1">
+            <a:fld id="{465BFC5B-423E-4644-AEA5-8C30BD03D3B4}" type="datetime1">
               <a:rPr lang="en-US" smtClean="0"/>
-              <a:t>7/6/2015</a:t>
+              <a:t>11/15/15</a:t>
             </a:fld>
             <a:endParaRPr lang="en-US"/>
           </a:p>
@@ -4808,30 +2645,7 @@
       </p:sp>
       <p:sp>
         <p:nvSpPr>
-          <p:cNvPr id="5" name="Footer Placeholder 4"/>
-          <p:cNvSpPr>
-            <a:spLocks noGrp="1"/>
-          </p:cNvSpPr>
-          <p:nvPr>
-            <p:ph type="ftr" sz="quarter" idx="11"/>
-          </p:nvPr>
-        </p:nvSpPr>
-        <p:spPr/>
-        <p:txBody>
-          <a:bodyPr/>
-          <a:lstStyle/>
-          <a:p>
-            <a:r>
-              <a:rPr lang="en-US" smtClean="0"/>
-              <a:t>© 2015 EV3Lessons.com, Last edit 2/28/2015</a:t>
-            </a:r>
-            <a:endParaRPr lang="en-US"/>
-          </a:p>
-        </p:txBody>
-      </p:sp>
-      <p:sp>
-        <p:nvSpPr>
-          <p:cNvPr id="6" name="Slide Number Placeholder 5"/>
+          <p:cNvPr id="7" name="Slide Number Placeholder 6"/>
           <p:cNvSpPr>
             <a:spLocks noGrp="1"/>
           </p:cNvSpPr>
@@ -4844,7 +2658,7 @@
           <a:bodyPr/>
           <a:lstStyle/>
           <a:p>
-            <a:fld id="{162F1D00-BD13-4404-86B0-79703945A0A7}" type="slidenum">
+            <a:fld id="{4382A7F7-08BF-4252-8141-63FB96055BBB}" type="slidenum">
               <a:rPr lang="en-US" smtClean="0"/>
               <a:t>‹#›</a:t>
             </a:fld>
@@ -4868,8 +2682,8 @@
 </file>
 
 <file path=ppt/slideLayouts/slideLayout5.xml><?xml version="1.0" encoding="utf-8"?>
-<p:sldLayout xmlns:a="http://schemas.openxmlformats.org/drawingml/2006/main" xmlns:r="http://schemas.openxmlformats.org/officeDocument/2006/relationships" xmlns:p="http://schemas.openxmlformats.org/presentationml/2006/main" preserve="1">
-  <p:cSld name="Section with Picture">
+<p:sldLayout xmlns:a="http://schemas.openxmlformats.org/drawingml/2006/main" xmlns:r="http://schemas.openxmlformats.org/officeDocument/2006/relationships" xmlns:p="http://schemas.openxmlformats.org/presentationml/2006/main" preserve="1" userDrawn="1">
+  <p:cSld name="Comparison">
     <p:spTree>
       <p:nvGrpSpPr>
         <p:cNvPr id="1" name=""/>
@@ -4886,45 +2700,12 @@
       </p:grpSpPr>
       <p:sp>
         <p:nvSpPr>
-          <p:cNvPr id="13" name="Picture Placeholder 7"/>
+          <p:cNvPr id="11" name="Title 10"/>
           <p:cNvSpPr>
             <a:spLocks noGrp="1"/>
           </p:cNvSpPr>
           <p:nvPr>
-            <p:ph type="pic" sz="quarter" idx="13"/>
-          </p:nvPr>
-        </p:nvSpPr>
-        <p:spPr>
-          <a:xfrm>
-            <a:off x="284162" y="443754"/>
-            <a:ext cx="8574087" cy="4370293"/>
-          </a:xfrm>
-        </p:spPr>
-        <p:txBody>
-          <a:bodyPr/>
-          <a:lstStyle>
-            <a:lvl1pPr>
-              <a:buNone/>
-              <a:defRPr/>
-            </a:lvl1pPr>
-          </a:lstStyle>
-          <a:p>
-            <a:r>
-              <a:rPr lang="en-US" smtClean="0"/>
-              <a:t>Drag picture to placeholder or click icon to add</a:t>
-            </a:r>
-            <a:endParaRPr/>
-          </a:p>
-        </p:txBody>
-      </p:sp>
-      <p:sp>
-        <p:nvSpPr>
-          <p:cNvPr id="4" name="Date Placeholder 3"/>
-          <p:cNvSpPr>
-            <a:spLocks noGrp="1"/>
-          </p:cNvSpPr>
-          <p:nvPr>
-            <p:ph type="dt" sz="half" idx="10"/>
+            <p:ph type="title"/>
           </p:nvPr>
         </p:nvSpPr>
         <p:spPr/>
@@ -4932,112 +2713,44 @@
           <a:bodyPr/>
           <a:lstStyle/>
           <a:p>
-            <a:fld id="{210879DD-F70B-4DE7-A650-B9465E0DB346}" type="datetime1">
+            <a:r>
               <a:rPr lang="en-US" smtClean="0"/>
-              <a:t>7/6/2015</a:t>
-            </a:fld>
-            <a:endParaRPr lang="en-US" dirty="0"/>
-          </a:p>
-        </p:txBody>
-      </p:sp>
-      <p:sp>
-        <p:nvSpPr>
-          <p:cNvPr id="6" name="Slide Number Placeholder 5"/>
-          <p:cNvSpPr>
-            <a:spLocks noGrp="1"/>
-          </p:cNvSpPr>
-          <p:nvPr>
-            <p:ph type="sldNum" sz="quarter" idx="12"/>
-          </p:nvPr>
-        </p:nvSpPr>
-        <p:spPr/>
-        <p:txBody>
-          <a:bodyPr/>
-          <a:lstStyle/>
-          <a:p>
-            <a:fld id="{4382A7F7-08BF-4252-8141-63FB96055BBB}" type="slidenum">
-              <a:rPr lang="en-US" smtClean="0"/>
-              <a:t>‹#›</a:t>
-            </a:fld>
+              <a:t>Click to edit Master title style</a:t>
+            </a:r>
             <a:endParaRPr lang="en-US"/>
-          </a:p>
-        </p:txBody>
-      </p:sp>
-      <p:sp>
-        <p:nvSpPr>
-          <p:cNvPr id="7" name="Rectangle 6"/>
-          <p:cNvSpPr/>
-          <p:nvPr/>
-        </p:nvSpPr>
-        <p:spPr>
-          <a:xfrm>
-            <a:off x="284163" y="4801575"/>
-            <a:ext cx="8574087" cy="1468437"/>
-          </a:xfrm>
-          <a:prstGeom prst="rect">
-            <a:avLst/>
-          </a:prstGeom>
-          <a:solidFill>
-            <a:schemeClr val="tx1">
-              <a:lumMod val="85000"/>
-              <a:lumOff val="15000"/>
-              <a:alpha val="85000"/>
-            </a:schemeClr>
-          </a:solidFill>
-        </p:spPr>
-        <p:txBody>
-          <a:bodyPr vert="horz" lIns="91440" tIns="45720" rIns="182880" bIns="365760" rtlCol="0" anchor="b" anchorCtr="0">
-            <a:normAutofit/>
-          </a:bodyPr>
-          <a:lstStyle/>
-          <a:p>
-            <a:pPr algn="l" defTabSz="914400" rtl="0" eaLnBrk="1" latinLnBrk="0" hangingPunct="1">
-              <a:spcBef>
-                <a:spcPct val="0"/>
-              </a:spcBef>
-              <a:buNone/>
-            </a:pPr>
-            <a:endParaRPr sz="4200" kern="1200">
-              <a:solidFill>
-                <a:schemeClr val="bg1"/>
-              </a:solidFill>
-              <a:latin typeface="+mj-lt"/>
-              <a:ea typeface="+mj-ea"/>
-              <a:cs typeface="+mj-cs"/>
-            </a:endParaRPr>
           </a:p>
         </p:txBody>
       </p:sp>
       <p:grpSp>
         <p:nvGrpSpPr>
-          <p:cNvPr id="8" name="Group 7"/>
+          <p:cNvPr id="20" name="Group 19"/>
           <p:cNvGrpSpPr/>
-          <p:nvPr/>
+          <p:nvPr userDrawn="1"/>
         </p:nvGrpSpPr>
         <p:grpSpPr>
           <a:xfrm>
-            <a:off x="284163" y="6263389"/>
-            <a:ext cx="8576373" cy="137411"/>
-            <a:chOff x="284163" y="1759424"/>
+            <a:off x="0" y="1188720"/>
+            <a:ext cx="9144000" cy="137411"/>
+            <a:chOff x="284163" y="1577847"/>
             <a:chExt cx="8576373" cy="137411"/>
           </a:xfrm>
         </p:grpSpPr>
         <p:sp>
           <p:nvSpPr>
-            <p:cNvPr id="9" name="Rectangle 8"/>
+            <p:cNvPr id="21" name="Rectangle 20"/>
             <p:cNvSpPr/>
             <p:nvPr/>
           </p:nvSpPr>
           <p:spPr>
             <a:xfrm>
-              <a:off x="284163" y="1759424"/>
-              <a:ext cx="2743200" cy="137411"/>
+              <a:off x="284163" y="1577847"/>
+              <a:ext cx="1600200" cy="137411"/>
             </a:xfrm>
             <a:prstGeom prst="rect">
               <a:avLst/>
             </a:prstGeom>
             <a:solidFill>
-              <a:schemeClr val="accent1"/>
+              <a:srgbClr val="7030A0"/>
             </a:solidFill>
             <a:ln>
               <a:noFill/>
@@ -5070,20 +2783,20 @@
         </p:sp>
         <p:sp>
           <p:nvSpPr>
-            <p:cNvPr id="10" name="Rectangle 9"/>
+            <p:cNvPr id="22" name="Rectangle 21"/>
             <p:cNvSpPr/>
             <p:nvPr/>
           </p:nvSpPr>
           <p:spPr>
             <a:xfrm>
-              <a:off x="3026392" y="1759424"/>
-              <a:ext cx="1600200" cy="137411"/>
+              <a:off x="1885174" y="1577847"/>
+              <a:ext cx="2743200" cy="137411"/>
             </a:xfrm>
             <a:prstGeom prst="rect">
               <a:avLst/>
             </a:prstGeom>
             <a:solidFill>
-              <a:schemeClr val="accent2"/>
+              <a:srgbClr val="00B050"/>
             </a:solidFill>
             <a:ln>
               <a:noFill/>
@@ -5116,20 +2829,20 @@
         </p:sp>
         <p:sp>
           <p:nvSpPr>
-            <p:cNvPr id="11" name="Rectangle 10"/>
+            <p:cNvPr id="23" name="Rectangle 22"/>
             <p:cNvSpPr/>
             <p:nvPr/>
           </p:nvSpPr>
           <p:spPr>
             <a:xfrm>
-              <a:off x="4626864" y="1759424"/>
+              <a:off x="4626864" y="1577847"/>
               <a:ext cx="4233672" cy="137411"/>
             </a:xfrm>
             <a:prstGeom prst="rect">
               <a:avLst/>
             </a:prstGeom>
             <a:solidFill>
-              <a:schemeClr val="accent4"/>
+              <a:srgbClr val="0070C0"/>
             </a:solidFill>
             <a:ln>
               <a:noFill/>
@@ -5163,80 +2876,6 @@
       </p:grpSp>
       <p:sp>
         <p:nvSpPr>
-          <p:cNvPr id="12" name="TextBox 11"/>
-          <p:cNvSpPr txBox="1"/>
-          <p:nvPr/>
-        </p:nvSpPr>
-        <p:spPr>
-          <a:xfrm>
-            <a:off x="8230889" y="4801575"/>
-            <a:ext cx="587020" cy="646331"/>
-          </a:xfrm>
-          <a:prstGeom prst="rect">
-            <a:avLst/>
-          </a:prstGeom>
-          <a:noFill/>
-        </p:spPr>
-        <p:txBody>
-          <a:bodyPr wrap="none" rtlCol="0">
-            <a:spAutoFit/>
-          </a:bodyPr>
-          <a:lstStyle/>
-          <a:p>
-            <a:r>
-              <a:rPr sz="3600">
-                <a:solidFill>
-                  <a:schemeClr val="bg1"/>
-                </a:solidFill>
-                <a:sym typeface="Wingdings"/>
-              </a:rPr>
-              <a:t></a:t>
-            </a:r>
-            <a:endParaRPr sz="3600">
-              <a:solidFill>
-                <a:schemeClr val="bg1"/>
-              </a:solidFill>
-            </a:endParaRPr>
-          </a:p>
-        </p:txBody>
-      </p:sp>
-      <p:sp>
-        <p:nvSpPr>
-          <p:cNvPr id="2" name="Title 1"/>
-          <p:cNvSpPr>
-            <a:spLocks noGrp="1"/>
-          </p:cNvSpPr>
-          <p:nvPr>
-            <p:ph type="title"/>
-          </p:nvPr>
-        </p:nvSpPr>
-        <p:spPr>
-          <a:xfrm>
-            <a:off x="430306" y="4814047"/>
-            <a:ext cx="7772400" cy="1048871"/>
-          </a:xfrm>
-          <a:noFill/>
-        </p:spPr>
-        <p:txBody>
-          <a:bodyPr anchor="b" anchorCtr="0">
-            <a:normAutofit/>
-          </a:bodyPr>
-          <a:lstStyle>
-            <a:lvl1pPr algn="l">
-              <a:defRPr sz="4200" b="0" i="0" cap="none" baseline="0"/>
-            </a:lvl1pPr>
-          </a:lstStyle>
-          <a:p>
-            <a:r>
-              <a:rPr lang="en-US" smtClean="0"/>
-              <a:t>Click to edit Master title style</a:t>
-            </a:r>
-            <a:endParaRPr/>
-          </a:p>
-        </p:txBody>
-      </p:sp>
-      <p:sp>
-        <p:nvSpPr>
           <p:cNvPr id="3" name="Text Placeholder 2"/>
           <p:cNvSpPr>
             <a:spLocks noGrp="1"/>
@@ -5247,105 +2886,60 @@
         </p:nvSpPr>
         <p:spPr>
           <a:xfrm>
-            <a:off x="470647" y="5862918"/>
-            <a:ext cx="7732059" cy="403412"/>
+            <a:off x="403412" y="1735138"/>
+            <a:ext cx="3931920" cy="833250"/>
           </a:xfrm>
         </p:spPr>
         <p:txBody>
-          <a:bodyPr anchor="t" anchorCtr="0">
-            <a:normAutofit/>
+          <a:bodyPr anchor="b">
+            <a:noAutofit/>
           </a:bodyPr>
           <a:lstStyle>
-            <a:lvl1pPr marL="0" indent="0">
+            <a:lvl1pPr marL="0" indent="0" algn="ctr">
+              <a:lnSpc>
+                <a:spcPct val="100000"/>
+              </a:lnSpc>
               <a:spcBef>
-                <a:spcPts val="0"/>
+                <a:spcPts val="600"/>
               </a:spcBef>
               <a:buNone/>
-              <a:defRPr sz="1800">
-                <a:solidFill>
-                  <a:schemeClr val="bg1"/>
+              <a:defRPr sz="2600" b="0">
+                <a:solidFill>
+                  <a:schemeClr val="accent1"/>
                 </a:solidFill>
               </a:defRPr>
             </a:lvl1pPr>
             <a:lvl2pPr marL="457200" indent="0">
               <a:buNone/>
-              <a:defRPr sz="1800">
-                <a:solidFill>
-                  <a:schemeClr val="tx1">
-                    <a:tint val="75000"/>
-                  </a:schemeClr>
-                </a:solidFill>
-              </a:defRPr>
+              <a:defRPr sz="2000" b="1"/>
             </a:lvl2pPr>
             <a:lvl3pPr marL="914400" indent="0">
               <a:buNone/>
-              <a:defRPr sz="1600">
-                <a:solidFill>
-                  <a:schemeClr val="tx1">
-                    <a:tint val="75000"/>
-                  </a:schemeClr>
-                </a:solidFill>
-              </a:defRPr>
+              <a:defRPr sz="1800" b="1"/>
             </a:lvl3pPr>
             <a:lvl4pPr marL="1371600" indent="0">
               <a:buNone/>
-              <a:defRPr sz="1400">
-                <a:solidFill>
-                  <a:schemeClr val="tx1">
-                    <a:tint val="75000"/>
-                  </a:schemeClr>
-                </a:solidFill>
-              </a:defRPr>
+              <a:defRPr sz="1600" b="1"/>
             </a:lvl4pPr>
             <a:lvl5pPr marL="1828800" indent="0">
               <a:buNone/>
-              <a:defRPr sz="1400">
-                <a:solidFill>
-                  <a:schemeClr val="tx1">
-                    <a:tint val="75000"/>
-                  </a:schemeClr>
-                </a:solidFill>
-              </a:defRPr>
+              <a:defRPr sz="1600" b="1"/>
             </a:lvl5pPr>
             <a:lvl6pPr marL="2286000" indent="0">
               <a:buNone/>
-              <a:defRPr sz="1400">
-                <a:solidFill>
-                  <a:schemeClr val="tx1">
-                    <a:tint val="75000"/>
-                  </a:schemeClr>
-                </a:solidFill>
-              </a:defRPr>
+              <a:defRPr sz="1600" b="1"/>
             </a:lvl6pPr>
             <a:lvl7pPr marL="2743200" indent="0">
               <a:buNone/>
-              <a:defRPr sz="1400">
-                <a:solidFill>
-                  <a:schemeClr val="tx1">
-                    <a:tint val="75000"/>
-                  </a:schemeClr>
-                </a:solidFill>
-              </a:defRPr>
+              <a:defRPr sz="1600" b="1"/>
             </a:lvl7pPr>
             <a:lvl8pPr marL="3200400" indent="0">
               <a:buNone/>
-              <a:defRPr sz="1400">
-                <a:solidFill>
-                  <a:schemeClr val="tx1">
-                    <a:tint val="75000"/>
-                  </a:schemeClr>
-                </a:solidFill>
-              </a:defRPr>
+              <a:defRPr sz="1600" b="1"/>
             </a:lvl8pPr>
             <a:lvl9pPr marL="3657600" indent="0">
               <a:buNone/>
-              <a:defRPr sz="1400">
-                <a:solidFill>
-                  <a:schemeClr val="tx1">
-                    <a:tint val="75000"/>
-                  </a:schemeClr>
-                </a:solidFill>
-              </a:defRPr>
+              <a:defRPr sz="1600" b="1"/>
             </a:lvl9pPr>
           </a:lstStyle>
           <a:p>
@@ -5357,127 +2951,20 @@
           </a:p>
         </p:txBody>
       </p:sp>
-    </p:spTree>
-  </p:cSld>
-  <p:clrMapOvr>
-    <a:masterClrMapping/>
-  </p:clrMapOvr>
-  <p:timing>
-    <p:tnLst>
-      <p:par>
-        <p:cTn id="1" dur="indefinite" restart="never" nodeType="tmRoot"/>
-      </p:par>
-    </p:tnLst>
-  </p:timing>
-</p:sldLayout>
-</file>
-
-<file path=ppt/slideLayouts/slideLayout6.xml><?xml version="1.0" encoding="utf-8"?>
-<p:sldLayout xmlns:a="http://schemas.openxmlformats.org/drawingml/2006/main" xmlns:r="http://schemas.openxmlformats.org/officeDocument/2006/relationships" xmlns:p="http://schemas.openxmlformats.org/presentationml/2006/main" type="twoObj" preserve="1">
-  <p:cSld name="Two Content">
-    <p:spTree>
-      <p:nvGrpSpPr>
-        <p:cNvPr id="1" name=""/>
-        <p:cNvGrpSpPr/>
-        <p:nvPr/>
-      </p:nvGrpSpPr>
-      <p:grpSpPr>
-        <a:xfrm>
-          <a:off x="0" y="0"/>
-          <a:ext cx="0" cy="0"/>
-          <a:chOff x="0" y="0"/>
-          <a:chExt cx="0" cy="0"/>
-        </a:xfrm>
-      </p:grpSpPr>
-      <p:sp>
-        <p:nvSpPr>
-          <p:cNvPr id="8" name="Rectangle 7"/>
-          <p:cNvSpPr/>
-          <p:nvPr/>
-        </p:nvSpPr>
-        <p:spPr>
-          <a:xfrm>
-            <a:off x="284163" y="455773"/>
-            <a:ext cx="8574087" cy="1133949"/>
-          </a:xfrm>
-          <a:prstGeom prst="rect">
-            <a:avLst/>
-          </a:prstGeom>
-          <a:solidFill>
-            <a:schemeClr val="tx1">
-              <a:lumMod val="85000"/>
-              <a:lumOff val="15000"/>
-              <a:alpha val="70000"/>
-            </a:schemeClr>
-          </a:solidFill>
-          <a:ln>
-            <a:noFill/>
-          </a:ln>
-        </p:spPr>
-        <p:style>
-          <a:lnRef idx="2">
-            <a:schemeClr val="accent1">
-              <a:shade val="50000"/>
-            </a:schemeClr>
-          </a:lnRef>
-          <a:fillRef idx="1">
-            <a:schemeClr val="accent1"/>
-          </a:fillRef>
-          <a:effectRef idx="0">
-            <a:schemeClr val="accent1"/>
-          </a:effectRef>
-          <a:fontRef idx="minor">
-            <a:schemeClr val="lt1"/>
-          </a:fontRef>
-        </p:style>
-        <p:txBody>
-          <a:bodyPr rtlCol="0" anchor="ctr"/>
-          <a:lstStyle/>
-          <a:p>
-            <a:pPr algn="ctr"/>
-            <a:endParaRPr/>
-          </a:p>
-        </p:txBody>
-      </p:sp>
-      <p:sp>
-        <p:nvSpPr>
-          <p:cNvPr id="2" name="Title 1"/>
+      <p:sp>
+        <p:nvSpPr>
+          <p:cNvPr id="4" name="Content Placeholder 3"/>
           <p:cNvSpPr>
             <a:spLocks noGrp="1"/>
           </p:cNvSpPr>
           <p:nvPr>
-            <p:ph type="title"/>
-          </p:nvPr>
-        </p:nvSpPr>
-        <p:spPr>
-          <a:noFill/>
-        </p:spPr>
-        <p:txBody>
-          <a:bodyPr/>
-          <a:lstStyle/>
-          <a:p>
-            <a:r>
-              <a:rPr lang="en-US" smtClean="0"/>
-              <a:t>Click to edit Master title style</a:t>
-            </a:r>
-            <a:endParaRPr/>
-          </a:p>
-        </p:txBody>
-      </p:sp>
-      <p:sp>
-        <p:nvSpPr>
-          <p:cNvPr id="3" name="Content Placeholder 2"/>
-          <p:cNvSpPr>
-            <a:spLocks noGrp="1"/>
-          </p:cNvSpPr>
-          <p:nvPr>
-            <p:ph sz="half" idx="1"/>
+            <p:ph sz="half" idx="2"/>
           </p:nvPr>
         </p:nvSpPr>
         <p:spPr>
           <a:xfrm>
-            <a:off x="403412" y="2151063"/>
-            <a:ext cx="3931920" cy="3975100"/>
+            <a:off x="403412" y="2590800"/>
+            <a:ext cx="3931920" cy="3535362"/>
           </a:xfrm>
         </p:spPr>
         <p:txBody>
@@ -5501,16 +2988,16 @@
               <a:defRPr sz="1800"/>
             </a:lvl5pPr>
             <a:lvl6pPr>
-              <a:defRPr sz="1800"/>
+              <a:defRPr sz="1600"/>
             </a:lvl6pPr>
             <a:lvl7pPr>
-              <a:defRPr sz="1800"/>
+              <a:defRPr sz="1600"/>
             </a:lvl7pPr>
             <a:lvl8pPr>
-              <a:defRPr sz="1800"/>
+              <a:defRPr sz="1600"/>
             </a:lvl8pPr>
             <a:lvl9pPr>
-              <a:defRPr sz="1800"/>
+              <a:defRPr sz="1600"/>
             </a:lvl9pPr>
           </a:lstStyle>
           <a:p>
@@ -5553,18 +3040,95 @@
       </p:sp>
       <p:sp>
         <p:nvSpPr>
-          <p:cNvPr id="4" name="Content Placeholder 3"/>
+          <p:cNvPr id="5" name="Text Placeholder 4"/>
           <p:cNvSpPr>
             <a:spLocks noGrp="1"/>
           </p:cNvSpPr>
           <p:nvPr>
-            <p:ph sz="half" idx="2"/>
+            <p:ph type="body" sz="quarter" idx="3"/>
           </p:nvPr>
         </p:nvSpPr>
         <p:spPr>
           <a:xfrm>
-            <a:off x="4778188" y="2151063"/>
-            <a:ext cx="3931920" cy="3975100"/>
+            <a:off x="4779495" y="1735138"/>
+            <a:ext cx="3931920" cy="833250"/>
+          </a:xfrm>
+        </p:spPr>
+        <p:txBody>
+          <a:bodyPr anchor="b">
+            <a:noAutofit/>
+          </a:bodyPr>
+          <a:lstStyle>
+            <a:lvl1pPr marL="0" indent="0" algn="ctr">
+              <a:lnSpc>
+                <a:spcPct val="100000"/>
+              </a:lnSpc>
+              <a:spcBef>
+                <a:spcPts val="600"/>
+              </a:spcBef>
+              <a:buNone/>
+              <a:defRPr sz="2600" b="0">
+                <a:solidFill>
+                  <a:schemeClr val="accent2"/>
+                </a:solidFill>
+              </a:defRPr>
+            </a:lvl1pPr>
+            <a:lvl2pPr marL="457200" indent="0">
+              <a:buNone/>
+              <a:defRPr sz="2000" b="1"/>
+            </a:lvl2pPr>
+            <a:lvl3pPr marL="914400" indent="0">
+              <a:buNone/>
+              <a:defRPr sz="1800" b="1"/>
+            </a:lvl3pPr>
+            <a:lvl4pPr marL="1371600" indent="0">
+              <a:buNone/>
+              <a:defRPr sz="1600" b="1"/>
+            </a:lvl4pPr>
+            <a:lvl5pPr marL="1828800" indent="0">
+              <a:buNone/>
+              <a:defRPr sz="1600" b="1"/>
+            </a:lvl5pPr>
+            <a:lvl6pPr marL="2286000" indent="0">
+              <a:buNone/>
+              <a:defRPr sz="1600" b="1"/>
+            </a:lvl6pPr>
+            <a:lvl7pPr marL="2743200" indent="0">
+              <a:buNone/>
+              <a:defRPr sz="1600" b="1"/>
+            </a:lvl7pPr>
+            <a:lvl8pPr marL="3200400" indent="0">
+              <a:buNone/>
+              <a:defRPr sz="1600" b="1"/>
+            </a:lvl8pPr>
+            <a:lvl9pPr marL="3657600" indent="0">
+              <a:buNone/>
+              <a:defRPr sz="1600" b="1"/>
+            </a:lvl9pPr>
+          </a:lstStyle>
+          <a:p>
+            <a:pPr lvl="0"/>
+            <a:r>
+              <a:rPr lang="en-US" smtClean="0"/>
+              <a:t>Click to edit Master text styles</a:t>
+            </a:r>
+          </a:p>
+        </p:txBody>
+      </p:sp>
+      <p:sp>
+        <p:nvSpPr>
+          <p:cNvPr id="6" name="Content Placeholder 5"/>
+          <p:cNvSpPr>
+            <a:spLocks noGrp="1"/>
+          </p:cNvSpPr>
+          <p:nvPr>
+            <p:ph sz="quarter" idx="4"/>
+          </p:nvPr>
+        </p:nvSpPr>
+        <p:spPr>
+          <a:xfrm>
+            <a:off x="4779495" y="2590800"/>
+            <a:ext cx="3931920" cy="3535362"/>
           </a:xfrm>
         </p:spPr>
         <p:txBody>
@@ -5588,16 +3152,16 @@
               <a:defRPr sz="1800"/>
             </a:lvl5pPr>
             <a:lvl6pPr>
-              <a:defRPr sz="1800"/>
+              <a:defRPr sz="1600"/>
             </a:lvl6pPr>
             <a:lvl7pPr>
-              <a:defRPr sz="1800"/>
+              <a:defRPr sz="1600"/>
             </a:lvl7pPr>
             <a:lvl8pPr>
-              <a:defRPr sz="1800"/>
+              <a:defRPr sz="1600"/>
             </a:lvl8pPr>
             <a:lvl9pPr>
-              <a:defRPr sz="1800"/>
+              <a:defRPr sz="1600"/>
             </a:lvl9pPr>
           </a:lstStyle>
           <a:p>
@@ -5640,7 +3204,7 @@
       </p:sp>
       <p:sp>
         <p:nvSpPr>
-          <p:cNvPr id="5" name="Date Placeholder 4"/>
+          <p:cNvPr id="7" name="Date Placeholder 6"/>
           <p:cNvSpPr>
             <a:spLocks noGrp="1"/>
           </p:cNvSpPr>
@@ -5653,9 +3217,9 @@
           <a:bodyPr/>
           <a:lstStyle/>
           <a:p>
-            <a:fld id="{4F45CA66-E414-4B30-A99F-90201A60AECA}" type="datetime1">
+            <a:fld id="{D38CD682-3E36-7642-ABEE-38D14715E2E2}" type="datetime1">
               <a:rPr lang="en-US" smtClean="0"/>
-              <a:t>7/6/2015</a:t>
+              <a:t>11/15/15</a:t>
             </a:fld>
             <a:endParaRPr lang="en-US"/>
           </a:p>
@@ -5663,7 +3227,30 @@
       </p:sp>
       <p:sp>
         <p:nvSpPr>
-          <p:cNvPr id="7" name="Slide Number Placeholder 6"/>
+          <p:cNvPr id="8" name="Footer Placeholder 7"/>
+          <p:cNvSpPr>
+            <a:spLocks noGrp="1"/>
+          </p:cNvSpPr>
+          <p:nvPr>
+            <p:ph type="ftr" sz="quarter" idx="11"/>
+          </p:nvPr>
+        </p:nvSpPr>
+        <p:spPr/>
+        <p:txBody>
+          <a:bodyPr/>
+          <a:lstStyle/>
+          <a:p>
+            <a:r>
+              <a:rPr lang="en-US" smtClean="0"/>
+              <a:t>© 2015 EV3Lessons.com, Last edit 2/28/2015</a:t>
+            </a:r>
+            <a:endParaRPr lang="en-US"/>
+          </a:p>
+        </p:txBody>
+      </p:sp>
+      <p:sp>
+        <p:nvSpPr>
+          <p:cNvPr id="9" name="Slide Number Placeholder 8"/>
           <p:cNvSpPr>
             <a:spLocks noGrp="1"/>
           </p:cNvSpPr>
@@ -5684,17 +3271,326 @@
           </a:p>
         </p:txBody>
       </p:sp>
+    </p:spTree>
+  </p:cSld>
+  <p:clrMapOvr>
+    <a:masterClrMapping/>
+  </p:clrMapOvr>
+  <p:timing>
+    <p:tnLst>
+      <p:par>
+        <p:cTn id="1" dur="indefinite" restart="never" nodeType="tmRoot"/>
+      </p:par>
+    </p:tnLst>
+  </p:timing>
+</p:sldLayout>
+</file>
+
+<file path=ppt/slideLayouts/slideLayout6.xml><?xml version="1.0" encoding="utf-8"?>
+<p:sldLayout xmlns:a="http://schemas.openxmlformats.org/drawingml/2006/main" xmlns:r="http://schemas.openxmlformats.org/officeDocument/2006/relationships" xmlns:p="http://schemas.openxmlformats.org/presentationml/2006/main" preserve="1" userDrawn="1">
+  <p:cSld name="Title Only">
+    <p:spTree>
+      <p:nvGrpSpPr>
+        <p:cNvPr id="1" name=""/>
+        <p:cNvGrpSpPr/>
+        <p:nvPr/>
+      </p:nvGrpSpPr>
+      <p:grpSpPr>
+        <a:xfrm>
+          <a:off x="0" y="0"/>
+          <a:ext cx="0" cy="0"/>
+          <a:chOff x="0" y="0"/>
+          <a:chExt cx="0" cy="0"/>
+        </a:xfrm>
+      </p:grpSpPr>
+      <p:sp>
+        <p:nvSpPr>
+          <p:cNvPr id="8" name="Title 7"/>
+          <p:cNvSpPr>
+            <a:spLocks noGrp="1"/>
+          </p:cNvSpPr>
+          <p:nvPr>
+            <p:ph type="title"/>
+          </p:nvPr>
+        </p:nvSpPr>
+        <p:spPr/>
+        <p:txBody>
+          <a:bodyPr/>
+          <a:lstStyle/>
+          <a:p>
+            <a:r>
+              <a:rPr lang="en-US" smtClean="0"/>
+              <a:t>Click to edit Master title style</a:t>
+            </a:r>
+            <a:endParaRPr lang="en-US"/>
+          </a:p>
+        </p:txBody>
+      </p:sp>
       <p:grpSp>
         <p:nvGrpSpPr>
-          <p:cNvPr id="13" name="Group 16"/>
+          <p:cNvPr id="16" name="Group 15"/>
           <p:cNvGrpSpPr/>
           <p:nvPr userDrawn="1"/>
         </p:nvGrpSpPr>
         <p:grpSpPr>
           <a:xfrm>
-            <a:off x="284163" y="1585702"/>
-            <a:ext cx="8576373" cy="137411"/>
-            <a:chOff x="284163" y="1759424"/>
+            <a:off x="0" y="1188720"/>
+            <a:ext cx="9144000" cy="137411"/>
+            <a:chOff x="284163" y="1577847"/>
+            <a:chExt cx="8576373" cy="137411"/>
+          </a:xfrm>
+        </p:grpSpPr>
+        <p:sp>
+          <p:nvSpPr>
+            <p:cNvPr id="17" name="Rectangle 16"/>
+            <p:cNvSpPr/>
+            <p:nvPr/>
+          </p:nvSpPr>
+          <p:spPr>
+            <a:xfrm>
+              <a:off x="284163" y="1577847"/>
+              <a:ext cx="1600200" cy="137411"/>
+            </a:xfrm>
+            <a:prstGeom prst="rect">
+              <a:avLst/>
+            </a:prstGeom>
+            <a:solidFill>
+              <a:srgbClr val="7030A0"/>
+            </a:solidFill>
+            <a:ln>
+              <a:noFill/>
+            </a:ln>
+          </p:spPr>
+          <p:style>
+            <a:lnRef idx="2">
+              <a:schemeClr val="accent1">
+                <a:shade val="50000"/>
+              </a:schemeClr>
+            </a:lnRef>
+            <a:fillRef idx="1">
+              <a:schemeClr val="accent1"/>
+            </a:fillRef>
+            <a:effectRef idx="0">
+              <a:schemeClr val="accent1"/>
+            </a:effectRef>
+            <a:fontRef idx="minor">
+              <a:schemeClr val="lt1"/>
+            </a:fontRef>
+          </p:style>
+          <p:txBody>
+            <a:bodyPr rtlCol="0" anchor="ctr"/>
+            <a:lstStyle/>
+            <a:p>
+              <a:pPr algn="ctr"/>
+              <a:endParaRPr/>
+            </a:p>
+          </p:txBody>
+        </p:sp>
+        <p:sp>
+          <p:nvSpPr>
+            <p:cNvPr id="18" name="Rectangle 17"/>
+            <p:cNvSpPr/>
+            <p:nvPr/>
+          </p:nvSpPr>
+          <p:spPr>
+            <a:xfrm>
+              <a:off x="1885174" y="1577847"/>
+              <a:ext cx="2743200" cy="137411"/>
+            </a:xfrm>
+            <a:prstGeom prst="rect">
+              <a:avLst/>
+            </a:prstGeom>
+            <a:solidFill>
+              <a:srgbClr val="00B050"/>
+            </a:solidFill>
+            <a:ln>
+              <a:noFill/>
+            </a:ln>
+          </p:spPr>
+          <p:style>
+            <a:lnRef idx="2">
+              <a:schemeClr val="accent1">
+                <a:shade val="50000"/>
+              </a:schemeClr>
+            </a:lnRef>
+            <a:fillRef idx="1">
+              <a:schemeClr val="accent1"/>
+            </a:fillRef>
+            <a:effectRef idx="0">
+              <a:schemeClr val="accent1"/>
+            </a:effectRef>
+            <a:fontRef idx="minor">
+              <a:schemeClr val="lt1"/>
+            </a:fontRef>
+          </p:style>
+          <p:txBody>
+            <a:bodyPr rtlCol="0" anchor="ctr"/>
+            <a:lstStyle/>
+            <a:p>
+              <a:pPr algn="ctr"/>
+              <a:endParaRPr/>
+            </a:p>
+          </p:txBody>
+        </p:sp>
+        <p:sp>
+          <p:nvSpPr>
+            <p:cNvPr id="19" name="Rectangle 18"/>
+            <p:cNvSpPr/>
+            <p:nvPr/>
+          </p:nvSpPr>
+          <p:spPr>
+            <a:xfrm>
+              <a:off x="4626864" y="1577847"/>
+              <a:ext cx="4233672" cy="137411"/>
+            </a:xfrm>
+            <a:prstGeom prst="rect">
+              <a:avLst/>
+            </a:prstGeom>
+            <a:solidFill>
+              <a:srgbClr val="0070C0"/>
+            </a:solidFill>
+            <a:ln>
+              <a:noFill/>
+            </a:ln>
+          </p:spPr>
+          <p:style>
+            <a:lnRef idx="2">
+              <a:schemeClr val="accent1">
+                <a:shade val="50000"/>
+              </a:schemeClr>
+            </a:lnRef>
+            <a:fillRef idx="1">
+              <a:schemeClr val="accent1"/>
+            </a:fillRef>
+            <a:effectRef idx="0">
+              <a:schemeClr val="accent1"/>
+            </a:effectRef>
+            <a:fontRef idx="minor">
+              <a:schemeClr val="lt1"/>
+            </a:fontRef>
+          </p:style>
+          <p:txBody>
+            <a:bodyPr rtlCol="0" anchor="ctr"/>
+            <a:lstStyle/>
+            <a:p>
+              <a:pPr algn="ctr"/>
+              <a:endParaRPr/>
+            </a:p>
+          </p:txBody>
+        </p:sp>
+      </p:grpSp>
+      <p:sp>
+        <p:nvSpPr>
+          <p:cNvPr id="3" name="Date Placeholder 2"/>
+          <p:cNvSpPr>
+            <a:spLocks noGrp="1"/>
+          </p:cNvSpPr>
+          <p:nvPr>
+            <p:ph type="dt" sz="half" idx="10"/>
+          </p:nvPr>
+        </p:nvSpPr>
+        <p:spPr/>
+        <p:txBody>
+          <a:bodyPr/>
+          <a:lstStyle/>
+          <a:p>
+            <a:fld id="{A9E6DB50-8AE0-4F43-8B22-1E0700F20CC6}" type="datetime1">
+              <a:rPr lang="en-US" smtClean="0"/>
+              <a:t>11/15/15</a:t>
+            </a:fld>
+            <a:endParaRPr lang="en-US"/>
+          </a:p>
+        </p:txBody>
+      </p:sp>
+      <p:sp>
+        <p:nvSpPr>
+          <p:cNvPr id="4" name="Footer Placeholder 3"/>
+          <p:cNvSpPr>
+            <a:spLocks noGrp="1"/>
+          </p:cNvSpPr>
+          <p:nvPr>
+            <p:ph type="ftr" sz="quarter" idx="11"/>
+          </p:nvPr>
+        </p:nvSpPr>
+        <p:spPr/>
+        <p:txBody>
+          <a:bodyPr/>
+          <a:lstStyle/>
+          <a:p>
+            <a:r>
+              <a:rPr lang="en-US" smtClean="0"/>
+              <a:t>© 2015 EV3Lessons.com, Last edit 2/28/2015</a:t>
+            </a:r>
+            <a:endParaRPr lang="en-US"/>
+          </a:p>
+        </p:txBody>
+      </p:sp>
+      <p:sp>
+        <p:nvSpPr>
+          <p:cNvPr id="5" name="Slide Number Placeholder 4"/>
+          <p:cNvSpPr>
+            <a:spLocks noGrp="1"/>
+          </p:cNvSpPr>
+          <p:nvPr>
+            <p:ph type="sldNum" sz="quarter" idx="12"/>
+          </p:nvPr>
+        </p:nvSpPr>
+        <p:spPr/>
+        <p:txBody>
+          <a:bodyPr/>
+          <a:lstStyle/>
+          <a:p>
+            <a:fld id="{4382A7F7-08BF-4252-8141-63FB96055BBB}" type="slidenum">
+              <a:rPr lang="en-US" smtClean="0"/>
+              <a:t>‹#›</a:t>
+            </a:fld>
+            <a:endParaRPr lang="en-US"/>
+          </a:p>
+        </p:txBody>
+      </p:sp>
+    </p:spTree>
+  </p:cSld>
+  <p:clrMapOvr>
+    <a:masterClrMapping/>
+  </p:clrMapOvr>
+  <p:timing>
+    <p:tnLst>
+      <p:par>
+        <p:cTn id="1" dur="indefinite" restart="never" nodeType="tmRoot"/>
+      </p:par>
+    </p:tnLst>
+  </p:timing>
+</p:sldLayout>
+</file>
+
+<file path=ppt/slideLayouts/slideLayout7.xml><?xml version="1.0" encoding="utf-8"?>
+<p:sldLayout xmlns:a="http://schemas.openxmlformats.org/drawingml/2006/main" xmlns:r="http://schemas.openxmlformats.org/officeDocument/2006/relationships" xmlns:p="http://schemas.openxmlformats.org/presentationml/2006/main" preserve="1" userDrawn="1">
+  <p:cSld name="Title and Vertical Text">
+    <p:spTree>
+      <p:nvGrpSpPr>
+        <p:cNvPr id="1" name=""/>
+        <p:cNvGrpSpPr/>
+        <p:nvPr/>
+      </p:nvGrpSpPr>
+      <p:grpSpPr>
+        <a:xfrm>
+          <a:off x="0" y="0"/>
+          <a:ext cx="0" cy="0"/>
+          <a:chOff x="0" y="0"/>
+          <a:chExt cx="0" cy="0"/>
+        </a:xfrm>
+      </p:grpSpPr>
+      <p:grpSp>
+        <p:nvGrpSpPr>
+          <p:cNvPr id="13" name="Group 12"/>
+          <p:cNvGrpSpPr/>
+          <p:nvPr userDrawn="1"/>
+        </p:nvGrpSpPr>
+        <p:grpSpPr>
+          <a:xfrm>
+            <a:off x="0" y="1188720"/>
+            <a:ext cx="9144000" cy="137411"/>
+            <a:chOff x="284163" y="1577847"/>
             <a:chExt cx="8576373" cy="137411"/>
           </a:xfrm>
         </p:grpSpPr>
@@ -5706,8 +3602,8 @@
           </p:nvSpPr>
           <p:spPr>
             <a:xfrm>
-              <a:off x="284163" y="1759424"/>
-              <a:ext cx="2743200" cy="137411"/>
+              <a:off x="284163" y="1577847"/>
+              <a:ext cx="1600200" cy="137411"/>
             </a:xfrm>
             <a:prstGeom prst="rect">
               <a:avLst/>
@@ -5752,8 +3648,8 @@
           </p:nvSpPr>
           <p:spPr>
             <a:xfrm>
-              <a:off x="3026392" y="1759424"/>
-              <a:ext cx="1600200" cy="137411"/>
+              <a:off x="1885174" y="1577847"/>
+              <a:ext cx="2743200" cy="137411"/>
             </a:xfrm>
             <a:prstGeom prst="rect">
               <a:avLst/>
@@ -5798,7 +3694,514 @@
           </p:nvSpPr>
           <p:spPr>
             <a:xfrm>
-              <a:off x="4626864" y="1759424"/>
+              <a:off x="4626864" y="1577847"/>
+              <a:ext cx="4233672" cy="137411"/>
+            </a:xfrm>
+            <a:prstGeom prst="rect">
+              <a:avLst/>
+            </a:prstGeom>
+            <a:solidFill>
+              <a:srgbClr val="0070C0"/>
+            </a:solidFill>
+            <a:ln>
+              <a:noFill/>
+            </a:ln>
+          </p:spPr>
+          <p:style>
+            <a:lnRef idx="2">
+              <a:schemeClr val="accent1">
+                <a:shade val="50000"/>
+              </a:schemeClr>
+            </a:lnRef>
+            <a:fillRef idx="1">
+              <a:schemeClr val="accent1"/>
+            </a:fillRef>
+            <a:effectRef idx="0">
+              <a:schemeClr val="accent1"/>
+            </a:effectRef>
+            <a:fontRef idx="minor">
+              <a:schemeClr val="lt1"/>
+            </a:fontRef>
+          </p:style>
+          <p:txBody>
+            <a:bodyPr rtlCol="0" anchor="ctr"/>
+            <a:lstStyle/>
+            <a:p>
+              <a:pPr algn="ctr"/>
+              <a:endParaRPr/>
+            </a:p>
+          </p:txBody>
+        </p:sp>
+      </p:grpSp>
+      <p:sp>
+        <p:nvSpPr>
+          <p:cNvPr id="3" name="Vertical Text Placeholder 2"/>
+          <p:cNvSpPr>
+            <a:spLocks noGrp="1"/>
+          </p:cNvSpPr>
+          <p:nvPr>
+            <p:ph type="body" orient="vert" idx="1"/>
+          </p:nvPr>
+        </p:nvSpPr>
+        <p:spPr>
+          <a:xfrm>
+            <a:off x="284163" y="2133600"/>
+            <a:ext cx="8574087" cy="4013200"/>
+          </a:xfrm>
+        </p:spPr>
+        <p:txBody>
+          <a:bodyPr vert="eaVert"/>
+          <a:lstStyle>
+            <a:lvl5pPr>
+              <a:defRPr/>
+            </a:lvl5pPr>
+          </a:lstStyle>
+          <a:p>
+            <a:pPr lvl="0"/>
+            <a:r>
+              <a:rPr lang="en-US" smtClean="0"/>
+              <a:t>Click to edit Master text styles</a:t>
+            </a:r>
+          </a:p>
+          <a:p>
+            <a:pPr lvl="1"/>
+            <a:r>
+              <a:rPr lang="en-US" smtClean="0"/>
+              <a:t>Second level</a:t>
+            </a:r>
+          </a:p>
+          <a:p>
+            <a:pPr lvl="2"/>
+            <a:r>
+              <a:rPr lang="en-US" smtClean="0"/>
+              <a:t>Third level</a:t>
+            </a:r>
+          </a:p>
+          <a:p>
+            <a:pPr lvl="3"/>
+            <a:r>
+              <a:rPr lang="en-US" smtClean="0"/>
+              <a:t>Fourth level</a:t>
+            </a:r>
+          </a:p>
+          <a:p>
+            <a:pPr lvl="4"/>
+            <a:r>
+              <a:rPr lang="en-US" smtClean="0"/>
+              <a:t>Fifth level</a:t>
+            </a:r>
+            <a:endParaRPr dirty="0"/>
+          </a:p>
+        </p:txBody>
+      </p:sp>
+      <p:sp>
+        <p:nvSpPr>
+          <p:cNvPr id="4" name="Date Placeholder 3"/>
+          <p:cNvSpPr>
+            <a:spLocks noGrp="1"/>
+          </p:cNvSpPr>
+          <p:nvPr>
+            <p:ph type="dt" sz="half" idx="10"/>
+          </p:nvPr>
+        </p:nvSpPr>
+        <p:spPr/>
+        <p:txBody>
+          <a:bodyPr/>
+          <a:lstStyle/>
+          <a:p>
+            <a:fld id="{778D02FA-5B24-AA4E-8F8B-53CC3921B08D}" type="datetime1">
+              <a:rPr lang="en-US" smtClean="0"/>
+              <a:t>11/15/15</a:t>
+            </a:fld>
+            <a:endParaRPr lang="en-US"/>
+          </a:p>
+        </p:txBody>
+      </p:sp>
+      <p:sp>
+        <p:nvSpPr>
+          <p:cNvPr id="5" name="Footer Placeholder 4"/>
+          <p:cNvSpPr>
+            <a:spLocks noGrp="1"/>
+          </p:cNvSpPr>
+          <p:nvPr>
+            <p:ph type="ftr" sz="quarter" idx="11"/>
+          </p:nvPr>
+        </p:nvSpPr>
+        <p:spPr/>
+        <p:txBody>
+          <a:bodyPr/>
+          <a:lstStyle/>
+          <a:p>
+            <a:r>
+              <a:rPr lang="en-US" smtClean="0"/>
+              <a:t>© 2015 EV3Lessons.com, Last edit 2/28/2015</a:t>
+            </a:r>
+            <a:endParaRPr lang="en-US"/>
+          </a:p>
+        </p:txBody>
+      </p:sp>
+      <p:sp>
+        <p:nvSpPr>
+          <p:cNvPr id="6" name="Slide Number Placeholder 5"/>
+          <p:cNvSpPr>
+            <a:spLocks noGrp="1"/>
+          </p:cNvSpPr>
+          <p:nvPr>
+            <p:ph type="sldNum" sz="quarter" idx="12"/>
+          </p:nvPr>
+        </p:nvSpPr>
+        <p:spPr/>
+        <p:txBody>
+          <a:bodyPr/>
+          <a:lstStyle/>
+          <a:p>
+            <a:fld id="{4382A7F7-08BF-4252-8141-63FB96055BBB}" type="slidenum">
+              <a:rPr lang="en-US" smtClean="0"/>
+              <a:t>‹#›</a:t>
+            </a:fld>
+            <a:endParaRPr lang="en-US"/>
+          </a:p>
+        </p:txBody>
+      </p:sp>
+      <p:sp>
+        <p:nvSpPr>
+          <p:cNvPr id="17" name="Title 16"/>
+          <p:cNvSpPr>
+            <a:spLocks noGrp="1"/>
+          </p:cNvSpPr>
+          <p:nvPr>
+            <p:ph type="title"/>
+          </p:nvPr>
+        </p:nvSpPr>
+        <p:spPr/>
+        <p:txBody>
+          <a:bodyPr/>
+          <a:lstStyle/>
+          <a:p>
+            <a:r>
+              <a:rPr lang="en-US" smtClean="0"/>
+              <a:t>Click to edit Master title style</a:t>
+            </a:r>
+            <a:endParaRPr lang="en-US"/>
+          </a:p>
+        </p:txBody>
+      </p:sp>
+    </p:spTree>
+  </p:cSld>
+  <p:clrMapOvr>
+    <a:masterClrMapping/>
+  </p:clrMapOvr>
+  <p:timing>
+    <p:tnLst>
+      <p:par>
+        <p:cTn id="1" dur="indefinite" restart="never" nodeType="tmRoot"/>
+      </p:par>
+    </p:tnLst>
+  </p:timing>
+</p:sldLayout>
+</file>
+
+<file path=ppt/slideLayouts/slideLayout8.xml><?xml version="1.0" encoding="utf-8"?>
+<p:sldLayout xmlns:a="http://schemas.openxmlformats.org/drawingml/2006/main" xmlns:r="http://schemas.openxmlformats.org/officeDocument/2006/relationships" xmlns:p="http://schemas.openxmlformats.org/presentationml/2006/main" preserve="1" userDrawn="1">
+  <p:cSld name="Vertical Title and Text">
+    <p:spTree>
+      <p:nvGrpSpPr>
+        <p:cNvPr id="1" name=""/>
+        <p:cNvGrpSpPr/>
+        <p:nvPr/>
+      </p:nvGrpSpPr>
+      <p:grpSpPr>
+        <a:xfrm>
+          <a:off x="0" y="0"/>
+          <a:ext cx="0" cy="0"/>
+          <a:chOff x="0" y="0"/>
+          <a:chExt cx="0" cy="0"/>
+        </a:xfrm>
+      </p:grpSpPr>
+      <p:sp>
+        <p:nvSpPr>
+          <p:cNvPr id="16" name="Title 15"/>
+          <p:cNvSpPr>
+            <a:spLocks noGrp="1"/>
+          </p:cNvSpPr>
+          <p:nvPr>
+            <p:ph type="title"/>
+          </p:nvPr>
+        </p:nvSpPr>
+        <p:spPr>
+          <a:xfrm rot="5400000">
+            <a:off x="5257800" y="2965449"/>
+            <a:ext cx="6858000" cy="914400"/>
+          </a:xfrm>
+        </p:spPr>
+        <p:txBody>
+          <a:bodyPr>
+            <a:normAutofit/>
+          </a:bodyPr>
+          <a:lstStyle>
+            <a:lvl1pPr algn="ctr">
+              <a:defRPr sz="3600"/>
+            </a:lvl1pPr>
+          </a:lstStyle>
+          <a:p>
+            <a:r>
+              <a:rPr lang="en-US" smtClean="0"/>
+              <a:t>Click to edit Master title style</a:t>
+            </a:r>
+            <a:endParaRPr lang="en-US"/>
+          </a:p>
+        </p:txBody>
+      </p:sp>
+      <p:sp>
+        <p:nvSpPr>
+          <p:cNvPr id="3" name="Vertical Text Placeholder 2"/>
+          <p:cNvSpPr>
+            <a:spLocks noGrp="1"/>
+          </p:cNvSpPr>
+          <p:nvPr>
+            <p:ph type="body" orient="vert" idx="1"/>
+          </p:nvPr>
+        </p:nvSpPr>
+        <p:spPr>
+          <a:xfrm>
+            <a:off x="284163" y="457200"/>
+            <a:ext cx="6497637" cy="5937250"/>
+          </a:xfrm>
+        </p:spPr>
+        <p:txBody>
+          <a:bodyPr vert="eaVert"/>
+          <a:lstStyle>
+            <a:lvl5pPr algn="l">
+              <a:defRPr/>
+            </a:lvl5pPr>
+          </a:lstStyle>
+          <a:p>
+            <a:pPr lvl="0"/>
+            <a:r>
+              <a:rPr lang="en-US" smtClean="0"/>
+              <a:t>Click to edit Master text styles</a:t>
+            </a:r>
+          </a:p>
+          <a:p>
+            <a:pPr lvl="1"/>
+            <a:r>
+              <a:rPr lang="en-US" smtClean="0"/>
+              <a:t>Second level</a:t>
+            </a:r>
+          </a:p>
+          <a:p>
+            <a:pPr lvl="2"/>
+            <a:r>
+              <a:rPr lang="en-US" smtClean="0"/>
+              <a:t>Third level</a:t>
+            </a:r>
+          </a:p>
+          <a:p>
+            <a:pPr lvl="3"/>
+            <a:r>
+              <a:rPr lang="en-US" smtClean="0"/>
+              <a:t>Fourth level</a:t>
+            </a:r>
+          </a:p>
+          <a:p>
+            <a:pPr lvl="4"/>
+            <a:r>
+              <a:rPr lang="en-US" smtClean="0"/>
+              <a:t>Fifth level</a:t>
+            </a:r>
+            <a:endParaRPr dirty="0"/>
+          </a:p>
+        </p:txBody>
+      </p:sp>
+      <p:sp>
+        <p:nvSpPr>
+          <p:cNvPr id="4" name="Date Placeholder 3"/>
+          <p:cNvSpPr>
+            <a:spLocks noGrp="1"/>
+          </p:cNvSpPr>
+          <p:nvPr>
+            <p:ph type="dt" sz="half" idx="10"/>
+          </p:nvPr>
+        </p:nvSpPr>
+        <p:spPr>
+          <a:xfrm>
+            <a:off x="5924360" y="6437032"/>
+            <a:ext cx="2133600" cy="365125"/>
+          </a:xfrm>
+        </p:spPr>
+        <p:txBody>
+          <a:bodyPr/>
+          <a:lstStyle/>
+          <a:p>
+            <a:fld id="{73C2866E-A0CF-6F49-BC08-11A2B7BE79CA}" type="datetime1">
+              <a:rPr lang="en-US" smtClean="0"/>
+              <a:t>11/15/15</a:t>
+            </a:fld>
+            <a:endParaRPr lang="en-US"/>
+          </a:p>
+        </p:txBody>
+      </p:sp>
+      <p:sp>
+        <p:nvSpPr>
+          <p:cNvPr id="5" name="Footer Placeholder 4"/>
+          <p:cNvSpPr>
+            <a:spLocks noGrp="1"/>
+          </p:cNvSpPr>
+          <p:nvPr>
+            <p:ph type="ftr" sz="quarter" idx="11"/>
+          </p:nvPr>
+        </p:nvSpPr>
+        <p:spPr/>
+        <p:txBody>
+          <a:bodyPr/>
+          <a:lstStyle/>
+          <a:p>
+            <a:r>
+              <a:rPr lang="en-US" smtClean="0"/>
+              <a:t>© 2015 EV3Lessons.com, Last edit 2/28/2015</a:t>
+            </a:r>
+            <a:endParaRPr lang="en-US"/>
+          </a:p>
+        </p:txBody>
+      </p:sp>
+      <p:sp>
+        <p:nvSpPr>
+          <p:cNvPr id="6" name="Slide Number Placeholder 5"/>
+          <p:cNvSpPr>
+            <a:spLocks noGrp="1"/>
+          </p:cNvSpPr>
+          <p:nvPr>
+            <p:ph type="sldNum" sz="quarter" idx="12"/>
+          </p:nvPr>
+        </p:nvSpPr>
+        <p:spPr/>
+        <p:txBody>
+          <a:bodyPr/>
+          <a:lstStyle/>
+          <a:p>
+            <a:fld id="{4382A7F7-08BF-4252-8141-63FB96055BBB}" type="slidenum">
+              <a:rPr lang="en-US" smtClean="0"/>
+              <a:t>‹#›</a:t>
+            </a:fld>
+            <a:endParaRPr lang="en-US"/>
+          </a:p>
+        </p:txBody>
+      </p:sp>
+      <p:grpSp>
+        <p:nvGrpSpPr>
+          <p:cNvPr id="12" name="Group 11"/>
+          <p:cNvGrpSpPr/>
+          <p:nvPr userDrawn="1"/>
+        </p:nvGrpSpPr>
+        <p:grpSpPr>
+          <a:xfrm rot="5400000">
+            <a:off x="4753323" y="3358675"/>
+            <a:ext cx="6861177" cy="137475"/>
+            <a:chOff x="284163" y="1577847"/>
+            <a:chExt cx="8576373" cy="137411"/>
+          </a:xfrm>
+        </p:grpSpPr>
+        <p:sp>
+          <p:nvSpPr>
+            <p:cNvPr id="13" name="Rectangle 12"/>
+            <p:cNvSpPr/>
+            <p:nvPr/>
+          </p:nvSpPr>
+          <p:spPr>
+            <a:xfrm>
+              <a:off x="284163" y="1577847"/>
+              <a:ext cx="1600200" cy="137411"/>
+            </a:xfrm>
+            <a:prstGeom prst="rect">
+              <a:avLst/>
+            </a:prstGeom>
+            <a:solidFill>
+              <a:srgbClr val="7030A0"/>
+            </a:solidFill>
+            <a:ln>
+              <a:noFill/>
+            </a:ln>
+          </p:spPr>
+          <p:style>
+            <a:lnRef idx="2">
+              <a:schemeClr val="accent1">
+                <a:shade val="50000"/>
+              </a:schemeClr>
+            </a:lnRef>
+            <a:fillRef idx="1">
+              <a:schemeClr val="accent1"/>
+            </a:fillRef>
+            <a:effectRef idx="0">
+              <a:schemeClr val="accent1"/>
+            </a:effectRef>
+            <a:fontRef idx="minor">
+              <a:schemeClr val="lt1"/>
+            </a:fontRef>
+          </p:style>
+          <p:txBody>
+            <a:bodyPr rtlCol="0" anchor="ctr"/>
+            <a:lstStyle/>
+            <a:p>
+              <a:pPr algn="ctr"/>
+              <a:endParaRPr/>
+            </a:p>
+          </p:txBody>
+        </p:sp>
+        <p:sp>
+          <p:nvSpPr>
+            <p:cNvPr id="14" name="Rectangle 13"/>
+            <p:cNvSpPr/>
+            <p:nvPr/>
+          </p:nvSpPr>
+          <p:spPr>
+            <a:xfrm>
+              <a:off x="1885174" y="1577847"/>
+              <a:ext cx="2743200" cy="137411"/>
+            </a:xfrm>
+            <a:prstGeom prst="rect">
+              <a:avLst/>
+            </a:prstGeom>
+            <a:solidFill>
+              <a:srgbClr val="00B050"/>
+            </a:solidFill>
+            <a:ln>
+              <a:noFill/>
+            </a:ln>
+          </p:spPr>
+          <p:style>
+            <a:lnRef idx="2">
+              <a:schemeClr val="accent1">
+                <a:shade val="50000"/>
+              </a:schemeClr>
+            </a:lnRef>
+            <a:fillRef idx="1">
+              <a:schemeClr val="accent1"/>
+            </a:fillRef>
+            <a:effectRef idx="0">
+              <a:schemeClr val="accent1"/>
+            </a:effectRef>
+            <a:fontRef idx="minor">
+              <a:schemeClr val="lt1"/>
+            </a:fontRef>
+          </p:style>
+          <p:txBody>
+            <a:bodyPr rtlCol="0" anchor="ctr"/>
+            <a:lstStyle/>
+            <a:p>
+              <a:pPr algn="ctr"/>
+              <a:endParaRPr/>
+            </a:p>
+          </p:txBody>
+        </p:sp>
+        <p:sp>
+          <p:nvSpPr>
+            <p:cNvPr id="15" name="Rectangle 14"/>
+            <p:cNvSpPr/>
+            <p:nvPr/>
+          </p:nvSpPr>
+          <p:spPr>
+            <a:xfrm>
+              <a:off x="4626864" y="1577847"/>
               <a:ext cx="4233672" cy="137411"/>
             </a:xfrm>
             <a:prstGeom prst="rect">
@@ -5852,1485 +4255,16 @@
 </p:sldLayout>
 </file>
 
-<file path=ppt/slideLayouts/slideLayout7.xml><?xml version="1.0" encoding="utf-8"?>
-<p:sldLayout xmlns:a="http://schemas.openxmlformats.org/drawingml/2006/main" xmlns:r="http://schemas.openxmlformats.org/officeDocument/2006/relationships" xmlns:p="http://schemas.openxmlformats.org/presentationml/2006/main" type="twoTxTwoObj" preserve="1">
-  <p:cSld name="Comparison">
-    <p:spTree>
-      <p:nvGrpSpPr>
-        <p:cNvPr id="1" name=""/>
-        <p:cNvGrpSpPr/>
-        <p:nvPr/>
-      </p:nvGrpSpPr>
-      <p:grpSpPr>
-        <a:xfrm>
-          <a:off x="0" y="0"/>
-          <a:ext cx="0" cy="0"/>
-          <a:chOff x="0" y="0"/>
-          <a:chExt cx="0" cy="0"/>
-        </a:xfrm>
-      </p:grpSpPr>
-      <p:sp>
-        <p:nvSpPr>
-          <p:cNvPr id="10" name="Rectangle 9"/>
-          <p:cNvSpPr/>
-          <p:nvPr/>
-        </p:nvSpPr>
-        <p:spPr>
-          <a:xfrm>
-            <a:off x="284163" y="455773"/>
-            <a:ext cx="8574087" cy="1133949"/>
-          </a:xfrm>
-          <a:prstGeom prst="rect">
-            <a:avLst/>
-          </a:prstGeom>
-          <a:solidFill>
-            <a:schemeClr val="tx1">
-              <a:lumMod val="85000"/>
-              <a:lumOff val="15000"/>
-              <a:alpha val="70000"/>
-            </a:schemeClr>
-          </a:solidFill>
-          <a:ln>
-            <a:noFill/>
-          </a:ln>
-        </p:spPr>
-        <p:style>
-          <a:lnRef idx="2">
-            <a:schemeClr val="accent1">
-              <a:shade val="50000"/>
-            </a:schemeClr>
-          </a:lnRef>
-          <a:fillRef idx="1">
-            <a:schemeClr val="accent1"/>
-          </a:fillRef>
-          <a:effectRef idx="0">
-            <a:schemeClr val="accent1"/>
-          </a:effectRef>
-          <a:fontRef idx="minor">
-            <a:schemeClr val="lt1"/>
-          </a:fontRef>
-        </p:style>
-        <p:txBody>
-          <a:bodyPr rtlCol="0" anchor="ctr"/>
-          <a:lstStyle/>
-          <a:p>
-            <a:pPr algn="ctr"/>
-            <a:endParaRPr/>
-          </a:p>
-        </p:txBody>
-      </p:sp>
-      <p:sp>
-        <p:nvSpPr>
-          <p:cNvPr id="2" name="Title 1"/>
-          <p:cNvSpPr>
-            <a:spLocks noGrp="1"/>
-          </p:cNvSpPr>
-          <p:nvPr>
-            <p:ph type="title"/>
-          </p:nvPr>
-        </p:nvSpPr>
-        <p:spPr>
-          <a:noFill/>
-        </p:spPr>
-        <p:txBody>
-          <a:bodyPr/>
-          <a:lstStyle>
-            <a:lvl1pPr>
-              <a:defRPr/>
-            </a:lvl1pPr>
-          </a:lstStyle>
-          <a:p>
-            <a:r>
-              <a:rPr lang="en-US" smtClean="0"/>
-              <a:t>Click to edit Master title style</a:t>
-            </a:r>
-            <a:endParaRPr/>
-          </a:p>
-        </p:txBody>
-      </p:sp>
-      <p:sp>
-        <p:nvSpPr>
-          <p:cNvPr id="3" name="Text Placeholder 2"/>
-          <p:cNvSpPr>
-            <a:spLocks noGrp="1"/>
-          </p:cNvSpPr>
-          <p:nvPr>
-            <p:ph type="body" idx="1"/>
-          </p:nvPr>
-        </p:nvSpPr>
-        <p:spPr>
-          <a:xfrm>
-            <a:off x="403412" y="1735138"/>
-            <a:ext cx="3931920" cy="833250"/>
-          </a:xfrm>
-        </p:spPr>
-        <p:txBody>
-          <a:bodyPr anchor="b">
-            <a:noAutofit/>
-          </a:bodyPr>
-          <a:lstStyle>
-            <a:lvl1pPr marL="0" indent="0" algn="ctr">
-              <a:lnSpc>
-                <a:spcPct val="100000"/>
-              </a:lnSpc>
-              <a:spcBef>
-                <a:spcPts val="600"/>
-              </a:spcBef>
-              <a:buNone/>
-              <a:defRPr sz="2600" b="0">
-                <a:solidFill>
-                  <a:schemeClr val="accent1"/>
-                </a:solidFill>
-              </a:defRPr>
-            </a:lvl1pPr>
-            <a:lvl2pPr marL="457200" indent="0">
-              <a:buNone/>
-              <a:defRPr sz="2000" b="1"/>
-            </a:lvl2pPr>
-            <a:lvl3pPr marL="914400" indent="0">
-              <a:buNone/>
-              <a:defRPr sz="1800" b="1"/>
-            </a:lvl3pPr>
-            <a:lvl4pPr marL="1371600" indent="0">
-              <a:buNone/>
-              <a:defRPr sz="1600" b="1"/>
-            </a:lvl4pPr>
-            <a:lvl5pPr marL="1828800" indent="0">
-              <a:buNone/>
-              <a:defRPr sz="1600" b="1"/>
-            </a:lvl5pPr>
-            <a:lvl6pPr marL="2286000" indent="0">
-              <a:buNone/>
-              <a:defRPr sz="1600" b="1"/>
-            </a:lvl6pPr>
-            <a:lvl7pPr marL="2743200" indent="0">
-              <a:buNone/>
-              <a:defRPr sz="1600" b="1"/>
-            </a:lvl7pPr>
-            <a:lvl8pPr marL="3200400" indent="0">
-              <a:buNone/>
-              <a:defRPr sz="1600" b="1"/>
-            </a:lvl8pPr>
-            <a:lvl9pPr marL="3657600" indent="0">
-              <a:buNone/>
-              <a:defRPr sz="1600" b="1"/>
-            </a:lvl9pPr>
-          </a:lstStyle>
-          <a:p>
-            <a:pPr lvl="0"/>
-            <a:r>
-              <a:rPr lang="en-US" smtClean="0"/>
-              <a:t>Click to edit Master text styles</a:t>
-            </a:r>
-          </a:p>
-        </p:txBody>
-      </p:sp>
-      <p:sp>
-        <p:nvSpPr>
-          <p:cNvPr id="4" name="Content Placeholder 3"/>
-          <p:cNvSpPr>
-            <a:spLocks noGrp="1"/>
-          </p:cNvSpPr>
-          <p:nvPr>
-            <p:ph sz="half" idx="2"/>
-          </p:nvPr>
-        </p:nvSpPr>
-        <p:spPr>
-          <a:xfrm>
-            <a:off x="403412" y="2590800"/>
-            <a:ext cx="3931920" cy="3535362"/>
-          </a:xfrm>
-        </p:spPr>
-        <p:txBody>
-          <a:bodyPr>
-            <a:normAutofit/>
-          </a:bodyPr>
-          <a:lstStyle>
-            <a:lvl1pPr>
-              <a:defRPr sz="2200"/>
-            </a:lvl1pPr>
-            <a:lvl2pPr>
-              <a:defRPr sz="2000"/>
-            </a:lvl2pPr>
-            <a:lvl3pPr>
-              <a:defRPr sz="1800"/>
-            </a:lvl3pPr>
-            <a:lvl4pPr>
-              <a:defRPr sz="1800"/>
-            </a:lvl4pPr>
-            <a:lvl5pPr>
-              <a:defRPr sz="1800"/>
-            </a:lvl5pPr>
-            <a:lvl6pPr>
-              <a:defRPr sz="1600"/>
-            </a:lvl6pPr>
-            <a:lvl7pPr>
-              <a:defRPr sz="1600"/>
-            </a:lvl7pPr>
-            <a:lvl8pPr>
-              <a:defRPr sz="1600"/>
-            </a:lvl8pPr>
-            <a:lvl9pPr>
-              <a:defRPr sz="1600"/>
-            </a:lvl9pPr>
-          </a:lstStyle>
-          <a:p>
-            <a:pPr lvl="0"/>
-            <a:r>
-              <a:rPr lang="en-US" smtClean="0"/>
-              <a:t>Click to edit Master text styles</a:t>
-            </a:r>
-          </a:p>
-          <a:p>
-            <a:pPr lvl="1"/>
-            <a:r>
-              <a:rPr lang="en-US" smtClean="0"/>
-              <a:t>Second level</a:t>
-            </a:r>
-          </a:p>
-          <a:p>
-            <a:pPr lvl="2"/>
-            <a:r>
-              <a:rPr lang="en-US" smtClean="0"/>
-              <a:t>Third level</a:t>
-            </a:r>
-          </a:p>
-          <a:p>
-            <a:pPr lvl="3"/>
-            <a:r>
-              <a:rPr lang="en-US" smtClean="0"/>
-              <a:t>Fourth level</a:t>
-            </a:r>
-          </a:p>
-          <a:p>
-            <a:pPr lvl="4"/>
-            <a:r>
-              <a:rPr lang="en-US" smtClean="0"/>
-              <a:t>Fifth level</a:t>
-            </a:r>
-            <a:endParaRPr dirty="0"/>
-          </a:p>
-        </p:txBody>
-      </p:sp>
-      <p:sp>
-        <p:nvSpPr>
-          <p:cNvPr id="5" name="Text Placeholder 4"/>
-          <p:cNvSpPr>
-            <a:spLocks noGrp="1"/>
-          </p:cNvSpPr>
-          <p:nvPr>
-            <p:ph type="body" sz="quarter" idx="3"/>
-          </p:nvPr>
-        </p:nvSpPr>
-        <p:spPr>
-          <a:xfrm>
-            <a:off x="4779495" y="1735138"/>
-            <a:ext cx="3931920" cy="833250"/>
-          </a:xfrm>
-        </p:spPr>
-        <p:txBody>
-          <a:bodyPr anchor="b">
-            <a:noAutofit/>
-          </a:bodyPr>
-          <a:lstStyle>
-            <a:lvl1pPr marL="0" indent="0" algn="ctr">
-              <a:lnSpc>
-                <a:spcPct val="100000"/>
-              </a:lnSpc>
-              <a:spcBef>
-                <a:spcPts val="600"/>
-              </a:spcBef>
-              <a:buNone/>
-              <a:defRPr sz="2600" b="0">
-                <a:solidFill>
-                  <a:schemeClr val="accent2"/>
-                </a:solidFill>
-              </a:defRPr>
-            </a:lvl1pPr>
-            <a:lvl2pPr marL="457200" indent="0">
-              <a:buNone/>
-              <a:defRPr sz="2000" b="1"/>
-            </a:lvl2pPr>
-            <a:lvl3pPr marL="914400" indent="0">
-              <a:buNone/>
-              <a:defRPr sz="1800" b="1"/>
-            </a:lvl3pPr>
-            <a:lvl4pPr marL="1371600" indent="0">
-              <a:buNone/>
-              <a:defRPr sz="1600" b="1"/>
-            </a:lvl4pPr>
-            <a:lvl5pPr marL="1828800" indent="0">
-              <a:buNone/>
-              <a:defRPr sz="1600" b="1"/>
-            </a:lvl5pPr>
-            <a:lvl6pPr marL="2286000" indent="0">
-              <a:buNone/>
-              <a:defRPr sz="1600" b="1"/>
-            </a:lvl6pPr>
-            <a:lvl7pPr marL="2743200" indent="0">
-              <a:buNone/>
-              <a:defRPr sz="1600" b="1"/>
-            </a:lvl7pPr>
-            <a:lvl8pPr marL="3200400" indent="0">
-              <a:buNone/>
-              <a:defRPr sz="1600" b="1"/>
-            </a:lvl8pPr>
-            <a:lvl9pPr marL="3657600" indent="0">
-              <a:buNone/>
-              <a:defRPr sz="1600" b="1"/>
-            </a:lvl9pPr>
-          </a:lstStyle>
-          <a:p>
-            <a:pPr lvl="0"/>
-            <a:r>
-              <a:rPr lang="en-US" smtClean="0"/>
-              <a:t>Click to edit Master text styles</a:t>
-            </a:r>
-          </a:p>
-        </p:txBody>
-      </p:sp>
-      <p:sp>
-        <p:nvSpPr>
-          <p:cNvPr id="6" name="Content Placeholder 5"/>
-          <p:cNvSpPr>
-            <a:spLocks noGrp="1"/>
-          </p:cNvSpPr>
-          <p:nvPr>
-            <p:ph sz="quarter" idx="4"/>
-          </p:nvPr>
-        </p:nvSpPr>
-        <p:spPr>
-          <a:xfrm>
-            <a:off x="4779495" y="2590800"/>
-            <a:ext cx="3931920" cy="3535362"/>
-          </a:xfrm>
-        </p:spPr>
-        <p:txBody>
-          <a:bodyPr>
-            <a:normAutofit/>
-          </a:bodyPr>
-          <a:lstStyle>
-            <a:lvl1pPr>
-              <a:defRPr sz="2200"/>
-            </a:lvl1pPr>
-            <a:lvl2pPr>
-              <a:defRPr sz="2000"/>
-            </a:lvl2pPr>
-            <a:lvl3pPr>
-              <a:defRPr sz="1800"/>
-            </a:lvl3pPr>
-            <a:lvl4pPr>
-              <a:defRPr sz="1800"/>
-            </a:lvl4pPr>
-            <a:lvl5pPr>
-              <a:defRPr sz="1800"/>
-            </a:lvl5pPr>
-            <a:lvl6pPr>
-              <a:defRPr sz="1600"/>
-            </a:lvl6pPr>
-            <a:lvl7pPr>
-              <a:defRPr sz="1600"/>
-            </a:lvl7pPr>
-            <a:lvl8pPr>
-              <a:defRPr sz="1600"/>
-            </a:lvl8pPr>
-            <a:lvl9pPr>
-              <a:defRPr sz="1600"/>
-            </a:lvl9pPr>
-          </a:lstStyle>
-          <a:p>
-            <a:pPr lvl="0"/>
-            <a:r>
-              <a:rPr lang="en-US" smtClean="0"/>
-              <a:t>Click to edit Master text styles</a:t>
-            </a:r>
-          </a:p>
-          <a:p>
-            <a:pPr lvl="1"/>
-            <a:r>
-              <a:rPr lang="en-US" smtClean="0"/>
-              <a:t>Second level</a:t>
-            </a:r>
-          </a:p>
-          <a:p>
-            <a:pPr lvl="2"/>
-            <a:r>
-              <a:rPr lang="en-US" smtClean="0"/>
-              <a:t>Third level</a:t>
-            </a:r>
-          </a:p>
-          <a:p>
-            <a:pPr lvl="3"/>
-            <a:r>
-              <a:rPr lang="en-US" smtClean="0"/>
-              <a:t>Fourth level</a:t>
-            </a:r>
-          </a:p>
-          <a:p>
-            <a:pPr lvl="4"/>
-            <a:r>
-              <a:rPr lang="en-US" smtClean="0"/>
-              <a:t>Fifth level</a:t>
-            </a:r>
-            <a:endParaRPr dirty="0"/>
-          </a:p>
-        </p:txBody>
-      </p:sp>
-      <p:sp>
-        <p:nvSpPr>
-          <p:cNvPr id="7" name="Date Placeholder 6"/>
-          <p:cNvSpPr>
-            <a:spLocks noGrp="1"/>
-          </p:cNvSpPr>
-          <p:nvPr>
-            <p:ph type="dt" sz="half" idx="10"/>
-          </p:nvPr>
-        </p:nvSpPr>
-        <p:spPr/>
-        <p:txBody>
-          <a:bodyPr/>
-          <a:lstStyle/>
-          <a:p>
-            <a:fld id="{47FF1AC2-49D3-4021-8316-2BCB78CE374A}" type="datetime1">
-              <a:rPr lang="en-US" smtClean="0"/>
-              <a:t>7/6/2015</a:t>
-            </a:fld>
-            <a:endParaRPr lang="en-US"/>
-          </a:p>
-        </p:txBody>
-      </p:sp>
-      <p:sp>
-        <p:nvSpPr>
-          <p:cNvPr id="8" name="Footer Placeholder 7"/>
-          <p:cNvSpPr>
-            <a:spLocks noGrp="1"/>
-          </p:cNvSpPr>
-          <p:nvPr>
-            <p:ph type="ftr" sz="quarter" idx="11"/>
-          </p:nvPr>
-        </p:nvSpPr>
-        <p:spPr/>
-        <p:txBody>
-          <a:bodyPr/>
-          <a:lstStyle/>
-          <a:p>
-            <a:r>
-              <a:rPr lang="en-US" smtClean="0"/>
-              <a:t>© 2015 EV3Lessons.com, Last edit 2/28/2015</a:t>
-            </a:r>
-            <a:endParaRPr lang="en-US"/>
-          </a:p>
-        </p:txBody>
-      </p:sp>
-      <p:sp>
-        <p:nvSpPr>
-          <p:cNvPr id="9" name="Slide Number Placeholder 8"/>
-          <p:cNvSpPr>
-            <a:spLocks noGrp="1"/>
-          </p:cNvSpPr>
-          <p:nvPr>
-            <p:ph type="sldNum" sz="quarter" idx="12"/>
-          </p:nvPr>
-        </p:nvSpPr>
-        <p:spPr/>
-        <p:txBody>
-          <a:bodyPr/>
-          <a:lstStyle/>
-          <a:p>
-            <a:fld id="{4382A7F7-08BF-4252-8141-63FB96055BBB}" type="slidenum">
-              <a:rPr lang="en-US" smtClean="0"/>
-              <a:t>‹#›</a:t>
-            </a:fld>
-            <a:endParaRPr lang="en-US"/>
-          </a:p>
-        </p:txBody>
-      </p:sp>
-      <p:grpSp>
-        <p:nvGrpSpPr>
-          <p:cNvPr id="15" name="Group 16"/>
-          <p:cNvGrpSpPr/>
-          <p:nvPr userDrawn="1"/>
-        </p:nvGrpSpPr>
-        <p:grpSpPr>
-          <a:xfrm>
-            <a:off x="284163" y="1593723"/>
-            <a:ext cx="8576373" cy="137411"/>
-            <a:chOff x="284163" y="1759424"/>
-            <a:chExt cx="8576373" cy="137411"/>
-          </a:xfrm>
-        </p:grpSpPr>
-        <p:sp>
-          <p:nvSpPr>
-            <p:cNvPr id="16" name="Rectangle 15"/>
-            <p:cNvSpPr/>
-            <p:nvPr/>
-          </p:nvSpPr>
-          <p:spPr>
-            <a:xfrm>
-              <a:off x="284163" y="1759424"/>
-              <a:ext cx="2743200" cy="137411"/>
-            </a:xfrm>
-            <a:prstGeom prst="rect">
-              <a:avLst/>
-            </a:prstGeom>
-            <a:solidFill>
-              <a:srgbClr val="7030A0"/>
-            </a:solidFill>
-            <a:ln>
-              <a:noFill/>
-            </a:ln>
-          </p:spPr>
-          <p:style>
-            <a:lnRef idx="2">
-              <a:schemeClr val="accent1">
-                <a:shade val="50000"/>
-              </a:schemeClr>
-            </a:lnRef>
-            <a:fillRef idx="1">
-              <a:schemeClr val="accent1"/>
-            </a:fillRef>
-            <a:effectRef idx="0">
-              <a:schemeClr val="accent1"/>
-            </a:effectRef>
-            <a:fontRef idx="minor">
-              <a:schemeClr val="lt1"/>
-            </a:fontRef>
-          </p:style>
-          <p:txBody>
-            <a:bodyPr rtlCol="0" anchor="ctr"/>
-            <a:lstStyle/>
-            <a:p>
-              <a:pPr algn="ctr"/>
-              <a:endParaRPr/>
-            </a:p>
-          </p:txBody>
-        </p:sp>
-        <p:sp>
-          <p:nvSpPr>
-            <p:cNvPr id="17" name="Rectangle 16"/>
-            <p:cNvSpPr/>
-            <p:nvPr/>
-          </p:nvSpPr>
-          <p:spPr>
-            <a:xfrm>
-              <a:off x="3026392" y="1759424"/>
-              <a:ext cx="1600200" cy="137411"/>
-            </a:xfrm>
-            <a:prstGeom prst="rect">
-              <a:avLst/>
-            </a:prstGeom>
-            <a:solidFill>
-              <a:srgbClr val="00B050"/>
-            </a:solidFill>
-            <a:ln>
-              <a:noFill/>
-            </a:ln>
-          </p:spPr>
-          <p:style>
-            <a:lnRef idx="2">
-              <a:schemeClr val="accent1">
-                <a:shade val="50000"/>
-              </a:schemeClr>
-            </a:lnRef>
-            <a:fillRef idx="1">
-              <a:schemeClr val="accent1"/>
-            </a:fillRef>
-            <a:effectRef idx="0">
-              <a:schemeClr val="accent1"/>
-            </a:effectRef>
-            <a:fontRef idx="minor">
-              <a:schemeClr val="lt1"/>
-            </a:fontRef>
-          </p:style>
-          <p:txBody>
-            <a:bodyPr rtlCol="0" anchor="ctr"/>
-            <a:lstStyle/>
-            <a:p>
-              <a:pPr algn="ctr"/>
-              <a:endParaRPr/>
-            </a:p>
-          </p:txBody>
-        </p:sp>
-        <p:sp>
-          <p:nvSpPr>
-            <p:cNvPr id="18" name="Rectangle 17"/>
-            <p:cNvSpPr/>
-            <p:nvPr/>
-          </p:nvSpPr>
-          <p:spPr>
-            <a:xfrm>
-              <a:off x="4626864" y="1759424"/>
-              <a:ext cx="4233672" cy="137411"/>
-            </a:xfrm>
-            <a:prstGeom prst="rect">
-              <a:avLst/>
-            </a:prstGeom>
-            <a:solidFill>
-              <a:srgbClr val="0070C0"/>
-            </a:solidFill>
-            <a:ln>
-              <a:noFill/>
-            </a:ln>
-          </p:spPr>
-          <p:style>
-            <a:lnRef idx="2">
-              <a:schemeClr val="accent1">
-                <a:shade val="50000"/>
-              </a:schemeClr>
-            </a:lnRef>
-            <a:fillRef idx="1">
-              <a:schemeClr val="accent1"/>
-            </a:fillRef>
-            <a:effectRef idx="0">
-              <a:schemeClr val="accent1"/>
-            </a:effectRef>
-            <a:fontRef idx="minor">
-              <a:schemeClr val="lt1"/>
-            </a:fontRef>
-          </p:style>
-          <p:txBody>
-            <a:bodyPr rtlCol="0" anchor="ctr"/>
-            <a:lstStyle/>
-            <a:p>
-              <a:pPr algn="ctr"/>
-              <a:endParaRPr/>
-            </a:p>
-          </p:txBody>
-        </p:sp>
-      </p:grpSp>
-    </p:spTree>
-  </p:cSld>
-  <p:clrMapOvr>
-    <a:masterClrMapping/>
-  </p:clrMapOvr>
-  <p:timing>
-    <p:tnLst>
-      <p:par>
-        <p:cTn id="1" dur="indefinite" restart="never" nodeType="tmRoot"/>
-      </p:par>
-    </p:tnLst>
-  </p:timing>
-</p:sldLayout>
-</file>
-
-<file path=ppt/slideLayouts/slideLayout8.xml><?xml version="1.0" encoding="utf-8"?>
-<p:sldLayout xmlns:a="http://schemas.openxmlformats.org/drawingml/2006/main" xmlns:r="http://schemas.openxmlformats.org/officeDocument/2006/relationships" xmlns:p="http://schemas.openxmlformats.org/presentationml/2006/main" type="titleOnly" preserve="1">
-  <p:cSld name="Title Only">
-    <p:spTree>
-      <p:nvGrpSpPr>
-        <p:cNvPr id="1" name=""/>
-        <p:cNvGrpSpPr/>
-        <p:nvPr/>
-      </p:nvGrpSpPr>
-      <p:grpSpPr>
-        <a:xfrm>
-          <a:off x="0" y="0"/>
-          <a:ext cx="0" cy="0"/>
-          <a:chOff x="0" y="0"/>
-          <a:chExt cx="0" cy="0"/>
-        </a:xfrm>
-      </p:grpSpPr>
-      <p:sp>
-        <p:nvSpPr>
-          <p:cNvPr id="6" name="Rectangle 5"/>
-          <p:cNvSpPr/>
-          <p:nvPr/>
-        </p:nvSpPr>
-        <p:spPr>
-          <a:xfrm>
-            <a:off x="284163" y="455773"/>
-            <a:ext cx="8574087" cy="1133949"/>
-          </a:xfrm>
-          <a:prstGeom prst="rect">
-            <a:avLst/>
-          </a:prstGeom>
-          <a:solidFill>
-            <a:schemeClr val="tx1">
-              <a:lumMod val="85000"/>
-              <a:lumOff val="15000"/>
-              <a:alpha val="70000"/>
-            </a:schemeClr>
-          </a:solidFill>
-          <a:ln>
-            <a:noFill/>
-          </a:ln>
-        </p:spPr>
-        <p:style>
-          <a:lnRef idx="2">
-            <a:schemeClr val="accent1">
-              <a:shade val="50000"/>
-            </a:schemeClr>
-          </a:lnRef>
-          <a:fillRef idx="1">
-            <a:schemeClr val="accent1"/>
-          </a:fillRef>
-          <a:effectRef idx="0">
-            <a:schemeClr val="accent1"/>
-          </a:effectRef>
-          <a:fontRef idx="minor">
-            <a:schemeClr val="lt1"/>
-          </a:fontRef>
-        </p:style>
-        <p:txBody>
-          <a:bodyPr rtlCol="0" anchor="ctr"/>
-          <a:lstStyle/>
-          <a:p>
-            <a:pPr algn="ctr"/>
-            <a:endParaRPr/>
-          </a:p>
-        </p:txBody>
-      </p:sp>
-      <p:sp>
-        <p:nvSpPr>
-          <p:cNvPr id="2" name="Title 1"/>
-          <p:cNvSpPr>
-            <a:spLocks noGrp="1"/>
-          </p:cNvSpPr>
-          <p:nvPr>
-            <p:ph type="title"/>
-          </p:nvPr>
-        </p:nvSpPr>
-        <p:spPr>
-          <a:noFill/>
-        </p:spPr>
-        <p:txBody>
-          <a:bodyPr/>
-          <a:lstStyle/>
-          <a:p>
-            <a:r>
-              <a:rPr lang="en-US" smtClean="0"/>
-              <a:t>Click to edit Master title style</a:t>
-            </a:r>
-            <a:endParaRPr/>
-          </a:p>
-        </p:txBody>
-      </p:sp>
-      <p:sp>
-        <p:nvSpPr>
-          <p:cNvPr id="3" name="Date Placeholder 2"/>
-          <p:cNvSpPr>
-            <a:spLocks noGrp="1"/>
-          </p:cNvSpPr>
-          <p:nvPr>
-            <p:ph type="dt" sz="half" idx="10"/>
-          </p:nvPr>
-        </p:nvSpPr>
-        <p:spPr/>
-        <p:txBody>
-          <a:bodyPr/>
-          <a:lstStyle/>
-          <a:p>
-            <a:fld id="{7A2ADB07-755C-45ED-BE16-C1A2539A1004}" type="datetime1">
-              <a:rPr lang="en-US" smtClean="0"/>
-              <a:t>7/6/2015</a:t>
-            </a:fld>
-            <a:endParaRPr lang="en-US"/>
-          </a:p>
-        </p:txBody>
-      </p:sp>
-      <p:sp>
-        <p:nvSpPr>
-          <p:cNvPr id="4" name="Footer Placeholder 3"/>
-          <p:cNvSpPr>
-            <a:spLocks noGrp="1"/>
-          </p:cNvSpPr>
-          <p:nvPr>
-            <p:ph type="ftr" sz="quarter" idx="11"/>
-          </p:nvPr>
-        </p:nvSpPr>
-        <p:spPr/>
-        <p:txBody>
-          <a:bodyPr/>
-          <a:lstStyle/>
-          <a:p>
-            <a:r>
-              <a:rPr lang="en-US" smtClean="0"/>
-              <a:t>© 2015 EV3Lessons.com, Last edit 2/28/2015</a:t>
-            </a:r>
-            <a:endParaRPr lang="en-US"/>
-          </a:p>
-        </p:txBody>
-      </p:sp>
-      <p:sp>
-        <p:nvSpPr>
-          <p:cNvPr id="5" name="Slide Number Placeholder 4"/>
-          <p:cNvSpPr>
-            <a:spLocks noGrp="1"/>
-          </p:cNvSpPr>
-          <p:nvPr>
-            <p:ph type="sldNum" sz="quarter" idx="12"/>
-          </p:nvPr>
-        </p:nvSpPr>
-        <p:spPr/>
-        <p:txBody>
-          <a:bodyPr/>
-          <a:lstStyle/>
-          <a:p>
-            <a:fld id="{4382A7F7-08BF-4252-8141-63FB96055BBB}" type="slidenum">
-              <a:rPr lang="en-US" smtClean="0"/>
-              <a:t>‹#›</a:t>
-            </a:fld>
-            <a:endParaRPr lang="en-US"/>
-          </a:p>
-        </p:txBody>
-      </p:sp>
-      <p:grpSp>
-        <p:nvGrpSpPr>
-          <p:cNvPr id="11" name="Group 16"/>
-          <p:cNvGrpSpPr/>
-          <p:nvPr userDrawn="1"/>
-        </p:nvGrpSpPr>
-        <p:grpSpPr>
-          <a:xfrm>
-            <a:off x="284163" y="1585702"/>
-            <a:ext cx="8576373" cy="137411"/>
-            <a:chOff x="284163" y="1759424"/>
-            <a:chExt cx="8576373" cy="137411"/>
-          </a:xfrm>
-        </p:grpSpPr>
-        <p:sp>
-          <p:nvSpPr>
-            <p:cNvPr id="12" name="Rectangle 11"/>
-            <p:cNvSpPr/>
-            <p:nvPr/>
-          </p:nvSpPr>
-          <p:spPr>
-            <a:xfrm>
-              <a:off x="284163" y="1759424"/>
-              <a:ext cx="2743200" cy="137411"/>
-            </a:xfrm>
-            <a:prstGeom prst="rect">
-              <a:avLst/>
-            </a:prstGeom>
-            <a:solidFill>
-              <a:srgbClr val="7030A0"/>
-            </a:solidFill>
-            <a:ln>
-              <a:noFill/>
-            </a:ln>
-          </p:spPr>
-          <p:style>
-            <a:lnRef idx="2">
-              <a:schemeClr val="accent1">
-                <a:shade val="50000"/>
-              </a:schemeClr>
-            </a:lnRef>
-            <a:fillRef idx="1">
-              <a:schemeClr val="accent1"/>
-            </a:fillRef>
-            <a:effectRef idx="0">
-              <a:schemeClr val="accent1"/>
-            </a:effectRef>
-            <a:fontRef idx="minor">
-              <a:schemeClr val="lt1"/>
-            </a:fontRef>
-          </p:style>
-          <p:txBody>
-            <a:bodyPr rtlCol="0" anchor="ctr"/>
-            <a:lstStyle/>
-            <a:p>
-              <a:pPr algn="ctr"/>
-              <a:endParaRPr/>
-            </a:p>
-          </p:txBody>
-        </p:sp>
-        <p:sp>
-          <p:nvSpPr>
-            <p:cNvPr id="13" name="Rectangle 12"/>
-            <p:cNvSpPr/>
-            <p:nvPr/>
-          </p:nvSpPr>
-          <p:spPr>
-            <a:xfrm>
-              <a:off x="3026392" y="1759424"/>
-              <a:ext cx="1600200" cy="137411"/>
-            </a:xfrm>
-            <a:prstGeom prst="rect">
-              <a:avLst/>
-            </a:prstGeom>
-            <a:solidFill>
-              <a:srgbClr val="00B050"/>
-            </a:solidFill>
-            <a:ln>
-              <a:noFill/>
-            </a:ln>
-          </p:spPr>
-          <p:style>
-            <a:lnRef idx="2">
-              <a:schemeClr val="accent1">
-                <a:shade val="50000"/>
-              </a:schemeClr>
-            </a:lnRef>
-            <a:fillRef idx="1">
-              <a:schemeClr val="accent1"/>
-            </a:fillRef>
-            <a:effectRef idx="0">
-              <a:schemeClr val="accent1"/>
-            </a:effectRef>
-            <a:fontRef idx="minor">
-              <a:schemeClr val="lt1"/>
-            </a:fontRef>
-          </p:style>
-          <p:txBody>
-            <a:bodyPr rtlCol="0" anchor="ctr"/>
-            <a:lstStyle/>
-            <a:p>
-              <a:pPr algn="ctr"/>
-              <a:endParaRPr/>
-            </a:p>
-          </p:txBody>
-        </p:sp>
-        <p:sp>
-          <p:nvSpPr>
-            <p:cNvPr id="14" name="Rectangle 13"/>
-            <p:cNvSpPr/>
-            <p:nvPr/>
-          </p:nvSpPr>
-          <p:spPr>
-            <a:xfrm>
-              <a:off x="4626864" y="1759424"/>
-              <a:ext cx="4233672" cy="137411"/>
-            </a:xfrm>
-            <a:prstGeom prst="rect">
-              <a:avLst/>
-            </a:prstGeom>
-            <a:solidFill>
-              <a:srgbClr val="0070C0"/>
-            </a:solidFill>
-            <a:ln>
-              <a:noFill/>
-            </a:ln>
-          </p:spPr>
-          <p:style>
-            <a:lnRef idx="2">
-              <a:schemeClr val="accent1">
-                <a:shade val="50000"/>
-              </a:schemeClr>
-            </a:lnRef>
-            <a:fillRef idx="1">
-              <a:schemeClr val="accent1"/>
-            </a:fillRef>
-            <a:effectRef idx="0">
-              <a:schemeClr val="accent1"/>
-            </a:effectRef>
-            <a:fontRef idx="minor">
-              <a:schemeClr val="lt1"/>
-            </a:fontRef>
-          </p:style>
-          <p:txBody>
-            <a:bodyPr rtlCol="0" anchor="ctr"/>
-            <a:lstStyle/>
-            <a:p>
-              <a:pPr algn="ctr"/>
-              <a:endParaRPr/>
-            </a:p>
-          </p:txBody>
-        </p:sp>
-      </p:grpSp>
-    </p:spTree>
-  </p:cSld>
-  <p:clrMapOvr>
-    <a:masterClrMapping/>
-  </p:clrMapOvr>
-  <p:timing>
-    <p:tnLst>
-      <p:par>
-        <p:cTn id="1" dur="indefinite" restart="never" nodeType="tmRoot"/>
-      </p:par>
-    </p:tnLst>
-  </p:timing>
-</p:sldLayout>
-</file>
-
-<file path=ppt/slideLayouts/slideLayout9.xml><?xml version="1.0" encoding="utf-8"?>
-<p:sldLayout xmlns:a="http://schemas.openxmlformats.org/drawingml/2006/main" xmlns:r="http://schemas.openxmlformats.org/officeDocument/2006/relationships" xmlns:p="http://schemas.openxmlformats.org/presentationml/2006/main" type="picTx" preserve="1">
-  <p:cSld name="Picture with Caption">
-    <p:spTree>
-      <p:nvGrpSpPr>
-        <p:cNvPr id="1" name=""/>
-        <p:cNvGrpSpPr/>
-        <p:nvPr/>
-      </p:nvGrpSpPr>
-      <p:grpSpPr>
-        <a:xfrm>
-          <a:off x="0" y="0"/>
-          <a:ext cx="0" cy="0"/>
-          <a:chOff x="0" y="0"/>
-          <a:chExt cx="0" cy="0"/>
-        </a:xfrm>
-      </p:grpSpPr>
-      <p:sp>
-        <p:nvSpPr>
-          <p:cNvPr id="8" name="Rectangle 7"/>
-          <p:cNvSpPr/>
-          <p:nvPr/>
-        </p:nvSpPr>
-        <p:spPr>
-          <a:xfrm>
-            <a:off x="284163" y="4801575"/>
-            <a:ext cx="8574087" cy="1468437"/>
-          </a:xfrm>
-          <a:prstGeom prst="rect">
-            <a:avLst/>
-          </a:prstGeom>
-          <a:solidFill>
-            <a:schemeClr val="tx1">
-              <a:lumMod val="85000"/>
-              <a:lumOff val="15000"/>
-              <a:alpha val="85000"/>
-            </a:schemeClr>
-          </a:solidFill>
-        </p:spPr>
-        <p:txBody>
-          <a:bodyPr vert="horz" lIns="91440" tIns="45720" rIns="182880" bIns="365760" rtlCol="0" anchor="b" anchorCtr="0">
-            <a:normAutofit/>
-          </a:bodyPr>
-          <a:lstStyle/>
-          <a:p>
-            <a:pPr algn="l" defTabSz="914400" rtl="0" eaLnBrk="1" latinLnBrk="0" hangingPunct="1">
-              <a:spcBef>
-                <a:spcPct val="0"/>
-              </a:spcBef>
-              <a:buNone/>
-            </a:pPr>
-            <a:endParaRPr sz="4200" kern="1200">
-              <a:solidFill>
-                <a:schemeClr val="bg1"/>
-              </a:solidFill>
-              <a:latin typeface="+mj-lt"/>
-              <a:ea typeface="+mj-ea"/>
-              <a:cs typeface="+mj-cs"/>
-            </a:endParaRPr>
-          </a:p>
-        </p:txBody>
-      </p:sp>
-      <p:grpSp>
-        <p:nvGrpSpPr>
-          <p:cNvPr id="9" name="Group 8"/>
-          <p:cNvGrpSpPr/>
-          <p:nvPr/>
-        </p:nvGrpSpPr>
-        <p:grpSpPr>
-          <a:xfrm>
-            <a:off x="284163" y="6263389"/>
-            <a:ext cx="8576373" cy="137411"/>
-            <a:chOff x="284163" y="1759424"/>
-            <a:chExt cx="8576373" cy="137411"/>
-          </a:xfrm>
-        </p:grpSpPr>
-        <p:sp>
-          <p:nvSpPr>
-            <p:cNvPr id="10" name="Rectangle 9"/>
-            <p:cNvSpPr/>
-            <p:nvPr/>
-          </p:nvSpPr>
-          <p:spPr>
-            <a:xfrm>
-              <a:off x="284163" y="1759424"/>
-              <a:ext cx="2743200" cy="137411"/>
-            </a:xfrm>
-            <a:prstGeom prst="rect">
-              <a:avLst/>
-            </a:prstGeom>
-            <a:solidFill>
-              <a:schemeClr val="accent1"/>
-            </a:solidFill>
-            <a:ln>
-              <a:noFill/>
-            </a:ln>
-          </p:spPr>
-          <p:style>
-            <a:lnRef idx="2">
-              <a:schemeClr val="accent1">
-                <a:shade val="50000"/>
-              </a:schemeClr>
-            </a:lnRef>
-            <a:fillRef idx="1">
-              <a:schemeClr val="accent1"/>
-            </a:fillRef>
-            <a:effectRef idx="0">
-              <a:schemeClr val="accent1"/>
-            </a:effectRef>
-            <a:fontRef idx="minor">
-              <a:schemeClr val="lt1"/>
-            </a:fontRef>
-          </p:style>
-          <p:txBody>
-            <a:bodyPr rtlCol="0" anchor="ctr"/>
-            <a:lstStyle/>
-            <a:p>
-              <a:pPr algn="ctr"/>
-              <a:endParaRPr/>
-            </a:p>
-          </p:txBody>
-        </p:sp>
-        <p:sp>
-          <p:nvSpPr>
-            <p:cNvPr id="11" name="Rectangle 10"/>
-            <p:cNvSpPr/>
-            <p:nvPr/>
-          </p:nvSpPr>
-          <p:spPr>
-            <a:xfrm>
-              <a:off x="3026392" y="1759424"/>
-              <a:ext cx="1600200" cy="137411"/>
-            </a:xfrm>
-            <a:prstGeom prst="rect">
-              <a:avLst/>
-            </a:prstGeom>
-            <a:solidFill>
-              <a:schemeClr val="accent2"/>
-            </a:solidFill>
-            <a:ln>
-              <a:noFill/>
-            </a:ln>
-          </p:spPr>
-          <p:style>
-            <a:lnRef idx="2">
-              <a:schemeClr val="accent1">
-                <a:shade val="50000"/>
-              </a:schemeClr>
-            </a:lnRef>
-            <a:fillRef idx="1">
-              <a:schemeClr val="accent1"/>
-            </a:fillRef>
-            <a:effectRef idx="0">
-              <a:schemeClr val="accent1"/>
-            </a:effectRef>
-            <a:fontRef idx="minor">
-              <a:schemeClr val="lt1"/>
-            </a:fontRef>
-          </p:style>
-          <p:txBody>
-            <a:bodyPr rtlCol="0" anchor="ctr"/>
-            <a:lstStyle/>
-            <a:p>
-              <a:pPr algn="ctr"/>
-              <a:endParaRPr/>
-            </a:p>
-          </p:txBody>
-        </p:sp>
-        <p:sp>
-          <p:nvSpPr>
-            <p:cNvPr id="12" name="Rectangle 11"/>
-            <p:cNvSpPr/>
-            <p:nvPr/>
-          </p:nvSpPr>
-          <p:spPr>
-            <a:xfrm>
-              <a:off x="4626864" y="1759424"/>
-              <a:ext cx="4233672" cy="137411"/>
-            </a:xfrm>
-            <a:prstGeom prst="rect">
-              <a:avLst/>
-            </a:prstGeom>
-            <a:solidFill>
-              <a:schemeClr val="accent4"/>
-            </a:solidFill>
-            <a:ln>
-              <a:noFill/>
-            </a:ln>
-          </p:spPr>
-          <p:style>
-            <a:lnRef idx="2">
-              <a:schemeClr val="accent1">
-                <a:shade val="50000"/>
-              </a:schemeClr>
-            </a:lnRef>
-            <a:fillRef idx="1">
-              <a:schemeClr val="accent1"/>
-            </a:fillRef>
-            <a:effectRef idx="0">
-              <a:schemeClr val="accent1"/>
-            </a:effectRef>
-            <a:fontRef idx="minor">
-              <a:schemeClr val="lt1"/>
-            </a:fontRef>
-          </p:style>
-          <p:txBody>
-            <a:bodyPr rtlCol="0" anchor="ctr"/>
-            <a:lstStyle/>
-            <a:p>
-              <a:pPr algn="ctr"/>
-              <a:endParaRPr/>
-            </a:p>
-          </p:txBody>
-        </p:sp>
-      </p:grpSp>
-      <p:sp>
-        <p:nvSpPr>
-          <p:cNvPr id="2" name="Title 1"/>
-          <p:cNvSpPr>
-            <a:spLocks noGrp="1"/>
-          </p:cNvSpPr>
-          <p:nvPr>
-            <p:ph type="title"/>
-          </p:nvPr>
-        </p:nvSpPr>
-        <p:spPr>
-          <a:xfrm>
-            <a:off x="363071" y="4800600"/>
-            <a:ext cx="8360242" cy="566738"/>
-          </a:xfrm>
-          <a:noFill/>
-        </p:spPr>
-        <p:txBody>
-          <a:bodyPr vert="horz" lIns="91440" tIns="45720" rIns="91440" bIns="45720" rtlCol="0" anchor="b" anchorCtr="0">
-            <a:normAutofit/>
-          </a:bodyPr>
-          <a:lstStyle>
-            <a:lvl1pPr algn="l" defTabSz="914400" rtl="0" eaLnBrk="1" latinLnBrk="0" hangingPunct="1">
-              <a:spcBef>
-                <a:spcPct val="0"/>
-              </a:spcBef>
-              <a:buNone/>
-              <a:defRPr sz="2800" b="0" i="0" kern="1200" cap="none" baseline="0">
-                <a:solidFill>
-                  <a:schemeClr val="bg1"/>
-                </a:solidFill>
-                <a:latin typeface="+mj-lt"/>
-                <a:ea typeface="+mj-ea"/>
-                <a:cs typeface="+mj-cs"/>
-              </a:defRPr>
-            </a:lvl1pPr>
-          </a:lstStyle>
-          <a:p>
-            <a:r>
-              <a:rPr lang="en-US" smtClean="0"/>
-              <a:t>Click to edit Master title style</a:t>
-            </a:r>
-            <a:endParaRPr/>
-          </a:p>
-        </p:txBody>
-      </p:sp>
-      <p:sp>
-        <p:nvSpPr>
-          <p:cNvPr id="3" name="Picture Placeholder 2"/>
-          <p:cNvSpPr>
-            <a:spLocks noGrp="1"/>
-          </p:cNvSpPr>
-          <p:nvPr>
-            <p:ph type="pic" idx="1"/>
-          </p:nvPr>
-        </p:nvSpPr>
-        <p:spPr>
-          <a:xfrm>
-            <a:off x="284163" y="457199"/>
-            <a:ext cx="8577072" cy="4352544"/>
-          </a:xfrm>
-        </p:spPr>
-        <p:txBody>
-          <a:bodyPr/>
-          <a:lstStyle>
-            <a:lvl1pPr marL="0" indent="0">
-              <a:buNone/>
-              <a:defRPr sz="3200"/>
-            </a:lvl1pPr>
-            <a:lvl2pPr marL="457200" indent="0">
-              <a:buNone/>
-              <a:defRPr sz="2800"/>
-            </a:lvl2pPr>
-            <a:lvl3pPr marL="914400" indent="0">
-              <a:buNone/>
-              <a:defRPr sz="2400"/>
-            </a:lvl3pPr>
-            <a:lvl4pPr marL="1371600" indent="0">
-              <a:buNone/>
-              <a:defRPr sz="2000"/>
-            </a:lvl4pPr>
-            <a:lvl5pPr marL="1828800" indent="0">
-              <a:buNone/>
-              <a:defRPr sz="2000"/>
-            </a:lvl5pPr>
-            <a:lvl6pPr marL="2286000" indent="0">
-              <a:buNone/>
-              <a:defRPr sz="2000"/>
-            </a:lvl6pPr>
-            <a:lvl7pPr marL="2743200" indent="0">
-              <a:buNone/>
-              <a:defRPr sz="2000"/>
-            </a:lvl7pPr>
-            <a:lvl8pPr marL="3200400" indent="0">
-              <a:buNone/>
-              <a:defRPr sz="2000"/>
-            </a:lvl8pPr>
-            <a:lvl9pPr marL="3657600" indent="0">
-              <a:buNone/>
-              <a:defRPr sz="2000"/>
-            </a:lvl9pPr>
-          </a:lstStyle>
-          <a:p>
-            <a:r>
-              <a:rPr lang="en-US" smtClean="0"/>
-              <a:t>Drag picture to placeholder or click icon to add</a:t>
-            </a:r>
-            <a:endParaRPr/>
-          </a:p>
-        </p:txBody>
-      </p:sp>
-      <p:sp>
-        <p:nvSpPr>
-          <p:cNvPr id="4" name="Text Placeholder 3"/>
-          <p:cNvSpPr>
-            <a:spLocks noGrp="1"/>
-          </p:cNvSpPr>
-          <p:nvPr>
-            <p:ph type="body" sz="half" idx="2"/>
-          </p:nvPr>
-        </p:nvSpPr>
-        <p:spPr>
-          <a:xfrm>
-            <a:off x="419099" y="5367338"/>
-            <a:ext cx="8304213" cy="804862"/>
-          </a:xfrm>
-        </p:spPr>
-        <p:txBody>
-          <a:bodyPr/>
-          <a:lstStyle>
-            <a:lvl1pPr marL="0" indent="0">
-              <a:spcBef>
-                <a:spcPts val="0"/>
-              </a:spcBef>
-              <a:buNone/>
-              <a:defRPr sz="1400">
-                <a:solidFill>
-                  <a:schemeClr val="bg1"/>
-                </a:solidFill>
-              </a:defRPr>
-            </a:lvl1pPr>
-            <a:lvl2pPr marL="457200" indent="0">
-              <a:buNone/>
-              <a:defRPr sz="1200"/>
-            </a:lvl2pPr>
-            <a:lvl3pPr marL="914400" indent="0">
-              <a:buNone/>
-              <a:defRPr sz="1000"/>
-            </a:lvl3pPr>
-            <a:lvl4pPr marL="1371600" indent="0">
-              <a:buNone/>
-              <a:defRPr sz="900"/>
-            </a:lvl4pPr>
-            <a:lvl5pPr marL="1828800" indent="0">
-              <a:buNone/>
-              <a:defRPr sz="900"/>
-            </a:lvl5pPr>
-            <a:lvl6pPr marL="2286000" indent="0">
-              <a:buNone/>
-              <a:defRPr sz="900"/>
-            </a:lvl6pPr>
-            <a:lvl7pPr marL="2743200" indent="0">
-              <a:buNone/>
-              <a:defRPr sz="900"/>
-            </a:lvl7pPr>
-            <a:lvl8pPr marL="3200400" indent="0">
-              <a:buNone/>
-              <a:defRPr sz="900"/>
-            </a:lvl8pPr>
-            <a:lvl9pPr marL="3657600" indent="0">
-              <a:buNone/>
-              <a:defRPr sz="900"/>
-            </a:lvl9pPr>
-          </a:lstStyle>
-          <a:p>
-            <a:pPr lvl="0"/>
-            <a:r>
-              <a:rPr lang="en-US" smtClean="0"/>
-              <a:t>Click to edit Master text styles</a:t>
-            </a:r>
-          </a:p>
-        </p:txBody>
-      </p:sp>
-      <p:sp>
-        <p:nvSpPr>
-          <p:cNvPr id="5" name="Date Placeholder 4"/>
-          <p:cNvSpPr>
-            <a:spLocks noGrp="1"/>
-          </p:cNvSpPr>
-          <p:nvPr>
-            <p:ph type="dt" sz="half" idx="10"/>
-          </p:nvPr>
-        </p:nvSpPr>
-        <p:spPr/>
-        <p:txBody>
-          <a:bodyPr/>
-          <a:lstStyle/>
-          <a:p>
-            <a:fld id="{C95149FE-22CA-4347-AEA7-6ED19F79DFC3}" type="datetime1">
-              <a:rPr lang="en-US" smtClean="0"/>
-              <a:t>7/6/2015</a:t>
-            </a:fld>
-            <a:endParaRPr lang="en-US"/>
-          </a:p>
-        </p:txBody>
-      </p:sp>
-      <p:sp>
-        <p:nvSpPr>
-          <p:cNvPr id="6" name="Footer Placeholder 5"/>
-          <p:cNvSpPr>
-            <a:spLocks noGrp="1"/>
-          </p:cNvSpPr>
-          <p:nvPr>
-            <p:ph type="ftr" sz="quarter" idx="11"/>
-          </p:nvPr>
-        </p:nvSpPr>
-        <p:spPr/>
-        <p:txBody>
-          <a:bodyPr/>
-          <a:lstStyle/>
-          <a:p>
-            <a:r>
-              <a:rPr lang="en-US" smtClean="0"/>
-              <a:t>© 2015 EV3Lessons.com, Last edit 2/28/2015</a:t>
-            </a:r>
-            <a:endParaRPr lang="en-US"/>
-          </a:p>
-        </p:txBody>
-      </p:sp>
-      <p:sp>
-        <p:nvSpPr>
-          <p:cNvPr id="7" name="Slide Number Placeholder 6"/>
-          <p:cNvSpPr>
-            <a:spLocks noGrp="1"/>
-          </p:cNvSpPr>
-          <p:nvPr>
-            <p:ph type="sldNum" sz="quarter" idx="12"/>
-          </p:nvPr>
-        </p:nvSpPr>
-        <p:spPr/>
-        <p:txBody>
-          <a:bodyPr/>
-          <a:lstStyle/>
-          <a:p>
-            <a:fld id="{4382A7F7-08BF-4252-8141-63FB96055BBB}" type="slidenum">
-              <a:rPr lang="en-US" smtClean="0"/>
-              <a:t>‹#›</a:t>
-            </a:fld>
-            <a:endParaRPr lang="en-US"/>
-          </a:p>
-        </p:txBody>
-      </p:sp>
-    </p:spTree>
-  </p:cSld>
-  <p:clrMapOvr>
-    <a:masterClrMapping/>
-  </p:clrMapOvr>
-  <p:timing>
-    <p:tnLst>
-      <p:par>
-        <p:cTn id="1" dur="indefinite" restart="never" nodeType="tmRoot"/>
-      </p:par>
-    </p:tnLst>
-  </p:timing>
-</p:sldLayout>
-</file>
-
 <file path=ppt/slideMasters/slideMaster1.xml><?xml version="1.0" encoding="utf-8"?>
 <p:sldMaster xmlns:a="http://schemas.openxmlformats.org/drawingml/2006/main" xmlns:r="http://schemas.openxmlformats.org/officeDocument/2006/relationships" xmlns:p="http://schemas.openxmlformats.org/presentationml/2006/main">
   <p:cSld>
     <p:bg>
-      <p:bgRef idx="1001">
-        <a:schemeClr val="bg1"/>
-      </p:bgRef>
+      <p:bgPr>
+        <a:solidFill>
+          <a:schemeClr val="bg1"/>
+        </a:solidFill>
+        <a:effectLst/>
+      </p:bgPr>
     </p:bg>
     <p:spTree>
       <p:nvGrpSpPr>
@@ -7441,9 +4375,9 @@
             </a:lvl1pPr>
           </a:lstStyle>
           <a:p>
-            <a:fld id="{42F4F8F9-7C95-43B3-B56B-453B352CE593}" type="datetime1">
+            <a:fld id="{B0591F1D-0324-D54F-BEEA-B6AC50A4F28A}" type="datetime1">
               <a:rPr lang="en-US" smtClean="0"/>
-              <a:t>7/6/2015</a:t>
+              <a:t>11/15/15</a:t>
             </a:fld>
             <a:endParaRPr lang="en-US" dirty="0"/>
           </a:p>
@@ -7483,10 +4417,48 @@
           </a:lstStyle>
           <a:p>
             <a:r>
-              <a:rPr lang="en-US" smtClean="0"/>
+              <a:rPr lang="en-US" dirty="0" smtClean="0"/>
               <a:t>© 2015 EV3Lessons.com, Last edit 2/28/2015</a:t>
             </a:r>
             <a:endParaRPr lang="en-US" dirty="0"/>
+          </a:p>
+        </p:txBody>
+      </p:sp>
+      <p:sp>
+        <p:nvSpPr>
+          <p:cNvPr id="2" name="Title Placeholder 1"/>
+          <p:cNvSpPr>
+            <a:spLocks noGrp="1"/>
+          </p:cNvSpPr>
+          <p:nvPr>
+            <p:ph type="title"/>
+          </p:nvPr>
+        </p:nvSpPr>
+        <p:spPr>
+          <a:xfrm>
+            <a:off x="0" y="0"/>
+            <a:ext cx="9143999" cy="1188720"/>
+          </a:xfrm>
+          <a:prstGeom prst="rect">
+            <a:avLst/>
+          </a:prstGeom>
+          <a:solidFill>
+            <a:schemeClr val="bg2">
+              <a:lumMod val="25000"/>
+            </a:schemeClr>
+          </a:solidFill>
+        </p:spPr>
+        <p:txBody>
+          <a:bodyPr vert="horz" lIns="91440" tIns="45720" rIns="91440" bIns="45720" rtlCol="0" anchor="ctr">
+            <a:normAutofit/>
+          </a:bodyPr>
+          <a:lstStyle/>
+          <a:p>
+            <a:r>
+              <a:rPr lang="en-US" dirty="0" smtClean="0"/>
+              <a:t>Click to edit Master title style</a:t>
+            </a:r>
+            <a:endParaRPr dirty="0"/>
           </a:p>
         </p:txBody>
       </p:sp>
@@ -7502,12 +4474,15 @@
         </p:nvSpPr>
         <p:spPr>
           <a:xfrm>
-            <a:off x="8306459" y="167347"/>
+            <a:off x="8306459" y="70072"/>
             <a:ext cx="630621" cy="359760"/>
           </a:xfrm>
           <a:prstGeom prst="rect">
             <a:avLst/>
           </a:prstGeom>
+          <a:ln>
+            <a:noFill/>
+          </a:ln>
         </p:spPr>
         <p:txBody>
           <a:bodyPr vert="horz" lIns="91440" tIns="45720" rIns="91440" bIns="45720" rtlCol="0" anchor="ctr"/>
@@ -7515,10 +4490,7 @@
             <a:lvl1pPr algn="r">
               <a:defRPr sz="1400" b="1">
                 <a:solidFill>
-                  <a:schemeClr val="tx1">
-                    <a:lumMod val="85000"/>
-                    <a:lumOff val="15000"/>
-                  </a:schemeClr>
+                  <a:schemeClr val="bg1"/>
                 </a:solidFill>
               </a:defRPr>
             </a:lvl1pPr>
@@ -7526,49 +4498,10 @@
           <a:p>
             <a:fld id="{4382A7F7-08BF-4252-8141-63FB96055BBB}" type="slidenum">
               <a:rPr lang="en-US" smtClean="0"/>
+              <a:pPr/>
               <a:t>‹#›</a:t>
             </a:fld>
-            <a:endParaRPr lang="en-US"/>
-          </a:p>
-        </p:txBody>
-      </p:sp>
-      <p:sp>
-        <p:nvSpPr>
-          <p:cNvPr id="2" name="Title Placeholder 1"/>
-          <p:cNvSpPr>
-            <a:spLocks noGrp="1"/>
-          </p:cNvSpPr>
-          <p:nvPr>
-            <p:ph type="title"/>
-          </p:nvPr>
-        </p:nvSpPr>
-        <p:spPr>
-          <a:xfrm>
-            <a:off x="284163" y="630382"/>
-            <a:ext cx="8574087" cy="967840"/>
-          </a:xfrm>
-          <a:prstGeom prst="rect">
-            <a:avLst/>
-          </a:prstGeom>
-          <a:solidFill>
-            <a:schemeClr val="tx1">
-              <a:lumMod val="85000"/>
-              <a:lumOff val="15000"/>
-              <a:alpha val="70000"/>
-            </a:schemeClr>
-          </a:solidFill>
-        </p:spPr>
-        <p:txBody>
-          <a:bodyPr vert="horz" lIns="91440" tIns="45720" rIns="91440" bIns="45720" rtlCol="0" anchor="ctr">
-            <a:normAutofit/>
-          </a:bodyPr>
-          <a:lstStyle/>
-          <a:p>
-            <a:r>
-              <a:rPr lang="en-US" smtClean="0"/>
-              <a:t>Click to edit Master title style</a:t>
-            </a:r>
-            <a:endParaRPr/>
+            <a:endParaRPr lang="en-US" dirty="0"/>
           </a:p>
         </p:txBody>
       </p:sp>
@@ -7578,17 +4511,12 @@
   <p:sldLayoutIdLst>
     <p:sldLayoutId id="2147483819" r:id="rId1"/>
     <p:sldLayoutId id="2147483820" r:id="rId2"/>
-    <p:sldLayoutId id="2147483821" r:id="rId3"/>
-    <p:sldLayoutId id="2147483822" r:id="rId4"/>
-    <p:sldLayoutId id="2147483823" r:id="rId5"/>
-    <p:sldLayoutId id="2147483824" r:id="rId6"/>
-    <p:sldLayoutId id="2147483825" r:id="rId7"/>
-    <p:sldLayoutId id="2147483826" r:id="rId8"/>
-    <p:sldLayoutId id="2147483829" r:id="rId9"/>
-    <p:sldLayoutId id="2147483831" r:id="rId10"/>
-    <p:sldLayoutId id="2147483832" r:id="rId11"/>
-    <p:sldLayoutId id="2147483833" r:id="rId12"/>
-    <p:sldLayoutId id="2147483834" r:id="rId13"/>
+    <p:sldLayoutId id="2147483822" r:id="rId3"/>
+    <p:sldLayoutId id="2147483824" r:id="rId4"/>
+    <p:sldLayoutId id="2147483825" r:id="rId5"/>
+    <p:sldLayoutId id="2147483826" r:id="rId6"/>
+    <p:sldLayoutId id="2147483833" r:id="rId7"/>
+    <p:sldLayoutId id="2147483834" r:id="rId8"/>
   </p:sldLayoutIdLst>
   <p:timing>
     <p:tnLst>
@@ -7597,21 +4525,22 @@
       </p:par>
     </p:tnLst>
   </p:timing>
-  <p:hf hdr="0" ftr="0" dt="0"/>
+  <p:hf hdr="0" dt="0"/>
   <p:txStyles>
     <p:titleStyle>
-      <a:lvl1pPr algn="r" defTabSz="914400" rtl="0" eaLnBrk="1" latinLnBrk="0" hangingPunct="1">
+      <a:lvl1pPr marL="0" indent="234950" algn="l" defTabSz="914400" rtl="0" eaLnBrk="1" latinLnBrk="0" hangingPunct="1">
         <a:spcBef>
           <a:spcPct val="0"/>
         </a:spcBef>
         <a:buNone/>
+        <a:tabLst/>
         <a:defRPr sz="4200" kern="1200">
           <a:solidFill>
             <a:schemeClr val="bg1"/>
           </a:solidFill>
-          <a:latin typeface="+mj-lt"/>
-          <a:ea typeface="+mj-ea"/>
-          <a:cs typeface="+mj-cs"/>
+          <a:latin typeface="Calibri" charset="0"/>
+          <a:ea typeface="Calibri" charset="0"/>
+          <a:cs typeface="Calibri" charset="0"/>
         </a:defRPr>
       </a:lvl1pPr>
     </p:titleStyle>
@@ -7963,29 +4892,25 @@
             <p:ph type="ctrTitle"/>
           </p:nvPr>
         </p:nvSpPr>
-        <p:spPr>
-          <a:xfrm>
-            <a:off x="199698" y="2974369"/>
-            <a:ext cx="7810967" cy="1088237"/>
-          </a:xfrm>
-        </p:spPr>
+        <p:spPr/>
         <p:txBody>
           <a:bodyPr>
             <a:normAutofit/>
           </a:bodyPr>
           <a:lstStyle/>
           <a:p>
-            <a:r>
-              <a:rPr lang="en-US" sz="6600" dirty="0" smtClean="0">
-                <a:solidFill>
-                  <a:srgbClr val="FF0000"/>
+            <a:pPr algn="ctr"/>
+            <a:r>
+              <a:rPr lang="en-US" sz="3200" dirty="0" smtClean="0">
+                <a:solidFill>
+                  <a:schemeClr val="tx1"/>
                 </a:solidFill>
               </a:rPr>
-              <a:t>Arrays</a:t>
-            </a:r>
-            <a:endParaRPr lang="en-US" dirty="0">
+              <a:t>ARRAYS</a:t>
+            </a:r>
+            <a:endParaRPr lang="en-US" sz="1800" dirty="0">
               <a:solidFill>
-                <a:srgbClr val="FF0000"/>
+                <a:schemeClr val="tx1"/>
               </a:solidFill>
             </a:endParaRPr>
           </a:p>
@@ -7993,50 +4918,12 @@
       </p:sp>
       <p:sp>
         <p:nvSpPr>
-          <p:cNvPr id="3" name="TextBox 2"/>
-          <p:cNvSpPr txBox="1"/>
-          <p:nvPr/>
-        </p:nvSpPr>
-        <p:spPr>
-          <a:xfrm>
-            <a:off x="329321" y="353342"/>
-            <a:ext cx="7754284" cy="1569660"/>
-          </a:xfrm>
-          <a:prstGeom prst="rect">
-            <a:avLst/>
-          </a:prstGeom>
-          <a:noFill/>
-        </p:spPr>
-        <p:txBody>
-          <a:bodyPr wrap="square" rtlCol="0">
-            <a:spAutoFit/>
-          </a:bodyPr>
-          <a:lstStyle/>
-          <a:p>
-            <a:r>
-              <a:rPr lang="en-US" sz="4800" dirty="0" smtClean="0">
-                <a:solidFill>
-                  <a:schemeClr val="bg1"/>
-                </a:solidFill>
-              </a:rPr>
-              <a:t>ADVANCED EV3 PROGRAMMING LESSON</a:t>
-            </a:r>
-            <a:endParaRPr lang="en-US" sz="4800" dirty="0">
-              <a:solidFill>
-                <a:schemeClr val="bg1"/>
-              </a:solidFill>
-            </a:endParaRPr>
-          </a:p>
-        </p:txBody>
-      </p:sp>
-      <p:sp>
-        <p:nvSpPr>
-          <p:cNvPr id="5" name="Slide Number Placeholder 4"/>
+          <p:cNvPr id="7" name="Subtitle 6"/>
           <p:cNvSpPr>
             <a:spLocks noGrp="1"/>
           </p:cNvSpPr>
           <p:nvPr>
-            <p:ph type="sldNum" sz="quarter" idx="12"/>
+            <p:ph type="subTitle" idx="1"/>
           </p:nvPr>
         </p:nvSpPr>
         <p:spPr/>
@@ -8044,55 +4931,10 @@
           <a:bodyPr/>
           <a:lstStyle/>
           <a:p>
-            <a:fld id="{7F5CE407-6216-4202-80E4-A30DC2F709B2}" type="slidenum">
-              <a:rPr lang="en-US" smtClean="0"/>
-              <a:t>1</a:t>
-            </a:fld>
             <a:endParaRPr lang="en-US"/>
           </a:p>
         </p:txBody>
       </p:sp>
-      <p:pic>
-        <p:nvPicPr>
-          <p:cNvPr id="1026" name="Picture 2" descr="EV3Lessons.com"/>
-          <p:cNvPicPr>
-            <a:picLocks noChangeAspect="1" noChangeArrowheads="1"/>
-          </p:cNvPicPr>
-          <p:nvPr/>
-        </p:nvPicPr>
-        <p:blipFill>
-          <a:blip r:embed="rId3" cstate="email">
-            <a:extLst>
-              <a:ext uri="{28A0092B-C50C-407E-A947-70E740481C1C}">
-                <a14:useLocalDpi xmlns:a14="http://schemas.microsoft.com/office/drawing/2010/main" val="0"/>
-              </a:ext>
-            </a:extLst>
-          </a:blip>
-          <a:srcRect/>
-          <a:stretch>
-            <a:fillRect/>
-          </a:stretch>
-        </p:blipFill>
-        <p:spPr bwMode="auto">
-          <a:xfrm>
-            <a:off x="5996763" y="5577133"/>
-            <a:ext cx="2940317" cy="1092118"/>
-          </a:xfrm>
-          <a:prstGeom prst="rect">
-            <a:avLst/>
-          </a:prstGeom>
-          <a:noFill/>
-          <a:extLst>
-            <a:ext uri="{909E8E84-426E-40dd-AFC4-6F175D3DCCD1}">
-              <a14:hiddenFill xmlns="" xmlns:a14="http://schemas.microsoft.com/office/drawing/2010/main">
-                <a:solidFill>
-                  <a:srgbClr val="FFFFFF"/>
-                </a:solidFill>
-              </a14:hiddenFill>
-            </a:ext>
-          </a:extLst>
-        </p:spPr>
-      </p:pic>
       <p:sp>
         <p:nvSpPr>
           <p:cNvPr id="17" name="Subtitle 3"/>
@@ -8345,47 +5187,6 @@
           </a:p>
         </p:txBody>
       </p:sp>
-      <p:pic>
-        <p:nvPicPr>
-          <p:cNvPr id="1034" name="Picture 10" descr="http://www.droidsrobotics.org/images/logo/newdroidsnoline.png"/>
-          <p:cNvPicPr>
-            <a:picLocks noChangeAspect="1" noChangeArrowheads="1"/>
-          </p:cNvPicPr>
-          <p:nvPr/>
-        </p:nvPicPr>
-        <p:blipFill>
-          <a:blip r:embed="rId4" cstate="email">
-            <a:extLst>
-              <a:ext uri="{28A0092B-C50C-407E-A947-70E740481C1C}">
-                <a14:useLocalDpi xmlns:a14="http://schemas.microsoft.com/office/drawing/2010/main" val="0"/>
-              </a:ext>
-            </a:extLst>
-          </a:blip>
-          <a:srcRect/>
-          <a:stretch>
-            <a:fillRect/>
-          </a:stretch>
-        </p:blipFill>
-        <p:spPr bwMode="auto">
-          <a:xfrm>
-            <a:off x="199698" y="5301401"/>
-            <a:ext cx="1426641" cy="1426641"/>
-          </a:xfrm>
-          <a:prstGeom prst="rect">
-            <a:avLst/>
-          </a:prstGeom>
-          <a:noFill/>
-          <a:extLst>
-            <a:ext uri="{909E8E84-426E-40DD-AFC4-6F175D3DCCD1}">
-              <a14:hiddenFill xmlns:a14="http://schemas.microsoft.com/office/drawing/2010/main">
-                <a:solidFill>
-                  <a:srgbClr val="FFFFFF"/>
-                </a:solidFill>
-              </a14:hiddenFill>
-            </a:ext>
-          </a:extLst>
-        </p:spPr>
-      </p:pic>
     </p:spTree>
     <p:extLst>
       <p:ext uri="{BB962C8B-B14F-4D97-AF65-F5344CB8AC3E}">
@@ -8433,7 +5234,12 @@
             <p:ph type="title"/>
           </p:nvPr>
         </p:nvSpPr>
-        <p:spPr/>
+        <p:spPr>
+          <a:xfrm>
+            <a:off x="0" y="0"/>
+            <a:ext cx="9143999" cy="1188720"/>
+          </a:xfrm>
+        </p:spPr>
         <p:txBody>
           <a:bodyPr/>
           <a:lstStyle/>
@@ -8671,6 +5477,29 @@
               <a:t>Displays the loop count to the screen</a:t>
             </a:r>
             <a:endParaRPr lang="en-US" dirty="0"/>
+          </a:p>
+        </p:txBody>
+      </p:sp>
+      <p:sp>
+        <p:nvSpPr>
+          <p:cNvPr id="4" name="Footer Placeholder 3"/>
+          <p:cNvSpPr>
+            <a:spLocks noGrp="1"/>
+          </p:cNvSpPr>
+          <p:nvPr>
+            <p:ph type="ftr" sz="quarter" idx="11"/>
+          </p:nvPr>
+        </p:nvSpPr>
+        <p:spPr/>
+        <p:txBody>
+          <a:bodyPr/>
+          <a:lstStyle/>
+          <a:p>
+            <a:r>
+              <a:rPr lang="en-US" smtClean="0"/>
+              <a:t>© 2015 EV3Lessons.com, Last edit 2/28/2015</a:t>
+            </a:r>
+            <a:endParaRPr lang="en-US"/>
           </a:p>
         </p:txBody>
       </p:sp>
@@ -8744,35 +5573,30 @@
             <p:ph sz="half" idx="1"/>
           </p:nvPr>
         </p:nvSpPr>
-        <p:spPr>
-          <a:xfrm>
-            <a:off x="403412" y="2151062"/>
-            <a:ext cx="3931920" cy="4300537"/>
-          </a:xfrm>
-        </p:spPr>
+        <p:spPr/>
         <p:txBody>
           <a:bodyPr>
-            <a:normAutofit/>
+            <a:normAutofit lnSpcReduction="10000"/>
           </a:bodyPr>
           <a:lstStyle/>
           <a:p>
             <a:r>
-              <a:rPr lang="en-US" dirty="0" smtClean="0"/>
+              <a:rPr lang="en-US" smtClean="0"/>
               <a:t>Append adds entries to the end of an array (i.e. creates a new index value)</a:t>
             </a:r>
           </a:p>
           <a:p>
-            <a:endParaRPr lang="en-US" dirty="0"/>
-          </a:p>
-          <a:p>
-            <a:endParaRPr lang="en-US" dirty="0" smtClean="0"/>
-          </a:p>
-          <a:p>
-            <a:endParaRPr lang="en-US" dirty="0"/>
-          </a:p>
-          <a:p>
-            <a:r>
-              <a:rPr lang="en-US" dirty="0" smtClean="0"/>
+            <a:endParaRPr lang="en-US" smtClean="0"/>
+          </a:p>
+          <a:p>
+            <a:endParaRPr lang="en-US" smtClean="0"/>
+          </a:p>
+          <a:p>
+            <a:endParaRPr lang="en-US" smtClean="0"/>
+          </a:p>
+          <a:p>
+            <a:r>
+              <a:rPr lang="en-US" smtClean="0"/>
               <a:t>This code produces an array with 8 entries (three 0’s followed by 5 light readings)</a:t>
             </a:r>
           </a:p>
@@ -8794,76 +5618,42 @@
             <p:ph sz="half" idx="2"/>
           </p:nvPr>
         </p:nvSpPr>
-        <p:spPr>
-          <a:xfrm>
-            <a:off x="4778188" y="2151063"/>
-            <a:ext cx="3931920" cy="4300536"/>
-          </a:xfrm>
-        </p:spPr>
+        <p:spPr/>
         <p:txBody>
           <a:bodyPr>
-            <a:normAutofit/>
+            <a:normAutofit lnSpcReduction="10000"/>
           </a:bodyPr>
           <a:lstStyle/>
           <a:p>
             <a:r>
-              <a:rPr lang="en-US" dirty="0"/>
-              <a:t>Write overwrites the entry at the chosen </a:t>
-            </a:r>
-            <a:r>
-              <a:rPr lang="en-US" dirty="0" smtClean="0"/>
-              <a:t>index</a:t>
-            </a:r>
-          </a:p>
-          <a:p>
-            <a:endParaRPr lang="en-US" dirty="0"/>
-          </a:p>
-          <a:p>
-            <a:r>
-              <a:rPr lang="en-US" dirty="0" smtClean="0"/>
+              <a:rPr lang="en-US" smtClean="0"/>
+              <a:t>Write overwrites the entry at the chosen index</a:t>
+            </a:r>
+          </a:p>
+          <a:p>
+            <a:endParaRPr lang="en-US" smtClean="0"/>
+          </a:p>
+          <a:p>
+            <a:r>
+              <a:rPr lang="en-US" smtClean="0"/>
               <a:t/>
             </a:r>
             <a:br>
-              <a:rPr lang="en-US" dirty="0" smtClean="0"/>
+              <a:rPr lang="en-US" smtClean="0"/>
             </a:br>
-            <a:endParaRPr lang="en-US" dirty="0" smtClean="0"/>
-          </a:p>
-          <a:p>
-            <a:endParaRPr lang="en-US" dirty="0"/>
-          </a:p>
-          <a:p>
-            <a:r>
-              <a:rPr lang="en-US" dirty="0" smtClean="0"/>
-              <a:t>This code </a:t>
-            </a:r>
-            <a:r>
-              <a:rPr lang="en-US" dirty="0"/>
-              <a:t>produces an array with 5</a:t>
-            </a:r>
-            <a:r>
-              <a:rPr lang="en-US" dirty="0" smtClean="0"/>
-              <a:t> </a:t>
-            </a:r>
-            <a:r>
-              <a:rPr lang="en-US" dirty="0"/>
-              <a:t>entries </a:t>
-            </a:r>
-            <a:r>
-              <a:rPr lang="en-US" dirty="0" smtClean="0"/>
-              <a:t>(just 5 </a:t>
-            </a:r>
-            <a:r>
-              <a:rPr lang="en-US" dirty="0"/>
-              <a:t>light </a:t>
-            </a:r>
-            <a:r>
-              <a:rPr lang="en-US" dirty="0" smtClean="0"/>
-              <a:t>readings)</a:t>
-            </a:r>
-            <a:endParaRPr lang="en-US" dirty="0"/>
-          </a:p>
-          <a:p>
-            <a:endParaRPr lang="en-US" dirty="0"/>
+            <a:endParaRPr lang="en-US" smtClean="0"/>
+          </a:p>
+          <a:p>
+            <a:endParaRPr lang="en-US" smtClean="0"/>
+          </a:p>
+          <a:p>
+            <a:r>
+              <a:rPr lang="en-US" smtClean="0"/>
+              <a:t>This code produces an array with 5 entries (just 5 light readings)</a:t>
+            </a:r>
+          </a:p>
+          <a:p>
+            <a:endParaRPr lang="en-US" smtClean="0"/>
           </a:p>
           <a:p>
             <a:endParaRPr lang="en-US" dirty="0"/>
@@ -8909,7 +5699,7 @@
         </p:blipFill>
         <p:spPr>
           <a:xfrm>
-            <a:off x="284163" y="3363760"/>
+            <a:off x="284163" y="3112300"/>
             <a:ext cx="4128723" cy="1866252"/>
           </a:xfrm>
           <a:prstGeom prst="rect">
@@ -8933,7 +5723,7 @@
         </p:blipFill>
         <p:spPr>
           <a:xfrm>
-            <a:off x="5036931" y="3422015"/>
+            <a:off x="5036931" y="3170555"/>
             <a:ext cx="3900149" cy="1749742"/>
           </a:xfrm>
           <a:prstGeom prst="rect">
@@ -8988,7 +5778,12 @@
             <p:ph type="title"/>
           </p:nvPr>
         </p:nvSpPr>
-        <p:spPr/>
+        <p:spPr>
+          <a:xfrm>
+            <a:off x="0" y="0"/>
+            <a:ext cx="9143999" cy="1188720"/>
+          </a:xfrm>
+        </p:spPr>
         <p:txBody>
           <a:bodyPr/>
           <a:lstStyle/>
@@ -9051,6 +5846,29 @@
               <a:rPr lang="en-US" smtClean="0"/>
               <a:t>12</a:t>
             </a:fld>
+            <a:endParaRPr lang="en-US"/>
+          </a:p>
+        </p:txBody>
+      </p:sp>
+      <p:sp>
+        <p:nvSpPr>
+          <p:cNvPr id="4" name="Footer Placeholder 3"/>
+          <p:cNvSpPr>
+            <a:spLocks noGrp="1"/>
+          </p:cNvSpPr>
+          <p:nvPr>
+            <p:ph type="ftr" sz="quarter" idx="11"/>
+          </p:nvPr>
+        </p:nvSpPr>
+        <p:spPr/>
+        <p:txBody>
+          <a:bodyPr/>
+          <a:lstStyle/>
+          <a:p>
+            <a:r>
+              <a:rPr lang="en-US" smtClean="0"/>
+              <a:t>© 2015 EV3Lessons.com, Last edit 2/28/2015</a:t>
+            </a:r>
             <a:endParaRPr lang="en-US"/>
           </a:p>
         </p:txBody>
@@ -9126,7 +5944,12 @@
             <p:ph type="title"/>
           </p:nvPr>
         </p:nvSpPr>
-        <p:spPr/>
+        <p:spPr>
+          <a:xfrm>
+            <a:off x="0" y="0"/>
+            <a:ext cx="9143999" cy="1188720"/>
+          </a:xfrm>
+        </p:spPr>
         <p:txBody>
           <a:bodyPr/>
           <a:lstStyle/>
@@ -9375,6 +6198,29 @@
           </a:fontRef>
         </p:style>
       </p:cxnSp>
+      <p:sp>
+        <p:nvSpPr>
+          <p:cNvPr id="4" name="Footer Placeholder 3"/>
+          <p:cNvSpPr>
+            <a:spLocks noGrp="1"/>
+          </p:cNvSpPr>
+          <p:nvPr>
+            <p:ph type="ftr" sz="quarter" idx="11"/>
+          </p:nvPr>
+        </p:nvSpPr>
+        <p:spPr/>
+        <p:txBody>
+          <a:bodyPr/>
+          <a:lstStyle/>
+          <a:p>
+            <a:r>
+              <a:rPr lang="en-US" smtClean="0"/>
+              <a:t>© 2015 EV3Lessons.com, Last edit 2/28/2015</a:t>
+            </a:r>
+            <a:endParaRPr lang="en-US"/>
+          </a:p>
+        </p:txBody>
+      </p:sp>
     </p:spTree>
     <p:extLst>
       <p:ext uri="{BB962C8B-B14F-4D97-AF65-F5344CB8AC3E}">
@@ -9422,7 +6268,12 @@
             <p:ph type="title"/>
           </p:nvPr>
         </p:nvSpPr>
-        <p:spPr/>
+        <p:spPr>
+          <a:xfrm>
+            <a:off x="0" y="0"/>
+            <a:ext cx="9143999" cy="1188720"/>
+          </a:xfrm>
+        </p:spPr>
         <p:txBody>
           <a:bodyPr/>
           <a:lstStyle/>
@@ -9510,6 +6361,29 @@
               <a:rPr lang="en-US" smtClean="0"/>
               <a:t>14</a:t>
             </a:fld>
+            <a:endParaRPr lang="en-US"/>
+          </a:p>
+        </p:txBody>
+      </p:sp>
+      <p:sp>
+        <p:nvSpPr>
+          <p:cNvPr id="4" name="Footer Placeholder 3"/>
+          <p:cNvSpPr>
+            <a:spLocks noGrp="1"/>
+          </p:cNvSpPr>
+          <p:nvPr>
+            <p:ph type="ftr" sz="quarter" idx="11"/>
+          </p:nvPr>
+        </p:nvSpPr>
+        <p:spPr/>
+        <p:txBody>
+          <a:bodyPr/>
+          <a:lstStyle/>
+          <a:p>
+            <a:r>
+              <a:rPr lang="en-US" smtClean="0"/>
+              <a:t>© 2015 EV3Lessons.com, Last edit 2/28/2015</a:t>
+            </a:r>
             <a:endParaRPr lang="en-US"/>
           </a:p>
         </p:txBody>
@@ -9561,7 +6435,12 @@
             <p:ph type="title"/>
           </p:nvPr>
         </p:nvSpPr>
-        <p:spPr/>
+        <p:spPr>
+          <a:xfrm>
+            <a:off x="0" y="0"/>
+            <a:ext cx="9143999" cy="1188720"/>
+          </a:xfrm>
+        </p:spPr>
         <p:txBody>
           <a:bodyPr/>
           <a:lstStyle/>
@@ -9767,6 +6646,29 @@
               <a:t>Create the display array</a:t>
             </a:r>
             <a:endParaRPr lang="en-US" sz="1200" dirty="0"/>
+          </a:p>
+        </p:txBody>
+      </p:sp>
+      <p:sp>
+        <p:nvSpPr>
+          <p:cNvPr id="3" name="Footer Placeholder 2"/>
+          <p:cNvSpPr>
+            <a:spLocks noGrp="1"/>
+          </p:cNvSpPr>
+          <p:nvPr>
+            <p:ph type="ftr" sz="quarter" idx="11"/>
+          </p:nvPr>
+        </p:nvSpPr>
+        <p:spPr/>
+        <p:txBody>
+          <a:bodyPr/>
+          <a:lstStyle/>
+          <a:p>
+            <a:r>
+              <a:rPr lang="en-US" smtClean="0"/>
+              <a:t>© 2015 EV3Lessons.com, Last edit 2/28/2015</a:t>
+            </a:r>
+            <a:endParaRPr lang="en-US"/>
           </a:p>
         </p:txBody>
       </p:sp>
@@ -9817,7 +6719,12 @@
             <p:ph type="title"/>
           </p:nvPr>
         </p:nvSpPr>
-        <p:spPr/>
+        <p:spPr>
+          <a:xfrm>
+            <a:off x="0" y="0"/>
+            <a:ext cx="9143999" cy="1188720"/>
+          </a:xfrm>
+        </p:spPr>
         <p:txBody>
           <a:bodyPr/>
           <a:lstStyle/>
@@ -9913,6 +6820,29 @@
               <a:rPr lang="en-US" smtClean="0"/>
               <a:t>16</a:t>
             </a:fld>
+            <a:endParaRPr lang="en-US"/>
+          </a:p>
+        </p:txBody>
+      </p:sp>
+      <p:sp>
+        <p:nvSpPr>
+          <p:cNvPr id="5" name="Footer Placeholder 4"/>
+          <p:cNvSpPr>
+            <a:spLocks noGrp="1"/>
+          </p:cNvSpPr>
+          <p:nvPr>
+            <p:ph type="ftr" sz="quarter" idx="11"/>
+          </p:nvPr>
+        </p:nvSpPr>
+        <p:spPr/>
+        <p:txBody>
+          <a:bodyPr/>
+          <a:lstStyle/>
+          <a:p>
+            <a:r>
+              <a:rPr lang="en-US" smtClean="0"/>
+              <a:t>© 2015 EV3Lessons.com, Last edit 2/28/2015</a:t>
+            </a:r>
             <a:endParaRPr lang="en-US"/>
           </a:p>
         </p:txBody>
@@ -9965,21 +6895,20 @@
           </p:nvPr>
         </p:nvSpPr>
         <p:spPr>
-          <a:noFill/>
+          <a:xfrm>
+            <a:off x="0" y="0"/>
+            <a:ext cx="9143999" cy="1188720"/>
+          </a:xfrm>
         </p:spPr>
         <p:txBody>
           <a:bodyPr/>
           <a:lstStyle/>
           <a:p>
             <a:r>
-              <a:rPr lang="en-US" dirty="0" smtClean="0">
-                <a:latin typeface="+mn-lt"/>
-              </a:rPr>
+              <a:rPr lang="en-US" smtClean="0"/>
               <a:t>Credits</a:t>
             </a:r>
-            <a:endParaRPr lang="en-US" dirty="0">
-              <a:latin typeface="+mn-lt"/>
-            </a:endParaRPr>
+            <a:endParaRPr lang="en-US" dirty="0"/>
           </a:p>
         </p:txBody>
       </p:sp>
@@ -9993,61 +6922,71 @@
             <p:ph idx="1"/>
           </p:nvPr>
         </p:nvSpPr>
-        <p:spPr>
-          <a:xfrm>
-            <a:off x="284162" y="1915912"/>
-            <a:ext cx="8574087" cy="3581400"/>
-          </a:xfrm>
-        </p:spPr>
-        <p:txBody>
-          <a:bodyPr>
-            <a:normAutofit/>
-          </a:bodyPr>
+        <p:spPr/>
+        <p:txBody>
+          <a:bodyPr/>
           <a:lstStyle/>
           <a:p>
-            <a:pPr marL="454025" lvl="1" indent="-454025">
-              <a:spcBef>
-                <a:spcPts val="2000"/>
-              </a:spcBef>
-              <a:buClr>
-                <a:schemeClr val="bg1">
-                  <a:lumMod val="65000"/>
-                </a:schemeClr>
-              </a:buClr>
-            </a:pPr>
-            <a:r>
-              <a:rPr lang="en-US" dirty="0"/>
-              <a:t>This tutorial was </a:t>
-            </a:r>
-            <a:r>
-              <a:rPr lang="en-US" dirty="0" smtClean="0"/>
-              <a:t>written by </a:t>
-            </a:r>
-            <a:r>
-              <a:rPr lang="en-US" dirty="0"/>
-              <a:t>Sanjay Seshan and Arvind Seshan from Droids </a:t>
-            </a:r>
-            <a:r>
-              <a:rPr lang="en-US" dirty="0" smtClean="0"/>
-              <a:t>Robotics </a:t>
-            </a:r>
-          </a:p>
-          <a:p>
-            <a:pPr marL="454025" lvl="1" indent="-454025">
-              <a:spcBef>
-                <a:spcPts val="2000"/>
-              </a:spcBef>
-              <a:buClr>
-                <a:schemeClr val="bg1">
-                  <a:lumMod val="65000"/>
-                </a:schemeClr>
-              </a:buClr>
-            </a:pPr>
-            <a:r>
-              <a:rPr lang="en-US" dirty="0" smtClean="0"/>
+            <a:pPr lvl="1"/>
+            <a:r>
+              <a:rPr lang="en-US" smtClean="0"/>
+              <a:t>This tutorial was written by Sanjay Seshan and Arvind Seshan from Droids Robotics </a:t>
+            </a:r>
+          </a:p>
+          <a:p>
+            <a:pPr lvl="1"/>
+            <a:r>
+              <a:rPr lang="en-US" smtClean="0"/>
               <a:t>More lessons at www.ev3lessons.com</a:t>
             </a:r>
             <a:endParaRPr lang="en-US" dirty="0"/>
+          </a:p>
+        </p:txBody>
+      </p:sp>
+      <p:sp>
+        <p:nvSpPr>
+          <p:cNvPr id="4" name="Footer Placeholder 3"/>
+          <p:cNvSpPr>
+            <a:spLocks noGrp="1"/>
+          </p:cNvSpPr>
+          <p:nvPr>
+            <p:ph type="ftr" sz="quarter" idx="11"/>
+          </p:nvPr>
+        </p:nvSpPr>
+        <p:spPr/>
+        <p:txBody>
+          <a:bodyPr/>
+          <a:lstStyle/>
+          <a:p>
+            <a:r>
+              <a:rPr lang="en-US" smtClean="0"/>
+              <a:t>© 2015 EV3Lessons.com, Last edit 2/28/2015</a:t>
+            </a:r>
+            <a:endParaRPr lang="en-US"/>
+          </a:p>
+        </p:txBody>
+      </p:sp>
+      <p:sp>
+        <p:nvSpPr>
+          <p:cNvPr id="7" name="Slide Number Placeholder 6"/>
+          <p:cNvSpPr>
+            <a:spLocks noGrp="1"/>
+          </p:cNvSpPr>
+          <p:nvPr>
+            <p:ph type="sldNum" sz="quarter" idx="12"/>
+          </p:nvPr>
+        </p:nvSpPr>
+        <p:spPr/>
+        <p:txBody>
+          <a:bodyPr/>
+          <a:lstStyle/>
+          <a:p>
+            <a:fld id="{4382A7F7-08BF-4252-8141-63FB96055BBB}" type="slidenum">
+              <a:rPr lang="en-US" smtClean="0"/>
+              <a:pPr/>
+              <a:t>17</a:t>
+            </a:fld>
+            <a:endParaRPr lang="en-US"/>
           </a:p>
         </p:txBody>
       </p:sp>
@@ -10076,7 +7015,7 @@
           <a:effectLst/>
           <a:extLst>
             <a:ext uri="{91240B29-F687-4f45-9708-019B960494DF}">
-              <a14:hiddenLine xmlns="" xmlns:a14="http://schemas.microsoft.com/office/drawing/2010/main" w="9525">
+              <a14:hiddenLine xmlns:a14="http://schemas.microsoft.com/office/drawing/2010/main" xmlns="" w="9525">
                 <a:solidFill>
                   <a:schemeClr val="tx1"/>
                 </a:solidFill>
@@ -10086,7 +7025,7 @@
               </a14:hiddenLine>
             </a:ext>
             <a:ext uri="{AF507438-7753-43e0-B8FC-AC1667EBCBE1}">
-              <a14:hiddenEffects xmlns="" xmlns:a14="http://schemas.microsoft.com/office/drawing/2010/main">
+              <a14:hiddenEffects xmlns:a14="http://schemas.microsoft.com/office/drawing/2010/main" xmlns="">
                 <a:effectLst>
                   <a:outerShdw dist="35921" dir="2700000" algn="ctr" rotWithShape="0">
                     <a:schemeClr val="bg2"/>
@@ -10439,7 +7378,7 @@
           <a:noFill/>
           <a:extLst>
             <a:ext uri="{909E8E84-426E-40dd-AFC4-6F175D3DCCD1}">
-              <a14:hiddenFill xmlns="" xmlns:a14="http://schemas.microsoft.com/office/drawing/2010/main">
+              <a14:hiddenFill xmlns:a14="http://schemas.microsoft.com/office/drawing/2010/main" xmlns="">
                 <a:solidFill>
                   <a:srgbClr val="FFFFFF"/>
                 </a:solidFill>
@@ -10448,29 +7387,6 @@
           </a:extLst>
         </p:spPr>
       </p:pic>
-      <p:sp>
-        <p:nvSpPr>
-          <p:cNvPr id="7" name="Slide Number Placeholder 6"/>
-          <p:cNvSpPr>
-            <a:spLocks noGrp="1"/>
-          </p:cNvSpPr>
-          <p:nvPr>
-            <p:ph type="sldNum" sz="quarter" idx="12"/>
-          </p:nvPr>
-        </p:nvSpPr>
-        <p:spPr/>
-        <p:txBody>
-          <a:bodyPr/>
-          <a:lstStyle/>
-          <a:p>
-            <a:fld id="{4382A7F7-08BF-4252-8141-63FB96055BBB}" type="slidenum">
-              <a:rPr lang="en-US" smtClean="0"/>
-              <a:t>17</a:t>
-            </a:fld>
-            <a:endParaRPr lang="en-US"/>
-          </a:p>
-        </p:txBody>
-      </p:sp>
     </p:spTree>
     <p:extLst>
       <p:ext uri="{BB962C8B-B14F-4D97-AF65-F5344CB8AC3E}">
@@ -10528,17 +7444,16 @@
         </p:nvSpPr>
         <p:spPr>
           <a:xfrm>
-            <a:off x="538201" y="568816"/>
-            <a:ext cx="8245475" cy="885369"/>
+            <a:off x="0" y="0"/>
+            <a:ext cx="9143999" cy="1188720"/>
           </a:xfrm>
-          <a:noFill/>
         </p:spPr>
         <p:txBody>
           <a:bodyPr/>
           <a:lstStyle/>
           <a:p>
             <a:r>
-              <a:rPr lang="en-US" dirty="0" smtClean="0"/>
+              <a:rPr lang="en-US" smtClean="0"/>
               <a:t>Lesson Objectives</a:t>
             </a:r>
             <a:endParaRPr lang="en-US" dirty="0"/>
@@ -10555,68 +7470,66 @@
             <p:ph idx="1"/>
           </p:nvPr>
         </p:nvSpPr>
-        <p:spPr>
-          <a:xfrm>
-            <a:off x="335919" y="1807737"/>
-            <a:ext cx="8447757" cy="4591935"/>
-          </a:xfrm>
-        </p:spPr>
-        <p:txBody>
-          <a:bodyPr>
-            <a:normAutofit/>
-          </a:bodyPr>
+        <p:spPr/>
+        <p:txBody>
+          <a:bodyPr/>
           <a:lstStyle/>
           <a:p>
-            <a:pPr marL="457200" indent="-457200">
-              <a:buAutoNum type="arabicPeriod"/>
-            </a:pPr>
-            <a:r>
-              <a:rPr lang="en-US" dirty="0" smtClean="0"/>
+            <a:r>
+              <a:rPr lang="en-US" smtClean="0"/>
               <a:t>Build upon skills from the Variables lesson in Intermediate</a:t>
             </a:r>
           </a:p>
           <a:p>
-            <a:pPr marL="457200" indent="-457200">
-              <a:buAutoNum type="arabicPeriod"/>
-            </a:pPr>
-            <a:r>
-              <a:rPr lang="en-US" dirty="0" smtClean="0"/>
+            <a:r>
+              <a:rPr lang="en-US" smtClean="0"/>
               <a:t>Learn how to read/write to arrays</a:t>
             </a:r>
           </a:p>
           <a:p>
-            <a:pPr marL="457200" indent="-457200">
-              <a:buAutoNum type="arabicPeriod"/>
-            </a:pPr>
-            <a:r>
-              <a:rPr lang="en-US" dirty="0" smtClean="0"/>
+            <a:r>
+              <a:rPr lang="en-US" smtClean="0"/>
               <a:t>Learn about the Array Operations block</a:t>
             </a:r>
           </a:p>
           <a:p>
-            <a:pPr marL="457200" indent="-457200">
-              <a:buAutoNum type="arabicPeriod"/>
-            </a:pPr>
-            <a:r>
-              <a:rPr lang="en-US" dirty="0" smtClean="0"/>
+            <a:r>
+              <a:rPr lang="en-US" smtClean="0"/>
               <a:t>Learn to use the loop count in a loop</a:t>
             </a:r>
-            <a:endParaRPr lang="en-US" dirty="0"/>
-          </a:p>
-          <a:p>
-            <a:pPr marL="0" indent="0">
-              <a:buNone/>
-            </a:pPr>
+          </a:p>
+          <a:p>
+            <a:endParaRPr lang="en-US" smtClean="0"/>
+          </a:p>
+          <a:p>
+            <a:r>
+              <a:rPr lang="en-US" smtClean="0"/>
+              <a:t>Prerequisites: Data Wires, Loops, Variables</a:t>
+            </a:r>
             <a:endParaRPr lang="en-US" dirty="0" smtClean="0"/>
           </a:p>
-          <a:p>
-            <a:pPr marL="0" indent="0">
-              <a:buNone/>
-            </a:pPr>
-            <a:r>
-              <a:rPr lang="en-US" dirty="0" smtClean="0"/>
-              <a:t>Prerequisites: Data Wires, Loops, Variables</a:t>
-            </a:r>
+        </p:txBody>
+      </p:sp>
+      <p:sp>
+        <p:nvSpPr>
+          <p:cNvPr id="4" name="Footer Placeholder 3"/>
+          <p:cNvSpPr>
+            <a:spLocks noGrp="1"/>
+          </p:cNvSpPr>
+          <p:nvPr>
+            <p:ph type="ftr" sz="quarter" idx="11"/>
+          </p:nvPr>
+        </p:nvSpPr>
+        <p:spPr/>
+        <p:txBody>
+          <a:bodyPr/>
+          <a:lstStyle/>
+          <a:p>
+            <a:r>
+              <a:rPr lang="en-US" smtClean="0"/>
+              <a:t>© 2015 EV3Lessons.com, Last edit 2/28/2015</a:t>
+            </a:r>
+            <a:endParaRPr lang="en-US"/>
           </a:p>
         </p:txBody>
       </p:sp>
@@ -10637,6 +7550,7 @@
           <a:p>
             <a:fld id="{4382A7F7-08BF-4252-8141-63FB96055BBB}" type="slidenum">
               <a:rPr lang="en-US" smtClean="0"/>
+              <a:pPr/>
               <a:t>2</a:t>
             </a:fld>
             <a:endParaRPr lang="en-US"/>
@@ -10690,7 +7604,12 @@
             <p:ph type="title"/>
           </p:nvPr>
         </p:nvSpPr>
-        <p:spPr/>
+        <p:spPr>
+          <a:xfrm>
+            <a:off x="0" y="0"/>
+            <a:ext cx="9143999" cy="1188720"/>
+          </a:xfrm>
+        </p:spPr>
         <p:txBody>
           <a:bodyPr/>
           <a:lstStyle/>
@@ -10769,6 +7688,29 @@
               <a:rPr lang="en-US" smtClean="0"/>
               <a:t>3</a:t>
             </a:fld>
+            <a:endParaRPr lang="en-US"/>
+          </a:p>
+        </p:txBody>
+      </p:sp>
+      <p:sp>
+        <p:nvSpPr>
+          <p:cNvPr id="4" name="Footer Placeholder 3"/>
+          <p:cNvSpPr>
+            <a:spLocks noGrp="1"/>
+          </p:cNvSpPr>
+          <p:nvPr>
+            <p:ph type="ftr" sz="quarter" idx="11"/>
+          </p:nvPr>
+        </p:nvSpPr>
+        <p:spPr/>
+        <p:txBody>
+          <a:bodyPr/>
+          <a:lstStyle/>
+          <a:p>
+            <a:r>
+              <a:rPr lang="en-US" smtClean="0"/>
+              <a:t>© 2015 EV3Lessons.com, Last edit 2/28/2015</a:t>
+            </a:r>
             <a:endParaRPr lang="en-US"/>
           </a:p>
         </p:txBody>
@@ -10812,7 +7754,7 @@
       </p:grpSpPr>
       <p:sp>
         <p:nvSpPr>
-          <p:cNvPr id="21506" name="Title 1"/>
+          <p:cNvPr id="2" name="Title 1"/>
           <p:cNvSpPr>
             <a:spLocks noGrp="1"/>
           </p:cNvSpPr>
@@ -10820,21 +7762,27 @@
             <p:ph type="title"/>
           </p:nvPr>
         </p:nvSpPr>
-        <p:spPr/>
+        <p:spPr>
+          <a:xfrm>
+            <a:off x="0" y="0"/>
+            <a:ext cx="9143999" cy="1188720"/>
+          </a:xfrm>
+        </p:spPr>
         <p:txBody>
           <a:bodyPr/>
           <a:lstStyle/>
           <a:p>
             <a:r>
-              <a:rPr lang="en-US" altLang="en-US" dirty="0" smtClean="0"/>
+              <a:rPr lang="en-US" altLang="en-US" dirty="0"/>
               <a:t>Arrays</a:t>
             </a:r>
-          </a:p>
-        </p:txBody>
-      </p:sp>
-      <p:sp>
-        <p:nvSpPr>
-          <p:cNvPr id="21507" name="Content Placeholder 2"/>
+            <a:endParaRPr lang="en-US" dirty="0"/>
+          </a:p>
+        </p:txBody>
+      </p:sp>
+      <p:sp>
+        <p:nvSpPr>
+          <p:cNvPr id="3" name="Content Placeholder 2"/>
           <p:cNvSpPr>
             <a:spLocks noGrp="1"/>
           </p:cNvSpPr>
@@ -10842,75 +7790,94 @@
             <p:ph idx="1"/>
           </p:nvPr>
         </p:nvSpPr>
-        <p:spPr>
-          <a:xfrm>
-            <a:off x="457199" y="2000406"/>
-            <a:ext cx="7772400" cy="4114800"/>
-          </a:xfrm>
-        </p:spPr>
-        <p:txBody>
-          <a:bodyPr>
-            <a:normAutofit lnSpcReduction="10000"/>
-          </a:bodyPr>
+        <p:spPr/>
+        <p:txBody>
+          <a:bodyPr/>
           <a:lstStyle/>
           <a:p>
             <a:r>
-              <a:rPr lang="en-US" altLang="en-US" dirty="0" smtClean="0"/>
+              <a:rPr lang="en-US" altLang="en-US" dirty="0"/>
               <a:t>What is an array?</a:t>
             </a:r>
           </a:p>
           <a:p>
             <a:pPr lvl="1"/>
             <a:r>
-              <a:rPr lang="en-US" altLang="en-US" b="0" dirty="0" smtClean="0"/>
+              <a:rPr lang="en-US" altLang="en-US" dirty="0"/>
               <a:t>An array is a variable that holds multiple values</a:t>
             </a:r>
           </a:p>
           <a:p>
             <a:r>
-              <a:rPr lang="en-US" altLang="en-US" dirty="0" smtClean="0"/>
+              <a:rPr lang="en-US" altLang="en-US" dirty="0"/>
               <a:t>There are two types of arrays:</a:t>
             </a:r>
           </a:p>
           <a:p>
             <a:pPr lvl="1"/>
             <a:r>
-              <a:rPr lang="en-US" altLang="en-US" dirty="0" smtClean="0"/>
+              <a:rPr lang="en-US" altLang="en-US" dirty="0"/>
               <a:t>Numeric Array (Holds a set of numbers … 1,2,3,10,55)</a:t>
             </a:r>
           </a:p>
           <a:p>
             <a:pPr lvl="1"/>
             <a:r>
-              <a:rPr lang="en-US" altLang="en-US" dirty="0" smtClean="0"/>
+              <a:rPr lang="en-US" altLang="en-US" dirty="0"/>
               <a:t>Logic Array (Holds a set of logic … True, True, False)</a:t>
             </a:r>
           </a:p>
           <a:p>
             <a:r>
-              <a:rPr lang="en-US" altLang="en-US" dirty="0" smtClean="0"/>
+              <a:rPr lang="en-US" altLang="en-US" dirty="0"/>
               <a:t>They can be used as either Inputs or Outputs so you can either….</a:t>
             </a:r>
           </a:p>
           <a:p>
             <a:pPr lvl="1"/>
             <a:r>
-              <a:rPr lang="en-US" altLang="en-US" dirty="0" smtClean="0"/>
+              <a:rPr lang="en-US" altLang="en-US" dirty="0"/>
               <a:t>Write – put a value(s) into the array</a:t>
             </a:r>
           </a:p>
           <a:p>
             <a:pPr lvl="1"/>
             <a:r>
-              <a:rPr lang="en-US" altLang="en-US" dirty="0" smtClean="0"/>
+              <a:rPr lang="en-US" altLang="en-US" dirty="0"/>
               <a:t>Read – get the value(s) from the array out</a:t>
             </a:r>
           </a:p>
-        </p:txBody>
-      </p:sp>
-      <p:sp>
-        <p:nvSpPr>
-          <p:cNvPr id="21508" name="Slide Number Placeholder 3"/>
+          <a:p>
+            <a:endParaRPr lang="en-US" dirty="0"/>
+          </a:p>
+        </p:txBody>
+      </p:sp>
+      <p:sp>
+        <p:nvSpPr>
+          <p:cNvPr id="4" name="Footer Placeholder 3"/>
+          <p:cNvSpPr>
+            <a:spLocks noGrp="1"/>
+          </p:cNvSpPr>
+          <p:nvPr>
+            <p:ph type="ftr" sz="quarter" idx="11"/>
+          </p:nvPr>
+        </p:nvSpPr>
+        <p:spPr/>
+        <p:txBody>
+          <a:bodyPr/>
+          <a:lstStyle/>
+          <a:p>
+            <a:r>
+              <a:rPr lang="en-US" smtClean="0"/>
+              <a:t>© 2015 EV3Lessons.com, Last edit 2/28/2015</a:t>
+            </a:r>
+            <a:endParaRPr lang="en-US"/>
+          </a:p>
+        </p:txBody>
+      </p:sp>
+      <p:sp>
+        <p:nvSpPr>
+          <p:cNvPr id="5" name="Slide Number Placeholder 4"/>
           <p:cNvSpPr>
             <a:spLocks noGrp="1"/>
           </p:cNvSpPr>
@@ -10918,208 +7885,22 @@
             <p:ph type="sldNum" sz="quarter" idx="12"/>
           </p:nvPr>
         </p:nvSpPr>
-        <p:spPr>
-          <a:noFill/>
-        </p:spPr>
+        <p:spPr/>
         <p:txBody>
           <a:bodyPr/>
-          <a:lstStyle>
-            <a:lvl1pPr>
-              <a:spcBef>
-                <a:spcPct val="20000"/>
-              </a:spcBef>
-              <a:buClr>
-                <a:schemeClr val="folHlink"/>
-              </a:buClr>
-              <a:buSzPct val="60000"/>
-              <a:buFont typeface="Wingdings" panose="05000000000000000000" pitchFamily="2" charset="2"/>
-              <a:buChar char="n"/>
-              <a:defRPr sz="3200">
-                <a:solidFill>
-                  <a:schemeClr val="tx1"/>
-                </a:solidFill>
-                <a:latin typeface="Tahoma" panose="020B0604030504040204" pitchFamily="34" charset="0"/>
-              </a:defRPr>
-            </a:lvl1pPr>
-            <a:lvl2pPr marL="742950" indent="-285750">
-              <a:spcBef>
-                <a:spcPct val="20000"/>
-              </a:spcBef>
-              <a:buClr>
-                <a:schemeClr val="hlink"/>
-              </a:buClr>
-              <a:buSzPct val="55000"/>
-              <a:buFont typeface="Wingdings" panose="05000000000000000000" pitchFamily="2" charset="2"/>
-              <a:buChar char="n"/>
-              <a:defRPr sz="2800">
-                <a:solidFill>
-                  <a:schemeClr val="tx1"/>
-                </a:solidFill>
-                <a:latin typeface="Tahoma" panose="020B0604030504040204" pitchFamily="34" charset="0"/>
-              </a:defRPr>
-            </a:lvl2pPr>
-            <a:lvl3pPr marL="1143000" indent="-228600">
-              <a:spcBef>
-                <a:spcPct val="20000"/>
-              </a:spcBef>
-              <a:buClr>
-                <a:schemeClr val="folHlink"/>
-              </a:buClr>
-              <a:buSzPct val="50000"/>
-              <a:buFont typeface="Wingdings" panose="05000000000000000000" pitchFamily="2" charset="2"/>
-              <a:buChar char="n"/>
-              <a:defRPr sz="2400">
-                <a:solidFill>
-                  <a:schemeClr val="tx1"/>
-                </a:solidFill>
-                <a:latin typeface="Tahoma" panose="020B0604030504040204" pitchFamily="34" charset="0"/>
-              </a:defRPr>
-            </a:lvl3pPr>
-            <a:lvl4pPr marL="1600200" indent="-228600">
-              <a:spcBef>
-                <a:spcPct val="20000"/>
-              </a:spcBef>
-              <a:buClr>
-                <a:schemeClr val="accent2"/>
-              </a:buClr>
-              <a:buSzPct val="55000"/>
-              <a:buFont typeface="Wingdings" panose="05000000000000000000" pitchFamily="2" charset="2"/>
-              <a:buChar char="n"/>
-              <a:defRPr sz="2000">
-                <a:solidFill>
-                  <a:schemeClr val="tx1"/>
-                </a:solidFill>
-                <a:latin typeface="Tahoma" panose="020B0604030504040204" pitchFamily="34" charset="0"/>
-              </a:defRPr>
-            </a:lvl4pPr>
-            <a:lvl5pPr marL="2057400" indent="-228600">
-              <a:spcBef>
-                <a:spcPct val="20000"/>
-              </a:spcBef>
-              <a:buClr>
-                <a:schemeClr val="accent1"/>
-              </a:buClr>
-              <a:buSzPct val="50000"/>
-              <a:buFont typeface="Wingdings" panose="05000000000000000000" pitchFamily="2" charset="2"/>
-              <a:buChar char="n"/>
-              <a:defRPr sz="2000">
-                <a:solidFill>
-                  <a:schemeClr val="tx1"/>
-                </a:solidFill>
-                <a:latin typeface="Tahoma" panose="020B0604030504040204" pitchFamily="34" charset="0"/>
-              </a:defRPr>
-            </a:lvl5pPr>
-            <a:lvl6pPr marL="2514600" indent="-228600" eaLnBrk="0" fontAlgn="base" hangingPunct="0">
-              <a:spcBef>
-                <a:spcPct val="20000"/>
-              </a:spcBef>
-              <a:spcAft>
-                <a:spcPct val="0"/>
-              </a:spcAft>
-              <a:buClr>
-                <a:schemeClr val="accent1"/>
-              </a:buClr>
-              <a:buSzPct val="50000"/>
-              <a:buFont typeface="Wingdings" panose="05000000000000000000" pitchFamily="2" charset="2"/>
-              <a:buChar char="n"/>
-              <a:defRPr sz="2000">
-                <a:solidFill>
-                  <a:schemeClr val="tx1"/>
-                </a:solidFill>
-                <a:latin typeface="Tahoma" panose="020B0604030504040204" pitchFamily="34" charset="0"/>
-              </a:defRPr>
-            </a:lvl6pPr>
-            <a:lvl7pPr marL="2971800" indent="-228600" eaLnBrk="0" fontAlgn="base" hangingPunct="0">
-              <a:spcBef>
-                <a:spcPct val="20000"/>
-              </a:spcBef>
-              <a:spcAft>
-                <a:spcPct val="0"/>
-              </a:spcAft>
-              <a:buClr>
-                <a:schemeClr val="accent1"/>
-              </a:buClr>
-              <a:buSzPct val="50000"/>
-              <a:buFont typeface="Wingdings" panose="05000000000000000000" pitchFamily="2" charset="2"/>
-              <a:buChar char="n"/>
-              <a:defRPr sz="2000">
-                <a:solidFill>
-                  <a:schemeClr val="tx1"/>
-                </a:solidFill>
-                <a:latin typeface="Tahoma" panose="020B0604030504040204" pitchFamily="34" charset="0"/>
-              </a:defRPr>
-            </a:lvl7pPr>
-            <a:lvl8pPr marL="3429000" indent="-228600" eaLnBrk="0" fontAlgn="base" hangingPunct="0">
-              <a:spcBef>
-                <a:spcPct val="20000"/>
-              </a:spcBef>
-              <a:spcAft>
-                <a:spcPct val="0"/>
-              </a:spcAft>
-              <a:buClr>
-                <a:schemeClr val="accent1"/>
-              </a:buClr>
-              <a:buSzPct val="50000"/>
-              <a:buFont typeface="Wingdings" panose="05000000000000000000" pitchFamily="2" charset="2"/>
-              <a:buChar char="n"/>
-              <a:defRPr sz="2000">
-                <a:solidFill>
-                  <a:schemeClr val="tx1"/>
-                </a:solidFill>
-                <a:latin typeface="Tahoma" panose="020B0604030504040204" pitchFamily="34" charset="0"/>
-              </a:defRPr>
-            </a:lvl8pPr>
-            <a:lvl9pPr marL="3886200" indent="-228600" eaLnBrk="0" fontAlgn="base" hangingPunct="0">
-              <a:spcBef>
-                <a:spcPct val="20000"/>
-              </a:spcBef>
-              <a:spcAft>
-                <a:spcPct val="0"/>
-              </a:spcAft>
-              <a:buClr>
-                <a:schemeClr val="accent1"/>
-              </a:buClr>
-              <a:buSzPct val="50000"/>
-              <a:buFont typeface="Wingdings" panose="05000000000000000000" pitchFamily="2" charset="2"/>
-              <a:buChar char="n"/>
-              <a:defRPr sz="2000">
-                <a:solidFill>
-                  <a:schemeClr val="tx1"/>
-                </a:solidFill>
-                <a:latin typeface="Tahoma" panose="020B0604030504040204" pitchFamily="34" charset="0"/>
-              </a:defRPr>
-            </a:lvl9pPr>
-          </a:lstStyle>
-          <a:p>
-            <a:pPr>
-              <a:spcBef>
-                <a:spcPct val="0"/>
-              </a:spcBef>
-              <a:buClrTx/>
-              <a:buSzTx/>
-              <a:buFontTx/>
-              <a:buNone/>
-            </a:pPr>
-            <a:fld id="{2108AA85-A6D8-41C5-ADE8-2A4032FE9326}" type="slidenum">
-              <a:rPr lang="en-US" altLang="en-US" sz="1400" smtClean="0"/>
-              <a:pPr>
-                <a:spcBef>
-                  <a:spcPct val="0"/>
-                </a:spcBef>
-                <a:buClrTx/>
-                <a:buSzTx/>
-                <a:buFontTx/>
-                <a:buNone/>
-              </a:pPr>
+          <a:lstStyle/>
+          <a:p>
+            <a:fld id="{4382A7F7-08BF-4252-8141-63FB96055BBB}" type="slidenum">
+              <a:rPr lang="en-US" smtClean="0"/>
               <a:t>4</a:t>
             </a:fld>
-            <a:endParaRPr lang="en-US" altLang="en-US" sz="1400" smtClean="0"/>
+            <a:endParaRPr lang="en-US" dirty="0"/>
           </a:p>
         </p:txBody>
       </p:sp>
       <p:pic>
         <p:nvPicPr>
-          <p:cNvPr id="5" name="Picture 4"/>
+          <p:cNvPr id="6" name="Picture 5"/>
           <p:cNvPicPr>
             <a:picLocks noChangeAspect="1"/>
           </p:cNvPicPr>
@@ -11132,7 +7913,7 @@
         </p:blipFill>
         <p:spPr>
           <a:xfrm>
-            <a:off x="787357" y="630382"/>
+            <a:off x="4571206" y="249952"/>
             <a:ext cx="3783849" cy="788201"/>
           </a:xfrm>
           <a:prstGeom prst="rect">
@@ -11140,57 +7921,10 @@
           </a:prstGeom>
         </p:spPr>
       </p:pic>
-      <p:sp>
-        <p:nvSpPr>
-          <p:cNvPr id="7" name="Rectangle 6"/>
-          <p:cNvSpPr/>
-          <p:nvPr/>
-        </p:nvSpPr>
-        <p:spPr>
-          <a:xfrm>
-            <a:off x="726621" y="772442"/>
-            <a:ext cx="795522" cy="749415"/>
-          </a:xfrm>
-          <a:prstGeom prst="rect">
-            <a:avLst/>
-          </a:prstGeom>
-          <a:noFill/>
-          <a:ln w="76200">
-            <a:solidFill>
-              <a:srgbClr val="FF0000"/>
-            </a:solidFill>
-            <a:prstDash val="solid"/>
-          </a:ln>
-        </p:spPr>
-        <p:style>
-          <a:lnRef idx="2">
-            <a:schemeClr val="accent6">
-              <a:shade val="50000"/>
-            </a:schemeClr>
-          </a:lnRef>
-          <a:fillRef idx="1">
-            <a:schemeClr val="accent6"/>
-          </a:fillRef>
-          <a:effectRef idx="0">
-            <a:schemeClr val="accent6"/>
-          </a:effectRef>
-          <a:fontRef idx="minor">
-            <a:schemeClr val="lt1"/>
-          </a:fontRef>
-        </p:style>
-        <p:txBody>
-          <a:bodyPr rtlCol="0" anchor="ctr"/>
-          <a:lstStyle/>
-          <a:p>
-            <a:pPr algn="ctr"/>
-            <a:endParaRPr lang="en-US"/>
-          </a:p>
-        </p:txBody>
-      </p:sp>
     </p:spTree>
     <p:extLst>
       <p:ext uri="{BB962C8B-B14F-4D97-AF65-F5344CB8AC3E}">
-        <p14:creationId xmlns:p14="http://schemas.microsoft.com/office/powerpoint/2010/main" val="3268243397"/>
+        <p14:creationId xmlns:p14="http://schemas.microsoft.com/office/powerpoint/2010/main" val="835274776"/>
       </p:ext>
     </p:extLst>
   </p:cSld>
@@ -11331,9 +8065,33 @@
           <a:lstStyle/>
           <a:p>
             <a:r>
-              <a:rPr lang="en-US" altLang="en-US" dirty="0" smtClean="0"/>
+              <a:rPr lang="en-US" altLang="en-US" smtClean="0"/>
               <a:t>Array Blocks: Quick Guide</a:t>
             </a:r>
+            <a:endParaRPr lang="en-US" altLang="en-US" dirty="0" smtClean="0"/>
+          </a:p>
+        </p:txBody>
+      </p:sp>
+      <p:sp>
+        <p:nvSpPr>
+          <p:cNvPr id="4" name="Footer Placeholder 3"/>
+          <p:cNvSpPr>
+            <a:spLocks noGrp="1"/>
+          </p:cNvSpPr>
+          <p:nvPr>
+            <p:ph type="ftr" sz="quarter" idx="11"/>
+          </p:nvPr>
+        </p:nvSpPr>
+        <p:spPr/>
+        <p:txBody>
+          <a:bodyPr/>
+          <a:lstStyle/>
+          <a:p>
+            <a:r>
+              <a:rPr lang="en-US" smtClean="0"/>
+              <a:t>© 2015 EV3Lessons.com, Last edit 2/28/2015</a:t>
+            </a:r>
+            <a:endParaRPr lang="en-US"/>
           </a:p>
         </p:txBody>
       </p:sp>
@@ -11354,6 +8112,7 @@
           <a:p>
             <a:fld id="{4382A7F7-08BF-4252-8141-63FB96055BBB}" type="slidenum">
               <a:rPr lang="en-US" smtClean="0"/>
+              <a:pPr/>
               <a:t>5</a:t>
             </a:fld>
             <a:endParaRPr lang="en-US"/>
@@ -14983,7 +11742,12 @@
             <p:ph type="title"/>
           </p:nvPr>
         </p:nvSpPr>
-        <p:spPr/>
+        <p:spPr>
+          <a:xfrm>
+            <a:off x="0" y="0"/>
+            <a:ext cx="9143999" cy="1188720"/>
+          </a:xfrm>
+        </p:spPr>
         <p:txBody>
           <a:bodyPr/>
           <a:lstStyle/>
@@ -15312,6 +12076,29 @@
           </a:fontRef>
         </p:style>
       </p:cxnSp>
+      <p:sp>
+        <p:nvSpPr>
+          <p:cNvPr id="4" name="Footer Placeholder 3"/>
+          <p:cNvSpPr>
+            <a:spLocks noGrp="1"/>
+          </p:cNvSpPr>
+          <p:nvPr>
+            <p:ph type="ftr" sz="quarter" idx="11"/>
+          </p:nvPr>
+        </p:nvSpPr>
+        <p:spPr/>
+        <p:txBody>
+          <a:bodyPr/>
+          <a:lstStyle/>
+          <a:p>
+            <a:r>
+              <a:rPr lang="en-US" smtClean="0"/>
+              <a:t>© 2015 EV3Lessons.com, Last edit 2/28/2015</a:t>
+            </a:r>
+            <a:endParaRPr lang="en-US"/>
+          </a:p>
+        </p:txBody>
+      </p:sp>
     </p:spTree>
     <p:extLst>
       <p:ext uri="{BB962C8B-B14F-4D97-AF65-F5344CB8AC3E}">
@@ -15546,7 +12333,12 @@
             <p:ph type="title"/>
           </p:nvPr>
         </p:nvSpPr>
-        <p:spPr/>
+        <p:spPr>
+          <a:xfrm>
+            <a:off x="0" y="0"/>
+            <a:ext cx="9143999" cy="1188720"/>
+          </a:xfrm>
+        </p:spPr>
         <p:txBody>
           <a:bodyPr/>
           <a:lstStyle/>
@@ -15725,6 +12517,29 @@
           </p:spPr>
         </p:pic>
       </p:grpSp>
+      <p:sp>
+        <p:nvSpPr>
+          <p:cNvPr id="4" name="Footer Placeholder 3"/>
+          <p:cNvSpPr>
+            <a:spLocks noGrp="1"/>
+          </p:cNvSpPr>
+          <p:nvPr>
+            <p:ph type="ftr" sz="quarter" idx="11"/>
+          </p:nvPr>
+        </p:nvSpPr>
+        <p:spPr/>
+        <p:txBody>
+          <a:bodyPr/>
+          <a:lstStyle/>
+          <a:p>
+            <a:r>
+              <a:rPr lang="en-US" smtClean="0"/>
+              <a:t>© 2015 EV3Lessons.com, Last edit 2/28/2015</a:t>
+            </a:r>
+            <a:endParaRPr lang="en-US"/>
+          </a:p>
+        </p:txBody>
+      </p:sp>
     </p:spTree>
     <p:extLst>
       <p:ext uri="{BB962C8B-B14F-4D97-AF65-F5344CB8AC3E}">
@@ -15796,7 +12611,12 @@
             <p:ph type="title"/>
           </p:nvPr>
         </p:nvSpPr>
-        <p:spPr/>
+        <p:spPr>
+          <a:xfrm>
+            <a:off x="0" y="0"/>
+            <a:ext cx="9143999" cy="1188720"/>
+          </a:xfrm>
+        </p:spPr>
         <p:txBody>
           <a:bodyPr>
             <a:normAutofit/>
@@ -16251,6 +13071,29 @@
                 <a:schemeClr val="tx1"/>
               </a:solidFill>
             </a:endParaRPr>
+          </a:p>
+        </p:txBody>
+      </p:sp>
+      <p:sp>
+        <p:nvSpPr>
+          <p:cNvPr id="4" name="Footer Placeholder 3"/>
+          <p:cNvSpPr>
+            <a:spLocks noGrp="1"/>
+          </p:cNvSpPr>
+          <p:nvPr>
+            <p:ph type="ftr" sz="quarter" idx="11"/>
+          </p:nvPr>
+        </p:nvSpPr>
+        <p:spPr/>
+        <p:txBody>
+          <a:bodyPr/>
+          <a:lstStyle/>
+          <a:p>
+            <a:r>
+              <a:rPr lang="en-US" smtClean="0"/>
+              <a:t>© 2015 EV3Lessons.com, Last edit 2/28/2015</a:t>
+            </a:r>
+            <a:endParaRPr lang="en-US"/>
           </a:p>
         </p:txBody>
       </p:sp>
@@ -16347,7 +13190,12 @@
             <p:ph type="title"/>
           </p:nvPr>
         </p:nvSpPr>
-        <p:spPr/>
+        <p:spPr>
+          <a:xfrm>
+            <a:off x="0" y="0"/>
+            <a:ext cx="9143999" cy="1188720"/>
+          </a:xfrm>
+        </p:spPr>
         <p:txBody>
           <a:bodyPr/>
           <a:lstStyle/>
@@ -16537,6 +13385,29 @@
               <a:rPr lang="en-US" smtClean="0"/>
               <a:t>9</a:t>
             </a:fld>
+            <a:endParaRPr lang="en-US"/>
+          </a:p>
+        </p:txBody>
+      </p:sp>
+      <p:sp>
+        <p:nvSpPr>
+          <p:cNvPr id="4" name="Footer Placeholder 3"/>
+          <p:cNvSpPr>
+            <a:spLocks noGrp="1"/>
+          </p:cNvSpPr>
+          <p:nvPr>
+            <p:ph type="ftr" sz="quarter" idx="11"/>
+          </p:nvPr>
+        </p:nvSpPr>
+        <p:spPr/>
+        <p:txBody>
+          <a:bodyPr/>
+          <a:lstStyle/>
+          <a:p>
+            <a:r>
+              <a:rPr lang="en-US" smtClean="0"/>
+              <a:t>© 2015 EV3Lessons.com, Last edit 2/28/2015</a:t>
+            </a:r>
             <a:endParaRPr lang="en-US"/>
           </a:p>
         </p:txBody>
@@ -16602,22 +13473,76 @@
         <a:srgbClr val="CC3300"/>
       </a:folHlink>
     </a:clrScheme>
-    <a:fontScheme name="Spectrum">
+    <a:fontScheme name="Calibri">
       <a:majorFont>
-        <a:latin typeface="Corbel"/>
+        <a:latin typeface="Calibri" panose="020F0502020204030204"/>
         <a:ea typeface=""/>
         <a:cs typeface=""/>
-        <a:font script="Jpan" typeface="ＭＳ ゴシック"/>
+        <a:font script="Jpan" typeface="メイリオ"/>
+        <a:font script="Hang" typeface="맑은 고딕"/>
         <a:font script="Hans" typeface="宋体"/>
         <a:font script="Hant" typeface="新細明體"/>
+        <a:font script="Arab" typeface="Arial"/>
+        <a:font script="Hebr" typeface="Arial"/>
+        <a:font script="Thai" typeface="Cordia New"/>
+        <a:font script="Ethi" typeface="Nyala"/>
+        <a:font script="Beng" typeface="Vrinda"/>
+        <a:font script="Gujr" typeface="Shruti"/>
+        <a:font script="Khmr" typeface="DaunPenh"/>
+        <a:font script="Knda" typeface="Tunga"/>
+        <a:font script="Guru" typeface="Raavi"/>
+        <a:font script="Cans" typeface="Euphemia"/>
+        <a:font script="Cher" typeface="Plantagenet Cherokee"/>
+        <a:font script="Yiii" typeface="Microsoft Yi Baiti"/>
+        <a:font script="Tibt" typeface="Microsoft Himalaya"/>
+        <a:font script="Thaa" typeface="MV Boli"/>
+        <a:font script="Deva" typeface="Mangal"/>
+        <a:font script="Telu" typeface="Gautami"/>
+        <a:font script="Taml" typeface="Latha"/>
+        <a:font script="Syrc" typeface="Estrangelo Edessa"/>
+        <a:font script="Orya" typeface="Kalinga"/>
+        <a:font script="Mlym" typeface="Kartika"/>
+        <a:font script="Laoo" typeface="DokChampa"/>
+        <a:font script="Sinh" typeface="Iskoola Pota"/>
+        <a:font script="Mong" typeface="Mongolian Baiti"/>
+        <a:font script="Viet" typeface="Tahoma"/>
+        <a:font script="Uigh" typeface="Microsoft Uighur"/>
+        <a:font script="Geor" typeface="Sylfaen"/>
       </a:majorFont>
       <a:minorFont>
-        <a:latin typeface="Calibri"/>
+        <a:latin typeface="Calibri" panose="020F0502020204030204"/>
         <a:ea typeface=""/>
         <a:cs typeface=""/>
-        <a:font script="Jpan" typeface="ＭＳ ゴシック"/>
+        <a:font script="Jpan" typeface="メイリオ"/>
+        <a:font script="Hang" typeface="맑은 고딕"/>
         <a:font script="Hans" typeface="宋体"/>
         <a:font script="Hant" typeface="新細明體"/>
+        <a:font script="Arab" typeface="Arial"/>
+        <a:font script="Hebr" typeface="Arial"/>
+        <a:font script="Thai" typeface="Cordia New"/>
+        <a:font script="Ethi" typeface="Nyala"/>
+        <a:font script="Beng" typeface="Vrinda"/>
+        <a:font script="Gujr" typeface="Shruti"/>
+        <a:font script="Khmr" typeface="DaunPenh"/>
+        <a:font script="Knda" typeface="Tunga"/>
+        <a:font script="Guru" typeface="Raavi"/>
+        <a:font script="Cans" typeface="Euphemia"/>
+        <a:font script="Cher" typeface="Plantagenet Cherokee"/>
+        <a:font script="Yiii" typeface="Microsoft Yi Baiti"/>
+        <a:font script="Tibt" typeface="Microsoft Himalaya"/>
+        <a:font script="Thaa" typeface="MV Boli"/>
+        <a:font script="Deva" typeface="Mangal"/>
+        <a:font script="Telu" typeface="Gautami"/>
+        <a:font script="Taml" typeface="Latha"/>
+        <a:font script="Syrc" typeface="Estrangelo Edessa"/>
+        <a:font script="Orya" typeface="Kalinga"/>
+        <a:font script="Mlym" typeface="Kartika"/>
+        <a:font script="Laoo" typeface="DokChampa"/>
+        <a:font script="Sinh" typeface="Iskoola Pota"/>
+        <a:font script="Mong" typeface="Mongolian Baiti"/>
+        <a:font script="Viet" typeface="Tahoma"/>
+        <a:font script="Uigh" typeface="Microsoft Uighur"/>
+        <a:font script="Geor" typeface="Sylfaen"/>
       </a:minorFont>
     </a:fontScheme>
     <a:fmtScheme name="Spectrum">

--- a/translations/en-us/advanced/Arrays.pptx
+++ b/translations/en-us/advanced/Arrays.pptx
@@ -2,7 +2,7 @@
 <file path=ppt/presentation.xml><?xml version="1.0" encoding="utf-8"?>
 <p:presentation xmlns:a="http://schemas.openxmlformats.org/drawingml/2006/main" xmlns:r="http://schemas.openxmlformats.org/officeDocument/2006/relationships" xmlns:p="http://schemas.openxmlformats.org/presentationml/2006/main" showSpecialPlsOnTitleSld="0" saveSubsetFonts="1">
   <p:sldMasterIdLst>
-    <p:sldMasterId id="2147483818" r:id="rId1"/>
+    <p:sldMasterId id="2147483835" r:id="rId1"/>
   </p:sldMasterIdLst>
   <p:notesMasterIdLst>
     <p:notesMasterId r:id="rId19"/>
@@ -811,7 +811,7 @@
           <a:p>
             <a:fld id="{1E5BF589-3978-3C45-966B-D7B7A71F2A02}" type="slidenum">
               <a:rPr lang="en-US" smtClean="0"/>
-              <a:t>5</a:t>
+              <a:t>2</a:t>
             </a:fld>
             <a:endParaRPr lang="en-US"/>
           </a:p>
@@ -820,7 +820,7 @@
     </p:spTree>
     <p:extLst>
       <p:ext uri="{BB962C8B-B14F-4D97-AF65-F5344CB8AC3E}">
-        <p14:creationId xmlns:p14="http://schemas.microsoft.com/office/powerpoint/2010/main" val="812629863"/>
+        <p14:creationId xmlns:p14="http://schemas.microsoft.com/office/powerpoint/2010/main" val="1610131368"/>
       </p:ext>
     </p:extLst>
   </p:cSld>
@@ -874,6 +874,90 @@
           <a:bodyPr/>
           <a:lstStyle/>
           <a:p>
+            <a:endParaRPr lang="en-US"/>
+          </a:p>
+        </p:txBody>
+      </p:sp>
+      <p:sp>
+        <p:nvSpPr>
+          <p:cNvPr id="4" name="Slide Number Placeholder 3"/>
+          <p:cNvSpPr>
+            <a:spLocks noGrp="1"/>
+          </p:cNvSpPr>
+          <p:nvPr>
+            <p:ph type="sldNum" sz="quarter" idx="10"/>
+          </p:nvPr>
+        </p:nvSpPr>
+        <p:spPr/>
+        <p:txBody>
+          <a:bodyPr/>
+          <a:lstStyle/>
+          <a:p>
+            <a:fld id="{1E5BF589-3978-3C45-966B-D7B7A71F2A02}" type="slidenum">
+              <a:rPr lang="en-US" smtClean="0"/>
+              <a:t>5</a:t>
+            </a:fld>
+            <a:endParaRPr lang="en-US"/>
+          </a:p>
+        </p:txBody>
+      </p:sp>
+    </p:spTree>
+    <p:extLst>
+      <p:ext uri="{BB962C8B-B14F-4D97-AF65-F5344CB8AC3E}">
+        <p14:creationId xmlns:p14="http://schemas.microsoft.com/office/powerpoint/2010/main" val="812629863"/>
+      </p:ext>
+    </p:extLst>
+  </p:cSld>
+  <p:clrMapOvr>
+    <a:masterClrMapping/>
+  </p:clrMapOvr>
+</p:notes>
+</file>
+
+<file path=ppt/notesSlides/notesSlide4.xml><?xml version="1.0" encoding="utf-8"?>
+<p:notes xmlns:a="http://schemas.openxmlformats.org/drawingml/2006/main" xmlns:r="http://schemas.openxmlformats.org/officeDocument/2006/relationships" xmlns:p="http://schemas.openxmlformats.org/presentationml/2006/main">
+  <p:cSld>
+    <p:spTree>
+      <p:nvGrpSpPr>
+        <p:cNvPr id="1" name=""/>
+        <p:cNvGrpSpPr/>
+        <p:nvPr/>
+      </p:nvGrpSpPr>
+      <p:grpSpPr>
+        <a:xfrm>
+          <a:off x="0" y="0"/>
+          <a:ext cx="0" cy="0"/>
+          <a:chOff x="0" y="0"/>
+          <a:chExt cx="0" cy="0"/>
+        </a:xfrm>
+      </p:grpSpPr>
+      <p:sp>
+        <p:nvSpPr>
+          <p:cNvPr id="2" name="Slide Image Placeholder 1"/>
+          <p:cNvSpPr>
+            <a:spLocks noGrp="1" noRot="1" noChangeAspect="1"/>
+          </p:cNvSpPr>
+          <p:nvPr>
+            <p:ph type="sldImg"/>
+          </p:nvPr>
+        </p:nvSpPr>
+        <p:spPr/>
+      </p:sp>
+      <p:sp>
+        <p:nvSpPr>
+          <p:cNvPr id="3" name="Notes Placeholder 2"/>
+          <p:cNvSpPr>
+            <a:spLocks noGrp="1"/>
+          </p:cNvSpPr>
+          <p:nvPr>
+            <p:ph type="body" idx="1"/>
+          </p:nvPr>
+        </p:nvSpPr>
+        <p:spPr/>
+        <p:txBody>
+          <a:bodyPr/>
+          <a:lstStyle/>
+          <a:p>
             <a:endParaRPr lang="en-US" dirty="0"/>
           </a:p>
         </p:txBody>
@@ -914,7 +998,7 @@
 </p:notes>
 </file>
 
-<file path=ppt/notesSlides/notesSlide4.xml><?xml version="1.0" encoding="utf-8"?>
+<file path=ppt/notesSlides/notesSlide5.xml><?xml version="1.0" encoding="utf-8"?>
 <p:notes xmlns:a="http://schemas.openxmlformats.org/drawingml/2006/main" xmlns:r="http://schemas.openxmlformats.org/officeDocument/2006/relationships" xmlns:p="http://schemas.openxmlformats.org/presentationml/2006/main">
   <p:cSld>
     <p:spTree>
@@ -1030,7 +1114,7 @@
           <a:bodyPr/>
           <a:lstStyle/>
           <a:p>
-            <a:fld id="{9CA3B8AB-C6E3-CF4F-BDBA-ADE069F8E21F}" type="datetime1">
+            <a:fld id="{3E16403F-CCAE-D746-A57E-1627703E2984}" type="datetime1">
               <a:rPr lang="en-US" smtClean="0"/>
               <a:t>11/15/15</a:t>
             </a:fld>
@@ -1055,9 +1139,9 @@
           <a:p>
             <a:r>
               <a:rPr lang="en-US" smtClean="0"/>
-              <a:t>© 2015 EV3Lessons.com, Last edit 2/28/2015</a:t>
-            </a:r>
-            <a:endParaRPr lang="en-US"/>
+              <a:t>© 2015 EV3Lessons.com, Last edit 6/15/2015</a:t>
+            </a:r>
+            <a:endParaRPr lang="en-US" dirty="0"/>
           </a:p>
         </p:txBody>
       </p:sp>
@@ -1313,7 +1397,7 @@
                 <a:spcPct val="0"/>
               </a:spcBef>
               <a:buNone/>
-              <a:defRPr sz="4200" kern="1200" baseline="0">
+              <a:defRPr sz="4000" kern="1200" baseline="0">
                 <a:solidFill>
                   <a:schemeClr val="tx1"/>
                 </a:solidFill>
@@ -1324,6 +1408,10 @@
             </a:lvl1pPr>
           </a:lstStyle>
           <a:p>
+            <a:r>
+              <a:rPr lang="en-US" smtClean="0"/>
+              <a:t>Click to edit Master title style</a:t>
+            </a:r>
             <a:endParaRPr dirty="0"/>
           </a:p>
         </p:txBody>
@@ -1513,7 +1601,7 @@
         <p:nvSpPr>
           <p:cNvPr id="14" name="TextBox 13"/>
           <p:cNvSpPr txBox="1"/>
-          <p:nvPr userDrawn="1"/>
+          <p:nvPr/>
         </p:nvSpPr>
         <p:spPr>
           <a:xfrm>
@@ -1550,6 +1638,402 @@
       <p:pic>
         <p:nvPicPr>
           <p:cNvPr id="15" name="Picture 14" descr="EV3Lessons.com"/>
+          <p:cNvPicPr>
+            <a:picLocks noChangeAspect="1" noChangeArrowheads="1"/>
+          </p:cNvPicPr>
+          <p:nvPr/>
+        </p:nvPicPr>
+        <p:blipFill>
+          <a:blip r:embed="rId2" cstate="email">
+            <a:extLst>
+              <a:ext uri="{28A0092B-C50C-407E-A947-70E740481C1C}">
+                <a14:useLocalDpi xmlns:a14="http://schemas.microsoft.com/office/drawing/2010/main" val="0"/>
+              </a:ext>
+            </a:extLst>
+          </a:blip>
+          <a:srcRect/>
+          <a:stretch>
+            <a:fillRect/>
+          </a:stretch>
+        </p:blipFill>
+        <p:spPr bwMode="auto">
+          <a:xfrm>
+            <a:off x="5820917" y="473502"/>
+            <a:ext cx="2940317" cy="1092118"/>
+          </a:xfrm>
+          <a:prstGeom prst="rect">
+            <a:avLst/>
+          </a:prstGeom>
+          <a:noFill/>
+          <a:extLst>
+            <a:ext uri="{909E8E84-426E-40dd-AFC4-6F175D3DCCD1}">
+              <a14:hiddenFill xmlns="" xmlns:a14="http://schemas.microsoft.com/office/drawing/2010/main">
+                <a:solidFill>
+                  <a:srgbClr val="FFFFFF"/>
+                </a:solidFill>
+              </a14:hiddenFill>
+            </a:ext>
+          </a:extLst>
+        </p:spPr>
+      </p:pic>
+      <p:cxnSp>
+        <p:nvCxnSpPr>
+          <p:cNvPr id="17" name="Straight Connector 16"/>
+          <p:cNvCxnSpPr/>
+          <p:nvPr/>
+        </p:nvCxnSpPr>
+        <p:spPr>
+          <a:xfrm>
+            <a:off x="457200" y="4012165"/>
+            <a:ext cx="8229600" cy="0"/>
+          </a:xfrm>
+          <a:prstGeom prst="line">
+            <a:avLst/>
+          </a:prstGeom>
+          <a:ln>
+            <a:solidFill>
+              <a:schemeClr val="tx1"/>
+            </a:solidFill>
+          </a:ln>
+        </p:spPr>
+        <p:style>
+          <a:lnRef idx="2">
+            <a:schemeClr val="accent1"/>
+          </a:lnRef>
+          <a:fillRef idx="0">
+            <a:schemeClr val="accent1"/>
+          </a:fillRef>
+          <a:effectRef idx="1">
+            <a:schemeClr val="accent1"/>
+          </a:effectRef>
+          <a:fontRef idx="minor">
+            <a:schemeClr val="tx1"/>
+          </a:fontRef>
+        </p:style>
+      </p:cxnSp>
+      <p:pic>
+        <p:nvPicPr>
+          <p:cNvPr id="12" name="Picture 11"/>
+          <p:cNvPicPr>
+            <a:picLocks noChangeAspect="1"/>
+          </p:cNvPicPr>
+          <p:nvPr/>
+        </p:nvPicPr>
+        <p:blipFill>
+          <a:blip r:embed="rId3">
+            <a:extLst>
+              <a:ext uri="{28A0092B-C50C-407E-A947-70E740481C1C}">
+                <a14:useLocalDpi xmlns:a14="http://schemas.microsoft.com/office/drawing/2010/main" val="0"/>
+              </a:ext>
+            </a:extLst>
+          </a:blip>
+          <a:stretch>
+            <a:fillRect/>
+          </a:stretch>
+        </p:blipFill>
+        <p:spPr>
+          <a:xfrm>
+            <a:off x="284163" y="4948514"/>
+            <a:ext cx="1265237" cy="1210410"/>
+          </a:xfrm>
+          <a:prstGeom prst="rect">
+            <a:avLst/>
+          </a:prstGeom>
+        </p:spPr>
+      </p:pic>
+      <p:sp>
+        <p:nvSpPr>
+          <p:cNvPr id="18" name="Subtitle 3"/>
+          <p:cNvSpPr txBox="1">
+            <a:spLocks/>
+          </p:cNvSpPr>
+          <p:nvPr/>
+        </p:nvSpPr>
+        <p:spPr>
+          <a:xfrm>
+            <a:off x="1549400" y="5829838"/>
+            <a:ext cx="3749229" cy="484094"/>
+          </a:xfrm>
+          <a:prstGeom prst="rect">
+            <a:avLst/>
+          </a:prstGeom>
+        </p:spPr>
+        <p:txBody>
+          <a:bodyPr vert="horz" lIns="91440" tIns="45720" rIns="91440" bIns="45720" rtlCol="0">
+            <a:normAutofit/>
+          </a:bodyPr>
+          <a:lstStyle>
+            <a:lvl1pPr marL="0" indent="0" algn="l" defTabSz="914400" rtl="0" eaLnBrk="1" latinLnBrk="0" hangingPunct="1">
+              <a:lnSpc>
+                <a:spcPct val="100000"/>
+              </a:lnSpc>
+              <a:spcBef>
+                <a:spcPts val="0"/>
+              </a:spcBef>
+              <a:buClr>
+                <a:schemeClr val="bg1">
+                  <a:lumMod val="65000"/>
+                </a:schemeClr>
+              </a:buClr>
+              <a:buSzPct val="90000"/>
+              <a:buFont typeface="Wingdings" pitchFamily="2" charset="2"/>
+              <a:buNone/>
+              <a:defRPr sz="1800" kern="1200">
+                <a:solidFill>
+                  <a:schemeClr val="bg1"/>
+                </a:solidFill>
+                <a:latin typeface="+mn-lt"/>
+                <a:ea typeface="+mn-ea"/>
+                <a:cs typeface="+mn-cs"/>
+              </a:defRPr>
+            </a:lvl1pPr>
+            <a:lvl2pPr marL="457200" indent="0" algn="ctr" defTabSz="914400" rtl="0" eaLnBrk="1" latinLnBrk="0" hangingPunct="1">
+              <a:spcBef>
+                <a:spcPts val="600"/>
+              </a:spcBef>
+              <a:buClr>
+                <a:schemeClr val="tx1">
+                  <a:lumMod val="75000"/>
+                  <a:lumOff val="25000"/>
+                </a:schemeClr>
+              </a:buClr>
+              <a:buSzPct val="90000"/>
+              <a:buFont typeface="Wingdings" pitchFamily="2" charset="2"/>
+              <a:buNone/>
+              <a:defRPr sz="2200" kern="1200">
+                <a:solidFill>
+                  <a:schemeClr val="tx1">
+                    <a:tint val="75000"/>
+                  </a:schemeClr>
+                </a:solidFill>
+                <a:latin typeface="+mn-lt"/>
+                <a:ea typeface="+mn-ea"/>
+                <a:cs typeface="+mn-cs"/>
+              </a:defRPr>
+            </a:lvl2pPr>
+            <a:lvl3pPr marL="914400" indent="0" algn="ctr" defTabSz="914400" rtl="0" eaLnBrk="1" latinLnBrk="0" hangingPunct="1">
+              <a:spcBef>
+                <a:spcPts val="600"/>
+              </a:spcBef>
+              <a:buClr>
+                <a:schemeClr val="bg1">
+                  <a:lumMod val="65000"/>
+                </a:schemeClr>
+              </a:buClr>
+              <a:buSzPct val="90000"/>
+              <a:buFont typeface="Wingdings" pitchFamily="2" charset="2"/>
+              <a:buNone/>
+              <a:defRPr sz="2000" kern="1200">
+                <a:solidFill>
+                  <a:schemeClr val="tx1">
+                    <a:tint val="75000"/>
+                  </a:schemeClr>
+                </a:solidFill>
+                <a:latin typeface="+mn-lt"/>
+                <a:ea typeface="+mn-ea"/>
+                <a:cs typeface="+mn-cs"/>
+              </a:defRPr>
+            </a:lvl3pPr>
+            <a:lvl4pPr marL="1371600" indent="0" algn="ctr" defTabSz="914400" rtl="0" eaLnBrk="1" latinLnBrk="0" hangingPunct="1">
+              <a:spcBef>
+                <a:spcPts val="600"/>
+              </a:spcBef>
+              <a:buClr>
+                <a:schemeClr val="tx1">
+                  <a:lumMod val="75000"/>
+                  <a:lumOff val="25000"/>
+                </a:schemeClr>
+              </a:buClr>
+              <a:buSzPct val="90000"/>
+              <a:buFont typeface="Wingdings" pitchFamily="2" charset="2"/>
+              <a:buNone/>
+              <a:defRPr sz="1800" kern="1200">
+                <a:solidFill>
+                  <a:schemeClr val="tx1">
+                    <a:tint val="75000"/>
+                  </a:schemeClr>
+                </a:solidFill>
+                <a:latin typeface="+mn-lt"/>
+                <a:ea typeface="+mn-ea"/>
+                <a:cs typeface="+mn-cs"/>
+              </a:defRPr>
+            </a:lvl4pPr>
+            <a:lvl5pPr marL="1828800" indent="0" algn="ctr" defTabSz="914400" rtl="0" eaLnBrk="1" latinLnBrk="0" hangingPunct="1">
+              <a:spcBef>
+                <a:spcPts val="600"/>
+              </a:spcBef>
+              <a:buClr>
+                <a:schemeClr val="bg1">
+                  <a:lumMod val="65000"/>
+                </a:schemeClr>
+              </a:buClr>
+              <a:buSzPct val="90000"/>
+              <a:buFont typeface="Wingdings" pitchFamily="2" charset="2"/>
+              <a:buNone/>
+              <a:defRPr sz="1800" kern="1200">
+                <a:solidFill>
+                  <a:schemeClr val="tx1">
+                    <a:tint val="75000"/>
+                  </a:schemeClr>
+                </a:solidFill>
+                <a:latin typeface="+mn-lt"/>
+                <a:ea typeface="+mn-ea"/>
+                <a:cs typeface="+mn-cs"/>
+              </a:defRPr>
+            </a:lvl5pPr>
+            <a:lvl6pPr marL="2286000" indent="0" algn="ctr" defTabSz="914400" rtl="0" eaLnBrk="1" latinLnBrk="0" hangingPunct="1">
+              <a:spcBef>
+                <a:spcPts val="600"/>
+              </a:spcBef>
+              <a:buClr>
+                <a:schemeClr val="tx1">
+                  <a:lumMod val="75000"/>
+                  <a:lumOff val="25000"/>
+                </a:schemeClr>
+              </a:buClr>
+              <a:buSzPct val="90000"/>
+              <a:buFont typeface="Wingdings" pitchFamily="2" charset="2"/>
+              <a:buNone/>
+              <a:defRPr lang="en-US" sz="1800" kern="1200">
+                <a:solidFill>
+                  <a:schemeClr val="tx1">
+                    <a:tint val="75000"/>
+                  </a:schemeClr>
+                </a:solidFill>
+                <a:latin typeface="+mn-lt"/>
+                <a:ea typeface="+mn-ea"/>
+                <a:cs typeface="+mn-cs"/>
+              </a:defRPr>
+            </a:lvl6pPr>
+            <a:lvl7pPr marL="2743200" indent="0" algn="ctr" defTabSz="914400" rtl="0" eaLnBrk="1" latinLnBrk="0" hangingPunct="1">
+              <a:spcBef>
+                <a:spcPts val="600"/>
+              </a:spcBef>
+              <a:buClr>
+                <a:schemeClr val="bg1">
+                  <a:lumMod val="65000"/>
+                </a:schemeClr>
+              </a:buClr>
+              <a:buSzPct val="90000"/>
+              <a:buFont typeface="Wingdings" pitchFamily="2" charset="2"/>
+              <a:buNone/>
+              <a:defRPr lang="en-US" sz="1800" kern="1200">
+                <a:solidFill>
+                  <a:schemeClr val="tx1">
+                    <a:tint val="75000"/>
+                  </a:schemeClr>
+                </a:solidFill>
+                <a:latin typeface="+mn-lt"/>
+                <a:ea typeface="+mn-ea"/>
+                <a:cs typeface="+mn-cs"/>
+              </a:defRPr>
+            </a:lvl7pPr>
+            <a:lvl8pPr marL="3200400" indent="0" algn="ctr" defTabSz="914400" rtl="0" eaLnBrk="1" latinLnBrk="0" hangingPunct="1">
+              <a:spcBef>
+                <a:spcPts val="600"/>
+              </a:spcBef>
+              <a:buClr>
+                <a:schemeClr val="tx1">
+                  <a:lumMod val="75000"/>
+                  <a:lumOff val="25000"/>
+                </a:schemeClr>
+              </a:buClr>
+              <a:buSzPct val="90000"/>
+              <a:buFont typeface="Wingdings" pitchFamily="2" charset="2"/>
+              <a:buNone/>
+              <a:defRPr lang="en-US" sz="1800" kern="1200">
+                <a:solidFill>
+                  <a:schemeClr val="tx1">
+                    <a:tint val="75000"/>
+                  </a:schemeClr>
+                </a:solidFill>
+                <a:latin typeface="+mn-lt"/>
+                <a:ea typeface="+mn-ea"/>
+                <a:cs typeface="+mn-cs"/>
+              </a:defRPr>
+            </a:lvl8pPr>
+            <a:lvl9pPr marL="3657600" indent="0" algn="ctr" defTabSz="914400" rtl="0" eaLnBrk="1" latinLnBrk="0" hangingPunct="1">
+              <a:spcBef>
+                <a:spcPts val="600"/>
+              </a:spcBef>
+              <a:buClr>
+                <a:schemeClr val="bg1">
+                  <a:lumMod val="65000"/>
+                </a:schemeClr>
+              </a:buClr>
+              <a:buSzPct val="90000"/>
+              <a:buFont typeface="Wingdings" pitchFamily="2" charset="2"/>
+              <a:buNone/>
+              <a:defRPr lang="en-US" sz="1800" kern="1200">
+                <a:solidFill>
+                  <a:schemeClr val="tx1">
+                    <a:tint val="75000"/>
+                  </a:schemeClr>
+                </a:solidFill>
+                <a:latin typeface="+mn-lt"/>
+                <a:ea typeface="+mn-ea"/>
+                <a:cs typeface="+mn-cs"/>
+              </a:defRPr>
+            </a:lvl9pPr>
+          </a:lstStyle>
+          <a:p>
+            <a:r>
+              <a:rPr lang="en-US" dirty="0" smtClean="0">
+                <a:solidFill>
+                  <a:schemeClr val="tx1"/>
+                </a:solidFill>
+              </a:rPr>
+              <a:t>By Droids Robotics</a:t>
+            </a:r>
+            <a:endParaRPr lang="en-US" dirty="0">
+              <a:solidFill>
+                <a:schemeClr val="tx1"/>
+              </a:solidFill>
+            </a:endParaRPr>
+          </a:p>
+        </p:txBody>
+      </p:sp>
+      <p:sp>
+        <p:nvSpPr>
+          <p:cNvPr id="19" name="TextBox 18"/>
+          <p:cNvSpPr txBox="1"/>
+          <p:nvPr userDrawn="1"/>
+        </p:nvSpPr>
+        <p:spPr>
+          <a:xfrm>
+            <a:off x="329321" y="365291"/>
+            <a:ext cx="5046247" cy="1200329"/>
+          </a:xfrm>
+          <a:prstGeom prst="rect">
+            <a:avLst/>
+          </a:prstGeom>
+          <a:noFill/>
+        </p:spPr>
+        <p:txBody>
+          <a:bodyPr wrap="square" rtlCol="0">
+            <a:spAutoFit/>
+          </a:bodyPr>
+          <a:lstStyle/>
+          <a:p>
+            <a:r>
+              <a:rPr lang="en-US" sz="3600" dirty="0" smtClean="0">
+                <a:solidFill>
+                  <a:schemeClr val="bg1"/>
+                </a:solidFill>
+              </a:rPr>
+              <a:t>ADVANCED EV3 PROGRAMMING LESSON</a:t>
+            </a:r>
+            <a:endParaRPr lang="en-US" sz="3600" dirty="0">
+              <a:solidFill>
+                <a:schemeClr val="bg1"/>
+              </a:solidFill>
+            </a:endParaRPr>
+          </a:p>
+        </p:txBody>
+      </p:sp>
+      <p:pic>
+        <p:nvPicPr>
+          <p:cNvPr id="20" name="Picture 19" descr="EV3Lessons.com"/>
           <p:cNvPicPr>
             <a:picLocks noChangeAspect="1" noChangeArrowheads="1"/>
           </p:cNvPicPr>
@@ -1579,7 +2063,7 @@
           <a:noFill/>
           <a:extLst>
             <a:ext uri="{909E8E84-426E-40dd-AFC4-6F175D3DCCD1}">
-              <a14:hiddenFill xmlns:a14="http://schemas.microsoft.com/office/drawing/2010/main" xmlns="">
+              <a14:hiddenFill xmlns="" xmlns:a14="http://schemas.microsoft.com/office/drawing/2010/main">
                 <a:solidFill>
                   <a:srgbClr val="FFFFFF"/>
                 </a:solidFill>
@@ -1590,7 +2074,7 @@
       </p:pic>
       <p:cxnSp>
         <p:nvCxnSpPr>
-          <p:cNvPr id="17" name="Straight Connector 16"/>
+          <p:cNvPr id="21" name="Straight Connector 20"/>
           <p:cNvCxnSpPr/>
           <p:nvPr userDrawn="1"/>
         </p:nvCxnSpPr>
@@ -1623,7 +2107,294 @@
           </a:fontRef>
         </p:style>
       </p:cxnSp>
+      <p:pic>
+        <p:nvPicPr>
+          <p:cNvPr id="22" name="Picture 21"/>
+          <p:cNvPicPr>
+            <a:picLocks noChangeAspect="1"/>
+          </p:cNvPicPr>
+          <p:nvPr userDrawn="1"/>
+        </p:nvPicPr>
+        <p:blipFill>
+          <a:blip r:embed="rId3">
+            <a:extLst>
+              <a:ext uri="{28A0092B-C50C-407E-A947-70E740481C1C}">
+                <a14:useLocalDpi xmlns:a14="http://schemas.microsoft.com/office/drawing/2010/main" val="0"/>
+              </a:ext>
+            </a:extLst>
+          </a:blip>
+          <a:stretch>
+            <a:fillRect/>
+          </a:stretch>
+        </p:blipFill>
+        <p:spPr>
+          <a:xfrm>
+            <a:off x="284163" y="4948514"/>
+            <a:ext cx="1265237" cy="1210410"/>
+          </a:xfrm>
+          <a:prstGeom prst="rect">
+            <a:avLst/>
+          </a:prstGeom>
+        </p:spPr>
+      </p:pic>
+      <p:sp>
+        <p:nvSpPr>
+          <p:cNvPr id="23" name="Subtitle 3"/>
+          <p:cNvSpPr txBox="1">
+            <a:spLocks/>
+          </p:cNvSpPr>
+          <p:nvPr userDrawn="1"/>
+        </p:nvSpPr>
+        <p:spPr>
+          <a:xfrm>
+            <a:off x="1549400" y="5829838"/>
+            <a:ext cx="3749229" cy="484094"/>
+          </a:xfrm>
+          <a:prstGeom prst="rect">
+            <a:avLst/>
+          </a:prstGeom>
+        </p:spPr>
+        <p:txBody>
+          <a:bodyPr vert="horz" lIns="91440" tIns="45720" rIns="91440" bIns="45720" rtlCol="0">
+            <a:normAutofit/>
+          </a:bodyPr>
+          <a:lstStyle>
+            <a:lvl1pPr marL="0" indent="0" algn="l" defTabSz="914400" rtl="0" eaLnBrk="1" latinLnBrk="0" hangingPunct="1">
+              <a:lnSpc>
+                <a:spcPct val="100000"/>
+              </a:lnSpc>
+              <a:spcBef>
+                <a:spcPts val="0"/>
+              </a:spcBef>
+              <a:buClr>
+                <a:schemeClr val="bg1">
+                  <a:lumMod val="65000"/>
+                </a:schemeClr>
+              </a:buClr>
+              <a:buSzPct val="90000"/>
+              <a:buFont typeface="Wingdings" pitchFamily="2" charset="2"/>
+              <a:buNone/>
+              <a:defRPr sz="1800" kern="1200">
+                <a:solidFill>
+                  <a:schemeClr val="bg1"/>
+                </a:solidFill>
+                <a:latin typeface="+mn-lt"/>
+                <a:ea typeface="+mn-ea"/>
+                <a:cs typeface="+mn-cs"/>
+              </a:defRPr>
+            </a:lvl1pPr>
+            <a:lvl2pPr marL="457200" indent="0" algn="ctr" defTabSz="914400" rtl="0" eaLnBrk="1" latinLnBrk="0" hangingPunct="1">
+              <a:spcBef>
+                <a:spcPts val="600"/>
+              </a:spcBef>
+              <a:buClr>
+                <a:schemeClr val="tx1">
+                  <a:lumMod val="75000"/>
+                  <a:lumOff val="25000"/>
+                </a:schemeClr>
+              </a:buClr>
+              <a:buSzPct val="90000"/>
+              <a:buFont typeface="Wingdings" pitchFamily="2" charset="2"/>
+              <a:buNone/>
+              <a:defRPr sz="2200" kern="1200">
+                <a:solidFill>
+                  <a:schemeClr val="tx1">
+                    <a:tint val="75000"/>
+                  </a:schemeClr>
+                </a:solidFill>
+                <a:latin typeface="+mn-lt"/>
+                <a:ea typeface="+mn-ea"/>
+                <a:cs typeface="+mn-cs"/>
+              </a:defRPr>
+            </a:lvl2pPr>
+            <a:lvl3pPr marL="914400" indent="0" algn="ctr" defTabSz="914400" rtl="0" eaLnBrk="1" latinLnBrk="0" hangingPunct="1">
+              <a:spcBef>
+                <a:spcPts val="600"/>
+              </a:spcBef>
+              <a:buClr>
+                <a:schemeClr val="bg1">
+                  <a:lumMod val="65000"/>
+                </a:schemeClr>
+              </a:buClr>
+              <a:buSzPct val="90000"/>
+              <a:buFont typeface="Wingdings" pitchFamily="2" charset="2"/>
+              <a:buNone/>
+              <a:defRPr sz="2000" kern="1200">
+                <a:solidFill>
+                  <a:schemeClr val="tx1">
+                    <a:tint val="75000"/>
+                  </a:schemeClr>
+                </a:solidFill>
+                <a:latin typeface="+mn-lt"/>
+                <a:ea typeface="+mn-ea"/>
+                <a:cs typeface="+mn-cs"/>
+              </a:defRPr>
+            </a:lvl3pPr>
+            <a:lvl4pPr marL="1371600" indent="0" algn="ctr" defTabSz="914400" rtl="0" eaLnBrk="1" latinLnBrk="0" hangingPunct="1">
+              <a:spcBef>
+                <a:spcPts val="600"/>
+              </a:spcBef>
+              <a:buClr>
+                <a:schemeClr val="tx1">
+                  <a:lumMod val="75000"/>
+                  <a:lumOff val="25000"/>
+                </a:schemeClr>
+              </a:buClr>
+              <a:buSzPct val="90000"/>
+              <a:buFont typeface="Wingdings" pitchFamily="2" charset="2"/>
+              <a:buNone/>
+              <a:defRPr sz="1800" kern="1200">
+                <a:solidFill>
+                  <a:schemeClr val="tx1">
+                    <a:tint val="75000"/>
+                  </a:schemeClr>
+                </a:solidFill>
+                <a:latin typeface="+mn-lt"/>
+                <a:ea typeface="+mn-ea"/>
+                <a:cs typeface="+mn-cs"/>
+              </a:defRPr>
+            </a:lvl4pPr>
+            <a:lvl5pPr marL="1828800" indent="0" algn="ctr" defTabSz="914400" rtl="0" eaLnBrk="1" latinLnBrk="0" hangingPunct="1">
+              <a:spcBef>
+                <a:spcPts val="600"/>
+              </a:spcBef>
+              <a:buClr>
+                <a:schemeClr val="bg1">
+                  <a:lumMod val="65000"/>
+                </a:schemeClr>
+              </a:buClr>
+              <a:buSzPct val="90000"/>
+              <a:buFont typeface="Wingdings" pitchFamily="2" charset="2"/>
+              <a:buNone/>
+              <a:defRPr sz="1800" kern="1200">
+                <a:solidFill>
+                  <a:schemeClr val="tx1">
+                    <a:tint val="75000"/>
+                  </a:schemeClr>
+                </a:solidFill>
+                <a:latin typeface="+mn-lt"/>
+                <a:ea typeface="+mn-ea"/>
+                <a:cs typeface="+mn-cs"/>
+              </a:defRPr>
+            </a:lvl5pPr>
+            <a:lvl6pPr marL="2286000" indent="0" algn="ctr" defTabSz="914400" rtl="0" eaLnBrk="1" latinLnBrk="0" hangingPunct="1">
+              <a:spcBef>
+                <a:spcPts val="600"/>
+              </a:spcBef>
+              <a:buClr>
+                <a:schemeClr val="tx1">
+                  <a:lumMod val="75000"/>
+                  <a:lumOff val="25000"/>
+                </a:schemeClr>
+              </a:buClr>
+              <a:buSzPct val="90000"/>
+              <a:buFont typeface="Wingdings" pitchFamily="2" charset="2"/>
+              <a:buNone/>
+              <a:defRPr lang="en-US" sz="1800" kern="1200">
+                <a:solidFill>
+                  <a:schemeClr val="tx1">
+                    <a:tint val="75000"/>
+                  </a:schemeClr>
+                </a:solidFill>
+                <a:latin typeface="+mn-lt"/>
+                <a:ea typeface="+mn-ea"/>
+                <a:cs typeface="+mn-cs"/>
+              </a:defRPr>
+            </a:lvl6pPr>
+            <a:lvl7pPr marL="2743200" indent="0" algn="ctr" defTabSz="914400" rtl="0" eaLnBrk="1" latinLnBrk="0" hangingPunct="1">
+              <a:spcBef>
+                <a:spcPts val="600"/>
+              </a:spcBef>
+              <a:buClr>
+                <a:schemeClr val="bg1">
+                  <a:lumMod val="65000"/>
+                </a:schemeClr>
+              </a:buClr>
+              <a:buSzPct val="90000"/>
+              <a:buFont typeface="Wingdings" pitchFamily="2" charset="2"/>
+              <a:buNone/>
+              <a:defRPr lang="en-US" sz="1800" kern="1200">
+                <a:solidFill>
+                  <a:schemeClr val="tx1">
+                    <a:tint val="75000"/>
+                  </a:schemeClr>
+                </a:solidFill>
+                <a:latin typeface="+mn-lt"/>
+                <a:ea typeface="+mn-ea"/>
+                <a:cs typeface="+mn-cs"/>
+              </a:defRPr>
+            </a:lvl7pPr>
+            <a:lvl8pPr marL="3200400" indent="0" algn="ctr" defTabSz="914400" rtl="0" eaLnBrk="1" latinLnBrk="0" hangingPunct="1">
+              <a:spcBef>
+                <a:spcPts val="600"/>
+              </a:spcBef>
+              <a:buClr>
+                <a:schemeClr val="tx1">
+                  <a:lumMod val="75000"/>
+                  <a:lumOff val="25000"/>
+                </a:schemeClr>
+              </a:buClr>
+              <a:buSzPct val="90000"/>
+              <a:buFont typeface="Wingdings" pitchFamily="2" charset="2"/>
+              <a:buNone/>
+              <a:defRPr lang="en-US" sz="1800" kern="1200">
+                <a:solidFill>
+                  <a:schemeClr val="tx1">
+                    <a:tint val="75000"/>
+                  </a:schemeClr>
+                </a:solidFill>
+                <a:latin typeface="+mn-lt"/>
+                <a:ea typeface="+mn-ea"/>
+                <a:cs typeface="+mn-cs"/>
+              </a:defRPr>
+            </a:lvl8pPr>
+            <a:lvl9pPr marL="3657600" indent="0" algn="ctr" defTabSz="914400" rtl="0" eaLnBrk="1" latinLnBrk="0" hangingPunct="1">
+              <a:spcBef>
+                <a:spcPts val="600"/>
+              </a:spcBef>
+              <a:buClr>
+                <a:schemeClr val="bg1">
+                  <a:lumMod val="65000"/>
+                </a:schemeClr>
+              </a:buClr>
+              <a:buSzPct val="90000"/>
+              <a:buFont typeface="Wingdings" pitchFamily="2" charset="2"/>
+              <a:buNone/>
+              <a:defRPr lang="en-US" sz="1800" kern="1200">
+                <a:solidFill>
+                  <a:schemeClr val="tx1">
+                    <a:tint val="75000"/>
+                  </a:schemeClr>
+                </a:solidFill>
+                <a:latin typeface="+mn-lt"/>
+                <a:ea typeface="+mn-ea"/>
+                <a:cs typeface="+mn-cs"/>
+              </a:defRPr>
+            </a:lvl9pPr>
+          </a:lstStyle>
+          <a:p>
+            <a:r>
+              <a:rPr lang="en-US" dirty="0" smtClean="0">
+                <a:solidFill>
+                  <a:schemeClr val="tx1"/>
+                </a:solidFill>
+              </a:rPr>
+              <a:t>By Droids Robotics</a:t>
+            </a:r>
+            <a:endParaRPr lang="en-US" dirty="0">
+              <a:solidFill>
+                <a:schemeClr val="tx1"/>
+              </a:solidFill>
+            </a:endParaRPr>
+          </a:p>
+        </p:txBody>
+      </p:sp>
     </p:spTree>
+    <p:extLst>
+      <p:ext uri="{BB962C8B-B14F-4D97-AF65-F5344CB8AC3E}">
+        <p14:creationId xmlns:p14="http://schemas.microsoft.com/office/powerpoint/2010/main" val="1768855795"/>
+      </p:ext>
+    </p:extLst>
   </p:cSld>
   <p:clrMapOvr>
     <a:masterClrMapping/>
@@ -1638,9 +2409,9 @@
 </p:sldLayout>
 </file>
 
-<file path=ppt/slideLayouts/slideLayout2.xml><?xml version="1.0" encoding="utf-8"?>
+<file path=ppt/slideLayouts/slideLayout10.xml><?xml version="1.0" encoding="utf-8"?>
 <p:sldLayout xmlns:a="http://schemas.openxmlformats.org/drawingml/2006/main" xmlns:r="http://schemas.openxmlformats.org/officeDocument/2006/relationships" xmlns:p="http://schemas.openxmlformats.org/presentationml/2006/main" preserve="1" userDrawn="1">
-  <p:cSld name="Title and Content">
+  <p:cSld name="1_Title and Content">
     <p:spTree>
       <p:nvGrpSpPr>
         <p:cNvPr id="1" name=""/>
@@ -1726,7 +2497,7 @@
           <a:bodyPr/>
           <a:lstStyle/>
           <a:p>
-            <a:fld id="{05FBF797-BE5E-6E4F-8AD0-DF512F93D285}" type="datetime1">
+            <a:fld id="{F92C6EB1-657D-2348-80B0-7CB46A48D38A}" type="datetime1">
               <a:rPr lang="en-US" smtClean="0"/>
               <a:t>11/15/15</a:t>
             </a:fld>
@@ -1750,8 +2521,8 @@
           <a:lstStyle/>
           <a:p>
             <a:r>
-              <a:rPr lang="en-US" smtClean="0"/>
-              <a:t>© 2015 EV3Lessons.com, Last edit 2/28/2015</a:t>
+              <a:rPr lang="sk-SK" smtClean="0"/>
+              <a:t>© 2015 EV3Lessons.com, Last edit 6/15/2015</a:t>
             </a:r>
             <a:endParaRPr lang="en-US"/>
           </a:p>
@@ -1971,9 +2742,9 @@
 </p:sldLayout>
 </file>
 
-<file path=ppt/slideLayouts/slideLayout3.xml><?xml version="1.0" encoding="utf-8"?>
+<file path=ppt/slideLayouts/slideLayout11.xml><?xml version="1.0" encoding="utf-8"?>
 <p:sldLayout xmlns:a="http://schemas.openxmlformats.org/drawingml/2006/main" xmlns:r="http://schemas.openxmlformats.org/officeDocument/2006/relationships" xmlns:p="http://schemas.openxmlformats.org/presentationml/2006/main" preserve="1" userDrawn="1">
-  <p:cSld name="Section Header">
+  <p:cSld name="1_Section Header">
     <p:spTree>
       <p:nvGrpSpPr>
         <p:cNvPr id="1" name=""/>
@@ -2184,7 +2955,7 @@
           <a:bodyPr/>
           <a:lstStyle/>
           <a:p>
-            <a:fld id="{0DEC0D4B-934F-7F4D-AF68-4129F764169F}" type="datetime1">
+            <a:fld id="{1CDB5AB7-AE0F-5847-8879-D95658F19187}" type="datetime1">
               <a:rPr lang="en-US" smtClean="0"/>
               <a:t>11/15/15</a:t>
             </a:fld>
@@ -2208,8 +2979,8 @@
           <a:lstStyle/>
           <a:p>
             <a:r>
-              <a:rPr lang="en-US" smtClean="0"/>
-              <a:t>© 2015 EV3Lessons.com, Last edit 2/28/2015</a:t>
+              <a:rPr lang="sk-SK" smtClean="0"/>
+              <a:t>© 2015 EV3Lessons.com, Last edit 6/15/2015</a:t>
             </a:r>
             <a:endParaRPr lang="en-US"/>
           </a:p>
@@ -2253,9 +3024,9 @@
 </p:sldLayout>
 </file>
 
-<file path=ppt/slideLayouts/slideLayout4.xml><?xml version="1.0" encoding="utf-8"?>
+<file path=ppt/slideLayouts/slideLayout12.xml><?xml version="1.0" encoding="utf-8"?>
 <p:sldLayout xmlns:a="http://schemas.openxmlformats.org/drawingml/2006/main" xmlns:r="http://schemas.openxmlformats.org/officeDocument/2006/relationships" xmlns:p="http://schemas.openxmlformats.org/presentationml/2006/main" preserve="1" userDrawn="1">
-  <p:cSld name="Two Content">
+  <p:cSld name="1_Two Content">
     <p:spTree>
       <p:nvGrpSpPr>
         <p:cNvPr id="1" name=""/>
@@ -2635,7 +3406,7 @@
           <a:bodyPr/>
           <a:lstStyle/>
           <a:p>
-            <a:fld id="{465BFC5B-423E-4644-AEA5-8C30BD03D3B4}" type="datetime1">
+            <a:fld id="{7C5F0E2F-9F6B-F947-B1CD-A0F2BCA4BDD0}" type="datetime1">
               <a:rPr lang="en-US" smtClean="0"/>
               <a:t>11/15/15</a:t>
             </a:fld>
@@ -2681,9 +3452,9 @@
 </p:sldLayout>
 </file>
 
-<file path=ppt/slideLayouts/slideLayout5.xml><?xml version="1.0" encoding="utf-8"?>
+<file path=ppt/slideLayouts/slideLayout13.xml><?xml version="1.0" encoding="utf-8"?>
 <p:sldLayout xmlns:a="http://schemas.openxmlformats.org/drawingml/2006/main" xmlns:r="http://schemas.openxmlformats.org/officeDocument/2006/relationships" xmlns:p="http://schemas.openxmlformats.org/presentationml/2006/main" preserve="1" userDrawn="1">
-  <p:cSld name="Comparison">
+  <p:cSld name="1_Comparison">
     <p:spTree>
       <p:nvGrpSpPr>
         <p:cNvPr id="1" name=""/>
@@ -3217,7 +3988,7 @@
           <a:bodyPr/>
           <a:lstStyle/>
           <a:p>
-            <a:fld id="{D38CD682-3E36-7642-ABEE-38D14715E2E2}" type="datetime1">
+            <a:fld id="{24B60D1B-E521-6349-AE89-A4AB5C25F0E0}" type="datetime1">
               <a:rPr lang="en-US" smtClean="0"/>
               <a:t>11/15/15</a:t>
             </a:fld>
@@ -3241,8 +4012,8 @@
           <a:lstStyle/>
           <a:p>
             <a:r>
-              <a:rPr lang="en-US" smtClean="0"/>
-              <a:t>© 2015 EV3Lessons.com, Last edit 2/28/2015</a:t>
+              <a:rPr lang="sk-SK" smtClean="0"/>
+              <a:t>© 2015 EV3Lessons.com, Last edit 6/15/2015</a:t>
             </a:r>
             <a:endParaRPr lang="en-US"/>
           </a:p>
@@ -3286,9 +4057,9 @@
 </p:sldLayout>
 </file>
 
-<file path=ppt/slideLayouts/slideLayout6.xml><?xml version="1.0" encoding="utf-8"?>
+<file path=ppt/slideLayouts/slideLayout14.xml><?xml version="1.0" encoding="utf-8"?>
 <p:sldLayout xmlns:a="http://schemas.openxmlformats.org/drawingml/2006/main" xmlns:r="http://schemas.openxmlformats.org/officeDocument/2006/relationships" xmlns:p="http://schemas.openxmlformats.org/presentationml/2006/main" preserve="1" userDrawn="1">
-  <p:cSld name="Title Only">
+  <p:cSld name="1_Title Only">
     <p:spTree>
       <p:nvGrpSpPr>
         <p:cNvPr id="1" name=""/>
@@ -3494,7 +4265,7 @@
           <a:bodyPr/>
           <a:lstStyle/>
           <a:p>
-            <a:fld id="{A9E6DB50-8AE0-4F43-8B22-1E0700F20CC6}" type="datetime1">
+            <a:fld id="{40D6C455-5B63-8940-9B32-276BD6D824BD}" type="datetime1">
               <a:rPr lang="en-US" smtClean="0"/>
               <a:t>11/15/15</a:t>
             </a:fld>
@@ -3518,8 +4289,8 @@
           <a:lstStyle/>
           <a:p>
             <a:r>
-              <a:rPr lang="en-US" smtClean="0"/>
-              <a:t>© 2015 EV3Lessons.com, Last edit 2/28/2015</a:t>
+              <a:rPr lang="sk-SK" smtClean="0"/>
+              <a:t>© 2015 EV3Lessons.com, Last edit 6/15/2015</a:t>
             </a:r>
             <a:endParaRPr lang="en-US"/>
           </a:p>
@@ -3563,9 +4334,9 @@
 </p:sldLayout>
 </file>
 
-<file path=ppt/slideLayouts/slideLayout7.xml><?xml version="1.0" encoding="utf-8"?>
+<file path=ppt/slideLayouts/slideLayout15.xml><?xml version="1.0" encoding="utf-8"?>
 <p:sldLayout xmlns:a="http://schemas.openxmlformats.org/drawingml/2006/main" xmlns:r="http://schemas.openxmlformats.org/officeDocument/2006/relationships" xmlns:p="http://schemas.openxmlformats.org/presentationml/2006/main" preserve="1" userDrawn="1">
-  <p:cSld name="Title and Vertical Text">
+  <p:cSld name="1_Title and Vertical Text">
     <p:spTree>
       <p:nvGrpSpPr>
         <p:cNvPr id="1" name=""/>
@@ -3809,7 +4580,7 @@
           <a:bodyPr/>
           <a:lstStyle/>
           <a:p>
-            <a:fld id="{778D02FA-5B24-AA4E-8F8B-53CC3921B08D}" type="datetime1">
+            <a:fld id="{942050CC-28F4-DF42-AF3A-74589E4DA979}" type="datetime1">
               <a:rPr lang="en-US" smtClean="0"/>
               <a:t>11/15/15</a:t>
             </a:fld>
@@ -3833,8 +4604,8 @@
           <a:lstStyle/>
           <a:p>
             <a:r>
-              <a:rPr lang="en-US" smtClean="0"/>
-              <a:t>© 2015 EV3Lessons.com, Last edit 2/28/2015</a:t>
+              <a:rPr lang="sk-SK" smtClean="0"/>
+              <a:t>© 2015 EV3Lessons.com, Last edit 6/15/2015</a:t>
             </a:r>
             <a:endParaRPr lang="en-US"/>
           </a:p>
@@ -3901,9 +4672,9 @@
 </p:sldLayout>
 </file>
 
-<file path=ppt/slideLayouts/slideLayout8.xml><?xml version="1.0" encoding="utf-8"?>
+<file path=ppt/slideLayouts/slideLayout16.xml><?xml version="1.0" encoding="utf-8"?>
 <p:sldLayout xmlns:a="http://schemas.openxmlformats.org/drawingml/2006/main" xmlns:r="http://schemas.openxmlformats.org/officeDocument/2006/relationships" xmlns:p="http://schemas.openxmlformats.org/presentationml/2006/main" preserve="1" userDrawn="1">
-  <p:cSld name="Vertical Title and Text">
+  <p:cSld name="1_Vertical Title and Text">
     <p:spTree>
       <p:nvGrpSpPr>
         <p:cNvPr id="1" name=""/>
@@ -4033,7 +4804,7 @@
           <a:bodyPr/>
           <a:lstStyle/>
           <a:p>
-            <a:fld id="{73C2866E-A0CF-6F49-BC08-11A2B7BE79CA}" type="datetime1">
+            <a:fld id="{0B09783E-33B5-414F-A6F3-EB17950DAF9B}" type="datetime1">
               <a:rPr lang="en-US" smtClean="0"/>
               <a:t>11/15/15</a:t>
             </a:fld>
@@ -4057,8 +4828,8 @@
           <a:lstStyle/>
           <a:p>
             <a:r>
-              <a:rPr lang="en-US" smtClean="0"/>
-              <a:t>© 2015 EV3Lessons.com, Last edit 2/28/2015</a:t>
+              <a:rPr lang="sk-SK" smtClean="0"/>
+              <a:t>© 2015 EV3Lessons.com, Last edit 6/15/2015</a:t>
             </a:r>
             <a:endParaRPr lang="en-US"/>
           </a:p>
@@ -4255,6 +5026,4061 @@
 </p:sldLayout>
 </file>
 
+<file path=ppt/slideLayouts/slideLayout2.xml><?xml version="1.0" encoding="utf-8"?>
+<p:sldLayout xmlns:a="http://schemas.openxmlformats.org/drawingml/2006/main" xmlns:r="http://schemas.openxmlformats.org/officeDocument/2006/relationships" xmlns:p="http://schemas.openxmlformats.org/presentationml/2006/main" preserve="1">
+  <p:cSld name="Title and Content">
+    <p:spTree>
+      <p:nvGrpSpPr>
+        <p:cNvPr id="1" name=""/>
+        <p:cNvGrpSpPr/>
+        <p:nvPr/>
+      </p:nvGrpSpPr>
+      <p:grpSpPr>
+        <a:xfrm>
+          <a:off x="0" y="0"/>
+          <a:ext cx="0" cy="0"/>
+          <a:chOff x="0" y="0"/>
+          <a:chExt cx="0" cy="0"/>
+        </a:xfrm>
+      </p:grpSpPr>
+      <p:sp>
+        <p:nvSpPr>
+          <p:cNvPr id="3" name="Content Placeholder 2"/>
+          <p:cNvSpPr>
+            <a:spLocks noGrp="1"/>
+          </p:cNvSpPr>
+          <p:nvPr>
+            <p:ph idx="1"/>
+          </p:nvPr>
+        </p:nvSpPr>
+        <p:spPr/>
+        <p:txBody>
+          <a:bodyPr/>
+          <a:lstStyle>
+            <a:lvl5pPr>
+              <a:defRPr/>
+            </a:lvl5pPr>
+          </a:lstStyle>
+          <a:p>
+            <a:pPr lvl="0"/>
+            <a:r>
+              <a:rPr lang="en-US" smtClean="0"/>
+              <a:t>Click to edit Master text styles</a:t>
+            </a:r>
+          </a:p>
+          <a:p>
+            <a:pPr lvl="1"/>
+            <a:r>
+              <a:rPr lang="en-US" smtClean="0"/>
+              <a:t>Second level</a:t>
+            </a:r>
+          </a:p>
+          <a:p>
+            <a:pPr lvl="2"/>
+            <a:r>
+              <a:rPr lang="en-US" smtClean="0"/>
+              <a:t>Third level</a:t>
+            </a:r>
+          </a:p>
+          <a:p>
+            <a:pPr lvl="3"/>
+            <a:r>
+              <a:rPr lang="en-US" smtClean="0"/>
+              <a:t>Fourth level</a:t>
+            </a:r>
+          </a:p>
+          <a:p>
+            <a:pPr lvl="4"/>
+            <a:r>
+              <a:rPr lang="en-US" smtClean="0"/>
+              <a:t>Fifth level</a:t>
+            </a:r>
+            <a:endParaRPr dirty="0"/>
+          </a:p>
+        </p:txBody>
+      </p:sp>
+      <p:sp>
+        <p:nvSpPr>
+          <p:cNvPr id="4" name="Date Placeholder 3"/>
+          <p:cNvSpPr>
+            <a:spLocks noGrp="1"/>
+          </p:cNvSpPr>
+          <p:nvPr>
+            <p:ph type="dt" sz="half" idx="10"/>
+          </p:nvPr>
+        </p:nvSpPr>
+        <p:spPr/>
+        <p:txBody>
+          <a:bodyPr/>
+          <a:lstStyle/>
+          <a:p>
+            <a:fld id="{F92C6EB1-657D-2348-80B0-7CB46A48D38A}" type="datetime1">
+              <a:rPr lang="en-US" smtClean="0"/>
+              <a:t>11/15/15</a:t>
+            </a:fld>
+            <a:endParaRPr lang="en-US"/>
+          </a:p>
+        </p:txBody>
+      </p:sp>
+      <p:sp>
+        <p:nvSpPr>
+          <p:cNvPr id="5" name="Footer Placeholder 4"/>
+          <p:cNvSpPr>
+            <a:spLocks noGrp="1"/>
+          </p:cNvSpPr>
+          <p:nvPr>
+            <p:ph type="ftr" sz="quarter" idx="11"/>
+          </p:nvPr>
+        </p:nvSpPr>
+        <p:spPr/>
+        <p:txBody>
+          <a:bodyPr/>
+          <a:lstStyle/>
+          <a:p>
+            <a:r>
+              <a:rPr lang="sk-SK" smtClean="0"/>
+              <a:t>© 2015 EV3Lessons.com, Last edit 6/15/2015</a:t>
+            </a:r>
+            <a:endParaRPr lang="en-US"/>
+          </a:p>
+        </p:txBody>
+      </p:sp>
+      <p:sp>
+        <p:nvSpPr>
+          <p:cNvPr id="6" name="Slide Number Placeholder 5"/>
+          <p:cNvSpPr>
+            <a:spLocks noGrp="1"/>
+          </p:cNvSpPr>
+          <p:nvPr>
+            <p:ph type="sldNum" sz="quarter" idx="12"/>
+          </p:nvPr>
+        </p:nvSpPr>
+        <p:spPr/>
+        <p:txBody>
+          <a:bodyPr/>
+          <a:lstStyle/>
+          <a:p>
+            <a:fld id="{4382A7F7-08BF-4252-8141-63FB96055BBB}" type="slidenum">
+              <a:rPr lang="en-US" smtClean="0"/>
+              <a:t>‹#›</a:t>
+            </a:fld>
+            <a:endParaRPr lang="en-US" dirty="0"/>
+          </a:p>
+        </p:txBody>
+      </p:sp>
+      <p:grpSp>
+        <p:nvGrpSpPr>
+          <p:cNvPr id="12" name="Group 11"/>
+          <p:cNvGrpSpPr/>
+          <p:nvPr/>
+        </p:nvGrpSpPr>
+        <p:grpSpPr>
+          <a:xfrm>
+            <a:off x="0" y="1188720"/>
+            <a:ext cx="9144000" cy="137411"/>
+            <a:chOff x="284163" y="1577847"/>
+            <a:chExt cx="8576373" cy="137411"/>
+          </a:xfrm>
+        </p:grpSpPr>
+        <p:sp>
+          <p:nvSpPr>
+            <p:cNvPr id="13" name="Rectangle 12"/>
+            <p:cNvSpPr/>
+            <p:nvPr/>
+          </p:nvSpPr>
+          <p:spPr>
+            <a:xfrm>
+              <a:off x="284163" y="1577847"/>
+              <a:ext cx="1600200" cy="137411"/>
+            </a:xfrm>
+            <a:prstGeom prst="rect">
+              <a:avLst/>
+            </a:prstGeom>
+            <a:solidFill>
+              <a:srgbClr val="7030A0"/>
+            </a:solidFill>
+            <a:ln>
+              <a:noFill/>
+            </a:ln>
+          </p:spPr>
+          <p:style>
+            <a:lnRef idx="2">
+              <a:schemeClr val="accent1">
+                <a:shade val="50000"/>
+              </a:schemeClr>
+            </a:lnRef>
+            <a:fillRef idx="1">
+              <a:schemeClr val="accent1"/>
+            </a:fillRef>
+            <a:effectRef idx="0">
+              <a:schemeClr val="accent1"/>
+            </a:effectRef>
+            <a:fontRef idx="minor">
+              <a:schemeClr val="lt1"/>
+            </a:fontRef>
+          </p:style>
+          <p:txBody>
+            <a:bodyPr rtlCol="0" anchor="ctr"/>
+            <a:lstStyle/>
+            <a:p>
+              <a:pPr algn="ctr"/>
+              <a:endParaRPr/>
+            </a:p>
+          </p:txBody>
+        </p:sp>
+        <p:sp>
+          <p:nvSpPr>
+            <p:cNvPr id="14" name="Rectangle 13"/>
+            <p:cNvSpPr/>
+            <p:nvPr/>
+          </p:nvSpPr>
+          <p:spPr>
+            <a:xfrm>
+              <a:off x="1885174" y="1577847"/>
+              <a:ext cx="2743200" cy="137411"/>
+            </a:xfrm>
+            <a:prstGeom prst="rect">
+              <a:avLst/>
+            </a:prstGeom>
+            <a:solidFill>
+              <a:srgbClr val="00B050"/>
+            </a:solidFill>
+            <a:ln>
+              <a:noFill/>
+            </a:ln>
+          </p:spPr>
+          <p:style>
+            <a:lnRef idx="2">
+              <a:schemeClr val="accent1">
+                <a:shade val="50000"/>
+              </a:schemeClr>
+            </a:lnRef>
+            <a:fillRef idx="1">
+              <a:schemeClr val="accent1"/>
+            </a:fillRef>
+            <a:effectRef idx="0">
+              <a:schemeClr val="accent1"/>
+            </a:effectRef>
+            <a:fontRef idx="minor">
+              <a:schemeClr val="lt1"/>
+            </a:fontRef>
+          </p:style>
+          <p:txBody>
+            <a:bodyPr rtlCol="0" anchor="ctr"/>
+            <a:lstStyle/>
+            <a:p>
+              <a:pPr algn="ctr"/>
+              <a:endParaRPr/>
+            </a:p>
+          </p:txBody>
+        </p:sp>
+        <p:sp>
+          <p:nvSpPr>
+            <p:cNvPr id="15" name="Rectangle 14"/>
+            <p:cNvSpPr/>
+            <p:nvPr/>
+          </p:nvSpPr>
+          <p:spPr>
+            <a:xfrm>
+              <a:off x="4626864" y="1577847"/>
+              <a:ext cx="4233672" cy="137411"/>
+            </a:xfrm>
+            <a:prstGeom prst="rect">
+              <a:avLst/>
+            </a:prstGeom>
+            <a:solidFill>
+              <a:srgbClr val="0070C0"/>
+            </a:solidFill>
+            <a:ln>
+              <a:noFill/>
+            </a:ln>
+          </p:spPr>
+          <p:style>
+            <a:lnRef idx="2">
+              <a:schemeClr val="accent1">
+                <a:shade val="50000"/>
+              </a:schemeClr>
+            </a:lnRef>
+            <a:fillRef idx="1">
+              <a:schemeClr val="accent1"/>
+            </a:fillRef>
+            <a:effectRef idx="0">
+              <a:schemeClr val="accent1"/>
+            </a:effectRef>
+            <a:fontRef idx="minor">
+              <a:schemeClr val="lt1"/>
+            </a:fontRef>
+          </p:style>
+          <p:txBody>
+            <a:bodyPr rtlCol="0" anchor="ctr"/>
+            <a:lstStyle/>
+            <a:p>
+              <a:pPr algn="ctr"/>
+              <a:endParaRPr/>
+            </a:p>
+          </p:txBody>
+        </p:sp>
+      </p:grpSp>
+      <p:sp>
+        <p:nvSpPr>
+          <p:cNvPr id="16" name="Title 15"/>
+          <p:cNvSpPr>
+            <a:spLocks noGrp="1"/>
+          </p:cNvSpPr>
+          <p:nvPr>
+            <p:ph type="title"/>
+          </p:nvPr>
+        </p:nvSpPr>
+        <p:spPr/>
+        <p:txBody>
+          <a:bodyPr/>
+          <a:lstStyle/>
+          <a:p>
+            <a:r>
+              <a:rPr lang="en-US" smtClean="0"/>
+              <a:t>Click to edit Master title style</a:t>
+            </a:r>
+            <a:endParaRPr lang="en-US"/>
+          </a:p>
+        </p:txBody>
+      </p:sp>
+      <p:grpSp>
+        <p:nvGrpSpPr>
+          <p:cNvPr id="11" name="Group 10"/>
+          <p:cNvGrpSpPr/>
+          <p:nvPr userDrawn="1"/>
+        </p:nvGrpSpPr>
+        <p:grpSpPr>
+          <a:xfrm>
+            <a:off x="0" y="1188720"/>
+            <a:ext cx="9144000" cy="137411"/>
+            <a:chOff x="284163" y="1577847"/>
+            <a:chExt cx="8576373" cy="137411"/>
+          </a:xfrm>
+        </p:grpSpPr>
+        <p:sp>
+          <p:nvSpPr>
+            <p:cNvPr id="17" name="Rectangle 16"/>
+            <p:cNvSpPr/>
+            <p:nvPr/>
+          </p:nvSpPr>
+          <p:spPr>
+            <a:xfrm>
+              <a:off x="284163" y="1577847"/>
+              <a:ext cx="1600200" cy="137411"/>
+            </a:xfrm>
+            <a:prstGeom prst="rect">
+              <a:avLst/>
+            </a:prstGeom>
+            <a:solidFill>
+              <a:srgbClr val="7030A0"/>
+            </a:solidFill>
+            <a:ln>
+              <a:noFill/>
+            </a:ln>
+          </p:spPr>
+          <p:style>
+            <a:lnRef idx="2">
+              <a:schemeClr val="accent1">
+                <a:shade val="50000"/>
+              </a:schemeClr>
+            </a:lnRef>
+            <a:fillRef idx="1">
+              <a:schemeClr val="accent1"/>
+            </a:fillRef>
+            <a:effectRef idx="0">
+              <a:schemeClr val="accent1"/>
+            </a:effectRef>
+            <a:fontRef idx="minor">
+              <a:schemeClr val="lt1"/>
+            </a:fontRef>
+          </p:style>
+          <p:txBody>
+            <a:bodyPr rtlCol="0" anchor="ctr"/>
+            <a:lstStyle/>
+            <a:p>
+              <a:pPr algn="ctr"/>
+              <a:endParaRPr/>
+            </a:p>
+          </p:txBody>
+        </p:sp>
+        <p:sp>
+          <p:nvSpPr>
+            <p:cNvPr id="18" name="Rectangle 17"/>
+            <p:cNvSpPr/>
+            <p:nvPr/>
+          </p:nvSpPr>
+          <p:spPr>
+            <a:xfrm>
+              <a:off x="1885174" y="1577847"/>
+              <a:ext cx="2743200" cy="137411"/>
+            </a:xfrm>
+            <a:prstGeom prst="rect">
+              <a:avLst/>
+            </a:prstGeom>
+            <a:solidFill>
+              <a:srgbClr val="00B050"/>
+            </a:solidFill>
+            <a:ln>
+              <a:noFill/>
+            </a:ln>
+          </p:spPr>
+          <p:style>
+            <a:lnRef idx="2">
+              <a:schemeClr val="accent1">
+                <a:shade val="50000"/>
+              </a:schemeClr>
+            </a:lnRef>
+            <a:fillRef idx="1">
+              <a:schemeClr val="accent1"/>
+            </a:fillRef>
+            <a:effectRef idx="0">
+              <a:schemeClr val="accent1"/>
+            </a:effectRef>
+            <a:fontRef idx="minor">
+              <a:schemeClr val="lt1"/>
+            </a:fontRef>
+          </p:style>
+          <p:txBody>
+            <a:bodyPr rtlCol="0" anchor="ctr"/>
+            <a:lstStyle/>
+            <a:p>
+              <a:pPr algn="ctr"/>
+              <a:endParaRPr/>
+            </a:p>
+          </p:txBody>
+        </p:sp>
+        <p:sp>
+          <p:nvSpPr>
+            <p:cNvPr id="19" name="Rectangle 18"/>
+            <p:cNvSpPr/>
+            <p:nvPr/>
+          </p:nvSpPr>
+          <p:spPr>
+            <a:xfrm>
+              <a:off x="4626864" y="1577847"/>
+              <a:ext cx="4233672" cy="137411"/>
+            </a:xfrm>
+            <a:prstGeom prst="rect">
+              <a:avLst/>
+            </a:prstGeom>
+            <a:solidFill>
+              <a:srgbClr val="0070C0"/>
+            </a:solidFill>
+            <a:ln>
+              <a:noFill/>
+            </a:ln>
+          </p:spPr>
+          <p:style>
+            <a:lnRef idx="2">
+              <a:schemeClr val="accent1">
+                <a:shade val="50000"/>
+              </a:schemeClr>
+            </a:lnRef>
+            <a:fillRef idx="1">
+              <a:schemeClr val="accent1"/>
+            </a:fillRef>
+            <a:effectRef idx="0">
+              <a:schemeClr val="accent1"/>
+            </a:effectRef>
+            <a:fontRef idx="minor">
+              <a:schemeClr val="lt1"/>
+            </a:fontRef>
+          </p:style>
+          <p:txBody>
+            <a:bodyPr rtlCol="0" anchor="ctr"/>
+            <a:lstStyle/>
+            <a:p>
+              <a:pPr algn="ctr"/>
+              <a:endParaRPr/>
+            </a:p>
+          </p:txBody>
+        </p:sp>
+      </p:grpSp>
+    </p:spTree>
+    <p:extLst>
+      <p:ext uri="{BB962C8B-B14F-4D97-AF65-F5344CB8AC3E}">
+        <p14:creationId xmlns:p14="http://schemas.microsoft.com/office/powerpoint/2010/main" val="1543221144"/>
+      </p:ext>
+    </p:extLst>
+  </p:cSld>
+  <p:clrMapOvr>
+    <a:masterClrMapping/>
+  </p:clrMapOvr>
+  <p:timing>
+    <p:tnLst>
+      <p:par>
+        <p:cTn id="1" dur="indefinite" restart="never" nodeType="tmRoot"/>
+      </p:par>
+    </p:tnLst>
+  </p:timing>
+</p:sldLayout>
+</file>
+
+<file path=ppt/slideLayouts/slideLayout3.xml><?xml version="1.0" encoding="utf-8"?>
+<p:sldLayout xmlns:a="http://schemas.openxmlformats.org/drawingml/2006/main" xmlns:r="http://schemas.openxmlformats.org/officeDocument/2006/relationships" xmlns:p="http://schemas.openxmlformats.org/presentationml/2006/main" preserve="1">
+  <p:cSld name="Section Header">
+    <p:spTree>
+      <p:nvGrpSpPr>
+        <p:cNvPr id="1" name=""/>
+        <p:cNvGrpSpPr/>
+        <p:nvPr/>
+      </p:nvGrpSpPr>
+      <p:grpSpPr>
+        <a:xfrm>
+          <a:off x="0" y="0"/>
+          <a:ext cx="0" cy="0"/>
+          <a:chOff x="0" y="0"/>
+          <a:chExt cx="0" cy="0"/>
+        </a:xfrm>
+      </p:grpSpPr>
+      <p:sp>
+        <p:nvSpPr>
+          <p:cNvPr id="20" name="Title 19"/>
+          <p:cNvSpPr>
+            <a:spLocks noGrp="1"/>
+          </p:cNvSpPr>
+          <p:nvPr>
+            <p:ph type="title"/>
+          </p:nvPr>
+        </p:nvSpPr>
+        <p:spPr>
+          <a:xfrm>
+            <a:off x="0" y="5075171"/>
+            <a:ext cx="9143999" cy="1782829"/>
+          </a:xfrm>
+        </p:spPr>
+        <p:txBody>
+          <a:bodyPr/>
+          <a:lstStyle/>
+          <a:p>
+            <a:r>
+              <a:rPr lang="en-US" smtClean="0"/>
+              <a:t>Click to edit Master title style</a:t>
+            </a:r>
+            <a:endParaRPr lang="en-US"/>
+          </a:p>
+        </p:txBody>
+      </p:sp>
+      <p:grpSp>
+        <p:nvGrpSpPr>
+          <p:cNvPr id="15" name="Group 14"/>
+          <p:cNvGrpSpPr/>
+          <p:nvPr/>
+        </p:nvGrpSpPr>
+        <p:grpSpPr>
+          <a:xfrm>
+            <a:off x="0" y="4937760"/>
+            <a:ext cx="9144000" cy="137411"/>
+            <a:chOff x="284163" y="1577847"/>
+            <a:chExt cx="8576373" cy="137411"/>
+          </a:xfrm>
+        </p:grpSpPr>
+        <p:sp>
+          <p:nvSpPr>
+            <p:cNvPr id="16" name="Rectangle 15"/>
+            <p:cNvSpPr/>
+            <p:nvPr/>
+          </p:nvSpPr>
+          <p:spPr>
+            <a:xfrm>
+              <a:off x="284163" y="1577847"/>
+              <a:ext cx="1600200" cy="137411"/>
+            </a:xfrm>
+            <a:prstGeom prst="rect">
+              <a:avLst/>
+            </a:prstGeom>
+            <a:solidFill>
+              <a:srgbClr val="7030A0"/>
+            </a:solidFill>
+            <a:ln>
+              <a:noFill/>
+            </a:ln>
+          </p:spPr>
+          <p:style>
+            <a:lnRef idx="2">
+              <a:schemeClr val="accent1">
+                <a:shade val="50000"/>
+              </a:schemeClr>
+            </a:lnRef>
+            <a:fillRef idx="1">
+              <a:schemeClr val="accent1"/>
+            </a:fillRef>
+            <a:effectRef idx="0">
+              <a:schemeClr val="accent1"/>
+            </a:effectRef>
+            <a:fontRef idx="minor">
+              <a:schemeClr val="lt1"/>
+            </a:fontRef>
+          </p:style>
+          <p:txBody>
+            <a:bodyPr rtlCol="0" anchor="ctr"/>
+            <a:lstStyle/>
+            <a:p>
+              <a:pPr algn="ctr"/>
+              <a:endParaRPr/>
+            </a:p>
+          </p:txBody>
+        </p:sp>
+        <p:sp>
+          <p:nvSpPr>
+            <p:cNvPr id="17" name="Rectangle 16"/>
+            <p:cNvSpPr/>
+            <p:nvPr/>
+          </p:nvSpPr>
+          <p:spPr>
+            <a:xfrm>
+              <a:off x="1885174" y="1577847"/>
+              <a:ext cx="2743200" cy="137411"/>
+            </a:xfrm>
+            <a:prstGeom prst="rect">
+              <a:avLst/>
+            </a:prstGeom>
+            <a:solidFill>
+              <a:srgbClr val="00B050"/>
+            </a:solidFill>
+            <a:ln>
+              <a:noFill/>
+            </a:ln>
+          </p:spPr>
+          <p:style>
+            <a:lnRef idx="2">
+              <a:schemeClr val="accent1">
+                <a:shade val="50000"/>
+              </a:schemeClr>
+            </a:lnRef>
+            <a:fillRef idx="1">
+              <a:schemeClr val="accent1"/>
+            </a:fillRef>
+            <a:effectRef idx="0">
+              <a:schemeClr val="accent1"/>
+            </a:effectRef>
+            <a:fontRef idx="minor">
+              <a:schemeClr val="lt1"/>
+            </a:fontRef>
+          </p:style>
+          <p:txBody>
+            <a:bodyPr rtlCol="0" anchor="ctr"/>
+            <a:lstStyle/>
+            <a:p>
+              <a:pPr algn="ctr"/>
+              <a:endParaRPr/>
+            </a:p>
+          </p:txBody>
+        </p:sp>
+        <p:sp>
+          <p:nvSpPr>
+            <p:cNvPr id="18" name="Rectangle 17"/>
+            <p:cNvSpPr/>
+            <p:nvPr/>
+          </p:nvSpPr>
+          <p:spPr>
+            <a:xfrm>
+              <a:off x="4626864" y="1577847"/>
+              <a:ext cx="4233672" cy="137411"/>
+            </a:xfrm>
+            <a:prstGeom prst="rect">
+              <a:avLst/>
+            </a:prstGeom>
+            <a:solidFill>
+              <a:srgbClr val="0070C0"/>
+            </a:solidFill>
+            <a:ln>
+              <a:noFill/>
+            </a:ln>
+          </p:spPr>
+          <p:style>
+            <a:lnRef idx="2">
+              <a:schemeClr val="accent1">
+                <a:shade val="50000"/>
+              </a:schemeClr>
+            </a:lnRef>
+            <a:fillRef idx="1">
+              <a:schemeClr val="accent1"/>
+            </a:fillRef>
+            <a:effectRef idx="0">
+              <a:schemeClr val="accent1"/>
+            </a:effectRef>
+            <a:fontRef idx="minor">
+              <a:schemeClr val="lt1"/>
+            </a:fontRef>
+          </p:style>
+          <p:txBody>
+            <a:bodyPr rtlCol="0" anchor="ctr"/>
+            <a:lstStyle/>
+            <a:p>
+              <a:pPr algn="ctr"/>
+              <a:endParaRPr/>
+            </a:p>
+          </p:txBody>
+        </p:sp>
+      </p:grpSp>
+      <p:sp>
+        <p:nvSpPr>
+          <p:cNvPr id="4" name="Date Placeholder 3"/>
+          <p:cNvSpPr>
+            <a:spLocks noGrp="1"/>
+          </p:cNvSpPr>
+          <p:nvPr>
+            <p:ph type="dt" sz="half" idx="10"/>
+          </p:nvPr>
+        </p:nvSpPr>
+        <p:spPr/>
+        <p:txBody>
+          <a:bodyPr/>
+          <a:lstStyle/>
+          <a:p>
+            <a:fld id="{1CDB5AB7-AE0F-5847-8879-D95658F19187}" type="datetime1">
+              <a:rPr lang="en-US" smtClean="0"/>
+              <a:t>11/15/15</a:t>
+            </a:fld>
+            <a:endParaRPr lang="en-US"/>
+          </a:p>
+        </p:txBody>
+      </p:sp>
+      <p:sp>
+        <p:nvSpPr>
+          <p:cNvPr id="5" name="Footer Placeholder 4"/>
+          <p:cNvSpPr>
+            <a:spLocks noGrp="1"/>
+          </p:cNvSpPr>
+          <p:nvPr>
+            <p:ph type="ftr" sz="quarter" idx="11"/>
+          </p:nvPr>
+        </p:nvSpPr>
+        <p:spPr/>
+        <p:txBody>
+          <a:bodyPr/>
+          <a:lstStyle/>
+          <a:p>
+            <a:r>
+              <a:rPr lang="sk-SK" smtClean="0"/>
+              <a:t>© 2015 EV3Lessons.com, Last edit 6/15/2015</a:t>
+            </a:r>
+            <a:endParaRPr lang="en-US"/>
+          </a:p>
+        </p:txBody>
+      </p:sp>
+      <p:sp>
+        <p:nvSpPr>
+          <p:cNvPr id="6" name="Slide Number Placeholder 5"/>
+          <p:cNvSpPr>
+            <a:spLocks noGrp="1"/>
+          </p:cNvSpPr>
+          <p:nvPr>
+            <p:ph type="sldNum" sz="quarter" idx="12"/>
+          </p:nvPr>
+        </p:nvSpPr>
+        <p:spPr/>
+        <p:txBody>
+          <a:bodyPr/>
+          <a:lstStyle>
+            <a:lvl1pPr>
+              <a:defRPr>
+                <a:solidFill>
+                  <a:schemeClr val="bg1"/>
+                </a:solidFill>
+              </a:defRPr>
+            </a:lvl1pPr>
+          </a:lstStyle>
+          <a:p>
+            <a:fld id="{162F1D00-BD13-4404-86B0-79703945A0A7}" type="slidenum">
+              <a:rPr lang="en-US" smtClean="0"/>
+              <a:t>‹#›</a:t>
+            </a:fld>
+            <a:endParaRPr lang="en-US"/>
+          </a:p>
+        </p:txBody>
+      </p:sp>
+      <p:grpSp>
+        <p:nvGrpSpPr>
+          <p:cNvPr id="10" name="Group 9"/>
+          <p:cNvGrpSpPr/>
+          <p:nvPr userDrawn="1"/>
+        </p:nvGrpSpPr>
+        <p:grpSpPr>
+          <a:xfrm>
+            <a:off x="0" y="4937760"/>
+            <a:ext cx="9144000" cy="137411"/>
+            <a:chOff x="284163" y="1577847"/>
+            <a:chExt cx="8576373" cy="137411"/>
+          </a:xfrm>
+        </p:grpSpPr>
+        <p:sp>
+          <p:nvSpPr>
+            <p:cNvPr id="11" name="Rectangle 10"/>
+            <p:cNvSpPr/>
+            <p:nvPr/>
+          </p:nvSpPr>
+          <p:spPr>
+            <a:xfrm>
+              <a:off x="284163" y="1577847"/>
+              <a:ext cx="1600200" cy="137411"/>
+            </a:xfrm>
+            <a:prstGeom prst="rect">
+              <a:avLst/>
+            </a:prstGeom>
+            <a:solidFill>
+              <a:srgbClr val="7030A0"/>
+            </a:solidFill>
+            <a:ln>
+              <a:noFill/>
+            </a:ln>
+          </p:spPr>
+          <p:style>
+            <a:lnRef idx="2">
+              <a:schemeClr val="accent1">
+                <a:shade val="50000"/>
+              </a:schemeClr>
+            </a:lnRef>
+            <a:fillRef idx="1">
+              <a:schemeClr val="accent1"/>
+            </a:fillRef>
+            <a:effectRef idx="0">
+              <a:schemeClr val="accent1"/>
+            </a:effectRef>
+            <a:fontRef idx="minor">
+              <a:schemeClr val="lt1"/>
+            </a:fontRef>
+          </p:style>
+          <p:txBody>
+            <a:bodyPr rtlCol="0" anchor="ctr"/>
+            <a:lstStyle/>
+            <a:p>
+              <a:pPr algn="ctr"/>
+              <a:endParaRPr/>
+            </a:p>
+          </p:txBody>
+        </p:sp>
+        <p:sp>
+          <p:nvSpPr>
+            <p:cNvPr id="12" name="Rectangle 11"/>
+            <p:cNvSpPr/>
+            <p:nvPr/>
+          </p:nvSpPr>
+          <p:spPr>
+            <a:xfrm>
+              <a:off x="1885174" y="1577847"/>
+              <a:ext cx="2743200" cy="137411"/>
+            </a:xfrm>
+            <a:prstGeom prst="rect">
+              <a:avLst/>
+            </a:prstGeom>
+            <a:solidFill>
+              <a:srgbClr val="00B050"/>
+            </a:solidFill>
+            <a:ln>
+              <a:noFill/>
+            </a:ln>
+          </p:spPr>
+          <p:style>
+            <a:lnRef idx="2">
+              <a:schemeClr val="accent1">
+                <a:shade val="50000"/>
+              </a:schemeClr>
+            </a:lnRef>
+            <a:fillRef idx="1">
+              <a:schemeClr val="accent1"/>
+            </a:fillRef>
+            <a:effectRef idx="0">
+              <a:schemeClr val="accent1"/>
+            </a:effectRef>
+            <a:fontRef idx="minor">
+              <a:schemeClr val="lt1"/>
+            </a:fontRef>
+          </p:style>
+          <p:txBody>
+            <a:bodyPr rtlCol="0" anchor="ctr"/>
+            <a:lstStyle/>
+            <a:p>
+              <a:pPr algn="ctr"/>
+              <a:endParaRPr/>
+            </a:p>
+          </p:txBody>
+        </p:sp>
+        <p:sp>
+          <p:nvSpPr>
+            <p:cNvPr id="13" name="Rectangle 12"/>
+            <p:cNvSpPr/>
+            <p:nvPr/>
+          </p:nvSpPr>
+          <p:spPr>
+            <a:xfrm>
+              <a:off x="4626864" y="1577847"/>
+              <a:ext cx="4233672" cy="137411"/>
+            </a:xfrm>
+            <a:prstGeom prst="rect">
+              <a:avLst/>
+            </a:prstGeom>
+            <a:solidFill>
+              <a:srgbClr val="0070C0"/>
+            </a:solidFill>
+            <a:ln>
+              <a:noFill/>
+            </a:ln>
+          </p:spPr>
+          <p:style>
+            <a:lnRef idx="2">
+              <a:schemeClr val="accent1">
+                <a:shade val="50000"/>
+              </a:schemeClr>
+            </a:lnRef>
+            <a:fillRef idx="1">
+              <a:schemeClr val="accent1"/>
+            </a:fillRef>
+            <a:effectRef idx="0">
+              <a:schemeClr val="accent1"/>
+            </a:effectRef>
+            <a:fontRef idx="minor">
+              <a:schemeClr val="lt1"/>
+            </a:fontRef>
+          </p:style>
+          <p:txBody>
+            <a:bodyPr rtlCol="0" anchor="ctr"/>
+            <a:lstStyle/>
+            <a:p>
+              <a:pPr algn="ctr"/>
+              <a:endParaRPr/>
+            </a:p>
+          </p:txBody>
+        </p:sp>
+      </p:grpSp>
+    </p:spTree>
+    <p:extLst>
+      <p:ext uri="{BB962C8B-B14F-4D97-AF65-F5344CB8AC3E}">
+        <p14:creationId xmlns:p14="http://schemas.microsoft.com/office/powerpoint/2010/main" val="1757762389"/>
+      </p:ext>
+    </p:extLst>
+  </p:cSld>
+  <p:clrMapOvr>
+    <a:masterClrMapping/>
+  </p:clrMapOvr>
+  <p:timing>
+    <p:tnLst>
+      <p:par>
+        <p:cTn id="1" dur="indefinite" restart="never" nodeType="tmRoot"/>
+      </p:par>
+    </p:tnLst>
+  </p:timing>
+</p:sldLayout>
+</file>
+
+<file path=ppt/slideLayouts/slideLayout4.xml><?xml version="1.0" encoding="utf-8"?>
+<p:sldLayout xmlns:a="http://schemas.openxmlformats.org/drawingml/2006/main" xmlns:r="http://schemas.openxmlformats.org/officeDocument/2006/relationships" xmlns:p="http://schemas.openxmlformats.org/presentationml/2006/main" preserve="1">
+  <p:cSld name="Two Content">
+    <p:spTree>
+      <p:nvGrpSpPr>
+        <p:cNvPr id="1" name=""/>
+        <p:cNvGrpSpPr/>
+        <p:nvPr/>
+      </p:nvGrpSpPr>
+      <p:grpSpPr>
+        <a:xfrm>
+          <a:off x="0" y="0"/>
+          <a:ext cx="0" cy="0"/>
+          <a:chOff x="0" y="0"/>
+          <a:chExt cx="0" cy="0"/>
+        </a:xfrm>
+      </p:grpSpPr>
+      <p:sp>
+        <p:nvSpPr>
+          <p:cNvPr id="6" name="Title 5"/>
+          <p:cNvSpPr>
+            <a:spLocks noGrp="1"/>
+          </p:cNvSpPr>
+          <p:nvPr>
+            <p:ph type="title"/>
+          </p:nvPr>
+        </p:nvSpPr>
+        <p:spPr/>
+        <p:txBody>
+          <a:bodyPr/>
+          <a:lstStyle/>
+          <a:p>
+            <a:r>
+              <a:rPr lang="en-US" smtClean="0"/>
+              <a:t>Click to edit Master title style</a:t>
+            </a:r>
+            <a:endParaRPr lang="en-US"/>
+          </a:p>
+        </p:txBody>
+      </p:sp>
+      <p:grpSp>
+        <p:nvGrpSpPr>
+          <p:cNvPr id="17" name="Group 16"/>
+          <p:cNvGrpSpPr/>
+          <p:nvPr/>
+        </p:nvGrpSpPr>
+        <p:grpSpPr>
+          <a:xfrm>
+            <a:off x="0" y="1188720"/>
+            <a:ext cx="9144000" cy="137411"/>
+            <a:chOff x="284163" y="1577847"/>
+            <a:chExt cx="8576373" cy="137411"/>
+          </a:xfrm>
+        </p:grpSpPr>
+        <p:sp>
+          <p:nvSpPr>
+            <p:cNvPr id="18" name="Rectangle 17"/>
+            <p:cNvSpPr/>
+            <p:nvPr/>
+          </p:nvSpPr>
+          <p:spPr>
+            <a:xfrm>
+              <a:off x="284163" y="1577847"/>
+              <a:ext cx="1600200" cy="137411"/>
+            </a:xfrm>
+            <a:prstGeom prst="rect">
+              <a:avLst/>
+            </a:prstGeom>
+            <a:solidFill>
+              <a:srgbClr val="7030A0"/>
+            </a:solidFill>
+            <a:ln>
+              <a:noFill/>
+            </a:ln>
+          </p:spPr>
+          <p:style>
+            <a:lnRef idx="2">
+              <a:schemeClr val="accent1">
+                <a:shade val="50000"/>
+              </a:schemeClr>
+            </a:lnRef>
+            <a:fillRef idx="1">
+              <a:schemeClr val="accent1"/>
+            </a:fillRef>
+            <a:effectRef idx="0">
+              <a:schemeClr val="accent1"/>
+            </a:effectRef>
+            <a:fontRef idx="minor">
+              <a:schemeClr val="lt1"/>
+            </a:fontRef>
+          </p:style>
+          <p:txBody>
+            <a:bodyPr rtlCol="0" anchor="ctr"/>
+            <a:lstStyle/>
+            <a:p>
+              <a:pPr algn="ctr"/>
+              <a:endParaRPr/>
+            </a:p>
+          </p:txBody>
+        </p:sp>
+        <p:sp>
+          <p:nvSpPr>
+            <p:cNvPr id="19" name="Rectangle 18"/>
+            <p:cNvSpPr/>
+            <p:nvPr/>
+          </p:nvSpPr>
+          <p:spPr>
+            <a:xfrm>
+              <a:off x="1885174" y="1577847"/>
+              <a:ext cx="2743200" cy="137411"/>
+            </a:xfrm>
+            <a:prstGeom prst="rect">
+              <a:avLst/>
+            </a:prstGeom>
+            <a:solidFill>
+              <a:srgbClr val="00B050"/>
+            </a:solidFill>
+            <a:ln>
+              <a:noFill/>
+            </a:ln>
+          </p:spPr>
+          <p:style>
+            <a:lnRef idx="2">
+              <a:schemeClr val="accent1">
+                <a:shade val="50000"/>
+              </a:schemeClr>
+            </a:lnRef>
+            <a:fillRef idx="1">
+              <a:schemeClr val="accent1"/>
+            </a:fillRef>
+            <a:effectRef idx="0">
+              <a:schemeClr val="accent1"/>
+            </a:effectRef>
+            <a:fontRef idx="minor">
+              <a:schemeClr val="lt1"/>
+            </a:fontRef>
+          </p:style>
+          <p:txBody>
+            <a:bodyPr rtlCol="0" anchor="ctr"/>
+            <a:lstStyle/>
+            <a:p>
+              <a:pPr algn="ctr"/>
+              <a:endParaRPr/>
+            </a:p>
+          </p:txBody>
+        </p:sp>
+        <p:sp>
+          <p:nvSpPr>
+            <p:cNvPr id="20" name="Rectangle 19"/>
+            <p:cNvSpPr/>
+            <p:nvPr/>
+          </p:nvSpPr>
+          <p:spPr>
+            <a:xfrm>
+              <a:off x="4626864" y="1577847"/>
+              <a:ext cx="4233672" cy="137411"/>
+            </a:xfrm>
+            <a:prstGeom prst="rect">
+              <a:avLst/>
+            </a:prstGeom>
+            <a:solidFill>
+              <a:srgbClr val="0070C0"/>
+            </a:solidFill>
+            <a:ln>
+              <a:noFill/>
+            </a:ln>
+          </p:spPr>
+          <p:style>
+            <a:lnRef idx="2">
+              <a:schemeClr val="accent1">
+                <a:shade val="50000"/>
+              </a:schemeClr>
+            </a:lnRef>
+            <a:fillRef idx="1">
+              <a:schemeClr val="accent1"/>
+            </a:fillRef>
+            <a:effectRef idx="0">
+              <a:schemeClr val="accent1"/>
+            </a:effectRef>
+            <a:fontRef idx="minor">
+              <a:schemeClr val="lt1"/>
+            </a:fontRef>
+          </p:style>
+          <p:txBody>
+            <a:bodyPr rtlCol="0" anchor="ctr"/>
+            <a:lstStyle/>
+            <a:p>
+              <a:pPr algn="ctr"/>
+              <a:endParaRPr/>
+            </a:p>
+          </p:txBody>
+        </p:sp>
+      </p:grpSp>
+      <p:sp>
+        <p:nvSpPr>
+          <p:cNvPr id="3" name="Content Placeholder 2"/>
+          <p:cNvSpPr>
+            <a:spLocks noGrp="1"/>
+          </p:cNvSpPr>
+          <p:nvPr>
+            <p:ph sz="half" idx="1"/>
+          </p:nvPr>
+        </p:nvSpPr>
+        <p:spPr>
+          <a:xfrm>
+            <a:off x="403412" y="2151063"/>
+            <a:ext cx="3931920" cy="3975100"/>
+          </a:xfrm>
+        </p:spPr>
+        <p:txBody>
+          <a:bodyPr>
+            <a:normAutofit/>
+          </a:bodyPr>
+          <a:lstStyle>
+            <a:lvl1pPr>
+              <a:defRPr sz="2200"/>
+            </a:lvl1pPr>
+            <a:lvl2pPr>
+              <a:defRPr sz="2000"/>
+            </a:lvl2pPr>
+            <a:lvl3pPr>
+              <a:defRPr sz="1800"/>
+            </a:lvl3pPr>
+            <a:lvl4pPr>
+              <a:defRPr sz="1800"/>
+            </a:lvl4pPr>
+            <a:lvl5pPr>
+              <a:defRPr sz="1800"/>
+            </a:lvl5pPr>
+            <a:lvl6pPr>
+              <a:defRPr sz="1800"/>
+            </a:lvl6pPr>
+            <a:lvl7pPr>
+              <a:defRPr sz="1800"/>
+            </a:lvl7pPr>
+            <a:lvl8pPr>
+              <a:defRPr sz="1800"/>
+            </a:lvl8pPr>
+            <a:lvl9pPr>
+              <a:defRPr sz="1800"/>
+            </a:lvl9pPr>
+          </a:lstStyle>
+          <a:p>
+            <a:pPr lvl="0"/>
+            <a:r>
+              <a:rPr lang="en-US" smtClean="0"/>
+              <a:t>Click to edit Master text styles</a:t>
+            </a:r>
+          </a:p>
+          <a:p>
+            <a:pPr lvl="1"/>
+            <a:r>
+              <a:rPr lang="en-US" smtClean="0"/>
+              <a:t>Second level</a:t>
+            </a:r>
+          </a:p>
+          <a:p>
+            <a:pPr lvl="2"/>
+            <a:r>
+              <a:rPr lang="en-US" smtClean="0"/>
+              <a:t>Third level</a:t>
+            </a:r>
+          </a:p>
+          <a:p>
+            <a:pPr lvl="3"/>
+            <a:r>
+              <a:rPr lang="en-US" smtClean="0"/>
+              <a:t>Fourth level</a:t>
+            </a:r>
+          </a:p>
+          <a:p>
+            <a:pPr lvl="4"/>
+            <a:r>
+              <a:rPr lang="en-US" smtClean="0"/>
+              <a:t>Fifth level</a:t>
+            </a:r>
+            <a:endParaRPr dirty="0"/>
+          </a:p>
+        </p:txBody>
+      </p:sp>
+      <p:sp>
+        <p:nvSpPr>
+          <p:cNvPr id="4" name="Content Placeholder 3"/>
+          <p:cNvSpPr>
+            <a:spLocks noGrp="1"/>
+          </p:cNvSpPr>
+          <p:nvPr>
+            <p:ph sz="half" idx="2"/>
+          </p:nvPr>
+        </p:nvSpPr>
+        <p:spPr>
+          <a:xfrm>
+            <a:off x="4778188" y="2151063"/>
+            <a:ext cx="3931920" cy="3975100"/>
+          </a:xfrm>
+        </p:spPr>
+        <p:txBody>
+          <a:bodyPr>
+            <a:normAutofit/>
+          </a:bodyPr>
+          <a:lstStyle>
+            <a:lvl1pPr>
+              <a:defRPr sz="2200"/>
+            </a:lvl1pPr>
+            <a:lvl2pPr>
+              <a:defRPr sz="2000"/>
+            </a:lvl2pPr>
+            <a:lvl3pPr>
+              <a:defRPr sz="1800"/>
+            </a:lvl3pPr>
+            <a:lvl4pPr>
+              <a:defRPr sz="1800"/>
+            </a:lvl4pPr>
+            <a:lvl5pPr>
+              <a:defRPr sz="1800"/>
+            </a:lvl5pPr>
+            <a:lvl6pPr>
+              <a:defRPr sz="1800"/>
+            </a:lvl6pPr>
+            <a:lvl7pPr>
+              <a:defRPr sz="1800"/>
+            </a:lvl7pPr>
+            <a:lvl8pPr>
+              <a:defRPr sz="1800"/>
+            </a:lvl8pPr>
+            <a:lvl9pPr>
+              <a:defRPr sz="1800"/>
+            </a:lvl9pPr>
+          </a:lstStyle>
+          <a:p>
+            <a:pPr lvl="0"/>
+            <a:r>
+              <a:rPr lang="en-US" smtClean="0"/>
+              <a:t>Click to edit Master text styles</a:t>
+            </a:r>
+          </a:p>
+          <a:p>
+            <a:pPr lvl="1"/>
+            <a:r>
+              <a:rPr lang="en-US" smtClean="0"/>
+              <a:t>Second level</a:t>
+            </a:r>
+          </a:p>
+          <a:p>
+            <a:pPr lvl="2"/>
+            <a:r>
+              <a:rPr lang="en-US" smtClean="0"/>
+              <a:t>Third level</a:t>
+            </a:r>
+          </a:p>
+          <a:p>
+            <a:pPr lvl="3"/>
+            <a:r>
+              <a:rPr lang="en-US" smtClean="0"/>
+              <a:t>Fourth level</a:t>
+            </a:r>
+          </a:p>
+          <a:p>
+            <a:pPr lvl="4"/>
+            <a:r>
+              <a:rPr lang="en-US" smtClean="0"/>
+              <a:t>Fifth level</a:t>
+            </a:r>
+            <a:endParaRPr dirty="0"/>
+          </a:p>
+        </p:txBody>
+      </p:sp>
+      <p:sp>
+        <p:nvSpPr>
+          <p:cNvPr id="5" name="Date Placeholder 4"/>
+          <p:cNvSpPr>
+            <a:spLocks noGrp="1"/>
+          </p:cNvSpPr>
+          <p:nvPr>
+            <p:ph type="dt" sz="half" idx="10"/>
+          </p:nvPr>
+        </p:nvSpPr>
+        <p:spPr/>
+        <p:txBody>
+          <a:bodyPr/>
+          <a:lstStyle/>
+          <a:p>
+            <a:fld id="{7C5F0E2F-9F6B-F947-B1CD-A0F2BCA4BDD0}" type="datetime1">
+              <a:rPr lang="en-US" smtClean="0"/>
+              <a:t>11/15/15</a:t>
+            </a:fld>
+            <a:endParaRPr lang="en-US"/>
+          </a:p>
+        </p:txBody>
+      </p:sp>
+      <p:sp>
+        <p:nvSpPr>
+          <p:cNvPr id="7" name="Slide Number Placeholder 6"/>
+          <p:cNvSpPr>
+            <a:spLocks noGrp="1"/>
+          </p:cNvSpPr>
+          <p:nvPr>
+            <p:ph type="sldNum" sz="quarter" idx="12"/>
+          </p:nvPr>
+        </p:nvSpPr>
+        <p:spPr/>
+        <p:txBody>
+          <a:bodyPr/>
+          <a:lstStyle/>
+          <a:p>
+            <a:fld id="{4382A7F7-08BF-4252-8141-63FB96055BBB}" type="slidenum">
+              <a:rPr lang="en-US" smtClean="0"/>
+              <a:t>‹#›</a:t>
+            </a:fld>
+            <a:endParaRPr lang="en-US"/>
+          </a:p>
+        </p:txBody>
+      </p:sp>
+      <p:sp>
+        <p:nvSpPr>
+          <p:cNvPr id="11" name="Rectangle 10"/>
+          <p:cNvSpPr/>
+          <p:nvPr/>
+        </p:nvSpPr>
+        <p:spPr>
+          <a:xfrm>
+            <a:off x="284163" y="1577847"/>
+            <a:ext cx="1600200" cy="137411"/>
+          </a:xfrm>
+          <a:prstGeom prst="rect">
+            <a:avLst/>
+          </a:prstGeom>
+          <a:solidFill>
+            <a:srgbClr val="7030A0"/>
+          </a:solidFill>
+          <a:ln>
+            <a:noFill/>
+          </a:ln>
+        </p:spPr>
+        <p:style>
+          <a:lnRef idx="2">
+            <a:schemeClr val="accent1">
+              <a:shade val="50000"/>
+            </a:schemeClr>
+          </a:lnRef>
+          <a:fillRef idx="1">
+            <a:schemeClr val="accent1"/>
+          </a:fillRef>
+          <a:effectRef idx="0">
+            <a:schemeClr val="accent1"/>
+          </a:effectRef>
+          <a:fontRef idx="minor">
+            <a:schemeClr val="lt1"/>
+          </a:fontRef>
+        </p:style>
+        <p:txBody>
+          <a:bodyPr rtlCol="0" anchor="ctr"/>
+          <a:lstStyle/>
+          <a:p>
+            <a:pPr algn="ctr"/>
+            <a:endParaRPr/>
+          </a:p>
+        </p:txBody>
+      </p:sp>
+      <p:sp>
+        <p:nvSpPr>
+          <p:cNvPr id="12" name="Rectangle 11"/>
+          <p:cNvSpPr/>
+          <p:nvPr/>
+        </p:nvSpPr>
+        <p:spPr>
+          <a:xfrm>
+            <a:off x="1885174" y="1577847"/>
+            <a:ext cx="2743200" cy="137411"/>
+          </a:xfrm>
+          <a:prstGeom prst="rect">
+            <a:avLst/>
+          </a:prstGeom>
+          <a:solidFill>
+            <a:srgbClr val="00B050"/>
+          </a:solidFill>
+          <a:ln>
+            <a:noFill/>
+          </a:ln>
+        </p:spPr>
+        <p:style>
+          <a:lnRef idx="2">
+            <a:schemeClr val="accent1">
+              <a:shade val="50000"/>
+            </a:schemeClr>
+          </a:lnRef>
+          <a:fillRef idx="1">
+            <a:schemeClr val="accent1"/>
+          </a:fillRef>
+          <a:effectRef idx="0">
+            <a:schemeClr val="accent1"/>
+          </a:effectRef>
+          <a:fontRef idx="minor">
+            <a:schemeClr val="lt1"/>
+          </a:fontRef>
+        </p:style>
+        <p:txBody>
+          <a:bodyPr rtlCol="0" anchor="ctr"/>
+          <a:lstStyle/>
+          <a:p>
+            <a:pPr algn="ctr"/>
+            <a:endParaRPr/>
+          </a:p>
+        </p:txBody>
+      </p:sp>
+      <p:sp>
+        <p:nvSpPr>
+          <p:cNvPr id="13" name="Rectangle 12"/>
+          <p:cNvSpPr/>
+          <p:nvPr/>
+        </p:nvSpPr>
+        <p:spPr>
+          <a:xfrm>
+            <a:off x="4626864" y="1577847"/>
+            <a:ext cx="4233672" cy="137411"/>
+          </a:xfrm>
+          <a:prstGeom prst="rect">
+            <a:avLst/>
+          </a:prstGeom>
+          <a:solidFill>
+            <a:srgbClr val="0070C0"/>
+          </a:solidFill>
+          <a:ln>
+            <a:noFill/>
+          </a:ln>
+        </p:spPr>
+        <p:style>
+          <a:lnRef idx="2">
+            <a:schemeClr val="accent1">
+              <a:shade val="50000"/>
+            </a:schemeClr>
+          </a:lnRef>
+          <a:fillRef idx="1">
+            <a:schemeClr val="accent1"/>
+          </a:fillRef>
+          <a:effectRef idx="0">
+            <a:schemeClr val="accent1"/>
+          </a:effectRef>
+          <a:fontRef idx="minor">
+            <a:schemeClr val="lt1"/>
+          </a:fontRef>
+        </p:style>
+        <p:txBody>
+          <a:bodyPr rtlCol="0" anchor="ctr"/>
+          <a:lstStyle/>
+          <a:p>
+            <a:pPr algn="ctr"/>
+            <a:endParaRPr/>
+          </a:p>
+        </p:txBody>
+      </p:sp>
+      <p:grpSp>
+        <p:nvGrpSpPr>
+          <p:cNvPr id="14" name="Group 13"/>
+          <p:cNvGrpSpPr/>
+          <p:nvPr userDrawn="1"/>
+        </p:nvGrpSpPr>
+        <p:grpSpPr>
+          <a:xfrm>
+            <a:off x="0" y="1188720"/>
+            <a:ext cx="9144000" cy="137411"/>
+            <a:chOff x="284163" y="1577847"/>
+            <a:chExt cx="8576373" cy="137411"/>
+          </a:xfrm>
+        </p:grpSpPr>
+        <p:sp>
+          <p:nvSpPr>
+            <p:cNvPr id="15" name="Rectangle 14"/>
+            <p:cNvSpPr/>
+            <p:nvPr/>
+          </p:nvSpPr>
+          <p:spPr>
+            <a:xfrm>
+              <a:off x="284163" y="1577847"/>
+              <a:ext cx="1600200" cy="137411"/>
+            </a:xfrm>
+            <a:prstGeom prst="rect">
+              <a:avLst/>
+            </a:prstGeom>
+            <a:solidFill>
+              <a:srgbClr val="7030A0"/>
+            </a:solidFill>
+            <a:ln>
+              <a:noFill/>
+            </a:ln>
+          </p:spPr>
+          <p:style>
+            <a:lnRef idx="2">
+              <a:schemeClr val="accent1">
+                <a:shade val="50000"/>
+              </a:schemeClr>
+            </a:lnRef>
+            <a:fillRef idx="1">
+              <a:schemeClr val="accent1"/>
+            </a:fillRef>
+            <a:effectRef idx="0">
+              <a:schemeClr val="accent1"/>
+            </a:effectRef>
+            <a:fontRef idx="minor">
+              <a:schemeClr val="lt1"/>
+            </a:fontRef>
+          </p:style>
+          <p:txBody>
+            <a:bodyPr rtlCol="0" anchor="ctr"/>
+            <a:lstStyle/>
+            <a:p>
+              <a:pPr algn="ctr"/>
+              <a:endParaRPr/>
+            </a:p>
+          </p:txBody>
+        </p:sp>
+        <p:sp>
+          <p:nvSpPr>
+            <p:cNvPr id="16" name="Rectangle 15"/>
+            <p:cNvSpPr/>
+            <p:nvPr/>
+          </p:nvSpPr>
+          <p:spPr>
+            <a:xfrm>
+              <a:off x="1885174" y="1577847"/>
+              <a:ext cx="2743200" cy="137411"/>
+            </a:xfrm>
+            <a:prstGeom prst="rect">
+              <a:avLst/>
+            </a:prstGeom>
+            <a:solidFill>
+              <a:srgbClr val="00B050"/>
+            </a:solidFill>
+            <a:ln>
+              <a:noFill/>
+            </a:ln>
+          </p:spPr>
+          <p:style>
+            <a:lnRef idx="2">
+              <a:schemeClr val="accent1">
+                <a:shade val="50000"/>
+              </a:schemeClr>
+            </a:lnRef>
+            <a:fillRef idx="1">
+              <a:schemeClr val="accent1"/>
+            </a:fillRef>
+            <a:effectRef idx="0">
+              <a:schemeClr val="accent1"/>
+            </a:effectRef>
+            <a:fontRef idx="minor">
+              <a:schemeClr val="lt1"/>
+            </a:fontRef>
+          </p:style>
+          <p:txBody>
+            <a:bodyPr rtlCol="0" anchor="ctr"/>
+            <a:lstStyle/>
+            <a:p>
+              <a:pPr algn="ctr"/>
+              <a:endParaRPr/>
+            </a:p>
+          </p:txBody>
+        </p:sp>
+        <p:sp>
+          <p:nvSpPr>
+            <p:cNvPr id="21" name="Rectangle 20"/>
+            <p:cNvSpPr/>
+            <p:nvPr/>
+          </p:nvSpPr>
+          <p:spPr>
+            <a:xfrm>
+              <a:off x="4626864" y="1577847"/>
+              <a:ext cx="4233672" cy="137411"/>
+            </a:xfrm>
+            <a:prstGeom prst="rect">
+              <a:avLst/>
+            </a:prstGeom>
+            <a:solidFill>
+              <a:srgbClr val="0070C0"/>
+            </a:solidFill>
+            <a:ln>
+              <a:noFill/>
+            </a:ln>
+          </p:spPr>
+          <p:style>
+            <a:lnRef idx="2">
+              <a:schemeClr val="accent1">
+                <a:shade val="50000"/>
+              </a:schemeClr>
+            </a:lnRef>
+            <a:fillRef idx="1">
+              <a:schemeClr val="accent1"/>
+            </a:fillRef>
+            <a:effectRef idx="0">
+              <a:schemeClr val="accent1"/>
+            </a:effectRef>
+            <a:fontRef idx="minor">
+              <a:schemeClr val="lt1"/>
+            </a:fontRef>
+          </p:style>
+          <p:txBody>
+            <a:bodyPr rtlCol="0" anchor="ctr"/>
+            <a:lstStyle/>
+            <a:p>
+              <a:pPr algn="ctr"/>
+              <a:endParaRPr/>
+            </a:p>
+          </p:txBody>
+        </p:sp>
+      </p:grpSp>
+    </p:spTree>
+    <p:extLst>
+      <p:ext uri="{BB962C8B-B14F-4D97-AF65-F5344CB8AC3E}">
+        <p14:creationId xmlns:p14="http://schemas.microsoft.com/office/powerpoint/2010/main" val="1927423791"/>
+      </p:ext>
+    </p:extLst>
+  </p:cSld>
+  <p:clrMapOvr>
+    <a:masterClrMapping/>
+  </p:clrMapOvr>
+  <p:timing>
+    <p:tnLst>
+      <p:par>
+        <p:cTn id="1" dur="indefinite" restart="never" nodeType="tmRoot"/>
+      </p:par>
+    </p:tnLst>
+  </p:timing>
+</p:sldLayout>
+</file>
+
+<file path=ppt/slideLayouts/slideLayout5.xml><?xml version="1.0" encoding="utf-8"?>
+<p:sldLayout xmlns:a="http://schemas.openxmlformats.org/drawingml/2006/main" xmlns:r="http://schemas.openxmlformats.org/officeDocument/2006/relationships" xmlns:p="http://schemas.openxmlformats.org/presentationml/2006/main" preserve="1">
+  <p:cSld name="Comparison">
+    <p:spTree>
+      <p:nvGrpSpPr>
+        <p:cNvPr id="1" name=""/>
+        <p:cNvGrpSpPr/>
+        <p:nvPr/>
+      </p:nvGrpSpPr>
+      <p:grpSpPr>
+        <a:xfrm>
+          <a:off x="0" y="0"/>
+          <a:ext cx="0" cy="0"/>
+          <a:chOff x="0" y="0"/>
+          <a:chExt cx="0" cy="0"/>
+        </a:xfrm>
+      </p:grpSpPr>
+      <p:sp>
+        <p:nvSpPr>
+          <p:cNvPr id="11" name="Title 10"/>
+          <p:cNvSpPr>
+            <a:spLocks noGrp="1"/>
+          </p:cNvSpPr>
+          <p:nvPr>
+            <p:ph type="title"/>
+          </p:nvPr>
+        </p:nvSpPr>
+        <p:spPr/>
+        <p:txBody>
+          <a:bodyPr/>
+          <a:lstStyle/>
+          <a:p>
+            <a:r>
+              <a:rPr lang="en-US" smtClean="0"/>
+              <a:t>Click to edit Master title style</a:t>
+            </a:r>
+            <a:endParaRPr lang="en-US"/>
+          </a:p>
+        </p:txBody>
+      </p:sp>
+      <p:grpSp>
+        <p:nvGrpSpPr>
+          <p:cNvPr id="20" name="Group 19"/>
+          <p:cNvGrpSpPr/>
+          <p:nvPr/>
+        </p:nvGrpSpPr>
+        <p:grpSpPr>
+          <a:xfrm>
+            <a:off x="0" y="1188720"/>
+            <a:ext cx="9144000" cy="137411"/>
+            <a:chOff x="284163" y="1577847"/>
+            <a:chExt cx="8576373" cy="137411"/>
+          </a:xfrm>
+        </p:grpSpPr>
+        <p:sp>
+          <p:nvSpPr>
+            <p:cNvPr id="21" name="Rectangle 20"/>
+            <p:cNvSpPr/>
+            <p:nvPr/>
+          </p:nvSpPr>
+          <p:spPr>
+            <a:xfrm>
+              <a:off x="284163" y="1577847"/>
+              <a:ext cx="1600200" cy="137411"/>
+            </a:xfrm>
+            <a:prstGeom prst="rect">
+              <a:avLst/>
+            </a:prstGeom>
+            <a:solidFill>
+              <a:srgbClr val="7030A0"/>
+            </a:solidFill>
+            <a:ln>
+              <a:noFill/>
+            </a:ln>
+          </p:spPr>
+          <p:style>
+            <a:lnRef idx="2">
+              <a:schemeClr val="accent1">
+                <a:shade val="50000"/>
+              </a:schemeClr>
+            </a:lnRef>
+            <a:fillRef idx="1">
+              <a:schemeClr val="accent1"/>
+            </a:fillRef>
+            <a:effectRef idx="0">
+              <a:schemeClr val="accent1"/>
+            </a:effectRef>
+            <a:fontRef idx="minor">
+              <a:schemeClr val="lt1"/>
+            </a:fontRef>
+          </p:style>
+          <p:txBody>
+            <a:bodyPr rtlCol="0" anchor="ctr"/>
+            <a:lstStyle/>
+            <a:p>
+              <a:pPr algn="ctr"/>
+              <a:endParaRPr/>
+            </a:p>
+          </p:txBody>
+        </p:sp>
+        <p:sp>
+          <p:nvSpPr>
+            <p:cNvPr id="22" name="Rectangle 21"/>
+            <p:cNvSpPr/>
+            <p:nvPr/>
+          </p:nvSpPr>
+          <p:spPr>
+            <a:xfrm>
+              <a:off x="1885174" y="1577847"/>
+              <a:ext cx="2743200" cy="137411"/>
+            </a:xfrm>
+            <a:prstGeom prst="rect">
+              <a:avLst/>
+            </a:prstGeom>
+            <a:solidFill>
+              <a:srgbClr val="00B050"/>
+            </a:solidFill>
+            <a:ln>
+              <a:noFill/>
+            </a:ln>
+          </p:spPr>
+          <p:style>
+            <a:lnRef idx="2">
+              <a:schemeClr val="accent1">
+                <a:shade val="50000"/>
+              </a:schemeClr>
+            </a:lnRef>
+            <a:fillRef idx="1">
+              <a:schemeClr val="accent1"/>
+            </a:fillRef>
+            <a:effectRef idx="0">
+              <a:schemeClr val="accent1"/>
+            </a:effectRef>
+            <a:fontRef idx="minor">
+              <a:schemeClr val="lt1"/>
+            </a:fontRef>
+          </p:style>
+          <p:txBody>
+            <a:bodyPr rtlCol="0" anchor="ctr"/>
+            <a:lstStyle/>
+            <a:p>
+              <a:pPr algn="ctr"/>
+              <a:endParaRPr/>
+            </a:p>
+          </p:txBody>
+        </p:sp>
+        <p:sp>
+          <p:nvSpPr>
+            <p:cNvPr id="23" name="Rectangle 22"/>
+            <p:cNvSpPr/>
+            <p:nvPr/>
+          </p:nvSpPr>
+          <p:spPr>
+            <a:xfrm>
+              <a:off x="4626864" y="1577847"/>
+              <a:ext cx="4233672" cy="137411"/>
+            </a:xfrm>
+            <a:prstGeom prst="rect">
+              <a:avLst/>
+            </a:prstGeom>
+            <a:solidFill>
+              <a:srgbClr val="0070C0"/>
+            </a:solidFill>
+            <a:ln>
+              <a:noFill/>
+            </a:ln>
+          </p:spPr>
+          <p:style>
+            <a:lnRef idx="2">
+              <a:schemeClr val="accent1">
+                <a:shade val="50000"/>
+              </a:schemeClr>
+            </a:lnRef>
+            <a:fillRef idx="1">
+              <a:schemeClr val="accent1"/>
+            </a:fillRef>
+            <a:effectRef idx="0">
+              <a:schemeClr val="accent1"/>
+            </a:effectRef>
+            <a:fontRef idx="minor">
+              <a:schemeClr val="lt1"/>
+            </a:fontRef>
+          </p:style>
+          <p:txBody>
+            <a:bodyPr rtlCol="0" anchor="ctr"/>
+            <a:lstStyle/>
+            <a:p>
+              <a:pPr algn="ctr"/>
+              <a:endParaRPr/>
+            </a:p>
+          </p:txBody>
+        </p:sp>
+      </p:grpSp>
+      <p:sp>
+        <p:nvSpPr>
+          <p:cNvPr id="3" name="Text Placeholder 2"/>
+          <p:cNvSpPr>
+            <a:spLocks noGrp="1"/>
+          </p:cNvSpPr>
+          <p:nvPr>
+            <p:ph type="body" idx="1"/>
+          </p:nvPr>
+        </p:nvSpPr>
+        <p:spPr>
+          <a:xfrm>
+            <a:off x="403412" y="1735138"/>
+            <a:ext cx="3931920" cy="833250"/>
+          </a:xfrm>
+        </p:spPr>
+        <p:txBody>
+          <a:bodyPr anchor="b">
+            <a:noAutofit/>
+          </a:bodyPr>
+          <a:lstStyle>
+            <a:lvl1pPr marL="0" indent="0" algn="ctr">
+              <a:lnSpc>
+                <a:spcPct val="100000"/>
+              </a:lnSpc>
+              <a:spcBef>
+                <a:spcPts val="600"/>
+              </a:spcBef>
+              <a:buNone/>
+              <a:defRPr sz="2600" b="0">
+                <a:solidFill>
+                  <a:schemeClr val="accent1"/>
+                </a:solidFill>
+              </a:defRPr>
+            </a:lvl1pPr>
+            <a:lvl2pPr marL="457200" indent="0">
+              <a:buNone/>
+              <a:defRPr sz="2000" b="1"/>
+            </a:lvl2pPr>
+            <a:lvl3pPr marL="914400" indent="0">
+              <a:buNone/>
+              <a:defRPr sz="1800" b="1"/>
+            </a:lvl3pPr>
+            <a:lvl4pPr marL="1371600" indent="0">
+              <a:buNone/>
+              <a:defRPr sz="1600" b="1"/>
+            </a:lvl4pPr>
+            <a:lvl5pPr marL="1828800" indent="0">
+              <a:buNone/>
+              <a:defRPr sz="1600" b="1"/>
+            </a:lvl5pPr>
+            <a:lvl6pPr marL="2286000" indent="0">
+              <a:buNone/>
+              <a:defRPr sz="1600" b="1"/>
+            </a:lvl6pPr>
+            <a:lvl7pPr marL="2743200" indent="0">
+              <a:buNone/>
+              <a:defRPr sz="1600" b="1"/>
+            </a:lvl7pPr>
+            <a:lvl8pPr marL="3200400" indent="0">
+              <a:buNone/>
+              <a:defRPr sz="1600" b="1"/>
+            </a:lvl8pPr>
+            <a:lvl9pPr marL="3657600" indent="0">
+              <a:buNone/>
+              <a:defRPr sz="1600" b="1"/>
+            </a:lvl9pPr>
+          </a:lstStyle>
+          <a:p>
+            <a:pPr lvl="0"/>
+            <a:r>
+              <a:rPr lang="en-US" smtClean="0"/>
+              <a:t>Click to edit Master text styles</a:t>
+            </a:r>
+          </a:p>
+        </p:txBody>
+      </p:sp>
+      <p:sp>
+        <p:nvSpPr>
+          <p:cNvPr id="4" name="Content Placeholder 3"/>
+          <p:cNvSpPr>
+            <a:spLocks noGrp="1"/>
+          </p:cNvSpPr>
+          <p:nvPr>
+            <p:ph sz="half" idx="2"/>
+          </p:nvPr>
+        </p:nvSpPr>
+        <p:spPr>
+          <a:xfrm>
+            <a:off x="403412" y="2590800"/>
+            <a:ext cx="3931920" cy="3535362"/>
+          </a:xfrm>
+        </p:spPr>
+        <p:txBody>
+          <a:bodyPr>
+            <a:normAutofit/>
+          </a:bodyPr>
+          <a:lstStyle>
+            <a:lvl1pPr>
+              <a:defRPr sz="2200"/>
+            </a:lvl1pPr>
+            <a:lvl2pPr>
+              <a:defRPr sz="2000"/>
+            </a:lvl2pPr>
+            <a:lvl3pPr>
+              <a:defRPr sz="1800"/>
+            </a:lvl3pPr>
+            <a:lvl4pPr>
+              <a:defRPr sz="1800"/>
+            </a:lvl4pPr>
+            <a:lvl5pPr>
+              <a:defRPr sz="1800"/>
+            </a:lvl5pPr>
+            <a:lvl6pPr>
+              <a:defRPr sz="1600"/>
+            </a:lvl6pPr>
+            <a:lvl7pPr>
+              <a:defRPr sz="1600"/>
+            </a:lvl7pPr>
+            <a:lvl8pPr>
+              <a:defRPr sz="1600"/>
+            </a:lvl8pPr>
+            <a:lvl9pPr>
+              <a:defRPr sz="1600"/>
+            </a:lvl9pPr>
+          </a:lstStyle>
+          <a:p>
+            <a:pPr lvl="0"/>
+            <a:r>
+              <a:rPr lang="en-US" smtClean="0"/>
+              <a:t>Click to edit Master text styles</a:t>
+            </a:r>
+          </a:p>
+          <a:p>
+            <a:pPr lvl="1"/>
+            <a:r>
+              <a:rPr lang="en-US" smtClean="0"/>
+              <a:t>Second level</a:t>
+            </a:r>
+          </a:p>
+          <a:p>
+            <a:pPr lvl="2"/>
+            <a:r>
+              <a:rPr lang="en-US" smtClean="0"/>
+              <a:t>Third level</a:t>
+            </a:r>
+          </a:p>
+          <a:p>
+            <a:pPr lvl="3"/>
+            <a:r>
+              <a:rPr lang="en-US" smtClean="0"/>
+              <a:t>Fourth level</a:t>
+            </a:r>
+          </a:p>
+          <a:p>
+            <a:pPr lvl="4"/>
+            <a:r>
+              <a:rPr lang="en-US" smtClean="0"/>
+              <a:t>Fifth level</a:t>
+            </a:r>
+            <a:endParaRPr dirty="0"/>
+          </a:p>
+        </p:txBody>
+      </p:sp>
+      <p:sp>
+        <p:nvSpPr>
+          <p:cNvPr id="5" name="Text Placeholder 4"/>
+          <p:cNvSpPr>
+            <a:spLocks noGrp="1"/>
+          </p:cNvSpPr>
+          <p:nvPr>
+            <p:ph type="body" sz="quarter" idx="3"/>
+          </p:nvPr>
+        </p:nvSpPr>
+        <p:spPr>
+          <a:xfrm>
+            <a:off x="4779495" y="1735138"/>
+            <a:ext cx="3931920" cy="833250"/>
+          </a:xfrm>
+        </p:spPr>
+        <p:txBody>
+          <a:bodyPr anchor="b">
+            <a:noAutofit/>
+          </a:bodyPr>
+          <a:lstStyle>
+            <a:lvl1pPr marL="0" indent="0" algn="ctr">
+              <a:lnSpc>
+                <a:spcPct val="100000"/>
+              </a:lnSpc>
+              <a:spcBef>
+                <a:spcPts val="600"/>
+              </a:spcBef>
+              <a:buNone/>
+              <a:defRPr sz="2600" b="0">
+                <a:solidFill>
+                  <a:schemeClr val="accent2"/>
+                </a:solidFill>
+              </a:defRPr>
+            </a:lvl1pPr>
+            <a:lvl2pPr marL="457200" indent="0">
+              <a:buNone/>
+              <a:defRPr sz="2000" b="1"/>
+            </a:lvl2pPr>
+            <a:lvl3pPr marL="914400" indent="0">
+              <a:buNone/>
+              <a:defRPr sz="1800" b="1"/>
+            </a:lvl3pPr>
+            <a:lvl4pPr marL="1371600" indent="0">
+              <a:buNone/>
+              <a:defRPr sz="1600" b="1"/>
+            </a:lvl4pPr>
+            <a:lvl5pPr marL="1828800" indent="0">
+              <a:buNone/>
+              <a:defRPr sz="1600" b="1"/>
+            </a:lvl5pPr>
+            <a:lvl6pPr marL="2286000" indent="0">
+              <a:buNone/>
+              <a:defRPr sz="1600" b="1"/>
+            </a:lvl6pPr>
+            <a:lvl7pPr marL="2743200" indent="0">
+              <a:buNone/>
+              <a:defRPr sz="1600" b="1"/>
+            </a:lvl7pPr>
+            <a:lvl8pPr marL="3200400" indent="0">
+              <a:buNone/>
+              <a:defRPr sz="1600" b="1"/>
+            </a:lvl8pPr>
+            <a:lvl9pPr marL="3657600" indent="0">
+              <a:buNone/>
+              <a:defRPr sz="1600" b="1"/>
+            </a:lvl9pPr>
+          </a:lstStyle>
+          <a:p>
+            <a:pPr lvl="0"/>
+            <a:r>
+              <a:rPr lang="en-US" smtClean="0"/>
+              <a:t>Click to edit Master text styles</a:t>
+            </a:r>
+          </a:p>
+        </p:txBody>
+      </p:sp>
+      <p:sp>
+        <p:nvSpPr>
+          <p:cNvPr id="6" name="Content Placeholder 5"/>
+          <p:cNvSpPr>
+            <a:spLocks noGrp="1"/>
+          </p:cNvSpPr>
+          <p:nvPr>
+            <p:ph sz="quarter" idx="4"/>
+          </p:nvPr>
+        </p:nvSpPr>
+        <p:spPr>
+          <a:xfrm>
+            <a:off x="4779495" y="2590800"/>
+            <a:ext cx="3931920" cy="3535362"/>
+          </a:xfrm>
+        </p:spPr>
+        <p:txBody>
+          <a:bodyPr>
+            <a:normAutofit/>
+          </a:bodyPr>
+          <a:lstStyle>
+            <a:lvl1pPr>
+              <a:defRPr sz="2200"/>
+            </a:lvl1pPr>
+            <a:lvl2pPr>
+              <a:defRPr sz="2000"/>
+            </a:lvl2pPr>
+            <a:lvl3pPr>
+              <a:defRPr sz="1800"/>
+            </a:lvl3pPr>
+            <a:lvl4pPr>
+              <a:defRPr sz="1800"/>
+            </a:lvl4pPr>
+            <a:lvl5pPr>
+              <a:defRPr sz="1800"/>
+            </a:lvl5pPr>
+            <a:lvl6pPr>
+              <a:defRPr sz="1600"/>
+            </a:lvl6pPr>
+            <a:lvl7pPr>
+              <a:defRPr sz="1600"/>
+            </a:lvl7pPr>
+            <a:lvl8pPr>
+              <a:defRPr sz="1600"/>
+            </a:lvl8pPr>
+            <a:lvl9pPr>
+              <a:defRPr sz="1600"/>
+            </a:lvl9pPr>
+          </a:lstStyle>
+          <a:p>
+            <a:pPr lvl="0"/>
+            <a:r>
+              <a:rPr lang="en-US" smtClean="0"/>
+              <a:t>Click to edit Master text styles</a:t>
+            </a:r>
+          </a:p>
+          <a:p>
+            <a:pPr lvl="1"/>
+            <a:r>
+              <a:rPr lang="en-US" smtClean="0"/>
+              <a:t>Second level</a:t>
+            </a:r>
+          </a:p>
+          <a:p>
+            <a:pPr lvl="2"/>
+            <a:r>
+              <a:rPr lang="en-US" smtClean="0"/>
+              <a:t>Third level</a:t>
+            </a:r>
+          </a:p>
+          <a:p>
+            <a:pPr lvl="3"/>
+            <a:r>
+              <a:rPr lang="en-US" smtClean="0"/>
+              <a:t>Fourth level</a:t>
+            </a:r>
+          </a:p>
+          <a:p>
+            <a:pPr lvl="4"/>
+            <a:r>
+              <a:rPr lang="en-US" smtClean="0"/>
+              <a:t>Fifth level</a:t>
+            </a:r>
+            <a:endParaRPr dirty="0"/>
+          </a:p>
+        </p:txBody>
+      </p:sp>
+      <p:sp>
+        <p:nvSpPr>
+          <p:cNvPr id="7" name="Date Placeholder 6"/>
+          <p:cNvSpPr>
+            <a:spLocks noGrp="1"/>
+          </p:cNvSpPr>
+          <p:nvPr>
+            <p:ph type="dt" sz="half" idx="10"/>
+          </p:nvPr>
+        </p:nvSpPr>
+        <p:spPr/>
+        <p:txBody>
+          <a:bodyPr/>
+          <a:lstStyle/>
+          <a:p>
+            <a:fld id="{24B60D1B-E521-6349-AE89-A4AB5C25F0E0}" type="datetime1">
+              <a:rPr lang="en-US" smtClean="0"/>
+              <a:t>11/15/15</a:t>
+            </a:fld>
+            <a:endParaRPr lang="en-US"/>
+          </a:p>
+        </p:txBody>
+      </p:sp>
+      <p:sp>
+        <p:nvSpPr>
+          <p:cNvPr id="8" name="Footer Placeholder 7"/>
+          <p:cNvSpPr>
+            <a:spLocks noGrp="1"/>
+          </p:cNvSpPr>
+          <p:nvPr>
+            <p:ph type="ftr" sz="quarter" idx="11"/>
+          </p:nvPr>
+        </p:nvSpPr>
+        <p:spPr/>
+        <p:txBody>
+          <a:bodyPr/>
+          <a:lstStyle/>
+          <a:p>
+            <a:r>
+              <a:rPr lang="sk-SK" smtClean="0"/>
+              <a:t>© 2015 EV3Lessons.com, Last edit 6/15/2015</a:t>
+            </a:r>
+            <a:endParaRPr lang="en-US"/>
+          </a:p>
+        </p:txBody>
+      </p:sp>
+      <p:sp>
+        <p:nvSpPr>
+          <p:cNvPr id="9" name="Slide Number Placeholder 8"/>
+          <p:cNvSpPr>
+            <a:spLocks noGrp="1"/>
+          </p:cNvSpPr>
+          <p:nvPr>
+            <p:ph type="sldNum" sz="quarter" idx="12"/>
+          </p:nvPr>
+        </p:nvSpPr>
+        <p:spPr/>
+        <p:txBody>
+          <a:bodyPr/>
+          <a:lstStyle/>
+          <a:p>
+            <a:fld id="{4382A7F7-08BF-4252-8141-63FB96055BBB}" type="slidenum">
+              <a:rPr lang="en-US" smtClean="0"/>
+              <a:t>‹#›</a:t>
+            </a:fld>
+            <a:endParaRPr lang="en-US"/>
+          </a:p>
+        </p:txBody>
+      </p:sp>
+      <p:grpSp>
+        <p:nvGrpSpPr>
+          <p:cNvPr id="14" name="Group 13"/>
+          <p:cNvGrpSpPr/>
+          <p:nvPr userDrawn="1"/>
+        </p:nvGrpSpPr>
+        <p:grpSpPr>
+          <a:xfrm>
+            <a:off x="0" y="1188720"/>
+            <a:ext cx="9144000" cy="137411"/>
+            <a:chOff x="284163" y="1577847"/>
+            <a:chExt cx="8576373" cy="137411"/>
+          </a:xfrm>
+        </p:grpSpPr>
+        <p:sp>
+          <p:nvSpPr>
+            <p:cNvPr id="15" name="Rectangle 14"/>
+            <p:cNvSpPr/>
+            <p:nvPr/>
+          </p:nvSpPr>
+          <p:spPr>
+            <a:xfrm>
+              <a:off x="284163" y="1577847"/>
+              <a:ext cx="1600200" cy="137411"/>
+            </a:xfrm>
+            <a:prstGeom prst="rect">
+              <a:avLst/>
+            </a:prstGeom>
+            <a:solidFill>
+              <a:srgbClr val="7030A0"/>
+            </a:solidFill>
+            <a:ln>
+              <a:noFill/>
+            </a:ln>
+          </p:spPr>
+          <p:style>
+            <a:lnRef idx="2">
+              <a:schemeClr val="accent1">
+                <a:shade val="50000"/>
+              </a:schemeClr>
+            </a:lnRef>
+            <a:fillRef idx="1">
+              <a:schemeClr val="accent1"/>
+            </a:fillRef>
+            <a:effectRef idx="0">
+              <a:schemeClr val="accent1"/>
+            </a:effectRef>
+            <a:fontRef idx="minor">
+              <a:schemeClr val="lt1"/>
+            </a:fontRef>
+          </p:style>
+          <p:txBody>
+            <a:bodyPr rtlCol="0" anchor="ctr"/>
+            <a:lstStyle/>
+            <a:p>
+              <a:pPr algn="ctr"/>
+              <a:endParaRPr/>
+            </a:p>
+          </p:txBody>
+        </p:sp>
+        <p:sp>
+          <p:nvSpPr>
+            <p:cNvPr id="16" name="Rectangle 15"/>
+            <p:cNvSpPr/>
+            <p:nvPr/>
+          </p:nvSpPr>
+          <p:spPr>
+            <a:xfrm>
+              <a:off x="1885174" y="1577847"/>
+              <a:ext cx="2743200" cy="137411"/>
+            </a:xfrm>
+            <a:prstGeom prst="rect">
+              <a:avLst/>
+            </a:prstGeom>
+            <a:solidFill>
+              <a:srgbClr val="00B050"/>
+            </a:solidFill>
+            <a:ln>
+              <a:noFill/>
+            </a:ln>
+          </p:spPr>
+          <p:style>
+            <a:lnRef idx="2">
+              <a:schemeClr val="accent1">
+                <a:shade val="50000"/>
+              </a:schemeClr>
+            </a:lnRef>
+            <a:fillRef idx="1">
+              <a:schemeClr val="accent1"/>
+            </a:fillRef>
+            <a:effectRef idx="0">
+              <a:schemeClr val="accent1"/>
+            </a:effectRef>
+            <a:fontRef idx="minor">
+              <a:schemeClr val="lt1"/>
+            </a:fontRef>
+          </p:style>
+          <p:txBody>
+            <a:bodyPr rtlCol="0" anchor="ctr"/>
+            <a:lstStyle/>
+            <a:p>
+              <a:pPr algn="ctr"/>
+              <a:endParaRPr/>
+            </a:p>
+          </p:txBody>
+        </p:sp>
+        <p:sp>
+          <p:nvSpPr>
+            <p:cNvPr id="17" name="Rectangle 16"/>
+            <p:cNvSpPr/>
+            <p:nvPr/>
+          </p:nvSpPr>
+          <p:spPr>
+            <a:xfrm>
+              <a:off x="4626864" y="1577847"/>
+              <a:ext cx="4233672" cy="137411"/>
+            </a:xfrm>
+            <a:prstGeom prst="rect">
+              <a:avLst/>
+            </a:prstGeom>
+            <a:solidFill>
+              <a:srgbClr val="0070C0"/>
+            </a:solidFill>
+            <a:ln>
+              <a:noFill/>
+            </a:ln>
+          </p:spPr>
+          <p:style>
+            <a:lnRef idx="2">
+              <a:schemeClr val="accent1">
+                <a:shade val="50000"/>
+              </a:schemeClr>
+            </a:lnRef>
+            <a:fillRef idx="1">
+              <a:schemeClr val="accent1"/>
+            </a:fillRef>
+            <a:effectRef idx="0">
+              <a:schemeClr val="accent1"/>
+            </a:effectRef>
+            <a:fontRef idx="minor">
+              <a:schemeClr val="lt1"/>
+            </a:fontRef>
+          </p:style>
+          <p:txBody>
+            <a:bodyPr rtlCol="0" anchor="ctr"/>
+            <a:lstStyle/>
+            <a:p>
+              <a:pPr algn="ctr"/>
+              <a:endParaRPr/>
+            </a:p>
+          </p:txBody>
+        </p:sp>
+      </p:grpSp>
+    </p:spTree>
+    <p:extLst>
+      <p:ext uri="{BB962C8B-B14F-4D97-AF65-F5344CB8AC3E}">
+        <p14:creationId xmlns:p14="http://schemas.microsoft.com/office/powerpoint/2010/main" val="1568323989"/>
+      </p:ext>
+    </p:extLst>
+  </p:cSld>
+  <p:clrMapOvr>
+    <a:masterClrMapping/>
+  </p:clrMapOvr>
+  <p:timing>
+    <p:tnLst>
+      <p:par>
+        <p:cTn id="1" dur="indefinite" restart="never" nodeType="tmRoot"/>
+      </p:par>
+    </p:tnLst>
+  </p:timing>
+</p:sldLayout>
+</file>
+
+<file path=ppt/slideLayouts/slideLayout6.xml><?xml version="1.0" encoding="utf-8"?>
+<p:sldLayout xmlns:a="http://schemas.openxmlformats.org/drawingml/2006/main" xmlns:r="http://schemas.openxmlformats.org/officeDocument/2006/relationships" xmlns:p="http://schemas.openxmlformats.org/presentationml/2006/main" preserve="1">
+  <p:cSld name="Title Only">
+    <p:spTree>
+      <p:nvGrpSpPr>
+        <p:cNvPr id="1" name=""/>
+        <p:cNvGrpSpPr/>
+        <p:nvPr/>
+      </p:nvGrpSpPr>
+      <p:grpSpPr>
+        <a:xfrm>
+          <a:off x="0" y="0"/>
+          <a:ext cx="0" cy="0"/>
+          <a:chOff x="0" y="0"/>
+          <a:chExt cx="0" cy="0"/>
+        </a:xfrm>
+      </p:grpSpPr>
+      <p:sp>
+        <p:nvSpPr>
+          <p:cNvPr id="8" name="Title 7"/>
+          <p:cNvSpPr>
+            <a:spLocks noGrp="1"/>
+          </p:cNvSpPr>
+          <p:nvPr>
+            <p:ph type="title"/>
+          </p:nvPr>
+        </p:nvSpPr>
+        <p:spPr/>
+        <p:txBody>
+          <a:bodyPr/>
+          <a:lstStyle/>
+          <a:p>
+            <a:r>
+              <a:rPr lang="en-US" smtClean="0"/>
+              <a:t>Click to edit Master title style</a:t>
+            </a:r>
+            <a:endParaRPr lang="en-US"/>
+          </a:p>
+        </p:txBody>
+      </p:sp>
+      <p:grpSp>
+        <p:nvGrpSpPr>
+          <p:cNvPr id="16" name="Group 15"/>
+          <p:cNvGrpSpPr/>
+          <p:nvPr/>
+        </p:nvGrpSpPr>
+        <p:grpSpPr>
+          <a:xfrm>
+            <a:off x="0" y="1188720"/>
+            <a:ext cx="9144000" cy="137411"/>
+            <a:chOff x="284163" y="1577847"/>
+            <a:chExt cx="8576373" cy="137411"/>
+          </a:xfrm>
+        </p:grpSpPr>
+        <p:sp>
+          <p:nvSpPr>
+            <p:cNvPr id="17" name="Rectangle 16"/>
+            <p:cNvSpPr/>
+            <p:nvPr/>
+          </p:nvSpPr>
+          <p:spPr>
+            <a:xfrm>
+              <a:off x="284163" y="1577847"/>
+              <a:ext cx="1600200" cy="137411"/>
+            </a:xfrm>
+            <a:prstGeom prst="rect">
+              <a:avLst/>
+            </a:prstGeom>
+            <a:solidFill>
+              <a:srgbClr val="7030A0"/>
+            </a:solidFill>
+            <a:ln>
+              <a:noFill/>
+            </a:ln>
+          </p:spPr>
+          <p:style>
+            <a:lnRef idx="2">
+              <a:schemeClr val="accent1">
+                <a:shade val="50000"/>
+              </a:schemeClr>
+            </a:lnRef>
+            <a:fillRef idx="1">
+              <a:schemeClr val="accent1"/>
+            </a:fillRef>
+            <a:effectRef idx="0">
+              <a:schemeClr val="accent1"/>
+            </a:effectRef>
+            <a:fontRef idx="minor">
+              <a:schemeClr val="lt1"/>
+            </a:fontRef>
+          </p:style>
+          <p:txBody>
+            <a:bodyPr rtlCol="0" anchor="ctr"/>
+            <a:lstStyle/>
+            <a:p>
+              <a:pPr algn="ctr"/>
+              <a:endParaRPr/>
+            </a:p>
+          </p:txBody>
+        </p:sp>
+        <p:sp>
+          <p:nvSpPr>
+            <p:cNvPr id="18" name="Rectangle 17"/>
+            <p:cNvSpPr/>
+            <p:nvPr/>
+          </p:nvSpPr>
+          <p:spPr>
+            <a:xfrm>
+              <a:off x="1885174" y="1577847"/>
+              <a:ext cx="2743200" cy="137411"/>
+            </a:xfrm>
+            <a:prstGeom prst="rect">
+              <a:avLst/>
+            </a:prstGeom>
+            <a:solidFill>
+              <a:srgbClr val="00B050"/>
+            </a:solidFill>
+            <a:ln>
+              <a:noFill/>
+            </a:ln>
+          </p:spPr>
+          <p:style>
+            <a:lnRef idx="2">
+              <a:schemeClr val="accent1">
+                <a:shade val="50000"/>
+              </a:schemeClr>
+            </a:lnRef>
+            <a:fillRef idx="1">
+              <a:schemeClr val="accent1"/>
+            </a:fillRef>
+            <a:effectRef idx="0">
+              <a:schemeClr val="accent1"/>
+            </a:effectRef>
+            <a:fontRef idx="minor">
+              <a:schemeClr val="lt1"/>
+            </a:fontRef>
+          </p:style>
+          <p:txBody>
+            <a:bodyPr rtlCol="0" anchor="ctr"/>
+            <a:lstStyle/>
+            <a:p>
+              <a:pPr algn="ctr"/>
+              <a:endParaRPr/>
+            </a:p>
+          </p:txBody>
+        </p:sp>
+        <p:sp>
+          <p:nvSpPr>
+            <p:cNvPr id="19" name="Rectangle 18"/>
+            <p:cNvSpPr/>
+            <p:nvPr/>
+          </p:nvSpPr>
+          <p:spPr>
+            <a:xfrm>
+              <a:off x="4626864" y="1577847"/>
+              <a:ext cx="4233672" cy="137411"/>
+            </a:xfrm>
+            <a:prstGeom prst="rect">
+              <a:avLst/>
+            </a:prstGeom>
+            <a:solidFill>
+              <a:srgbClr val="0070C0"/>
+            </a:solidFill>
+            <a:ln>
+              <a:noFill/>
+            </a:ln>
+          </p:spPr>
+          <p:style>
+            <a:lnRef idx="2">
+              <a:schemeClr val="accent1">
+                <a:shade val="50000"/>
+              </a:schemeClr>
+            </a:lnRef>
+            <a:fillRef idx="1">
+              <a:schemeClr val="accent1"/>
+            </a:fillRef>
+            <a:effectRef idx="0">
+              <a:schemeClr val="accent1"/>
+            </a:effectRef>
+            <a:fontRef idx="minor">
+              <a:schemeClr val="lt1"/>
+            </a:fontRef>
+          </p:style>
+          <p:txBody>
+            <a:bodyPr rtlCol="0" anchor="ctr"/>
+            <a:lstStyle/>
+            <a:p>
+              <a:pPr algn="ctr"/>
+              <a:endParaRPr/>
+            </a:p>
+          </p:txBody>
+        </p:sp>
+      </p:grpSp>
+      <p:sp>
+        <p:nvSpPr>
+          <p:cNvPr id="3" name="Date Placeholder 2"/>
+          <p:cNvSpPr>
+            <a:spLocks noGrp="1"/>
+          </p:cNvSpPr>
+          <p:nvPr>
+            <p:ph type="dt" sz="half" idx="10"/>
+          </p:nvPr>
+        </p:nvSpPr>
+        <p:spPr/>
+        <p:txBody>
+          <a:bodyPr/>
+          <a:lstStyle/>
+          <a:p>
+            <a:fld id="{40D6C455-5B63-8940-9B32-276BD6D824BD}" type="datetime1">
+              <a:rPr lang="en-US" smtClean="0"/>
+              <a:t>11/15/15</a:t>
+            </a:fld>
+            <a:endParaRPr lang="en-US"/>
+          </a:p>
+        </p:txBody>
+      </p:sp>
+      <p:sp>
+        <p:nvSpPr>
+          <p:cNvPr id="4" name="Footer Placeholder 3"/>
+          <p:cNvSpPr>
+            <a:spLocks noGrp="1"/>
+          </p:cNvSpPr>
+          <p:nvPr>
+            <p:ph type="ftr" sz="quarter" idx="11"/>
+          </p:nvPr>
+        </p:nvSpPr>
+        <p:spPr/>
+        <p:txBody>
+          <a:bodyPr/>
+          <a:lstStyle/>
+          <a:p>
+            <a:r>
+              <a:rPr lang="sk-SK" smtClean="0"/>
+              <a:t>© 2015 EV3Lessons.com, Last edit 6/15/2015</a:t>
+            </a:r>
+            <a:endParaRPr lang="en-US"/>
+          </a:p>
+        </p:txBody>
+      </p:sp>
+      <p:sp>
+        <p:nvSpPr>
+          <p:cNvPr id="5" name="Slide Number Placeholder 4"/>
+          <p:cNvSpPr>
+            <a:spLocks noGrp="1"/>
+          </p:cNvSpPr>
+          <p:nvPr>
+            <p:ph type="sldNum" sz="quarter" idx="12"/>
+          </p:nvPr>
+        </p:nvSpPr>
+        <p:spPr/>
+        <p:txBody>
+          <a:bodyPr/>
+          <a:lstStyle/>
+          <a:p>
+            <a:fld id="{4382A7F7-08BF-4252-8141-63FB96055BBB}" type="slidenum">
+              <a:rPr lang="en-US" smtClean="0"/>
+              <a:t>‹#›</a:t>
+            </a:fld>
+            <a:endParaRPr lang="en-US"/>
+          </a:p>
+        </p:txBody>
+      </p:sp>
+      <p:grpSp>
+        <p:nvGrpSpPr>
+          <p:cNvPr id="10" name="Group 9"/>
+          <p:cNvGrpSpPr/>
+          <p:nvPr userDrawn="1"/>
+        </p:nvGrpSpPr>
+        <p:grpSpPr>
+          <a:xfrm>
+            <a:off x="0" y="1188720"/>
+            <a:ext cx="9144000" cy="137411"/>
+            <a:chOff x="284163" y="1577847"/>
+            <a:chExt cx="8576373" cy="137411"/>
+          </a:xfrm>
+        </p:grpSpPr>
+        <p:sp>
+          <p:nvSpPr>
+            <p:cNvPr id="11" name="Rectangle 10"/>
+            <p:cNvSpPr/>
+            <p:nvPr/>
+          </p:nvSpPr>
+          <p:spPr>
+            <a:xfrm>
+              <a:off x="284163" y="1577847"/>
+              <a:ext cx="1600200" cy="137411"/>
+            </a:xfrm>
+            <a:prstGeom prst="rect">
+              <a:avLst/>
+            </a:prstGeom>
+            <a:solidFill>
+              <a:srgbClr val="7030A0"/>
+            </a:solidFill>
+            <a:ln>
+              <a:noFill/>
+            </a:ln>
+          </p:spPr>
+          <p:style>
+            <a:lnRef idx="2">
+              <a:schemeClr val="accent1">
+                <a:shade val="50000"/>
+              </a:schemeClr>
+            </a:lnRef>
+            <a:fillRef idx="1">
+              <a:schemeClr val="accent1"/>
+            </a:fillRef>
+            <a:effectRef idx="0">
+              <a:schemeClr val="accent1"/>
+            </a:effectRef>
+            <a:fontRef idx="minor">
+              <a:schemeClr val="lt1"/>
+            </a:fontRef>
+          </p:style>
+          <p:txBody>
+            <a:bodyPr rtlCol="0" anchor="ctr"/>
+            <a:lstStyle/>
+            <a:p>
+              <a:pPr algn="ctr"/>
+              <a:endParaRPr/>
+            </a:p>
+          </p:txBody>
+        </p:sp>
+        <p:sp>
+          <p:nvSpPr>
+            <p:cNvPr id="12" name="Rectangle 11"/>
+            <p:cNvSpPr/>
+            <p:nvPr/>
+          </p:nvSpPr>
+          <p:spPr>
+            <a:xfrm>
+              <a:off x="1885174" y="1577847"/>
+              <a:ext cx="2743200" cy="137411"/>
+            </a:xfrm>
+            <a:prstGeom prst="rect">
+              <a:avLst/>
+            </a:prstGeom>
+            <a:solidFill>
+              <a:srgbClr val="00B050"/>
+            </a:solidFill>
+            <a:ln>
+              <a:noFill/>
+            </a:ln>
+          </p:spPr>
+          <p:style>
+            <a:lnRef idx="2">
+              <a:schemeClr val="accent1">
+                <a:shade val="50000"/>
+              </a:schemeClr>
+            </a:lnRef>
+            <a:fillRef idx="1">
+              <a:schemeClr val="accent1"/>
+            </a:fillRef>
+            <a:effectRef idx="0">
+              <a:schemeClr val="accent1"/>
+            </a:effectRef>
+            <a:fontRef idx="minor">
+              <a:schemeClr val="lt1"/>
+            </a:fontRef>
+          </p:style>
+          <p:txBody>
+            <a:bodyPr rtlCol="0" anchor="ctr"/>
+            <a:lstStyle/>
+            <a:p>
+              <a:pPr algn="ctr"/>
+              <a:endParaRPr/>
+            </a:p>
+          </p:txBody>
+        </p:sp>
+        <p:sp>
+          <p:nvSpPr>
+            <p:cNvPr id="13" name="Rectangle 12"/>
+            <p:cNvSpPr/>
+            <p:nvPr/>
+          </p:nvSpPr>
+          <p:spPr>
+            <a:xfrm>
+              <a:off x="4626864" y="1577847"/>
+              <a:ext cx="4233672" cy="137411"/>
+            </a:xfrm>
+            <a:prstGeom prst="rect">
+              <a:avLst/>
+            </a:prstGeom>
+            <a:solidFill>
+              <a:srgbClr val="0070C0"/>
+            </a:solidFill>
+            <a:ln>
+              <a:noFill/>
+            </a:ln>
+          </p:spPr>
+          <p:style>
+            <a:lnRef idx="2">
+              <a:schemeClr val="accent1">
+                <a:shade val="50000"/>
+              </a:schemeClr>
+            </a:lnRef>
+            <a:fillRef idx="1">
+              <a:schemeClr val="accent1"/>
+            </a:fillRef>
+            <a:effectRef idx="0">
+              <a:schemeClr val="accent1"/>
+            </a:effectRef>
+            <a:fontRef idx="minor">
+              <a:schemeClr val="lt1"/>
+            </a:fontRef>
+          </p:style>
+          <p:txBody>
+            <a:bodyPr rtlCol="0" anchor="ctr"/>
+            <a:lstStyle/>
+            <a:p>
+              <a:pPr algn="ctr"/>
+              <a:endParaRPr/>
+            </a:p>
+          </p:txBody>
+        </p:sp>
+      </p:grpSp>
+    </p:spTree>
+    <p:extLst>
+      <p:ext uri="{BB962C8B-B14F-4D97-AF65-F5344CB8AC3E}">
+        <p14:creationId xmlns:p14="http://schemas.microsoft.com/office/powerpoint/2010/main" val="606999845"/>
+      </p:ext>
+    </p:extLst>
+  </p:cSld>
+  <p:clrMapOvr>
+    <a:masterClrMapping/>
+  </p:clrMapOvr>
+  <p:timing>
+    <p:tnLst>
+      <p:par>
+        <p:cTn id="1" dur="indefinite" restart="never" nodeType="tmRoot"/>
+      </p:par>
+    </p:tnLst>
+  </p:timing>
+</p:sldLayout>
+</file>
+
+<file path=ppt/slideLayouts/slideLayout7.xml><?xml version="1.0" encoding="utf-8"?>
+<p:sldLayout xmlns:a="http://schemas.openxmlformats.org/drawingml/2006/main" xmlns:r="http://schemas.openxmlformats.org/officeDocument/2006/relationships" xmlns:p="http://schemas.openxmlformats.org/presentationml/2006/main" preserve="1">
+  <p:cSld name="Title and Vertical Text">
+    <p:spTree>
+      <p:nvGrpSpPr>
+        <p:cNvPr id="1" name=""/>
+        <p:cNvGrpSpPr/>
+        <p:nvPr/>
+      </p:nvGrpSpPr>
+      <p:grpSpPr>
+        <a:xfrm>
+          <a:off x="0" y="0"/>
+          <a:ext cx="0" cy="0"/>
+          <a:chOff x="0" y="0"/>
+          <a:chExt cx="0" cy="0"/>
+        </a:xfrm>
+      </p:grpSpPr>
+      <p:grpSp>
+        <p:nvGrpSpPr>
+          <p:cNvPr id="13" name="Group 12"/>
+          <p:cNvGrpSpPr/>
+          <p:nvPr/>
+        </p:nvGrpSpPr>
+        <p:grpSpPr>
+          <a:xfrm>
+            <a:off x="0" y="1188720"/>
+            <a:ext cx="9144000" cy="137411"/>
+            <a:chOff x="284163" y="1577847"/>
+            <a:chExt cx="8576373" cy="137411"/>
+          </a:xfrm>
+        </p:grpSpPr>
+        <p:sp>
+          <p:nvSpPr>
+            <p:cNvPr id="14" name="Rectangle 13"/>
+            <p:cNvSpPr/>
+            <p:nvPr/>
+          </p:nvSpPr>
+          <p:spPr>
+            <a:xfrm>
+              <a:off x="284163" y="1577847"/>
+              <a:ext cx="1600200" cy="137411"/>
+            </a:xfrm>
+            <a:prstGeom prst="rect">
+              <a:avLst/>
+            </a:prstGeom>
+            <a:solidFill>
+              <a:srgbClr val="7030A0"/>
+            </a:solidFill>
+            <a:ln>
+              <a:noFill/>
+            </a:ln>
+          </p:spPr>
+          <p:style>
+            <a:lnRef idx="2">
+              <a:schemeClr val="accent1">
+                <a:shade val="50000"/>
+              </a:schemeClr>
+            </a:lnRef>
+            <a:fillRef idx="1">
+              <a:schemeClr val="accent1"/>
+            </a:fillRef>
+            <a:effectRef idx="0">
+              <a:schemeClr val="accent1"/>
+            </a:effectRef>
+            <a:fontRef idx="minor">
+              <a:schemeClr val="lt1"/>
+            </a:fontRef>
+          </p:style>
+          <p:txBody>
+            <a:bodyPr rtlCol="0" anchor="ctr"/>
+            <a:lstStyle/>
+            <a:p>
+              <a:pPr algn="ctr"/>
+              <a:endParaRPr/>
+            </a:p>
+          </p:txBody>
+        </p:sp>
+        <p:sp>
+          <p:nvSpPr>
+            <p:cNvPr id="15" name="Rectangle 14"/>
+            <p:cNvSpPr/>
+            <p:nvPr/>
+          </p:nvSpPr>
+          <p:spPr>
+            <a:xfrm>
+              <a:off x="1885174" y="1577847"/>
+              <a:ext cx="2743200" cy="137411"/>
+            </a:xfrm>
+            <a:prstGeom prst="rect">
+              <a:avLst/>
+            </a:prstGeom>
+            <a:solidFill>
+              <a:srgbClr val="00B050"/>
+            </a:solidFill>
+            <a:ln>
+              <a:noFill/>
+            </a:ln>
+          </p:spPr>
+          <p:style>
+            <a:lnRef idx="2">
+              <a:schemeClr val="accent1">
+                <a:shade val="50000"/>
+              </a:schemeClr>
+            </a:lnRef>
+            <a:fillRef idx="1">
+              <a:schemeClr val="accent1"/>
+            </a:fillRef>
+            <a:effectRef idx="0">
+              <a:schemeClr val="accent1"/>
+            </a:effectRef>
+            <a:fontRef idx="minor">
+              <a:schemeClr val="lt1"/>
+            </a:fontRef>
+          </p:style>
+          <p:txBody>
+            <a:bodyPr rtlCol="0" anchor="ctr"/>
+            <a:lstStyle/>
+            <a:p>
+              <a:pPr algn="ctr"/>
+              <a:endParaRPr/>
+            </a:p>
+          </p:txBody>
+        </p:sp>
+        <p:sp>
+          <p:nvSpPr>
+            <p:cNvPr id="16" name="Rectangle 15"/>
+            <p:cNvSpPr/>
+            <p:nvPr/>
+          </p:nvSpPr>
+          <p:spPr>
+            <a:xfrm>
+              <a:off x="4626864" y="1577847"/>
+              <a:ext cx="4233672" cy="137411"/>
+            </a:xfrm>
+            <a:prstGeom prst="rect">
+              <a:avLst/>
+            </a:prstGeom>
+            <a:solidFill>
+              <a:srgbClr val="0070C0"/>
+            </a:solidFill>
+            <a:ln>
+              <a:noFill/>
+            </a:ln>
+          </p:spPr>
+          <p:style>
+            <a:lnRef idx="2">
+              <a:schemeClr val="accent1">
+                <a:shade val="50000"/>
+              </a:schemeClr>
+            </a:lnRef>
+            <a:fillRef idx="1">
+              <a:schemeClr val="accent1"/>
+            </a:fillRef>
+            <a:effectRef idx="0">
+              <a:schemeClr val="accent1"/>
+            </a:effectRef>
+            <a:fontRef idx="minor">
+              <a:schemeClr val="lt1"/>
+            </a:fontRef>
+          </p:style>
+          <p:txBody>
+            <a:bodyPr rtlCol="0" anchor="ctr"/>
+            <a:lstStyle/>
+            <a:p>
+              <a:pPr algn="ctr"/>
+              <a:endParaRPr/>
+            </a:p>
+          </p:txBody>
+        </p:sp>
+      </p:grpSp>
+      <p:sp>
+        <p:nvSpPr>
+          <p:cNvPr id="3" name="Vertical Text Placeholder 2"/>
+          <p:cNvSpPr>
+            <a:spLocks noGrp="1"/>
+          </p:cNvSpPr>
+          <p:nvPr>
+            <p:ph type="body" orient="vert" idx="1"/>
+          </p:nvPr>
+        </p:nvSpPr>
+        <p:spPr>
+          <a:xfrm>
+            <a:off x="284163" y="2133600"/>
+            <a:ext cx="8574087" cy="4013200"/>
+          </a:xfrm>
+        </p:spPr>
+        <p:txBody>
+          <a:bodyPr vert="eaVert"/>
+          <a:lstStyle>
+            <a:lvl5pPr>
+              <a:defRPr/>
+            </a:lvl5pPr>
+          </a:lstStyle>
+          <a:p>
+            <a:pPr lvl="0"/>
+            <a:r>
+              <a:rPr lang="en-US" smtClean="0"/>
+              <a:t>Click to edit Master text styles</a:t>
+            </a:r>
+          </a:p>
+          <a:p>
+            <a:pPr lvl="1"/>
+            <a:r>
+              <a:rPr lang="en-US" smtClean="0"/>
+              <a:t>Second level</a:t>
+            </a:r>
+          </a:p>
+          <a:p>
+            <a:pPr lvl="2"/>
+            <a:r>
+              <a:rPr lang="en-US" smtClean="0"/>
+              <a:t>Third level</a:t>
+            </a:r>
+          </a:p>
+          <a:p>
+            <a:pPr lvl="3"/>
+            <a:r>
+              <a:rPr lang="en-US" smtClean="0"/>
+              <a:t>Fourth level</a:t>
+            </a:r>
+          </a:p>
+          <a:p>
+            <a:pPr lvl="4"/>
+            <a:r>
+              <a:rPr lang="en-US" smtClean="0"/>
+              <a:t>Fifth level</a:t>
+            </a:r>
+            <a:endParaRPr dirty="0"/>
+          </a:p>
+        </p:txBody>
+      </p:sp>
+      <p:sp>
+        <p:nvSpPr>
+          <p:cNvPr id="4" name="Date Placeholder 3"/>
+          <p:cNvSpPr>
+            <a:spLocks noGrp="1"/>
+          </p:cNvSpPr>
+          <p:nvPr>
+            <p:ph type="dt" sz="half" idx="10"/>
+          </p:nvPr>
+        </p:nvSpPr>
+        <p:spPr/>
+        <p:txBody>
+          <a:bodyPr/>
+          <a:lstStyle/>
+          <a:p>
+            <a:fld id="{942050CC-28F4-DF42-AF3A-74589E4DA979}" type="datetime1">
+              <a:rPr lang="en-US" smtClean="0"/>
+              <a:t>11/15/15</a:t>
+            </a:fld>
+            <a:endParaRPr lang="en-US"/>
+          </a:p>
+        </p:txBody>
+      </p:sp>
+      <p:sp>
+        <p:nvSpPr>
+          <p:cNvPr id="5" name="Footer Placeholder 4"/>
+          <p:cNvSpPr>
+            <a:spLocks noGrp="1"/>
+          </p:cNvSpPr>
+          <p:nvPr>
+            <p:ph type="ftr" sz="quarter" idx="11"/>
+          </p:nvPr>
+        </p:nvSpPr>
+        <p:spPr/>
+        <p:txBody>
+          <a:bodyPr/>
+          <a:lstStyle/>
+          <a:p>
+            <a:r>
+              <a:rPr lang="sk-SK" smtClean="0"/>
+              <a:t>© 2015 EV3Lessons.com, Last edit 6/15/2015</a:t>
+            </a:r>
+            <a:endParaRPr lang="en-US"/>
+          </a:p>
+        </p:txBody>
+      </p:sp>
+      <p:sp>
+        <p:nvSpPr>
+          <p:cNvPr id="6" name="Slide Number Placeholder 5"/>
+          <p:cNvSpPr>
+            <a:spLocks noGrp="1"/>
+          </p:cNvSpPr>
+          <p:nvPr>
+            <p:ph type="sldNum" sz="quarter" idx="12"/>
+          </p:nvPr>
+        </p:nvSpPr>
+        <p:spPr/>
+        <p:txBody>
+          <a:bodyPr/>
+          <a:lstStyle/>
+          <a:p>
+            <a:fld id="{4382A7F7-08BF-4252-8141-63FB96055BBB}" type="slidenum">
+              <a:rPr lang="en-US" smtClean="0"/>
+              <a:t>‹#›</a:t>
+            </a:fld>
+            <a:endParaRPr lang="en-US"/>
+          </a:p>
+        </p:txBody>
+      </p:sp>
+      <p:sp>
+        <p:nvSpPr>
+          <p:cNvPr id="17" name="Title 16"/>
+          <p:cNvSpPr>
+            <a:spLocks noGrp="1"/>
+          </p:cNvSpPr>
+          <p:nvPr>
+            <p:ph type="title"/>
+          </p:nvPr>
+        </p:nvSpPr>
+        <p:spPr/>
+        <p:txBody>
+          <a:bodyPr/>
+          <a:lstStyle/>
+          <a:p>
+            <a:r>
+              <a:rPr lang="en-US" smtClean="0"/>
+              <a:t>Click to edit Master title style</a:t>
+            </a:r>
+            <a:endParaRPr lang="en-US"/>
+          </a:p>
+        </p:txBody>
+      </p:sp>
+      <p:grpSp>
+        <p:nvGrpSpPr>
+          <p:cNvPr id="11" name="Group 10"/>
+          <p:cNvGrpSpPr/>
+          <p:nvPr userDrawn="1"/>
+        </p:nvGrpSpPr>
+        <p:grpSpPr>
+          <a:xfrm>
+            <a:off x="0" y="1188720"/>
+            <a:ext cx="9144000" cy="137411"/>
+            <a:chOff x="284163" y="1577847"/>
+            <a:chExt cx="8576373" cy="137411"/>
+          </a:xfrm>
+        </p:grpSpPr>
+        <p:sp>
+          <p:nvSpPr>
+            <p:cNvPr id="12" name="Rectangle 11"/>
+            <p:cNvSpPr/>
+            <p:nvPr/>
+          </p:nvSpPr>
+          <p:spPr>
+            <a:xfrm>
+              <a:off x="284163" y="1577847"/>
+              <a:ext cx="1600200" cy="137411"/>
+            </a:xfrm>
+            <a:prstGeom prst="rect">
+              <a:avLst/>
+            </a:prstGeom>
+            <a:solidFill>
+              <a:srgbClr val="7030A0"/>
+            </a:solidFill>
+            <a:ln>
+              <a:noFill/>
+            </a:ln>
+          </p:spPr>
+          <p:style>
+            <a:lnRef idx="2">
+              <a:schemeClr val="accent1">
+                <a:shade val="50000"/>
+              </a:schemeClr>
+            </a:lnRef>
+            <a:fillRef idx="1">
+              <a:schemeClr val="accent1"/>
+            </a:fillRef>
+            <a:effectRef idx="0">
+              <a:schemeClr val="accent1"/>
+            </a:effectRef>
+            <a:fontRef idx="minor">
+              <a:schemeClr val="lt1"/>
+            </a:fontRef>
+          </p:style>
+          <p:txBody>
+            <a:bodyPr rtlCol="0" anchor="ctr"/>
+            <a:lstStyle/>
+            <a:p>
+              <a:pPr algn="ctr"/>
+              <a:endParaRPr/>
+            </a:p>
+          </p:txBody>
+        </p:sp>
+        <p:sp>
+          <p:nvSpPr>
+            <p:cNvPr id="18" name="Rectangle 17"/>
+            <p:cNvSpPr/>
+            <p:nvPr/>
+          </p:nvSpPr>
+          <p:spPr>
+            <a:xfrm>
+              <a:off x="1885174" y="1577847"/>
+              <a:ext cx="2743200" cy="137411"/>
+            </a:xfrm>
+            <a:prstGeom prst="rect">
+              <a:avLst/>
+            </a:prstGeom>
+            <a:solidFill>
+              <a:srgbClr val="00B050"/>
+            </a:solidFill>
+            <a:ln>
+              <a:noFill/>
+            </a:ln>
+          </p:spPr>
+          <p:style>
+            <a:lnRef idx="2">
+              <a:schemeClr val="accent1">
+                <a:shade val="50000"/>
+              </a:schemeClr>
+            </a:lnRef>
+            <a:fillRef idx="1">
+              <a:schemeClr val="accent1"/>
+            </a:fillRef>
+            <a:effectRef idx="0">
+              <a:schemeClr val="accent1"/>
+            </a:effectRef>
+            <a:fontRef idx="minor">
+              <a:schemeClr val="lt1"/>
+            </a:fontRef>
+          </p:style>
+          <p:txBody>
+            <a:bodyPr rtlCol="0" anchor="ctr"/>
+            <a:lstStyle/>
+            <a:p>
+              <a:pPr algn="ctr"/>
+              <a:endParaRPr/>
+            </a:p>
+          </p:txBody>
+        </p:sp>
+        <p:sp>
+          <p:nvSpPr>
+            <p:cNvPr id="19" name="Rectangle 18"/>
+            <p:cNvSpPr/>
+            <p:nvPr/>
+          </p:nvSpPr>
+          <p:spPr>
+            <a:xfrm>
+              <a:off x="4626864" y="1577847"/>
+              <a:ext cx="4233672" cy="137411"/>
+            </a:xfrm>
+            <a:prstGeom prst="rect">
+              <a:avLst/>
+            </a:prstGeom>
+            <a:solidFill>
+              <a:srgbClr val="0070C0"/>
+            </a:solidFill>
+            <a:ln>
+              <a:noFill/>
+            </a:ln>
+          </p:spPr>
+          <p:style>
+            <a:lnRef idx="2">
+              <a:schemeClr val="accent1">
+                <a:shade val="50000"/>
+              </a:schemeClr>
+            </a:lnRef>
+            <a:fillRef idx="1">
+              <a:schemeClr val="accent1"/>
+            </a:fillRef>
+            <a:effectRef idx="0">
+              <a:schemeClr val="accent1"/>
+            </a:effectRef>
+            <a:fontRef idx="minor">
+              <a:schemeClr val="lt1"/>
+            </a:fontRef>
+          </p:style>
+          <p:txBody>
+            <a:bodyPr rtlCol="0" anchor="ctr"/>
+            <a:lstStyle/>
+            <a:p>
+              <a:pPr algn="ctr"/>
+              <a:endParaRPr/>
+            </a:p>
+          </p:txBody>
+        </p:sp>
+      </p:grpSp>
+    </p:spTree>
+    <p:extLst>
+      <p:ext uri="{BB962C8B-B14F-4D97-AF65-F5344CB8AC3E}">
+        <p14:creationId xmlns:p14="http://schemas.microsoft.com/office/powerpoint/2010/main" val="1299071665"/>
+      </p:ext>
+    </p:extLst>
+  </p:cSld>
+  <p:clrMapOvr>
+    <a:masterClrMapping/>
+  </p:clrMapOvr>
+  <p:timing>
+    <p:tnLst>
+      <p:par>
+        <p:cTn id="1" dur="indefinite" restart="never" nodeType="tmRoot"/>
+      </p:par>
+    </p:tnLst>
+  </p:timing>
+</p:sldLayout>
+</file>
+
+<file path=ppt/slideLayouts/slideLayout8.xml><?xml version="1.0" encoding="utf-8"?>
+<p:sldLayout xmlns:a="http://schemas.openxmlformats.org/drawingml/2006/main" xmlns:r="http://schemas.openxmlformats.org/officeDocument/2006/relationships" xmlns:p="http://schemas.openxmlformats.org/presentationml/2006/main" preserve="1">
+  <p:cSld name="Vertical Title and Text">
+    <p:spTree>
+      <p:nvGrpSpPr>
+        <p:cNvPr id="1" name=""/>
+        <p:cNvGrpSpPr/>
+        <p:nvPr/>
+      </p:nvGrpSpPr>
+      <p:grpSpPr>
+        <a:xfrm>
+          <a:off x="0" y="0"/>
+          <a:ext cx="0" cy="0"/>
+          <a:chOff x="0" y="0"/>
+          <a:chExt cx="0" cy="0"/>
+        </a:xfrm>
+      </p:grpSpPr>
+      <p:sp>
+        <p:nvSpPr>
+          <p:cNvPr id="16" name="Title 15"/>
+          <p:cNvSpPr>
+            <a:spLocks noGrp="1"/>
+          </p:cNvSpPr>
+          <p:nvPr>
+            <p:ph type="title"/>
+          </p:nvPr>
+        </p:nvSpPr>
+        <p:spPr>
+          <a:xfrm rot="5400000">
+            <a:off x="5257800" y="2965449"/>
+            <a:ext cx="6858000" cy="914400"/>
+          </a:xfrm>
+        </p:spPr>
+        <p:txBody>
+          <a:bodyPr>
+            <a:normAutofit/>
+          </a:bodyPr>
+          <a:lstStyle>
+            <a:lvl1pPr algn="ctr">
+              <a:defRPr sz="3600"/>
+            </a:lvl1pPr>
+          </a:lstStyle>
+          <a:p>
+            <a:r>
+              <a:rPr lang="en-US" smtClean="0"/>
+              <a:t>Click to edit Master title style</a:t>
+            </a:r>
+            <a:endParaRPr lang="en-US"/>
+          </a:p>
+        </p:txBody>
+      </p:sp>
+      <p:sp>
+        <p:nvSpPr>
+          <p:cNvPr id="3" name="Vertical Text Placeholder 2"/>
+          <p:cNvSpPr>
+            <a:spLocks noGrp="1"/>
+          </p:cNvSpPr>
+          <p:nvPr>
+            <p:ph type="body" orient="vert" idx="1"/>
+          </p:nvPr>
+        </p:nvSpPr>
+        <p:spPr>
+          <a:xfrm>
+            <a:off x="284163" y="457200"/>
+            <a:ext cx="6497637" cy="5937250"/>
+          </a:xfrm>
+        </p:spPr>
+        <p:txBody>
+          <a:bodyPr vert="eaVert"/>
+          <a:lstStyle>
+            <a:lvl5pPr algn="l">
+              <a:defRPr/>
+            </a:lvl5pPr>
+          </a:lstStyle>
+          <a:p>
+            <a:pPr lvl="0"/>
+            <a:r>
+              <a:rPr lang="en-US" smtClean="0"/>
+              <a:t>Click to edit Master text styles</a:t>
+            </a:r>
+          </a:p>
+          <a:p>
+            <a:pPr lvl="1"/>
+            <a:r>
+              <a:rPr lang="en-US" smtClean="0"/>
+              <a:t>Second level</a:t>
+            </a:r>
+          </a:p>
+          <a:p>
+            <a:pPr lvl="2"/>
+            <a:r>
+              <a:rPr lang="en-US" smtClean="0"/>
+              <a:t>Third level</a:t>
+            </a:r>
+          </a:p>
+          <a:p>
+            <a:pPr lvl="3"/>
+            <a:r>
+              <a:rPr lang="en-US" smtClean="0"/>
+              <a:t>Fourth level</a:t>
+            </a:r>
+          </a:p>
+          <a:p>
+            <a:pPr lvl="4"/>
+            <a:r>
+              <a:rPr lang="en-US" smtClean="0"/>
+              <a:t>Fifth level</a:t>
+            </a:r>
+            <a:endParaRPr dirty="0"/>
+          </a:p>
+        </p:txBody>
+      </p:sp>
+      <p:sp>
+        <p:nvSpPr>
+          <p:cNvPr id="4" name="Date Placeholder 3"/>
+          <p:cNvSpPr>
+            <a:spLocks noGrp="1"/>
+          </p:cNvSpPr>
+          <p:nvPr>
+            <p:ph type="dt" sz="half" idx="10"/>
+          </p:nvPr>
+        </p:nvSpPr>
+        <p:spPr>
+          <a:xfrm>
+            <a:off x="3679924" y="6437032"/>
+            <a:ext cx="2133600" cy="365125"/>
+          </a:xfrm>
+        </p:spPr>
+        <p:txBody>
+          <a:bodyPr/>
+          <a:lstStyle/>
+          <a:p>
+            <a:fld id="{0B09783E-33B5-414F-A6F3-EB17950DAF9B}" type="datetime1">
+              <a:rPr lang="en-US" smtClean="0"/>
+              <a:t>11/15/15</a:t>
+            </a:fld>
+            <a:endParaRPr lang="en-US"/>
+          </a:p>
+        </p:txBody>
+      </p:sp>
+      <p:sp>
+        <p:nvSpPr>
+          <p:cNvPr id="5" name="Footer Placeholder 4"/>
+          <p:cNvSpPr>
+            <a:spLocks noGrp="1"/>
+          </p:cNvSpPr>
+          <p:nvPr>
+            <p:ph type="ftr" sz="quarter" idx="11"/>
+          </p:nvPr>
+        </p:nvSpPr>
+        <p:spPr/>
+        <p:txBody>
+          <a:bodyPr/>
+          <a:lstStyle/>
+          <a:p>
+            <a:r>
+              <a:rPr lang="sk-SK" smtClean="0"/>
+              <a:t>© 2015 EV3Lessons.com, Last edit 6/15/2015</a:t>
+            </a:r>
+            <a:endParaRPr lang="en-US"/>
+          </a:p>
+        </p:txBody>
+      </p:sp>
+      <p:sp>
+        <p:nvSpPr>
+          <p:cNvPr id="6" name="Slide Number Placeholder 5"/>
+          <p:cNvSpPr>
+            <a:spLocks noGrp="1"/>
+          </p:cNvSpPr>
+          <p:nvPr>
+            <p:ph type="sldNum" sz="quarter" idx="12"/>
+          </p:nvPr>
+        </p:nvSpPr>
+        <p:spPr>
+          <a:xfrm>
+            <a:off x="7477031" y="6439714"/>
+            <a:ext cx="630621" cy="359760"/>
+          </a:xfrm>
+        </p:spPr>
+        <p:txBody>
+          <a:bodyPr/>
+          <a:lstStyle/>
+          <a:p>
+            <a:fld id="{4382A7F7-08BF-4252-8141-63FB96055BBB}" type="slidenum">
+              <a:rPr lang="en-US" smtClean="0"/>
+              <a:t>‹#›</a:t>
+            </a:fld>
+            <a:endParaRPr lang="en-US"/>
+          </a:p>
+        </p:txBody>
+      </p:sp>
+      <p:grpSp>
+        <p:nvGrpSpPr>
+          <p:cNvPr id="12" name="Group 11"/>
+          <p:cNvGrpSpPr/>
+          <p:nvPr/>
+        </p:nvGrpSpPr>
+        <p:grpSpPr>
+          <a:xfrm rot="5400000">
+            <a:off x="4753323" y="3358675"/>
+            <a:ext cx="6861177" cy="137475"/>
+            <a:chOff x="284163" y="1577847"/>
+            <a:chExt cx="8576373" cy="137411"/>
+          </a:xfrm>
+        </p:grpSpPr>
+        <p:sp>
+          <p:nvSpPr>
+            <p:cNvPr id="13" name="Rectangle 12"/>
+            <p:cNvSpPr/>
+            <p:nvPr/>
+          </p:nvSpPr>
+          <p:spPr>
+            <a:xfrm>
+              <a:off x="284163" y="1577847"/>
+              <a:ext cx="1600200" cy="137411"/>
+            </a:xfrm>
+            <a:prstGeom prst="rect">
+              <a:avLst/>
+            </a:prstGeom>
+            <a:solidFill>
+              <a:srgbClr val="7030A0"/>
+            </a:solidFill>
+            <a:ln>
+              <a:noFill/>
+            </a:ln>
+          </p:spPr>
+          <p:style>
+            <a:lnRef idx="2">
+              <a:schemeClr val="accent1">
+                <a:shade val="50000"/>
+              </a:schemeClr>
+            </a:lnRef>
+            <a:fillRef idx="1">
+              <a:schemeClr val="accent1"/>
+            </a:fillRef>
+            <a:effectRef idx="0">
+              <a:schemeClr val="accent1"/>
+            </a:effectRef>
+            <a:fontRef idx="minor">
+              <a:schemeClr val="lt1"/>
+            </a:fontRef>
+          </p:style>
+          <p:txBody>
+            <a:bodyPr rtlCol="0" anchor="ctr"/>
+            <a:lstStyle/>
+            <a:p>
+              <a:pPr algn="ctr"/>
+              <a:endParaRPr/>
+            </a:p>
+          </p:txBody>
+        </p:sp>
+        <p:sp>
+          <p:nvSpPr>
+            <p:cNvPr id="14" name="Rectangle 13"/>
+            <p:cNvSpPr/>
+            <p:nvPr/>
+          </p:nvSpPr>
+          <p:spPr>
+            <a:xfrm>
+              <a:off x="1885174" y="1577847"/>
+              <a:ext cx="2743200" cy="137411"/>
+            </a:xfrm>
+            <a:prstGeom prst="rect">
+              <a:avLst/>
+            </a:prstGeom>
+            <a:solidFill>
+              <a:srgbClr val="00B050"/>
+            </a:solidFill>
+            <a:ln>
+              <a:noFill/>
+            </a:ln>
+          </p:spPr>
+          <p:style>
+            <a:lnRef idx="2">
+              <a:schemeClr val="accent1">
+                <a:shade val="50000"/>
+              </a:schemeClr>
+            </a:lnRef>
+            <a:fillRef idx="1">
+              <a:schemeClr val="accent1"/>
+            </a:fillRef>
+            <a:effectRef idx="0">
+              <a:schemeClr val="accent1"/>
+            </a:effectRef>
+            <a:fontRef idx="minor">
+              <a:schemeClr val="lt1"/>
+            </a:fontRef>
+          </p:style>
+          <p:txBody>
+            <a:bodyPr rtlCol="0" anchor="ctr"/>
+            <a:lstStyle/>
+            <a:p>
+              <a:pPr algn="ctr"/>
+              <a:endParaRPr/>
+            </a:p>
+          </p:txBody>
+        </p:sp>
+        <p:sp>
+          <p:nvSpPr>
+            <p:cNvPr id="15" name="Rectangle 14"/>
+            <p:cNvSpPr/>
+            <p:nvPr/>
+          </p:nvSpPr>
+          <p:spPr>
+            <a:xfrm>
+              <a:off x="4626864" y="1577847"/>
+              <a:ext cx="4233672" cy="137411"/>
+            </a:xfrm>
+            <a:prstGeom prst="rect">
+              <a:avLst/>
+            </a:prstGeom>
+            <a:solidFill>
+              <a:srgbClr val="0070C0"/>
+            </a:solidFill>
+            <a:ln>
+              <a:noFill/>
+            </a:ln>
+          </p:spPr>
+          <p:style>
+            <a:lnRef idx="2">
+              <a:schemeClr val="accent1">
+                <a:shade val="50000"/>
+              </a:schemeClr>
+            </a:lnRef>
+            <a:fillRef idx="1">
+              <a:schemeClr val="accent1"/>
+            </a:fillRef>
+            <a:effectRef idx="0">
+              <a:schemeClr val="accent1"/>
+            </a:effectRef>
+            <a:fontRef idx="minor">
+              <a:schemeClr val="lt1"/>
+            </a:fontRef>
+          </p:style>
+          <p:txBody>
+            <a:bodyPr rtlCol="0" anchor="ctr"/>
+            <a:lstStyle/>
+            <a:p>
+              <a:pPr algn="ctr"/>
+              <a:endParaRPr/>
+            </a:p>
+          </p:txBody>
+        </p:sp>
+      </p:grpSp>
+      <p:grpSp>
+        <p:nvGrpSpPr>
+          <p:cNvPr id="11" name="Group 10"/>
+          <p:cNvGrpSpPr/>
+          <p:nvPr userDrawn="1"/>
+        </p:nvGrpSpPr>
+        <p:grpSpPr>
+          <a:xfrm rot="5400000">
+            <a:off x="4753323" y="3358675"/>
+            <a:ext cx="6861177" cy="137475"/>
+            <a:chOff x="284163" y="1577847"/>
+            <a:chExt cx="8576373" cy="137411"/>
+          </a:xfrm>
+        </p:grpSpPr>
+        <p:sp>
+          <p:nvSpPr>
+            <p:cNvPr id="17" name="Rectangle 16"/>
+            <p:cNvSpPr/>
+            <p:nvPr/>
+          </p:nvSpPr>
+          <p:spPr>
+            <a:xfrm>
+              <a:off x="284163" y="1577847"/>
+              <a:ext cx="1600200" cy="137411"/>
+            </a:xfrm>
+            <a:prstGeom prst="rect">
+              <a:avLst/>
+            </a:prstGeom>
+            <a:solidFill>
+              <a:srgbClr val="7030A0"/>
+            </a:solidFill>
+            <a:ln>
+              <a:noFill/>
+            </a:ln>
+          </p:spPr>
+          <p:style>
+            <a:lnRef idx="2">
+              <a:schemeClr val="accent1">
+                <a:shade val="50000"/>
+              </a:schemeClr>
+            </a:lnRef>
+            <a:fillRef idx="1">
+              <a:schemeClr val="accent1"/>
+            </a:fillRef>
+            <a:effectRef idx="0">
+              <a:schemeClr val="accent1"/>
+            </a:effectRef>
+            <a:fontRef idx="minor">
+              <a:schemeClr val="lt1"/>
+            </a:fontRef>
+          </p:style>
+          <p:txBody>
+            <a:bodyPr rtlCol="0" anchor="ctr"/>
+            <a:lstStyle/>
+            <a:p>
+              <a:pPr algn="ctr"/>
+              <a:endParaRPr/>
+            </a:p>
+          </p:txBody>
+        </p:sp>
+        <p:sp>
+          <p:nvSpPr>
+            <p:cNvPr id="18" name="Rectangle 17"/>
+            <p:cNvSpPr/>
+            <p:nvPr/>
+          </p:nvSpPr>
+          <p:spPr>
+            <a:xfrm>
+              <a:off x="1885174" y="1577847"/>
+              <a:ext cx="2743200" cy="137411"/>
+            </a:xfrm>
+            <a:prstGeom prst="rect">
+              <a:avLst/>
+            </a:prstGeom>
+            <a:solidFill>
+              <a:srgbClr val="00B050"/>
+            </a:solidFill>
+            <a:ln>
+              <a:noFill/>
+            </a:ln>
+          </p:spPr>
+          <p:style>
+            <a:lnRef idx="2">
+              <a:schemeClr val="accent1">
+                <a:shade val="50000"/>
+              </a:schemeClr>
+            </a:lnRef>
+            <a:fillRef idx="1">
+              <a:schemeClr val="accent1"/>
+            </a:fillRef>
+            <a:effectRef idx="0">
+              <a:schemeClr val="accent1"/>
+            </a:effectRef>
+            <a:fontRef idx="minor">
+              <a:schemeClr val="lt1"/>
+            </a:fontRef>
+          </p:style>
+          <p:txBody>
+            <a:bodyPr rtlCol="0" anchor="ctr"/>
+            <a:lstStyle/>
+            <a:p>
+              <a:pPr algn="ctr"/>
+              <a:endParaRPr/>
+            </a:p>
+          </p:txBody>
+        </p:sp>
+        <p:sp>
+          <p:nvSpPr>
+            <p:cNvPr id="19" name="Rectangle 18"/>
+            <p:cNvSpPr/>
+            <p:nvPr/>
+          </p:nvSpPr>
+          <p:spPr>
+            <a:xfrm>
+              <a:off x="4626864" y="1577847"/>
+              <a:ext cx="4233672" cy="137411"/>
+            </a:xfrm>
+            <a:prstGeom prst="rect">
+              <a:avLst/>
+            </a:prstGeom>
+            <a:solidFill>
+              <a:srgbClr val="0070C0"/>
+            </a:solidFill>
+            <a:ln>
+              <a:noFill/>
+            </a:ln>
+          </p:spPr>
+          <p:style>
+            <a:lnRef idx="2">
+              <a:schemeClr val="accent1">
+                <a:shade val="50000"/>
+              </a:schemeClr>
+            </a:lnRef>
+            <a:fillRef idx="1">
+              <a:schemeClr val="accent1"/>
+            </a:fillRef>
+            <a:effectRef idx="0">
+              <a:schemeClr val="accent1"/>
+            </a:effectRef>
+            <a:fontRef idx="minor">
+              <a:schemeClr val="lt1"/>
+            </a:fontRef>
+          </p:style>
+          <p:txBody>
+            <a:bodyPr rtlCol="0" anchor="ctr"/>
+            <a:lstStyle/>
+            <a:p>
+              <a:pPr algn="ctr"/>
+              <a:endParaRPr/>
+            </a:p>
+          </p:txBody>
+        </p:sp>
+      </p:grpSp>
+    </p:spTree>
+    <p:extLst>
+      <p:ext uri="{BB962C8B-B14F-4D97-AF65-F5344CB8AC3E}">
+        <p14:creationId xmlns:p14="http://schemas.microsoft.com/office/powerpoint/2010/main" val="31234606"/>
+      </p:ext>
+    </p:extLst>
+  </p:cSld>
+  <p:clrMapOvr>
+    <a:masterClrMapping/>
+  </p:clrMapOvr>
+  <p:timing>
+    <p:tnLst>
+      <p:par>
+        <p:cTn id="1" dur="indefinite" restart="never" nodeType="tmRoot"/>
+      </p:par>
+    </p:tnLst>
+  </p:timing>
+</p:sldLayout>
+</file>
+
+<file path=ppt/slideLayouts/slideLayout9.xml><?xml version="1.0" encoding="utf-8"?>
+<p:sldLayout xmlns:a="http://schemas.openxmlformats.org/drawingml/2006/main" xmlns:r="http://schemas.openxmlformats.org/officeDocument/2006/relationships" xmlns:p="http://schemas.openxmlformats.org/presentationml/2006/main" preserve="1">
+  <p:cSld name="Custom Layout">
+    <p:spTree>
+      <p:nvGrpSpPr>
+        <p:cNvPr id="1" name=""/>
+        <p:cNvGrpSpPr/>
+        <p:nvPr/>
+      </p:nvGrpSpPr>
+      <p:grpSpPr>
+        <a:xfrm>
+          <a:off x="0" y="0"/>
+          <a:ext cx="0" cy="0"/>
+          <a:chOff x="0" y="0"/>
+          <a:chExt cx="0" cy="0"/>
+        </a:xfrm>
+      </p:grpSpPr>
+      <p:sp>
+        <p:nvSpPr>
+          <p:cNvPr id="2" name="Title 1"/>
+          <p:cNvSpPr>
+            <a:spLocks noGrp="1"/>
+          </p:cNvSpPr>
+          <p:nvPr>
+            <p:ph type="title"/>
+          </p:nvPr>
+        </p:nvSpPr>
+        <p:spPr/>
+        <p:txBody>
+          <a:bodyPr/>
+          <a:lstStyle/>
+          <a:p>
+            <a:r>
+              <a:rPr lang="en-US" smtClean="0"/>
+              <a:t>Click to edit Master title style</a:t>
+            </a:r>
+            <a:endParaRPr lang="en-US"/>
+          </a:p>
+        </p:txBody>
+      </p:sp>
+      <p:sp>
+        <p:nvSpPr>
+          <p:cNvPr id="3" name="Date Placeholder 2"/>
+          <p:cNvSpPr>
+            <a:spLocks noGrp="1"/>
+          </p:cNvSpPr>
+          <p:nvPr>
+            <p:ph type="dt" sz="half" idx="10"/>
+          </p:nvPr>
+        </p:nvSpPr>
+        <p:spPr/>
+        <p:txBody>
+          <a:bodyPr/>
+          <a:lstStyle/>
+          <a:p>
+            <a:fld id="{9BB45858-DAAD-704C-B8B2-5528B835482B}" type="datetime1">
+              <a:rPr lang="en-US" smtClean="0"/>
+              <a:t>11/15/15</a:t>
+            </a:fld>
+            <a:endParaRPr lang="en-US" dirty="0"/>
+          </a:p>
+        </p:txBody>
+      </p:sp>
+      <p:sp>
+        <p:nvSpPr>
+          <p:cNvPr id="4" name="Footer Placeholder 3"/>
+          <p:cNvSpPr>
+            <a:spLocks noGrp="1"/>
+          </p:cNvSpPr>
+          <p:nvPr>
+            <p:ph type="ftr" sz="quarter" idx="11"/>
+          </p:nvPr>
+        </p:nvSpPr>
+        <p:spPr/>
+        <p:txBody>
+          <a:bodyPr/>
+          <a:lstStyle/>
+          <a:p>
+            <a:r>
+              <a:rPr lang="sk-SK" smtClean="0"/>
+              <a:t>© 2015 EV3Lessons.com, Last edit 6/15/2015</a:t>
+            </a:r>
+            <a:endParaRPr lang="en-US" dirty="0"/>
+          </a:p>
+        </p:txBody>
+      </p:sp>
+      <p:sp>
+        <p:nvSpPr>
+          <p:cNvPr id="5" name="Slide Number Placeholder 4"/>
+          <p:cNvSpPr>
+            <a:spLocks noGrp="1"/>
+          </p:cNvSpPr>
+          <p:nvPr>
+            <p:ph type="sldNum" sz="quarter" idx="12"/>
+          </p:nvPr>
+        </p:nvSpPr>
+        <p:spPr/>
+        <p:txBody>
+          <a:bodyPr/>
+          <a:lstStyle/>
+          <a:p>
+            <a:fld id="{4382A7F7-08BF-4252-8141-63FB96055BBB}" type="slidenum">
+              <a:rPr lang="en-US" smtClean="0"/>
+              <a:pPr/>
+              <a:t>‹#›</a:t>
+            </a:fld>
+            <a:endParaRPr lang="en-US" dirty="0"/>
+          </a:p>
+        </p:txBody>
+      </p:sp>
+      <p:sp>
+        <p:nvSpPr>
+          <p:cNvPr id="7" name="Text Placeholder 6"/>
+          <p:cNvSpPr>
+            <a:spLocks noGrp="1"/>
+          </p:cNvSpPr>
+          <p:nvPr>
+            <p:ph type="body" sz="quarter" idx="13"/>
+          </p:nvPr>
+        </p:nvSpPr>
+        <p:spPr>
+          <a:xfrm>
+            <a:off x="199698" y="1554163"/>
+            <a:ext cx="8737927" cy="4741862"/>
+          </a:xfrm>
+        </p:spPr>
+        <p:txBody>
+          <a:bodyPr/>
+          <a:lstStyle/>
+          <a:p>
+            <a:pPr lvl="0"/>
+            <a:r>
+              <a:rPr lang="en-US" smtClean="0"/>
+              <a:t>Click to edit Master text styles</a:t>
+            </a:r>
+          </a:p>
+          <a:p>
+            <a:pPr lvl="1"/>
+            <a:r>
+              <a:rPr lang="en-US" smtClean="0"/>
+              <a:t>Second level</a:t>
+            </a:r>
+          </a:p>
+          <a:p>
+            <a:pPr lvl="2"/>
+            <a:r>
+              <a:rPr lang="en-US" smtClean="0"/>
+              <a:t>Third level</a:t>
+            </a:r>
+          </a:p>
+          <a:p>
+            <a:pPr lvl="3"/>
+            <a:r>
+              <a:rPr lang="en-US" smtClean="0"/>
+              <a:t>Fourth level</a:t>
+            </a:r>
+          </a:p>
+          <a:p>
+            <a:pPr lvl="4"/>
+            <a:r>
+              <a:rPr lang="en-US" smtClean="0"/>
+              <a:t>Fifth level</a:t>
+            </a:r>
+            <a:endParaRPr lang="en-US"/>
+          </a:p>
+        </p:txBody>
+      </p:sp>
+    </p:spTree>
+    <p:extLst>
+      <p:ext uri="{BB962C8B-B14F-4D97-AF65-F5344CB8AC3E}">
+        <p14:creationId xmlns:p14="http://schemas.microsoft.com/office/powerpoint/2010/main" val="974013174"/>
+      </p:ext>
+    </p:extLst>
+  </p:cSld>
+  <p:clrMapOvr>
+    <a:masterClrMapping/>
+  </p:clrMapOvr>
+  <p:hf hdr="0" dt="0"/>
+</p:sldLayout>
+</file>
+
 <file path=ppt/slideMasters/slideMaster1.xml><?xml version="1.0" encoding="utf-8"?>
 <p:sldMaster xmlns:a="http://schemas.openxmlformats.org/drawingml/2006/main" xmlns:r="http://schemas.openxmlformats.org/officeDocument/2006/relationships" xmlns:p="http://schemas.openxmlformats.org/presentationml/2006/main">
   <p:cSld>
@@ -4354,7 +9180,7 @@
         </p:nvSpPr>
         <p:spPr>
           <a:xfrm>
-            <a:off x="6794936" y="6437032"/>
+            <a:off x="2784041" y="6434349"/>
             <a:ext cx="2133600" cy="365125"/>
           </a:xfrm>
           <a:prstGeom prst="rect">
@@ -4375,7 +9201,7 @@
             </a:lvl1pPr>
           </a:lstStyle>
           <a:p>
-            <a:fld id="{B0591F1D-0324-D54F-BEEA-B6AC50A4F28A}" type="datetime1">
+            <a:fld id="{9BB45858-DAAD-704C-B8B2-5528B835482B}" type="datetime1">
               <a:rPr lang="en-US" smtClean="0"/>
               <a:t>11/15/15</a:t>
             </a:fld>
@@ -4417,8 +9243,8 @@
           </a:lstStyle>
           <a:p>
             <a:r>
-              <a:rPr lang="en-US" dirty="0" smtClean="0"/>
-              <a:t>© 2015 EV3Lessons.com, Last edit 2/28/2015</a:t>
+              <a:rPr lang="sk-SK" smtClean="0"/>
+              <a:t>© 2015 EV3Lessons.com, Last edit 6/15/2015</a:t>
             </a:r>
             <a:endParaRPr lang="en-US" dirty="0"/>
           </a:p>
@@ -4455,7 +9281,7 @@
           <a:lstStyle/>
           <a:p>
             <a:r>
-              <a:rPr lang="en-US" dirty="0" smtClean="0"/>
+              <a:rPr lang="en-US" smtClean="0"/>
               <a:t>Click to edit Master title style</a:t>
             </a:r>
             <a:endParaRPr dirty="0"/>
@@ -4474,7 +9300,7 @@
         </p:nvSpPr>
         <p:spPr>
           <a:xfrm>
-            <a:off x="8306459" y="70072"/>
+            <a:off x="8297915" y="6439714"/>
             <a:ext cx="630621" cy="359760"/>
           </a:xfrm>
           <a:prstGeom prst="rect">
@@ -4490,7 +9316,7 @@
             <a:lvl1pPr algn="r">
               <a:defRPr sz="1400" b="1">
                 <a:solidFill>
-                  <a:schemeClr val="bg1"/>
+                  <a:schemeClr val="tx1"/>
                 </a:solidFill>
               </a:defRPr>
             </a:lvl1pPr>
@@ -4506,17 +9332,30 @@
         </p:txBody>
       </p:sp>
     </p:spTree>
+    <p:extLst>
+      <p:ext uri="{BB962C8B-B14F-4D97-AF65-F5344CB8AC3E}">
+        <p14:creationId xmlns:p14="http://schemas.microsoft.com/office/powerpoint/2010/main" val="2023265599"/>
+      </p:ext>
+    </p:extLst>
   </p:cSld>
   <p:clrMap bg1="lt1" tx1="dk1" bg2="lt2" tx2="dk2" accent1="accent1" accent2="accent2" accent3="accent3" accent4="accent4" accent5="accent5" accent6="accent6" hlink="hlink" folHlink="folHlink"/>
   <p:sldLayoutIdLst>
-    <p:sldLayoutId id="2147483819" r:id="rId1"/>
-    <p:sldLayoutId id="2147483820" r:id="rId2"/>
-    <p:sldLayoutId id="2147483822" r:id="rId3"/>
-    <p:sldLayoutId id="2147483824" r:id="rId4"/>
-    <p:sldLayoutId id="2147483825" r:id="rId5"/>
-    <p:sldLayoutId id="2147483826" r:id="rId6"/>
-    <p:sldLayoutId id="2147483833" r:id="rId7"/>
-    <p:sldLayoutId id="2147483834" r:id="rId8"/>
+    <p:sldLayoutId id="2147483836" r:id="rId1"/>
+    <p:sldLayoutId id="2147483837" r:id="rId2"/>
+    <p:sldLayoutId id="2147483838" r:id="rId3"/>
+    <p:sldLayoutId id="2147483839" r:id="rId4"/>
+    <p:sldLayoutId id="2147483840" r:id="rId5"/>
+    <p:sldLayoutId id="2147483841" r:id="rId6"/>
+    <p:sldLayoutId id="2147483842" r:id="rId7"/>
+    <p:sldLayoutId id="2147483843" r:id="rId8"/>
+    <p:sldLayoutId id="2147483844" r:id="rId9"/>
+    <p:sldLayoutId id="2147483820" r:id="rId10"/>
+    <p:sldLayoutId id="2147483822" r:id="rId11"/>
+    <p:sldLayoutId id="2147483824" r:id="rId12"/>
+    <p:sldLayoutId id="2147483825" r:id="rId13"/>
+    <p:sldLayoutId id="2147483826" r:id="rId14"/>
+    <p:sldLayoutId id="2147483833" r:id="rId15"/>
+    <p:sldLayoutId id="2147483834" r:id="rId16"/>
   </p:sldLayoutIdLst>
   <p:timing>
     <p:tnLst>
@@ -4528,7 +9367,7 @@
   <p:hf hdr="0" dt="0"/>
   <p:txStyles>
     <p:titleStyle>
-      <a:lvl1pPr marL="0" indent="234950" algn="l" defTabSz="914400" rtl="0" eaLnBrk="1" latinLnBrk="0" hangingPunct="1">
+      <a:lvl1pPr marL="231775" indent="3175" algn="l" defTabSz="914400" rtl="0" eaLnBrk="1" latinLnBrk="0" hangingPunct="1">
         <a:spcBef>
           <a:spcPct val="0"/>
         </a:spcBef>
@@ -4894,31 +9733,20 @@
         </p:nvSpPr>
         <p:spPr/>
         <p:txBody>
-          <a:bodyPr>
-            <a:normAutofit/>
-          </a:bodyPr>
+          <a:bodyPr/>
           <a:lstStyle/>
           <a:p>
-            <a:pPr algn="ctr"/>
-            <a:r>
-              <a:rPr lang="en-US" sz="3200" dirty="0" smtClean="0">
-                <a:solidFill>
-                  <a:schemeClr val="tx1"/>
-                </a:solidFill>
-              </a:rPr>
-              <a:t>ARRAYS</a:t>
-            </a:r>
-            <a:endParaRPr lang="en-US" sz="1800" dirty="0">
-              <a:solidFill>
-                <a:schemeClr val="tx1"/>
-              </a:solidFill>
-            </a:endParaRPr>
-          </a:p>
-        </p:txBody>
-      </p:sp>
-      <p:sp>
-        <p:nvSpPr>
-          <p:cNvPr id="7" name="Subtitle 6"/>
+            <a:r>
+              <a:rPr lang="en-US" dirty="0" smtClean="0"/>
+              <a:t>Arrays</a:t>
+            </a:r>
+            <a:endParaRPr lang="en-US" dirty="0"/>
+          </a:p>
+        </p:txBody>
+      </p:sp>
+      <p:sp>
+        <p:nvSpPr>
+          <p:cNvPr id="11" name="Subtitle 10"/>
           <p:cNvSpPr>
             <a:spLocks noGrp="1"/>
           </p:cNvSpPr>
@@ -4932,258 +9760,6 @@
           <a:lstStyle/>
           <a:p>
             <a:endParaRPr lang="en-US"/>
-          </a:p>
-        </p:txBody>
-      </p:sp>
-      <p:sp>
-        <p:nvSpPr>
-          <p:cNvPr id="17" name="Subtitle 3"/>
-          <p:cNvSpPr txBox="1">
-            <a:spLocks/>
-          </p:cNvSpPr>
-          <p:nvPr/>
-        </p:nvSpPr>
-        <p:spPr>
-          <a:xfrm>
-            <a:off x="1626339" y="5530628"/>
-            <a:ext cx="3749229" cy="484094"/>
-          </a:xfrm>
-          <a:prstGeom prst="rect">
-            <a:avLst/>
-          </a:prstGeom>
-        </p:spPr>
-        <p:txBody>
-          <a:bodyPr vert="horz" lIns="91440" tIns="45720" rIns="91440" bIns="45720" rtlCol="0">
-            <a:normAutofit/>
-          </a:bodyPr>
-          <a:lstStyle>
-            <a:lvl1pPr marL="0" indent="0" algn="l" defTabSz="914400" rtl="0" eaLnBrk="1" latinLnBrk="0" hangingPunct="1">
-              <a:lnSpc>
-                <a:spcPct val="100000"/>
-              </a:lnSpc>
-              <a:spcBef>
-                <a:spcPts val="0"/>
-              </a:spcBef>
-              <a:buClr>
-                <a:schemeClr val="bg1">
-                  <a:lumMod val="65000"/>
-                </a:schemeClr>
-              </a:buClr>
-              <a:buSzPct val="90000"/>
-              <a:buFont typeface="Wingdings" pitchFamily="2" charset="2"/>
-              <a:buNone/>
-              <a:defRPr sz="1800" kern="1200">
-                <a:solidFill>
-                  <a:schemeClr val="bg1"/>
-                </a:solidFill>
-                <a:latin typeface="+mn-lt"/>
-                <a:ea typeface="+mn-ea"/>
-                <a:cs typeface="+mn-cs"/>
-              </a:defRPr>
-            </a:lvl1pPr>
-            <a:lvl2pPr marL="457200" indent="0" algn="ctr" defTabSz="914400" rtl="0" eaLnBrk="1" latinLnBrk="0" hangingPunct="1">
-              <a:spcBef>
-                <a:spcPts val="600"/>
-              </a:spcBef>
-              <a:buClr>
-                <a:schemeClr val="tx1">
-                  <a:lumMod val="75000"/>
-                  <a:lumOff val="25000"/>
-                </a:schemeClr>
-              </a:buClr>
-              <a:buSzPct val="90000"/>
-              <a:buFont typeface="Wingdings" pitchFamily="2" charset="2"/>
-              <a:buNone/>
-              <a:defRPr sz="2200" kern="1200">
-                <a:solidFill>
-                  <a:schemeClr val="tx1">
-                    <a:tint val="75000"/>
-                  </a:schemeClr>
-                </a:solidFill>
-                <a:latin typeface="+mn-lt"/>
-                <a:ea typeface="+mn-ea"/>
-                <a:cs typeface="+mn-cs"/>
-              </a:defRPr>
-            </a:lvl2pPr>
-            <a:lvl3pPr marL="914400" indent="0" algn="ctr" defTabSz="914400" rtl="0" eaLnBrk="1" latinLnBrk="0" hangingPunct="1">
-              <a:spcBef>
-                <a:spcPts val="600"/>
-              </a:spcBef>
-              <a:buClr>
-                <a:schemeClr val="bg1">
-                  <a:lumMod val="65000"/>
-                </a:schemeClr>
-              </a:buClr>
-              <a:buSzPct val="90000"/>
-              <a:buFont typeface="Wingdings" pitchFamily="2" charset="2"/>
-              <a:buNone/>
-              <a:defRPr sz="2000" kern="1200">
-                <a:solidFill>
-                  <a:schemeClr val="tx1">
-                    <a:tint val="75000"/>
-                  </a:schemeClr>
-                </a:solidFill>
-                <a:latin typeface="+mn-lt"/>
-                <a:ea typeface="+mn-ea"/>
-                <a:cs typeface="+mn-cs"/>
-              </a:defRPr>
-            </a:lvl3pPr>
-            <a:lvl4pPr marL="1371600" indent="0" algn="ctr" defTabSz="914400" rtl="0" eaLnBrk="1" latinLnBrk="0" hangingPunct="1">
-              <a:spcBef>
-                <a:spcPts val="600"/>
-              </a:spcBef>
-              <a:buClr>
-                <a:schemeClr val="tx1">
-                  <a:lumMod val="75000"/>
-                  <a:lumOff val="25000"/>
-                </a:schemeClr>
-              </a:buClr>
-              <a:buSzPct val="90000"/>
-              <a:buFont typeface="Wingdings" pitchFamily="2" charset="2"/>
-              <a:buNone/>
-              <a:defRPr sz="1800" kern="1200">
-                <a:solidFill>
-                  <a:schemeClr val="tx1">
-                    <a:tint val="75000"/>
-                  </a:schemeClr>
-                </a:solidFill>
-                <a:latin typeface="+mn-lt"/>
-                <a:ea typeface="+mn-ea"/>
-                <a:cs typeface="+mn-cs"/>
-              </a:defRPr>
-            </a:lvl4pPr>
-            <a:lvl5pPr marL="1828800" indent="0" algn="ctr" defTabSz="914400" rtl="0" eaLnBrk="1" latinLnBrk="0" hangingPunct="1">
-              <a:spcBef>
-                <a:spcPts val="600"/>
-              </a:spcBef>
-              <a:buClr>
-                <a:schemeClr val="bg1">
-                  <a:lumMod val="65000"/>
-                </a:schemeClr>
-              </a:buClr>
-              <a:buSzPct val="90000"/>
-              <a:buFont typeface="Wingdings" pitchFamily="2" charset="2"/>
-              <a:buNone/>
-              <a:defRPr sz="1800" kern="1200">
-                <a:solidFill>
-                  <a:schemeClr val="tx1">
-                    <a:tint val="75000"/>
-                  </a:schemeClr>
-                </a:solidFill>
-                <a:latin typeface="+mn-lt"/>
-                <a:ea typeface="+mn-ea"/>
-                <a:cs typeface="+mn-cs"/>
-              </a:defRPr>
-            </a:lvl5pPr>
-            <a:lvl6pPr marL="2286000" indent="0" algn="ctr" defTabSz="914400" rtl="0" eaLnBrk="1" latinLnBrk="0" hangingPunct="1">
-              <a:spcBef>
-                <a:spcPts val="600"/>
-              </a:spcBef>
-              <a:buClr>
-                <a:schemeClr val="tx1">
-                  <a:lumMod val="75000"/>
-                  <a:lumOff val="25000"/>
-                </a:schemeClr>
-              </a:buClr>
-              <a:buSzPct val="90000"/>
-              <a:buFont typeface="Wingdings" pitchFamily="2" charset="2"/>
-              <a:buNone/>
-              <a:defRPr lang="en-US" sz="1800" kern="1200">
-                <a:solidFill>
-                  <a:schemeClr val="tx1">
-                    <a:tint val="75000"/>
-                  </a:schemeClr>
-                </a:solidFill>
-                <a:latin typeface="+mn-lt"/>
-                <a:ea typeface="+mn-ea"/>
-                <a:cs typeface="+mn-cs"/>
-              </a:defRPr>
-            </a:lvl6pPr>
-            <a:lvl7pPr marL="2743200" indent="0" algn="ctr" defTabSz="914400" rtl="0" eaLnBrk="1" latinLnBrk="0" hangingPunct="1">
-              <a:spcBef>
-                <a:spcPts val="600"/>
-              </a:spcBef>
-              <a:buClr>
-                <a:schemeClr val="bg1">
-                  <a:lumMod val="65000"/>
-                </a:schemeClr>
-              </a:buClr>
-              <a:buSzPct val="90000"/>
-              <a:buFont typeface="Wingdings" pitchFamily="2" charset="2"/>
-              <a:buNone/>
-              <a:defRPr lang="en-US" sz="1800" kern="1200">
-                <a:solidFill>
-                  <a:schemeClr val="tx1">
-                    <a:tint val="75000"/>
-                  </a:schemeClr>
-                </a:solidFill>
-                <a:latin typeface="+mn-lt"/>
-                <a:ea typeface="+mn-ea"/>
-                <a:cs typeface="+mn-cs"/>
-              </a:defRPr>
-            </a:lvl7pPr>
-            <a:lvl8pPr marL="3200400" indent="0" algn="ctr" defTabSz="914400" rtl="0" eaLnBrk="1" latinLnBrk="0" hangingPunct="1">
-              <a:spcBef>
-                <a:spcPts val="600"/>
-              </a:spcBef>
-              <a:buClr>
-                <a:schemeClr val="tx1">
-                  <a:lumMod val="75000"/>
-                  <a:lumOff val="25000"/>
-                </a:schemeClr>
-              </a:buClr>
-              <a:buSzPct val="90000"/>
-              <a:buFont typeface="Wingdings" pitchFamily="2" charset="2"/>
-              <a:buNone/>
-              <a:defRPr lang="en-US" sz="1800" kern="1200">
-                <a:solidFill>
-                  <a:schemeClr val="tx1">
-                    <a:tint val="75000"/>
-                  </a:schemeClr>
-                </a:solidFill>
-                <a:latin typeface="+mn-lt"/>
-                <a:ea typeface="+mn-ea"/>
-                <a:cs typeface="+mn-cs"/>
-              </a:defRPr>
-            </a:lvl8pPr>
-            <a:lvl9pPr marL="3657600" indent="0" algn="ctr" defTabSz="914400" rtl="0" eaLnBrk="1" latinLnBrk="0" hangingPunct="1">
-              <a:spcBef>
-                <a:spcPts val="600"/>
-              </a:spcBef>
-              <a:buClr>
-                <a:schemeClr val="bg1">
-                  <a:lumMod val="65000"/>
-                </a:schemeClr>
-              </a:buClr>
-              <a:buSzPct val="90000"/>
-              <a:buFont typeface="Wingdings" pitchFamily="2" charset="2"/>
-              <a:buNone/>
-              <a:defRPr lang="en-US" sz="1800" kern="1200">
-                <a:solidFill>
-                  <a:schemeClr val="tx1">
-                    <a:tint val="75000"/>
-                  </a:schemeClr>
-                </a:solidFill>
-                <a:latin typeface="+mn-lt"/>
-                <a:ea typeface="+mn-ea"/>
-                <a:cs typeface="+mn-cs"/>
-              </a:defRPr>
-            </a:lvl9pPr>
-          </a:lstStyle>
-          <a:p>
-            <a:r>
-              <a:rPr lang="en-US" dirty="0" smtClean="0">
-                <a:solidFill>
-                  <a:schemeClr val="tx1"/>
-                </a:solidFill>
-              </a:rPr>
-              <a:t>By Droids Robotics</a:t>
-            </a:r>
-            <a:endParaRPr lang="en-US" dirty="0">
-              <a:solidFill>
-                <a:schemeClr val="tx1"/>
-              </a:solidFill>
-            </a:endParaRPr>
           </a:p>
         </p:txBody>
       </p:sp>
@@ -5226,6 +9802,95 @@
       </p:grpSpPr>
       <p:sp>
         <p:nvSpPr>
+          <p:cNvPr id="3" name="Content Placeholder 2"/>
+          <p:cNvSpPr>
+            <a:spLocks noGrp="1"/>
+          </p:cNvSpPr>
+          <p:nvPr>
+            <p:ph idx="1"/>
+          </p:nvPr>
+        </p:nvSpPr>
+        <p:spPr>
+          <a:xfrm>
+            <a:off x="284163" y="1818870"/>
+            <a:ext cx="3776887" cy="4307294"/>
+          </a:xfrm>
+        </p:spPr>
+        <p:txBody>
+          <a:bodyPr>
+            <a:normAutofit lnSpcReduction="10000"/>
+          </a:bodyPr>
+          <a:lstStyle/>
+          <a:p>
+            <a:r>
+              <a:rPr lang="en-US" dirty="0" smtClean="0"/>
+              <a:t>The loop count outputs the  amount of times the blocks inside the loop have played.</a:t>
+            </a:r>
+          </a:p>
+          <a:p>
+            <a:r>
+              <a:rPr lang="en-US" dirty="0" smtClean="0"/>
+              <a:t>This is useful to create a program that runs different code every time it goes in the loop</a:t>
+            </a:r>
+          </a:p>
+          <a:p>
+            <a:r>
+              <a:rPr lang="en-US" dirty="0" smtClean="0"/>
+              <a:t>It is also useful for computing on each item of an array </a:t>
+            </a:r>
+            <a:endParaRPr lang="en-US" dirty="0"/>
+          </a:p>
+        </p:txBody>
+      </p:sp>
+      <p:sp>
+        <p:nvSpPr>
+          <p:cNvPr id="4" name="Footer Placeholder 3"/>
+          <p:cNvSpPr>
+            <a:spLocks noGrp="1"/>
+          </p:cNvSpPr>
+          <p:nvPr>
+            <p:ph type="ftr" sz="quarter" idx="11"/>
+          </p:nvPr>
+        </p:nvSpPr>
+        <p:spPr/>
+        <p:txBody>
+          <a:bodyPr/>
+          <a:lstStyle/>
+          <a:p>
+            <a:r>
+              <a:rPr lang="sk-SK" smtClean="0"/>
+              <a:t>© 2015 EV3Lessons.com, Last edit 6/15/2015</a:t>
+            </a:r>
+            <a:endParaRPr lang="en-US"/>
+          </a:p>
+        </p:txBody>
+      </p:sp>
+      <p:sp>
+        <p:nvSpPr>
+          <p:cNvPr id="9" name="Slide Number Placeholder 8"/>
+          <p:cNvSpPr>
+            <a:spLocks noGrp="1"/>
+          </p:cNvSpPr>
+          <p:nvPr>
+            <p:ph type="sldNum" sz="quarter" idx="12"/>
+          </p:nvPr>
+        </p:nvSpPr>
+        <p:spPr/>
+        <p:txBody>
+          <a:bodyPr/>
+          <a:lstStyle/>
+          <a:p>
+            <a:fld id="{4382A7F7-08BF-4252-8141-63FB96055BBB}" type="slidenum">
+              <a:rPr lang="en-US" smtClean="0"/>
+              <a:pPr/>
+              <a:t>10</a:t>
+            </a:fld>
+            <a:endParaRPr lang="en-US"/>
+          </a:p>
+        </p:txBody>
+      </p:sp>
+      <p:sp>
+        <p:nvSpPr>
           <p:cNvPr id="2" name="Title 1"/>
           <p:cNvSpPr>
             <a:spLocks noGrp="1"/>
@@ -5234,12 +9899,7 @@
             <p:ph type="title"/>
           </p:nvPr>
         </p:nvSpPr>
-        <p:spPr>
-          <a:xfrm>
-            <a:off x="0" y="0"/>
-            <a:ext cx="9143999" cy="1188720"/>
-          </a:xfrm>
-        </p:spPr>
+        <p:spPr/>
         <p:txBody>
           <a:bodyPr/>
           <a:lstStyle/>
@@ -5249,72 +9909,6 @@
               <a:t>Block Setting: Loop Count</a:t>
             </a:r>
             <a:endParaRPr lang="en-US" dirty="0"/>
-          </a:p>
-        </p:txBody>
-      </p:sp>
-      <p:sp>
-        <p:nvSpPr>
-          <p:cNvPr id="3" name="Content Placeholder 2"/>
-          <p:cNvSpPr>
-            <a:spLocks noGrp="1"/>
-          </p:cNvSpPr>
-          <p:nvPr>
-            <p:ph idx="1"/>
-          </p:nvPr>
-        </p:nvSpPr>
-        <p:spPr>
-          <a:xfrm>
-            <a:off x="284163" y="1818870"/>
-            <a:ext cx="3776887" cy="4307294"/>
-          </a:xfrm>
-        </p:spPr>
-        <p:txBody>
-          <a:bodyPr>
-            <a:normAutofit lnSpcReduction="10000"/>
-          </a:bodyPr>
-          <a:lstStyle/>
-          <a:p>
-            <a:r>
-              <a:rPr lang="en-US" dirty="0" smtClean="0"/>
-              <a:t>The loop count outputs the  amount of times the blocks inside the loop have played.</a:t>
-            </a:r>
-          </a:p>
-          <a:p>
-            <a:r>
-              <a:rPr lang="en-US" dirty="0" smtClean="0"/>
-              <a:t>This is useful to create a program that runs different code every time it goes in the loop</a:t>
-            </a:r>
-          </a:p>
-          <a:p>
-            <a:r>
-              <a:rPr lang="en-US" dirty="0" smtClean="0"/>
-              <a:t>It is also useful for computing on each item of an array </a:t>
-            </a:r>
-            <a:endParaRPr lang="en-US" dirty="0"/>
-          </a:p>
-        </p:txBody>
-      </p:sp>
-      <p:sp>
-        <p:nvSpPr>
-          <p:cNvPr id="9" name="Slide Number Placeholder 8"/>
-          <p:cNvSpPr>
-            <a:spLocks noGrp="1"/>
-          </p:cNvSpPr>
-          <p:nvPr>
-            <p:ph type="sldNum" sz="quarter" idx="12"/>
-          </p:nvPr>
-        </p:nvSpPr>
-        <p:spPr/>
-        <p:txBody>
-          <a:bodyPr/>
-          <a:lstStyle/>
-          <a:p>
-            <a:fld id="{4382A7F7-08BF-4252-8141-63FB96055BBB}" type="slidenum">
-              <a:rPr lang="en-US" smtClean="0"/>
-              <a:pPr/>
-              <a:t>10</a:t>
-            </a:fld>
-            <a:endParaRPr lang="en-US"/>
           </a:p>
         </p:txBody>
       </p:sp>
@@ -5477,29 +10071,6 @@
               <a:t>Displays the loop count to the screen</a:t>
             </a:r>
             <a:endParaRPr lang="en-US" dirty="0"/>
-          </a:p>
-        </p:txBody>
-      </p:sp>
-      <p:sp>
-        <p:nvSpPr>
-          <p:cNvPr id="4" name="Footer Placeholder 3"/>
-          <p:cNvSpPr>
-            <a:spLocks noGrp="1"/>
-          </p:cNvSpPr>
-          <p:nvPr>
-            <p:ph type="ftr" sz="quarter" idx="11"/>
-          </p:nvPr>
-        </p:nvSpPr>
-        <p:spPr/>
-        <p:txBody>
-          <a:bodyPr/>
-          <a:lstStyle/>
-          <a:p>
-            <a:r>
-              <a:rPr lang="en-US" smtClean="0"/>
-              <a:t>© 2015 EV3Lessons.com, Last edit 2/28/2015</a:t>
-            </a:r>
-            <a:endParaRPr lang="en-US"/>
           </a:p>
         </p:txBody>
       </p:sp>
@@ -5770,6 +10341,83 @@
       </p:grpSpPr>
       <p:sp>
         <p:nvSpPr>
+          <p:cNvPr id="3" name="Content Placeholder 2"/>
+          <p:cNvSpPr>
+            <a:spLocks noGrp="1"/>
+          </p:cNvSpPr>
+          <p:nvPr>
+            <p:ph idx="1"/>
+          </p:nvPr>
+        </p:nvSpPr>
+        <p:spPr/>
+        <p:txBody>
+          <a:bodyPr>
+            <a:normAutofit/>
+          </a:bodyPr>
+          <a:lstStyle/>
+          <a:p>
+            <a:r>
+              <a:rPr lang="en-US" dirty="0" smtClean="0"/>
+              <a:t>Make a program that displays all the entries of an array. Display each index on a different line. You can use only one display block.</a:t>
+            </a:r>
+            <a:endParaRPr lang="en-US" dirty="0"/>
+          </a:p>
+          <a:p>
+            <a:r>
+              <a:rPr lang="en-US" dirty="0" smtClean="0"/>
+              <a:t>Tips: You will need to use loops, loop count, array block, array operations</a:t>
+            </a:r>
+          </a:p>
+        </p:txBody>
+      </p:sp>
+      <p:sp>
+        <p:nvSpPr>
+          <p:cNvPr id="4" name="Footer Placeholder 3"/>
+          <p:cNvSpPr>
+            <a:spLocks noGrp="1"/>
+          </p:cNvSpPr>
+          <p:nvPr>
+            <p:ph type="ftr" sz="quarter" idx="11"/>
+          </p:nvPr>
+        </p:nvSpPr>
+        <p:spPr/>
+        <p:txBody>
+          <a:bodyPr/>
+          <a:lstStyle/>
+          <a:p>
+            <a:r>
+              <a:rPr lang="sk-SK" smtClean="0"/>
+              <a:t>© 2015 EV3Lessons.com, Last edit 6/15/2015</a:t>
+            </a:r>
+            <a:endParaRPr lang="en-US"/>
+          </a:p>
+        </p:txBody>
+      </p:sp>
+      <p:sp>
+        <p:nvSpPr>
+          <p:cNvPr id="5" name="Slide Number Placeholder 4"/>
+          <p:cNvSpPr>
+            <a:spLocks noGrp="1"/>
+          </p:cNvSpPr>
+          <p:nvPr>
+            <p:ph type="sldNum" sz="quarter" idx="12"/>
+          </p:nvPr>
+        </p:nvSpPr>
+        <p:spPr/>
+        <p:txBody>
+          <a:bodyPr/>
+          <a:lstStyle/>
+          <a:p>
+            <a:fld id="{4382A7F7-08BF-4252-8141-63FB96055BBB}" type="slidenum">
+              <a:rPr lang="en-US" smtClean="0"/>
+              <a:t>12</a:t>
+            </a:fld>
+            <a:endParaRPr lang="en-US"/>
+          </a:p>
+        </p:txBody>
+      </p:sp>
+      <p:sp>
+        <p:nvSpPr>
           <p:cNvPr id="2" name="Title 1"/>
           <p:cNvSpPr>
             <a:spLocks noGrp="1"/>
@@ -5778,12 +10426,7 @@
             <p:ph type="title"/>
           </p:nvPr>
         </p:nvSpPr>
-        <p:spPr>
-          <a:xfrm>
-            <a:off x="0" y="0"/>
-            <a:ext cx="9143999" cy="1188720"/>
-          </a:xfrm>
-        </p:spPr>
+        <p:spPr/>
         <p:txBody>
           <a:bodyPr/>
           <a:lstStyle/>
@@ -5793,83 +10436,6 @@
               <a:t>Challenge 1</a:t>
             </a:r>
             <a:endParaRPr lang="en-US" dirty="0"/>
-          </a:p>
-        </p:txBody>
-      </p:sp>
-      <p:sp>
-        <p:nvSpPr>
-          <p:cNvPr id="3" name="Content Placeholder 2"/>
-          <p:cNvSpPr>
-            <a:spLocks noGrp="1"/>
-          </p:cNvSpPr>
-          <p:nvPr>
-            <p:ph idx="1"/>
-          </p:nvPr>
-        </p:nvSpPr>
-        <p:spPr/>
-        <p:txBody>
-          <a:bodyPr>
-            <a:normAutofit/>
-          </a:bodyPr>
-          <a:lstStyle/>
-          <a:p>
-            <a:r>
-              <a:rPr lang="en-US" dirty="0" smtClean="0"/>
-              <a:t>Make a program that displays all the entries of an array. Display each index on a different line. You can use only one display block.</a:t>
-            </a:r>
-            <a:endParaRPr lang="en-US" dirty="0"/>
-          </a:p>
-          <a:p>
-            <a:r>
-              <a:rPr lang="en-US" dirty="0" smtClean="0"/>
-              <a:t>Tips: You will need to use loops, loop count, array block, array operations</a:t>
-            </a:r>
-          </a:p>
-        </p:txBody>
-      </p:sp>
-      <p:sp>
-        <p:nvSpPr>
-          <p:cNvPr id="5" name="Slide Number Placeholder 4"/>
-          <p:cNvSpPr>
-            <a:spLocks noGrp="1"/>
-          </p:cNvSpPr>
-          <p:nvPr>
-            <p:ph type="sldNum" sz="quarter" idx="12"/>
-          </p:nvPr>
-        </p:nvSpPr>
-        <p:spPr/>
-        <p:txBody>
-          <a:bodyPr/>
-          <a:lstStyle/>
-          <a:p>
-            <a:fld id="{4382A7F7-08BF-4252-8141-63FB96055BBB}" type="slidenum">
-              <a:rPr lang="en-US" smtClean="0"/>
-              <a:t>12</a:t>
-            </a:fld>
-            <a:endParaRPr lang="en-US"/>
-          </a:p>
-        </p:txBody>
-      </p:sp>
-      <p:sp>
-        <p:nvSpPr>
-          <p:cNvPr id="4" name="Footer Placeholder 3"/>
-          <p:cNvSpPr>
-            <a:spLocks noGrp="1"/>
-          </p:cNvSpPr>
-          <p:nvPr>
-            <p:ph type="ftr" sz="quarter" idx="11"/>
-          </p:nvPr>
-        </p:nvSpPr>
-        <p:spPr/>
-        <p:txBody>
-          <a:bodyPr/>
-          <a:lstStyle/>
-          <a:p>
-            <a:r>
-              <a:rPr lang="en-US" smtClean="0"/>
-              <a:t>© 2015 EV3Lessons.com, Last edit 2/28/2015</a:t>
-            </a:r>
-            <a:endParaRPr lang="en-US"/>
           </a:p>
         </p:txBody>
       </p:sp>
@@ -5936,6 +10502,52 @@
       </p:pic>
       <p:sp>
         <p:nvSpPr>
+          <p:cNvPr id="4" name="Footer Placeholder 3"/>
+          <p:cNvSpPr>
+            <a:spLocks noGrp="1"/>
+          </p:cNvSpPr>
+          <p:nvPr>
+            <p:ph type="ftr" sz="quarter" idx="11"/>
+          </p:nvPr>
+        </p:nvSpPr>
+        <p:spPr/>
+        <p:txBody>
+          <a:bodyPr/>
+          <a:lstStyle/>
+          <a:p>
+            <a:r>
+              <a:rPr lang="sk-SK" smtClean="0"/>
+              <a:t>© 2015 EV3Lessons.com, Last edit 6/15/2015</a:t>
+            </a:r>
+            <a:endParaRPr lang="en-US"/>
+          </a:p>
+        </p:txBody>
+      </p:sp>
+      <p:sp>
+        <p:nvSpPr>
+          <p:cNvPr id="3" name="Slide Number Placeholder 2"/>
+          <p:cNvSpPr>
+            <a:spLocks noGrp="1"/>
+          </p:cNvSpPr>
+          <p:nvPr>
+            <p:ph type="sldNum" sz="quarter" idx="12"/>
+          </p:nvPr>
+        </p:nvSpPr>
+        <p:spPr/>
+        <p:txBody>
+          <a:bodyPr/>
+          <a:lstStyle/>
+          <a:p>
+            <a:fld id="{4382A7F7-08BF-4252-8141-63FB96055BBB}" type="slidenum">
+              <a:rPr lang="en-US" smtClean="0"/>
+              <a:t>13</a:t>
+            </a:fld>
+            <a:endParaRPr lang="en-US"/>
+          </a:p>
+        </p:txBody>
+      </p:sp>
+      <p:sp>
+        <p:nvSpPr>
           <p:cNvPr id="2" name="Title 1"/>
           <p:cNvSpPr>
             <a:spLocks noGrp="1"/>
@@ -5944,19 +10556,14 @@
             <p:ph type="title"/>
           </p:nvPr>
         </p:nvSpPr>
-        <p:spPr>
-          <a:xfrm>
-            <a:off x="0" y="0"/>
-            <a:ext cx="9143999" cy="1188720"/>
-          </a:xfrm>
-        </p:spPr>
+        <p:spPr/>
         <p:txBody>
           <a:bodyPr/>
           <a:lstStyle/>
           <a:p>
             <a:r>
               <a:rPr lang="en-US" dirty="0" smtClean="0"/>
-              <a:t>Challenge 1 solution</a:t>
+              <a:t>Challenge 1 Solution</a:t>
             </a:r>
             <a:endParaRPr lang="en-US" dirty="0"/>
           </a:p>
@@ -6139,29 +10746,6 @@
               <a:t>End after all the indexes have been displayed </a:t>
             </a:r>
             <a:endParaRPr lang="en-US" sz="1200" dirty="0"/>
-          </a:p>
-        </p:txBody>
-      </p:sp>
-      <p:sp>
-        <p:nvSpPr>
-          <p:cNvPr id="3" name="Slide Number Placeholder 2"/>
-          <p:cNvSpPr>
-            <a:spLocks noGrp="1"/>
-          </p:cNvSpPr>
-          <p:nvPr>
-            <p:ph type="sldNum" sz="quarter" idx="12"/>
-          </p:nvPr>
-        </p:nvSpPr>
-        <p:spPr/>
-        <p:txBody>
-          <a:bodyPr/>
-          <a:lstStyle/>
-          <a:p>
-            <a:fld id="{4382A7F7-08BF-4252-8141-63FB96055BBB}" type="slidenum">
-              <a:rPr lang="en-US" smtClean="0"/>
-              <a:t>13</a:t>
-            </a:fld>
-            <a:endParaRPr lang="en-US"/>
           </a:p>
         </p:txBody>
       </p:sp>
@@ -6198,29 +10782,6 @@
           </a:fontRef>
         </p:style>
       </p:cxnSp>
-      <p:sp>
-        <p:nvSpPr>
-          <p:cNvPr id="4" name="Footer Placeholder 3"/>
-          <p:cNvSpPr>
-            <a:spLocks noGrp="1"/>
-          </p:cNvSpPr>
-          <p:nvPr>
-            <p:ph type="ftr" sz="quarter" idx="11"/>
-          </p:nvPr>
-        </p:nvSpPr>
-        <p:spPr/>
-        <p:txBody>
-          <a:bodyPr/>
-          <a:lstStyle/>
-          <a:p>
-            <a:r>
-              <a:rPr lang="en-US" smtClean="0"/>
-              <a:t>© 2015 EV3Lessons.com, Last edit 2/28/2015</a:t>
-            </a:r>
-            <a:endParaRPr lang="en-US"/>
-          </a:p>
-        </p:txBody>
-      </p:sp>
     </p:spTree>
     <p:extLst>
       <p:ext uri="{BB962C8B-B14F-4D97-AF65-F5344CB8AC3E}">
@@ -6260,6 +10821,108 @@
       </p:grpSpPr>
       <p:sp>
         <p:nvSpPr>
+          <p:cNvPr id="3" name="Content Placeholder 2"/>
+          <p:cNvSpPr>
+            <a:spLocks noGrp="1"/>
+          </p:cNvSpPr>
+          <p:nvPr>
+            <p:ph idx="1"/>
+          </p:nvPr>
+        </p:nvSpPr>
+        <p:spPr/>
+        <p:txBody>
+          <a:bodyPr>
+            <a:normAutofit/>
+          </a:bodyPr>
+          <a:lstStyle/>
+          <a:p>
+            <a:r>
+              <a:rPr lang="en-US" dirty="0"/>
+              <a:t>Make a program that </a:t>
+            </a:r>
+            <a:r>
+              <a:rPr lang="en-US" dirty="0" smtClean="0"/>
+              <a:t>adds up all </a:t>
+            </a:r>
+            <a:r>
+              <a:rPr lang="en-US" dirty="0"/>
+              <a:t>the entries of an array. Display </a:t>
+            </a:r>
+            <a:r>
+              <a:rPr lang="en-US" dirty="0" smtClean="0"/>
+              <a:t>the sum. </a:t>
+            </a:r>
+          </a:p>
+          <a:p>
+            <a:r>
+              <a:rPr lang="en-US" dirty="0" smtClean="0"/>
+              <a:t>Tips</a:t>
+            </a:r>
+            <a:r>
+              <a:rPr lang="en-US" dirty="0"/>
+              <a:t>: You will need to use loops, loop count, array block, array operations</a:t>
+            </a:r>
+          </a:p>
+          <a:p>
+            <a:pPr marL="0" indent="0">
+              <a:buNone/>
+            </a:pPr>
+            <a:r>
+              <a:rPr lang="en-US" dirty="0" smtClean="0"/>
+              <a:t> </a:t>
+            </a:r>
+            <a:endParaRPr lang="en-US" dirty="0"/>
+          </a:p>
+        </p:txBody>
+      </p:sp>
+      <p:sp>
+        <p:nvSpPr>
+          <p:cNvPr id="4" name="Footer Placeholder 3"/>
+          <p:cNvSpPr>
+            <a:spLocks noGrp="1"/>
+          </p:cNvSpPr>
+          <p:nvPr>
+            <p:ph type="ftr" sz="quarter" idx="11"/>
+          </p:nvPr>
+        </p:nvSpPr>
+        <p:spPr/>
+        <p:txBody>
+          <a:bodyPr/>
+          <a:lstStyle/>
+          <a:p>
+            <a:r>
+              <a:rPr lang="sk-SK" smtClean="0"/>
+              <a:t>© 2015 EV3Lessons.com, Last edit 6/15/2015</a:t>
+            </a:r>
+            <a:endParaRPr lang="en-US"/>
+          </a:p>
+        </p:txBody>
+      </p:sp>
+      <p:sp>
+        <p:nvSpPr>
+          <p:cNvPr id="5" name="Slide Number Placeholder 4"/>
+          <p:cNvSpPr>
+            <a:spLocks noGrp="1"/>
+          </p:cNvSpPr>
+          <p:nvPr>
+            <p:ph type="sldNum" sz="quarter" idx="12"/>
+          </p:nvPr>
+        </p:nvSpPr>
+        <p:spPr/>
+        <p:txBody>
+          <a:bodyPr/>
+          <a:lstStyle/>
+          <a:p>
+            <a:fld id="{4382A7F7-08BF-4252-8141-63FB96055BBB}" type="slidenum">
+              <a:rPr lang="en-US" smtClean="0"/>
+              <a:t>14</a:t>
+            </a:fld>
+            <a:endParaRPr lang="en-US"/>
+          </a:p>
+        </p:txBody>
+      </p:sp>
+      <p:sp>
+        <p:nvSpPr>
           <p:cNvPr id="2" name="Title 1"/>
           <p:cNvSpPr>
             <a:spLocks noGrp="1"/>
@@ -6268,12 +10931,7 @@
             <p:ph type="title"/>
           </p:nvPr>
         </p:nvSpPr>
-        <p:spPr>
-          <a:xfrm>
-            <a:off x="0" y="0"/>
-            <a:ext cx="9143999" cy="1188720"/>
-          </a:xfrm>
-        </p:spPr>
+        <p:spPr/>
         <p:txBody>
           <a:bodyPr/>
           <a:lstStyle/>
@@ -6283,108 +10941,6 @@
               <a:t>Challenge 2</a:t>
             </a:r>
             <a:endParaRPr lang="en-US" dirty="0"/>
-          </a:p>
-        </p:txBody>
-      </p:sp>
-      <p:sp>
-        <p:nvSpPr>
-          <p:cNvPr id="3" name="Content Placeholder 2"/>
-          <p:cNvSpPr>
-            <a:spLocks noGrp="1"/>
-          </p:cNvSpPr>
-          <p:nvPr>
-            <p:ph idx="1"/>
-          </p:nvPr>
-        </p:nvSpPr>
-        <p:spPr/>
-        <p:txBody>
-          <a:bodyPr>
-            <a:normAutofit/>
-          </a:bodyPr>
-          <a:lstStyle/>
-          <a:p>
-            <a:r>
-              <a:rPr lang="en-US" dirty="0"/>
-              <a:t>Make a program that </a:t>
-            </a:r>
-            <a:r>
-              <a:rPr lang="en-US" dirty="0" smtClean="0"/>
-              <a:t>adds up all </a:t>
-            </a:r>
-            <a:r>
-              <a:rPr lang="en-US" dirty="0"/>
-              <a:t>the entries of an array. Display </a:t>
-            </a:r>
-            <a:r>
-              <a:rPr lang="en-US" dirty="0" smtClean="0"/>
-              <a:t>the sum. </a:t>
-            </a:r>
-          </a:p>
-          <a:p>
-            <a:r>
-              <a:rPr lang="en-US" dirty="0" smtClean="0"/>
-              <a:t>Tips</a:t>
-            </a:r>
-            <a:r>
-              <a:rPr lang="en-US" dirty="0"/>
-              <a:t>: You will need to use loops, loop count, array block, array operations</a:t>
-            </a:r>
-          </a:p>
-          <a:p>
-            <a:pPr marL="0" indent="0">
-              <a:buNone/>
-            </a:pPr>
-            <a:r>
-              <a:rPr lang="en-US" dirty="0" smtClean="0"/>
-              <a:t> </a:t>
-            </a:r>
-            <a:endParaRPr lang="en-US" dirty="0"/>
-          </a:p>
-        </p:txBody>
-      </p:sp>
-      <p:sp>
-        <p:nvSpPr>
-          <p:cNvPr id="5" name="Slide Number Placeholder 4"/>
-          <p:cNvSpPr>
-            <a:spLocks noGrp="1"/>
-          </p:cNvSpPr>
-          <p:nvPr>
-            <p:ph type="sldNum" sz="quarter" idx="12"/>
-          </p:nvPr>
-        </p:nvSpPr>
-        <p:spPr/>
-        <p:txBody>
-          <a:bodyPr/>
-          <a:lstStyle/>
-          <a:p>
-            <a:fld id="{4382A7F7-08BF-4252-8141-63FB96055BBB}" type="slidenum">
-              <a:rPr lang="en-US" smtClean="0"/>
-              <a:t>14</a:t>
-            </a:fld>
-            <a:endParaRPr lang="en-US"/>
-          </a:p>
-        </p:txBody>
-      </p:sp>
-      <p:sp>
-        <p:nvSpPr>
-          <p:cNvPr id="4" name="Footer Placeholder 3"/>
-          <p:cNvSpPr>
-            <a:spLocks noGrp="1"/>
-          </p:cNvSpPr>
-          <p:nvPr>
-            <p:ph type="ftr" sz="quarter" idx="11"/>
-          </p:nvPr>
-        </p:nvSpPr>
-        <p:spPr/>
-        <p:txBody>
-          <a:bodyPr/>
-          <a:lstStyle/>
-          <a:p>
-            <a:r>
-              <a:rPr lang="en-US" smtClean="0"/>
-              <a:t>© 2015 EV3Lessons.com, Last edit 2/28/2015</a:t>
-            </a:r>
-            <a:endParaRPr lang="en-US"/>
           </a:p>
         </p:txBody>
       </p:sp>
@@ -6427,6 +10983,52 @@
       </p:grpSpPr>
       <p:sp>
         <p:nvSpPr>
+          <p:cNvPr id="3" name="Footer Placeholder 2"/>
+          <p:cNvSpPr>
+            <a:spLocks noGrp="1"/>
+          </p:cNvSpPr>
+          <p:nvPr>
+            <p:ph type="ftr" sz="quarter" idx="11"/>
+          </p:nvPr>
+        </p:nvSpPr>
+        <p:spPr/>
+        <p:txBody>
+          <a:bodyPr/>
+          <a:lstStyle/>
+          <a:p>
+            <a:r>
+              <a:rPr lang="sk-SK" smtClean="0"/>
+              <a:t>© 2015 EV3Lessons.com, Last edit 6/15/2015</a:t>
+            </a:r>
+            <a:endParaRPr lang="en-US"/>
+          </a:p>
+        </p:txBody>
+      </p:sp>
+      <p:sp>
+        <p:nvSpPr>
+          <p:cNvPr id="5" name="Slide Number Placeholder 4"/>
+          <p:cNvSpPr>
+            <a:spLocks noGrp="1"/>
+          </p:cNvSpPr>
+          <p:nvPr>
+            <p:ph type="sldNum" sz="quarter" idx="12"/>
+          </p:nvPr>
+        </p:nvSpPr>
+        <p:spPr/>
+        <p:txBody>
+          <a:bodyPr/>
+          <a:lstStyle/>
+          <a:p>
+            <a:fld id="{4382A7F7-08BF-4252-8141-63FB96055BBB}" type="slidenum">
+              <a:rPr lang="en-US" smtClean="0"/>
+              <a:t>15</a:t>
+            </a:fld>
+            <a:endParaRPr lang="en-US"/>
+          </a:p>
+        </p:txBody>
+      </p:sp>
+      <p:sp>
+        <p:nvSpPr>
           <p:cNvPr id="2" name="Title 1"/>
           <p:cNvSpPr>
             <a:spLocks noGrp="1"/>
@@ -6435,12 +11037,7 @@
             <p:ph type="title"/>
           </p:nvPr>
         </p:nvSpPr>
-        <p:spPr>
-          <a:xfrm>
-            <a:off x="0" y="0"/>
-            <a:ext cx="9143999" cy="1188720"/>
-          </a:xfrm>
-        </p:spPr>
+        <p:spPr/>
         <p:txBody>
           <a:bodyPr/>
           <a:lstStyle/>
@@ -6450,29 +11047,6 @@
               <a:t>Challenge 2 Solution</a:t>
             </a:r>
             <a:endParaRPr lang="en-US" dirty="0"/>
-          </a:p>
-        </p:txBody>
-      </p:sp>
-      <p:sp>
-        <p:nvSpPr>
-          <p:cNvPr id="5" name="Slide Number Placeholder 4"/>
-          <p:cNvSpPr>
-            <a:spLocks noGrp="1"/>
-          </p:cNvSpPr>
-          <p:nvPr>
-            <p:ph type="sldNum" sz="quarter" idx="12"/>
-          </p:nvPr>
-        </p:nvSpPr>
-        <p:spPr/>
-        <p:txBody>
-          <a:bodyPr/>
-          <a:lstStyle/>
-          <a:p>
-            <a:fld id="{4382A7F7-08BF-4252-8141-63FB96055BBB}" type="slidenum">
-              <a:rPr lang="en-US" smtClean="0"/>
-              <a:t>15</a:t>
-            </a:fld>
-            <a:endParaRPr lang="en-US"/>
           </a:p>
         </p:txBody>
       </p:sp>
@@ -6646,29 +11220,6 @@
               <a:t>Create the display array</a:t>
             </a:r>
             <a:endParaRPr lang="en-US" sz="1200" dirty="0"/>
-          </a:p>
-        </p:txBody>
-      </p:sp>
-      <p:sp>
-        <p:nvSpPr>
-          <p:cNvPr id="3" name="Footer Placeholder 2"/>
-          <p:cNvSpPr>
-            <a:spLocks noGrp="1"/>
-          </p:cNvSpPr>
-          <p:nvPr>
-            <p:ph type="ftr" sz="quarter" idx="11"/>
-          </p:nvPr>
-        </p:nvSpPr>
-        <p:spPr/>
-        <p:txBody>
-          <a:bodyPr/>
-          <a:lstStyle/>
-          <a:p>
-            <a:r>
-              <a:rPr lang="en-US" smtClean="0"/>
-              <a:t>© 2015 EV3Lessons.com, Last edit 2/28/2015</a:t>
-            </a:r>
-            <a:endParaRPr lang="en-US"/>
           </a:p>
         </p:txBody>
       </p:sp>
@@ -6711,6 +11262,111 @@
       </p:grpSpPr>
       <p:sp>
         <p:nvSpPr>
+          <p:cNvPr id="3" name="Content Placeholder 2"/>
+          <p:cNvSpPr>
+            <a:spLocks noGrp="1"/>
+          </p:cNvSpPr>
+          <p:nvPr>
+            <p:ph idx="1"/>
+          </p:nvPr>
+        </p:nvSpPr>
+        <p:spPr/>
+        <p:txBody>
+          <a:bodyPr/>
+          <a:lstStyle/>
+          <a:p>
+            <a:r>
+              <a:rPr lang="en-US" dirty="0" smtClean="0"/>
+              <a:t>Here are some fun things to try:</a:t>
+            </a:r>
+          </a:p>
+          <a:p>
+            <a:pPr lvl="1">
+              <a:buFont typeface="+mj-lt"/>
+              <a:buAutoNum type="arabicPeriod"/>
+            </a:pPr>
+            <a:r>
+              <a:rPr lang="en-US" dirty="0" smtClean="0"/>
+              <a:t>Make a program to compute the average value in an array</a:t>
+            </a:r>
+          </a:p>
+          <a:p>
+            <a:pPr lvl="1">
+              <a:buFont typeface="+mj-lt"/>
+              <a:buAutoNum type="arabicPeriod"/>
+            </a:pPr>
+            <a:r>
+              <a:rPr lang="en-US" dirty="0"/>
+              <a:t>M</a:t>
+            </a:r>
+            <a:r>
+              <a:rPr lang="en-US" dirty="0" smtClean="0"/>
+              <a:t>ake a program that always saves the last 4 light sensor readings in an array</a:t>
+            </a:r>
+          </a:p>
+          <a:p>
+            <a:pPr lvl="1">
+              <a:buFont typeface="+mj-lt"/>
+              <a:buAutoNum type="arabicPeriod"/>
+            </a:pPr>
+            <a:r>
+              <a:rPr lang="en-US" dirty="0" smtClean="0"/>
+              <a:t>Create an array that stores calibration values for each sensor port</a:t>
+            </a:r>
+          </a:p>
+          <a:p>
+            <a:endParaRPr lang="en-US" dirty="0"/>
+          </a:p>
+        </p:txBody>
+      </p:sp>
+      <p:sp>
+        <p:nvSpPr>
+          <p:cNvPr id="5" name="Footer Placeholder 4"/>
+          <p:cNvSpPr>
+            <a:spLocks noGrp="1"/>
+          </p:cNvSpPr>
+          <p:nvPr>
+            <p:ph type="ftr" sz="quarter" idx="11"/>
+          </p:nvPr>
+        </p:nvSpPr>
+        <p:spPr/>
+        <p:txBody>
+          <a:bodyPr/>
+          <a:lstStyle/>
+          <a:p>
+            <a:r>
+              <a:rPr lang="sk-SK" smtClean="0"/>
+              <a:t>© 2015 EV3Lessons.com, Last edit 6/15/2015</a:t>
+            </a:r>
+            <a:endParaRPr lang="en-US"/>
+          </a:p>
+        </p:txBody>
+      </p:sp>
+      <p:sp>
+        <p:nvSpPr>
+          <p:cNvPr id="4" name="Slide Number Placeholder 3"/>
+          <p:cNvSpPr>
+            <a:spLocks noGrp="1"/>
+          </p:cNvSpPr>
+          <p:nvPr>
+            <p:ph type="sldNum" sz="quarter" idx="12"/>
+          </p:nvPr>
+        </p:nvSpPr>
+        <p:spPr/>
+        <p:txBody>
+          <a:bodyPr/>
+          <a:lstStyle/>
+          <a:p>
+            <a:fld id="{4382A7F7-08BF-4252-8141-63FB96055BBB}" type="slidenum">
+              <a:rPr lang="en-US" smtClean="0"/>
+              <a:t>16</a:t>
+            </a:fld>
+            <a:endParaRPr lang="en-US"/>
+          </a:p>
+        </p:txBody>
+      </p:sp>
+      <p:sp>
+        <p:nvSpPr>
           <p:cNvPr id="2" name="Title 1"/>
           <p:cNvSpPr>
             <a:spLocks noGrp="1"/>
@@ -6719,12 +11375,7 @@
             <p:ph type="title"/>
           </p:nvPr>
         </p:nvSpPr>
-        <p:spPr>
-          <a:xfrm>
-            <a:off x="0" y="0"/>
-            <a:ext cx="9143999" cy="1188720"/>
-          </a:xfrm>
-        </p:spPr>
+        <p:spPr/>
         <p:txBody>
           <a:bodyPr/>
           <a:lstStyle/>
@@ -6734,116 +11385,6 @@
               <a:t>Next Steps</a:t>
             </a:r>
             <a:endParaRPr lang="en-US" dirty="0"/>
-          </a:p>
-        </p:txBody>
-      </p:sp>
-      <p:sp>
-        <p:nvSpPr>
-          <p:cNvPr id="3" name="Content Placeholder 2"/>
-          <p:cNvSpPr>
-            <a:spLocks noGrp="1"/>
-          </p:cNvSpPr>
-          <p:nvPr>
-            <p:ph idx="1"/>
-          </p:nvPr>
-        </p:nvSpPr>
-        <p:spPr>
-          <a:xfrm>
-            <a:off x="284163" y="1818870"/>
-            <a:ext cx="8574087" cy="4307294"/>
-          </a:xfrm>
-        </p:spPr>
-        <p:txBody>
-          <a:bodyPr/>
-          <a:lstStyle/>
-          <a:p>
-            <a:r>
-              <a:rPr lang="en-US" dirty="0" smtClean="0"/>
-              <a:t>Here are some fun things to try:</a:t>
-            </a:r>
-          </a:p>
-          <a:p>
-            <a:pPr lvl="1">
-              <a:buFont typeface="+mj-lt"/>
-              <a:buAutoNum type="arabicPeriod"/>
-            </a:pPr>
-            <a:r>
-              <a:rPr lang="en-US" dirty="0" smtClean="0"/>
-              <a:t>Make a program to compute the average value in an array</a:t>
-            </a:r>
-          </a:p>
-          <a:p>
-            <a:pPr lvl="1">
-              <a:buFont typeface="+mj-lt"/>
-              <a:buAutoNum type="arabicPeriod"/>
-            </a:pPr>
-            <a:r>
-              <a:rPr lang="en-US" dirty="0"/>
-              <a:t>M</a:t>
-            </a:r>
-            <a:r>
-              <a:rPr lang="en-US" dirty="0" smtClean="0"/>
-              <a:t>ake a program that always saves the last 4 light sensor readings in an array</a:t>
-            </a:r>
-          </a:p>
-          <a:p>
-            <a:pPr lvl="1">
-              <a:buFont typeface="+mj-lt"/>
-              <a:buAutoNum type="arabicPeriod"/>
-            </a:pPr>
-            <a:r>
-              <a:rPr lang="en-US" dirty="0" smtClean="0"/>
-              <a:t>Create an array that stores calibration values for each sensor port</a:t>
-            </a:r>
-          </a:p>
-          <a:p>
-            <a:endParaRPr lang="en-US" dirty="0"/>
-          </a:p>
-        </p:txBody>
-      </p:sp>
-      <p:sp>
-        <p:nvSpPr>
-          <p:cNvPr id="4" name="Slide Number Placeholder 3"/>
-          <p:cNvSpPr>
-            <a:spLocks noGrp="1"/>
-          </p:cNvSpPr>
-          <p:nvPr>
-            <p:ph type="sldNum" sz="quarter" idx="12"/>
-          </p:nvPr>
-        </p:nvSpPr>
-        <p:spPr/>
-        <p:txBody>
-          <a:bodyPr/>
-          <a:lstStyle/>
-          <a:p>
-            <a:fld id="{4382A7F7-08BF-4252-8141-63FB96055BBB}" type="slidenum">
-              <a:rPr lang="en-US" smtClean="0"/>
-              <a:t>16</a:t>
-            </a:fld>
-            <a:endParaRPr lang="en-US"/>
-          </a:p>
-        </p:txBody>
-      </p:sp>
-      <p:sp>
-        <p:nvSpPr>
-          <p:cNvPr id="5" name="Footer Placeholder 4"/>
-          <p:cNvSpPr>
-            <a:spLocks noGrp="1"/>
-          </p:cNvSpPr>
-          <p:nvPr>
-            <p:ph type="ftr" sz="quarter" idx="11"/>
-          </p:nvPr>
-        </p:nvSpPr>
-        <p:spPr/>
-        <p:txBody>
-          <a:bodyPr/>
-          <a:lstStyle/>
-          <a:p>
-            <a:r>
-              <a:rPr lang="en-US" smtClean="0"/>
-              <a:t>© 2015 EV3Lessons.com, Last edit 2/28/2015</a:t>
-            </a:r>
-            <a:endParaRPr lang="en-US"/>
           </a:p>
         </p:txBody>
       </p:sp>
@@ -6886,6 +11427,84 @@
       </p:grpSpPr>
       <p:sp>
         <p:nvSpPr>
+          <p:cNvPr id="3" name="Content Placeholder 2"/>
+          <p:cNvSpPr>
+            <a:spLocks noGrp="1"/>
+          </p:cNvSpPr>
+          <p:nvPr>
+            <p:ph idx="1"/>
+          </p:nvPr>
+        </p:nvSpPr>
+        <p:spPr/>
+        <p:txBody>
+          <a:bodyPr/>
+          <a:lstStyle/>
+          <a:p>
+            <a:pPr lvl="1"/>
+            <a:r>
+              <a:rPr lang="en-US" smtClean="0"/>
+              <a:t>This tutorial was written by Sanjay Seshan and Arvind Seshan from Droids Robotics </a:t>
+            </a:r>
+          </a:p>
+          <a:p>
+            <a:pPr lvl="1"/>
+            <a:r>
+              <a:rPr lang="en-US" smtClean="0"/>
+              <a:t>More lessons at www.ev3lessons.com</a:t>
+            </a:r>
+            <a:endParaRPr lang="en-US" dirty="0"/>
+          </a:p>
+        </p:txBody>
+      </p:sp>
+      <p:sp>
+        <p:nvSpPr>
+          <p:cNvPr id="4" name="Footer Placeholder 3"/>
+          <p:cNvSpPr>
+            <a:spLocks noGrp="1"/>
+          </p:cNvSpPr>
+          <p:nvPr>
+            <p:ph type="ftr" sz="quarter" idx="11"/>
+          </p:nvPr>
+        </p:nvSpPr>
+        <p:spPr/>
+        <p:txBody>
+          <a:bodyPr/>
+          <a:lstStyle/>
+          <a:p>
+            <a:r>
+              <a:rPr lang="sk-SK" smtClean="0"/>
+              <a:t>© 2015 EV3Lessons.com, Last edit 6/15/2015</a:t>
+            </a:r>
+            <a:endParaRPr lang="en-US"/>
+          </a:p>
+        </p:txBody>
+      </p:sp>
+      <p:sp>
+        <p:nvSpPr>
+          <p:cNvPr id="7" name="Slide Number Placeholder 6"/>
+          <p:cNvSpPr>
+            <a:spLocks noGrp="1"/>
+          </p:cNvSpPr>
+          <p:nvPr>
+            <p:ph type="sldNum" sz="quarter" idx="12"/>
+          </p:nvPr>
+        </p:nvSpPr>
+        <p:spPr/>
+        <p:txBody>
+          <a:bodyPr/>
+          <a:lstStyle/>
+          <a:p>
+            <a:fld id="{4382A7F7-08BF-4252-8141-63FB96055BBB}" type="slidenum">
+              <a:rPr lang="en-US" smtClean="0"/>
+              <a:pPr/>
+              <a:t>17</a:t>
+            </a:fld>
+            <a:endParaRPr lang="en-US"/>
+          </a:p>
+        </p:txBody>
+      </p:sp>
+      <p:sp>
+        <p:nvSpPr>
           <p:cNvPr id="2" name="Title 1"/>
           <p:cNvSpPr>
             <a:spLocks noGrp="1"/>
@@ -6894,12 +11513,7 @@
             <p:ph type="title"/>
           </p:nvPr>
         </p:nvSpPr>
-        <p:spPr>
-          <a:xfrm>
-            <a:off x="0" y="0"/>
-            <a:ext cx="9143999" cy="1188720"/>
-          </a:xfrm>
-        </p:spPr>
+        <p:spPr/>
         <p:txBody>
           <a:bodyPr/>
           <a:lstStyle/>
@@ -6909,84 +11523,6 @@
               <a:t>Credits</a:t>
             </a:r>
             <a:endParaRPr lang="en-US" dirty="0"/>
-          </a:p>
-        </p:txBody>
-      </p:sp>
-      <p:sp>
-        <p:nvSpPr>
-          <p:cNvPr id="3" name="Content Placeholder 2"/>
-          <p:cNvSpPr>
-            <a:spLocks noGrp="1"/>
-          </p:cNvSpPr>
-          <p:nvPr>
-            <p:ph idx="1"/>
-          </p:nvPr>
-        </p:nvSpPr>
-        <p:spPr/>
-        <p:txBody>
-          <a:bodyPr/>
-          <a:lstStyle/>
-          <a:p>
-            <a:pPr lvl="1"/>
-            <a:r>
-              <a:rPr lang="en-US" smtClean="0"/>
-              <a:t>This tutorial was written by Sanjay Seshan and Arvind Seshan from Droids Robotics </a:t>
-            </a:r>
-          </a:p>
-          <a:p>
-            <a:pPr lvl="1"/>
-            <a:r>
-              <a:rPr lang="en-US" smtClean="0"/>
-              <a:t>More lessons at www.ev3lessons.com</a:t>
-            </a:r>
-            <a:endParaRPr lang="en-US" dirty="0"/>
-          </a:p>
-        </p:txBody>
-      </p:sp>
-      <p:sp>
-        <p:nvSpPr>
-          <p:cNvPr id="4" name="Footer Placeholder 3"/>
-          <p:cNvSpPr>
-            <a:spLocks noGrp="1"/>
-          </p:cNvSpPr>
-          <p:nvPr>
-            <p:ph type="ftr" sz="quarter" idx="11"/>
-          </p:nvPr>
-        </p:nvSpPr>
-        <p:spPr/>
-        <p:txBody>
-          <a:bodyPr/>
-          <a:lstStyle/>
-          <a:p>
-            <a:r>
-              <a:rPr lang="en-US" smtClean="0"/>
-              <a:t>© 2015 EV3Lessons.com, Last edit 2/28/2015</a:t>
-            </a:r>
-            <a:endParaRPr lang="en-US"/>
-          </a:p>
-        </p:txBody>
-      </p:sp>
-      <p:sp>
-        <p:nvSpPr>
-          <p:cNvPr id="7" name="Slide Number Placeholder 6"/>
-          <p:cNvSpPr>
-            <a:spLocks noGrp="1"/>
-          </p:cNvSpPr>
-          <p:nvPr>
-            <p:ph type="sldNum" sz="quarter" idx="12"/>
-          </p:nvPr>
-        </p:nvSpPr>
-        <p:spPr/>
-        <p:txBody>
-          <a:bodyPr/>
-          <a:lstStyle/>
-          <a:p>
-            <a:fld id="{4382A7F7-08BF-4252-8141-63FB96055BBB}" type="slidenum">
-              <a:rPr lang="en-US" smtClean="0"/>
-              <a:pPr/>
-              <a:t>17</a:t>
-            </a:fld>
-            <a:endParaRPr lang="en-US"/>
           </a:p>
         </p:txBody>
       </p:sp>
@@ -7015,7 +11551,7 @@
           <a:effectLst/>
           <a:extLst>
             <a:ext uri="{91240B29-F687-4f45-9708-019B960494DF}">
-              <a14:hiddenLine xmlns:a14="http://schemas.microsoft.com/office/drawing/2010/main" xmlns="" w="9525">
+              <a14:hiddenLine xmlns="" xmlns:a14="http://schemas.microsoft.com/office/drawing/2010/main" w="9525">
                 <a:solidFill>
                   <a:schemeClr val="tx1"/>
                 </a:solidFill>
@@ -7025,7 +11561,7 @@
               </a14:hiddenLine>
             </a:ext>
             <a:ext uri="{AF507438-7753-43e0-B8FC-AC1667EBCBE1}">
-              <a14:hiddenEffects xmlns:a14="http://schemas.microsoft.com/office/drawing/2010/main" xmlns="">
+              <a14:hiddenEffects xmlns="" xmlns:a14="http://schemas.microsoft.com/office/drawing/2010/main">
                 <a:effectLst>
                   <a:outerShdw dist="35921" dir="2700000" algn="ctr" rotWithShape="0">
                     <a:schemeClr val="bg2"/>
@@ -7378,7 +11914,7 @@
           <a:noFill/>
           <a:extLst>
             <a:ext uri="{909E8E84-426E-40dd-AFC4-6F175D3DCCD1}">
-              <a14:hiddenFill xmlns:a14="http://schemas.microsoft.com/office/drawing/2010/main" xmlns="">
+              <a14:hiddenFill xmlns="" xmlns:a14="http://schemas.microsoft.com/office/drawing/2010/main">
                 <a:solidFill>
                   <a:srgbClr val="FFFFFF"/>
                 </a:solidFill>
@@ -7434,6 +11970,103 @@
       </p:grpSpPr>
       <p:sp>
         <p:nvSpPr>
+          <p:cNvPr id="3" name="Content Placeholder 2"/>
+          <p:cNvSpPr>
+            <a:spLocks noGrp="1"/>
+          </p:cNvSpPr>
+          <p:nvPr>
+            <p:ph idx="1"/>
+          </p:nvPr>
+        </p:nvSpPr>
+        <p:spPr/>
+        <p:txBody>
+          <a:bodyPr/>
+          <a:lstStyle/>
+          <a:p>
+            <a:r>
+              <a:rPr lang="en-US" smtClean="0"/>
+              <a:t>Build upon skills from the Variables lesson in Intermediate</a:t>
+            </a:r>
+          </a:p>
+          <a:p>
+            <a:r>
+              <a:rPr lang="en-US" smtClean="0"/>
+              <a:t>Learn how to read/write to arrays</a:t>
+            </a:r>
+          </a:p>
+          <a:p>
+            <a:r>
+              <a:rPr lang="en-US" smtClean="0"/>
+              <a:t>Learn about the Array Operations block</a:t>
+            </a:r>
+          </a:p>
+          <a:p>
+            <a:r>
+              <a:rPr lang="en-US" smtClean="0"/>
+              <a:t>Learn to use the loop count in a loop</a:t>
+            </a:r>
+          </a:p>
+          <a:p>
+            <a:endParaRPr lang="en-US" smtClean="0"/>
+          </a:p>
+          <a:p>
+            <a:r>
+              <a:rPr lang="en-US" smtClean="0"/>
+              <a:t>Prerequisites: Data Wires, Loops, Variables</a:t>
+            </a:r>
+            <a:endParaRPr lang="en-US" dirty="0" smtClean="0"/>
+          </a:p>
+        </p:txBody>
+      </p:sp>
+      <p:sp>
+        <p:nvSpPr>
+          <p:cNvPr id="4" name="Footer Placeholder 3"/>
+          <p:cNvSpPr>
+            <a:spLocks noGrp="1"/>
+          </p:cNvSpPr>
+          <p:nvPr>
+            <p:ph type="ftr" sz="quarter" idx="11"/>
+          </p:nvPr>
+        </p:nvSpPr>
+        <p:spPr/>
+        <p:txBody>
+          <a:bodyPr/>
+          <a:lstStyle/>
+          <a:p>
+            <a:r>
+              <a:rPr lang="sk-SK" smtClean="0"/>
+              <a:t>© 2015 EV3Lessons.com, Last edit 6/15/2015</a:t>
+            </a:r>
+            <a:endParaRPr lang="en-US"/>
+          </a:p>
+        </p:txBody>
+      </p:sp>
+      <p:sp>
+        <p:nvSpPr>
+          <p:cNvPr id="5" name="Slide Number Placeholder 4"/>
+          <p:cNvSpPr>
+            <a:spLocks noGrp="1"/>
+          </p:cNvSpPr>
+          <p:nvPr>
+            <p:ph type="sldNum" sz="quarter" idx="12"/>
+          </p:nvPr>
+        </p:nvSpPr>
+        <p:spPr/>
+        <p:txBody>
+          <a:bodyPr/>
+          <a:lstStyle/>
+          <a:p>
+            <a:fld id="{4382A7F7-08BF-4252-8141-63FB96055BBB}" type="slidenum">
+              <a:rPr lang="en-US" smtClean="0"/>
+              <a:pPr/>
+              <a:t>2</a:t>
+            </a:fld>
+            <a:endParaRPr lang="en-US"/>
+          </a:p>
+        </p:txBody>
+      </p:sp>
+      <p:sp>
+        <p:nvSpPr>
           <p:cNvPr id="2" name="Title 1"/>
           <p:cNvSpPr>
             <a:spLocks noGrp="1"/>
@@ -7442,12 +12075,7 @@
             <p:ph type="title"/>
           </p:nvPr>
         </p:nvSpPr>
-        <p:spPr>
-          <a:xfrm>
-            <a:off x="0" y="0"/>
-            <a:ext cx="9143999" cy="1188720"/>
-          </a:xfrm>
-        </p:spPr>
+        <p:spPr/>
         <p:txBody>
           <a:bodyPr/>
           <a:lstStyle/>
@@ -7457,103 +12085,6 @@
               <a:t>Lesson Objectives</a:t>
             </a:r>
             <a:endParaRPr lang="en-US" dirty="0"/>
-          </a:p>
-        </p:txBody>
-      </p:sp>
-      <p:sp>
-        <p:nvSpPr>
-          <p:cNvPr id="3" name="Content Placeholder 2"/>
-          <p:cNvSpPr>
-            <a:spLocks noGrp="1"/>
-          </p:cNvSpPr>
-          <p:nvPr>
-            <p:ph idx="1"/>
-          </p:nvPr>
-        </p:nvSpPr>
-        <p:spPr/>
-        <p:txBody>
-          <a:bodyPr/>
-          <a:lstStyle/>
-          <a:p>
-            <a:r>
-              <a:rPr lang="en-US" smtClean="0"/>
-              <a:t>Build upon skills from the Variables lesson in Intermediate</a:t>
-            </a:r>
-          </a:p>
-          <a:p>
-            <a:r>
-              <a:rPr lang="en-US" smtClean="0"/>
-              <a:t>Learn how to read/write to arrays</a:t>
-            </a:r>
-          </a:p>
-          <a:p>
-            <a:r>
-              <a:rPr lang="en-US" smtClean="0"/>
-              <a:t>Learn about the Array Operations block</a:t>
-            </a:r>
-          </a:p>
-          <a:p>
-            <a:r>
-              <a:rPr lang="en-US" smtClean="0"/>
-              <a:t>Learn to use the loop count in a loop</a:t>
-            </a:r>
-          </a:p>
-          <a:p>
-            <a:endParaRPr lang="en-US" smtClean="0"/>
-          </a:p>
-          <a:p>
-            <a:r>
-              <a:rPr lang="en-US" smtClean="0"/>
-              <a:t>Prerequisites: Data Wires, Loops, Variables</a:t>
-            </a:r>
-            <a:endParaRPr lang="en-US" dirty="0" smtClean="0"/>
-          </a:p>
-        </p:txBody>
-      </p:sp>
-      <p:sp>
-        <p:nvSpPr>
-          <p:cNvPr id="4" name="Footer Placeholder 3"/>
-          <p:cNvSpPr>
-            <a:spLocks noGrp="1"/>
-          </p:cNvSpPr>
-          <p:nvPr>
-            <p:ph type="ftr" sz="quarter" idx="11"/>
-          </p:nvPr>
-        </p:nvSpPr>
-        <p:spPr/>
-        <p:txBody>
-          <a:bodyPr/>
-          <a:lstStyle/>
-          <a:p>
-            <a:r>
-              <a:rPr lang="en-US" smtClean="0"/>
-              <a:t>© 2015 EV3Lessons.com, Last edit 2/28/2015</a:t>
-            </a:r>
-            <a:endParaRPr lang="en-US"/>
-          </a:p>
-        </p:txBody>
-      </p:sp>
-      <p:sp>
-        <p:nvSpPr>
-          <p:cNvPr id="5" name="Slide Number Placeholder 4"/>
-          <p:cNvSpPr>
-            <a:spLocks noGrp="1"/>
-          </p:cNvSpPr>
-          <p:nvPr>
-            <p:ph type="sldNum" sz="quarter" idx="12"/>
-          </p:nvPr>
-        </p:nvSpPr>
-        <p:spPr/>
-        <p:txBody>
-          <a:bodyPr/>
-          <a:lstStyle/>
-          <a:p>
-            <a:fld id="{4382A7F7-08BF-4252-8141-63FB96055BBB}" type="slidenum">
-              <a:rPr lang="en-US" smtClean="0"/>
-              <a:pPr/>
-              <a:t>2</a:t>
-            </a:fld>
-            <a:endParaRPr lang="en-US"/>
           </a:p>
         </p:txBody>
       </p:sp>
@@ -7596,6 +12127,99 @@
       </p:grpSpPr>
       <p:sp>
         <p:nvSpPr>
+          <p:cNvPr id="3" name="Content Placeholder 2"/>
+          <p:cNvSpPr>
+            <a:spLocks noGrp="1"/>
+          </p:cNvSpPr>
+          <p:nvPr>
+            <p:ph idx="1"/>
+          </p:nvPr>
+        </p:nvSpPr>
+        <p:spPr/>
+        <p:txBody>
+          <a:bodyPr/>
+          <a:lstStyle/>
+          <a:p>
+            <a:pPr marL="457200" indent="-457200">
+              <a:buFont typeface="+mj-lt"/>
+              <a:buAutoNum type="arabicPeriod"/>
+            </a:pPr>
+            <a:r>
+              <a:rPr lang="en-US" dirty="0" smtClean="0"/>
+              <a:t>Simplify programs by storing multiple related values in a single variable</a:t>
+            </a:r>
+          </a:p>
+          <a:p>
+            <a:pPr marL="457200" indent="-457200">
+              <a:buFont typeface="+mj-lt"/>
+              <a:buAutoNum type="arabicPeriod"/>
+            </a:pPr>
+            <a:r>
+              <a:rPr lang="en-US" dirty="0" smtClean="0"/>
+              <a:t>Can be used with loops to make compact and useful programs</a:t>
+            </a:r>
+          </a:p>
+          <a:p>
+            <a:pPr marL="457200" indent="-457200">
+              <a:buFont typeface="+mj-lt"/>
+              <a:buAutoNum type="arabicPeriod"/>
+            </a:pPr>
+            <a:r>
+              <a:rPr lang="en-US" dirty="0" smtClean="0"/>
+              <a:t>Are useful for making a custom calibration program (see NXT Light Sensor in EV3 on our contributed lessons tab)</a:t>
+            </a:r>
+            <a:endParaRPr lang="en-US" dirty="0"/>
+          </a:p>
+        </p:txBody>
+      </p:sp>
+      <p:sp>
+        <p:nvSpPr>
+          <p:cNvPr id="4" name="Footer Placeholder 3"/>
+          <p:cNvSpPr>
+            <a:spLocks noGrp="1"/>
+          </p:cNvSpPr>
+          <p:nvPr>
+            <p:ph type="ftr" sz="quarter" idx="11"/>
+          </p:nvPr>
+        </p:nvSpPr>
+        <p:spPr/>
+        <p:txBody>
+          <a:bodyPr/>
+          <a:lstStyle/>
+          <a:p>
+            <a:r>
+              <a:rPr lang="sk-SK" smtClean="0"/>
+              <a:t>© 2015 EV3Lessons.com, Last edit 6/15/2015</a:t>
+            </a:r>
+            <a:endParaRPr lang="en-US"/>
+          </a:p>
+        </p:txBody>
+      </p:sp>
+      <p:sp>
+        <p:nvSpPr>
+          <p:cNvPr id="5" name="Slide Number Placeholder 4"/>
+          <p:cNvSpPr>
+            <a:spLocks noGrp="1"/>
+          </p:cNvSpPr>
+          <p:nvPr>
+            <p:ph type="sldNum" sz="quarter" idx="12"/>
+          </p:nvPr>
+        </p:nvSpPr>
+        <p:spPr/>
+        <p:txBody>
+          <a:bodyPr/>
+          <a:lstStyle/>
+          <a:p>
+            <a:fld id="{4382A7F7-08BF-4252-8141-63FB96055BBB}" type="slidenum">
+              <a:rPr lang="en-US" smtClean="0"/>
+              <a:t>3</a:t>
+            </a:fld>
+            <a:endParaRPr lang="en-US"/>
+          </a:p>
+        </p:txBody>
+      </p:sp>
+      <p:sp>
+        <p:nvSpPr>
           <p:cNvPr id="2" name="Title 1"/>
           <p:cNvSpPr>
             <a:spLocks noGrp="1"/>
@@ -7604,12 +12228,7 @@
             <p:ph type="title"/>
           </p:nvPr>
         </p:nvSpPr>
-        <p:spPr>
-          <a:xfrm>
-            <a:off x="0" y="0"/>
-            <a:ext cx="9143999" cy="1188720"/>
-          </a:xfrm>
-        </p:spPr>
+        <p:spPr/>
         <p:txBody>
           <a:bodyPr/>
           <a:lstStyle/>
@@ -7619,99 +12238,6 @@
               <a:t>Why Use Arrays?</a:t>
             </a:r>
             <a:endParaRPr lang="en-US" dirty="0"/>
-          </a:p>
-        </p:txBody>
-      </p:sp>
-      <p:sp>
-        <p:nvSpPr>
-          <p:cNvPr id="3" name="Content Placeholder 2"/>
-          <p:cNvSpPr>
-            <a:spLocks noGrp="1"/>
-          </p:cNvSpPr>
-          <p:nvPr>
-            <p:ph idx="1"/>
-          </p:nvPr>
-        </p:nvSpPr>
-        <p:spPr/>
-        <p:txBody>
-          <a:bodyPr/>
-          <a:lstStyle/>
-          <a:p>
-            <a:pPr marL="457200" indent="-457200">
-              <a:buFont typeface="+mj-lt"/>
-              <a:buAutoNum type="arabicPeriod"/>
-            </a:pPr>
-            <a:r>
-              <a:rPr lang="en-US" dirty="0" smtClean="0"/>
-              <a:t>Simplify programs by storing multiple related values in a single variable</a:t>
-            </a:r>
-          </a:p>
-          <a:p>
-            <a:pPr marL="457200" indent="-457200">
-              <a:buFont typeface="+mj-lt"/>
-              <a:buAutoNum type="arabicPeriod"/>
-            </a:pPr>
-            <a:r>
-              <a:rPr lang="en-US" dirty="0" smtClean="0"/>
-              <a:t>Can be used with loops to make compact and useful programs</a:t>
-            </a:r>
-          </a:p>
-          <a:p>
-            <a:pPr marL="457200" indent="-457200">
-              <a:buFont typeface="+mj-lt"/>
-              <a:buAutoNum type="arabicPeriod"/>
-            </a:pPr>
-            <a:r>
-              <a:rPr lang="en-US" dirty="0" smtClean="0"/>
-              <a:t>Are useful for making a custom calibration program (see NXT Light Sensor in EV3 on our contributed lessons tab)</a:t>
-            </a:r>
-            <a:endParaRPr lang="en-US" dirty="0"/>
-          </a:p>
-        </p:txBody>
-      </p:sp>
-      <p:sp>
-        <p:nvSpPr>
-          <p:cNvPr id="5" name="Slide Number Placeholder 4"/>
-          <p:cNvSpPr>
-            <a:spLocks noGrp="1"/>
-          </p:cNvSpPr>
-          <p:nvPr>
-            <p:ph type="sldNum" sz="quarter" idx="12"/>
-          </p:nvPr>
-        </p:nvSpPr>
-        <p:spPr/>
-        <p:txBody>
-          <a:bodyPr/>
-          <a:lstStyle/>
-          <a:p>
-            <a:fld id="{4382A7F7-08BF-4252-8141-63FB96055BBB}" type="slidenum">
-              <a:rPr lang="en-US" smtClean="0"/>
-              <a:t>3</a:t>
-            </a:fld>
-            <a:endParaRPr lang="en-US"/>
-          </a:p>
-        </p:txBody>
-      </p:sp>
-      <p:sp>
-        <p:nvSpPr>
-          <p:cNvPr id="4" name="Footer Placeholder 3"/>
-          <p:cNvSpPr>
-            <a:spLocks noGrp="1"/>
-          </p:cNvSpPr>
-          <p:nvPr>
-            <p:ph type="ftr" sz="quarter" idx="11"/>
-          </p:nvPr>
-        </p:nvSpPr>
-        <p:spPr/>
-        <p:txBody>
-          <a:bodyPr/>
-          <a:lstStyle/>
-          <a:p>
-            <a:r>
-              <a:rPr lang="en-US" smtClean="0"/>
-              <a:t>© 2015 EV3Lessons.com, Last edit 2/28/2015</a:t>
-            </a:r>
-            <a:endParaRPr lang="en-US"/>
           </a:p>
         </p:txBody>
       </p:sp>
@@ -7754,6 +12280,124 @@
       </p:grpSpPr>
       <p:sp>
         <p:nvSpPr>
+          <p:cNvPr id="3" name="Content Placeholder 2"/>
+          <p:cNvSpPr>
+            <a:spLocks noGrp="1"/>
+          </p:cNvSpPr>
+          <p:nvPr>
+            <p:ph idx="1"/>
+          </p:nvPr>
+        </p:nvSpPr>
+        <p:spPr/>
+        <p:txBody>
+          <a:bodyPr/>
+          <a:lstStyle/>
+          <a:p>
+            <a:r>
+              <a:rPr lang="en-US" altLang="en-US" dirty="0"/>
+              <a:t>What is an array?</a:t>
+            </a:r>
+          </a:p>
+          <a:p>
+            <a:pPr lvl="1"/>
+            <a:r>
+              <a:rPr lang="en-US" altLang="en-US" dirty="0"/>
+              <a:t>An array is a variable that holds multiple values</a:t>
+            </a:r>
+          </a:p>
+          <a:p>
+            <a:r>
+              <a:rPr lang="en-US" altLang="en-US" dirty="0"/>
+              <a:t>There are two types of arrays:</a:t>
+            </a:r>
+          </a:p>
+          <a:p>
+            <a:pPr lvl="1"/>
+            <a:r>
+              <a:rPr lang="en-US" altLang="en-US" dirty="0"/>
+              <a:t>Numeric Array (Holds a set of numbers … 1,2,3,10,55)</a:t>
+            </a:r>
+          </a:p>
+          <a:p>
+            <a:pPr lvl="1"/>
+            <a:r>
+              <a:rPr lang="en-US" altLang="en-US" dirty="0"/>
+              <a:t>Logic Array (Holds a set of logic … True, True, False)</a:t>
+            </a:r>
+          </a:p>
+          <a:p>
+            <a:r>
+              <a:rPr lang="en-US" altLang="en-US" dirty="0"/>
+              <a:t>They can be used as either Inputs or Outputs so you can either….</a:t>
+            </a:r>
+          </a:p>
+          <a:p>
+            <a:pPr lvl="1"/>
+            <a:r>
+              <a:rPr lang="en-US" altLang="en-US" dirty="0"/>
+              <a:t>Write – put a value(s) into the array</a:t>
+            </a:r>
+          </a:p>
+          <a:p>
+            <a:pPr lvl="1"/>
+            <a:r>
+              <a:rPr lang="en-US" altLang="en-US" dirty="0"/>
+              <a:t>Read – get the value(s) from the array out</a:t>
+            </a:r>
+          </a:p>
+          <a:p>
+            <a:endParaRPr lang="en-US" dirty="0"/>
+          </a:p>
+        </p:txBody>
+      </p:sp>
+      <p:sp>
+        <p:nvSpPr>
+          <p:cNvPr id="4" name="Footer Placeholder 3"/>
+          <p:cNvSpPr>
+            <a:spLocks noGrp="1"/>
+          </p:cNvSpPr>
+          <p:nvPr>
+            <p:ph type="ftr" sz="quarter" idx="11"/>
+          </p:nvPr>
+        </p:nvSpPr>
+        <p:spPr/>
+        <p:txBody>
+          <a:bodyPr/>
+          <a:lstStyle/>
+          <a:p>
+            <a:r>
+              <a:rPr lang="sk-SK" smtClean="0"/>
+              <a:t>© 2015 EV3Lessons.com, Last edit 6/15/2015</a:t>
+            </a:r>
+            <a:endParaRPr lang="en-US"/>
+          </a:p>
+        </p:txBody>
+      </p:sp>
+      <p:sp>
+        <p:nvSpPr>
+          <p:cNvPr id="5" name="Slide Number Placeholder 4"/>
+          <p:cNvSpPr>
+            <a:spLocks noGrp="1"/>
+          </p:cNvSpPr>
+          <p:nvPr>
+            <p:ph type="sldNum" sz="quarter" idx="12"/>
+          </p:nvPr>
+        </p:nvSpPr>
+        <p:spPr/>
+        <p:txBody>
+          <a:bodyPr/>
+          <a:lstStyle/>
+          <a:p>
+            <a:fld id="{4382A7F7-08BF-4252-8141-63FB96055BBB}" type="slidenum">
+              <a:rPr lang="en-US" smtClean="0"/>
+              <a:t>4</a:t>
+            </a:fld>
+            <a:endParaRPr lang="en-US" dirty="0"/>
+          </a:p>
+        </p:txBody>
+      </p:sp>
+      <p:sp>
+        <p:nvSpPr>
           <p:cNvPr id="2" name="Title 1"/>
           <p:cNvSpPr>
             <a:spLocks noGrp="1"/>
@@ -7762,12 +12406,7 @@
             <p:ph type="title"/>
           </p:nvPr>
         </p:nvSpPr>
-        <p:spPr>
-          <a:xfrm>
-            <a:off x="0" y="0"/>
-            <a:ext cx="9143999" cy="1188720"/>
-          </a:xfrm>
-        </p:spPr>
+        <p:spPr/>
         <p:txBody>
           <a:bodyPr/>
           <a:lstStyle/>
@@ -7776,124 +12415,6 @@
               <a:rPr lang="en-US" altLang="en-US" dirty="0"/>
               <a:t>Arrays</a:t>
             </a:r>
-            <a:endParaRPr lang="en-US" dirty="0"/>
-          </a:p>
-        </p:txBody>
-      </p:sp>
-      <p:sp>
-        <p:nvSpPr>
-          <p:cNvPr id="3" name="Content Placeholder 2"/>
-          <p:cNvSpPr>
-            <a:spLocks noGrp="1"/>
-          </p:cNvSpPr>
-          <p:nvPr>
-            <p:ph idx="1"/>
-          </p:nvPr>
-        </p:nvSpPr>
-        <p:spPr/>
-        <p:txBody>
-          <a:bodyPr/>
-          <a:lstStyle/>
-          <a:p>
-            <a:r>
-              <a:rPr lang="en-US" altLang="en-US" dirty="0"/>
-              <a:t>What is an array?</a:t>
-            </a:r>
-          </a:p>
-          <a:p>
-            <a:pPr lvl="1"/>
-            <a:r>
-              <a:rPr lang="en-US" altLang="en-US" dirty="0"/>
-              <a:t>An array is a variable that holds multiple values</a:t>
-            </a:r>
-          </a:p>
-          <a:p>
-            <a:r>
-              <a:rPr lang="en-US" altLang="en-US" dirty="0"/>
-              <a:t>There are two types of arrays:</a:t>
-            </a:r>
-          </a:p>
-          <a:p>
-            <a:pPr lvl="1"/>
-            <a:r>
-              <a:rPr lang="en-US" altLang="en-US" dirty="0"/>
-              <a:t>Numeric Array (Holds a set of numbers … 1,2,3,10,55)</a:t>
-            </a:r>
-          </a:p>
-          <a:p>
-            <a:pPr lvl="1"/>
-            <a:r>
-              <a:rPr lang="en-US" altLang="en-US" dirty="0"/>
-              <a:t>Logic Array (Holds a set of logic … True, True, False)</a:t>
-            </a:r>
-          </a:p>
-          <a:p>
-            <a:r>
-              <a:rPr lang="en-US" altLang="en-US" dirty="0"/>
-              <a:t>They can be used as either Inputs or Outputs so you can either….</a:t>
-            </a:r>
-          </a:p>
-          <a:p>
-            <a:pPr lvl="1"/>
-            <a:r>
-              <a:rPr lang="en-US" altLang="en-US" dirty="0"/>
-              <a:t>Write – put a value(s) into the array</a:t>
-            </a:r>
-          </a:p>
-          <a:p>
-            <a:pPr lvl="1"/>
-            <a:r>
-              <a:rPr lang="en-US" altLang="en-US" dirty="0"/>
-              <a:t>Read – get the value(s) from the array out</a:t>
-            </a:r>
-          </a:p>
-          <a:p>
-            <a:endParaRPr lang="en-US" dirty="0"/>
-          </a:p>
-        </p:txBody>
-      </p:sp>
-      <p:sp>
-        <p:nvSpPr>
-          <p:cNvPr id="4" name="Footer Placeholder 3"/>
-          <p:cNvSpPr>
-            <a:spLocks noGrp="1"/>
-          </p:cNvSpPr>
-          <p:nvPr>
-            <p:ph type="ftr" sz="quarter" idx="11"/>
-          </p:nvPr>
-        </p:nvSpPr>
-        <p:spPr/>
-        <p:txBody>
-          <a:bodyPr/>
-          <a:lstStyle/>
-          <a:p>
-            <a:r>
-              <a:rPr lang="en-US" smtClean="0"/>
-              <a:t>© 2015 EV3Lessons.com, Last edit 2/28/2015</a:t>
-            </a:r>
-            <a:endParaRPr lang="en-US"/>
-          </a:p>
-        </p:txBody>
-      </p:sp>
-      <p:sp>
-        <p:nvSpPr>
-          <p:cNvPr id="5" name="Slide Number Placeholder 4"/>
-          <p:cNvSpPr>
-            <a:spLocks noGrp="1"/>
-          </p:cNvSpPr>
-          <p:nvPr>
-            <p:ph type="sldNum" sz="quarter" idx="12"/>
-          </p:nvPr>
-        </p:nvSpPr>
-        <p:spPr/>
-        <p:txBody>
-          <a:bodyPr/>
-          <a:lstStyle/>
-          <a:p>
-            <a:fld id="{4382A7F7-08BF-4252-8141-63FB96055BBB}" type="slidenum">
-              <a:rPr lang="en-US" smtClean="0"/>
-              <a:t>4</a:t>
-            </a:fld>
             <a:endParaRPr lang="en-US" dirty="0"/>
           </a:p>
         </p:txBody>
@@ -8088,8 +12609,8 @@
           <a:lstStyle/>
           <a:p>
             <a:r>
-              <a:rPr lang="en-US" smtClean="0"/>
-              <a:t>© 2015 EV3Lessons.com, Last edit 2/28/2015</a:t>
+              <a:rPr lang="sk-SK" smtClean="0"/>
+              <a:t>© 2015 EV3Lessons.com, Last edit 6/15/2015</a:t>
             </a:r>
             <a:endParaRPr lang="en-US"/>
           </a:p>
@@ -11734,6 +16255,108 @@
       </p:grpSpPr>
       <p:sp>
         <p:nvSpPr>
+          <p:cNvPr id="3" name="Content Placeholder 2"/>
+          <p:cNvSpPr>
+            <a:spLocks noGrp="1"/>
+          </p:cNvSpPr>
+          <p:nvPr>
+            <p:ph idx="1"/>
+          </p:nvPr>
+        </p:nvSpPr>
+        <p:spPr>
+          <a:xfrm>
+            <a:off x="284164" y="1818870"/>
+            <a:ext cx="4436494" cy="4307294"/>
+          </a:xfrm>
+        </p:spPr>
+        <p:txBody>
+          <a:bodyPr>
+            <a:normAutofit lnSpcReduction="10000"/>
+          </a:bodyPr>
+          <a:lstStyle/>
+          <a:p>
+            <a:r>
+              <a:rPr lang="en-US" dirty="0" smtClean="0"/>
+              <a:t>Each value in an array is assigned an index</a:t>
+            </a:r>
+          </a:p>
+          <a:p>
+            <a:r>
+              <a:rPr lang="en-US" dirty="0" smtClean="0"/>
+              <a:t>The first value would be at index 0</a:t>
+            </a:r>
+            <a:endParaRPr lang="en-US" dirty="0"/>
+          </a:p>
+          <a:p>
+            <a:r>
+              <a:rPr lang="en-US" dirty="0" smtClean="0"/>
+              <a:t>Logic arrays would store True/False instead of numbers</a:t>
+            </a:r>
+          </a:p>
+          <a:p>
+            <a:r>
+              <a:rPr lang="en-US" dirty="0" smtClean="0"/>
+              <a:t>To add a value to an array click the plus +</a:t>
+            </a:r>
+          </a:p>
+          <a:p>
+            <a:pPr lvl="1"/>
+            <a:r>
+              <a:rPr lang="en-US" dirty="0" smtClean="0"/>
+              <a:t>This adds an entry at the next index value (i.e. index 3)</a:t>
+            </a:r>
+            <a:endParaRPr lang="en-US" dirty="0"/>
+          </a:p>
+        </p:txBody>
+      </p:sp>
+      <p:sp>
+        <p:nvSpPr>
+          <p:cNvPr id="4" name="Footer Placeholder 3"/>
+          <p:cNvSpPr>
+            <a:spLocks noGrp="1"/>
+          </p:cNvSpPr>
+          <p:nvPr>
+            <p:ph type="ftr" sz="quarter" idx="11"/>
+          </p:nvPr>
+        </p:nvSpPr>
+        <p:spPr/>
+        <p:txBody>
+          <a:bodyPr/>
+          <a:lstStyle/>
+          <a:p>
+            <a:r>
+              <a:rPr lang="sk-SK" smtClean="0"/>
+              <a:t>© 2015 EV3Lessons.com, Last edit 6/15/2015</a:t>
+            </a:r>
+            <a:endParaRPr lang="en-US"/>
+          </a:p>
+        </p:txBody>
+      </p:sp>
+      <p:sp>
+        <p:nvSpPr>
+          <p:cNvPr id="14" name="Slide Number Placeholder 13"/>
+          <p:cNvSpPr>
+            <a:spLocks noGrp="1"/>
+          </p:cNvSpPr>
+          <p:nvPr>
+            <p:ph type="sldNum" sz="quarter" idx="12"/>
+          </p:nvPr>
+        </p:nvSpPr>
+        <p:spPr/>
+        <p:txBody>
+          <a:bodyPr/>
+          <a:lstStyle/>
+          <a:p>
+            <a:fld id="{4382A7F7-08BF-4252-8141-63FB96055BBB}" type="slidenum">
+              <a:rPr lang="en-US" smtClean="0"/>
+              <a:t>6</a:t>
+            </a:fld>
+            <a:endParaRPr lang="en-US"/>
+          </a:p>
+        </p:txBody>
+      </p:sp>
+      <p:sp>
+        <p:nvSpPr>
           <p:cNvPr id="2" name="Title 1"/>
           <p:cNvSpPr>
             <a:spLocks noGrp="1"/>
@@ -11742,12 +16365,7 @@
             <p:ph type="title"/>
           </p:nvPr>
         </p:nvSpPr>
-        <p:spPr>
-          <a:xfrm>
-            <a:off x="0" y="0"/>
-            <a:ext cx="9143999" cy="1188720"/>
-          </a:xfrm>
-        </p:spPr>
+        <p:spPr/>
         <p:txBody>
           <a:bodyPr/>
           <a:lstStyle/>
@@ -11755,62 +16373,6 @@
             <a:r>
               <a:rPr lang="en-US" dirty="0" smtClean="0"/>
               <a:t>Array Indexes</a:t>
-            </a:r>
-            <a:endParaRPr lang="en-US" dirty="0"/>
-          </a:p>
-        </p:txBody>
-      </p:sp>
-      <p:sp>
-        <p:nvSpPr>
-          <p:cNvPr id="3" name="Content Placeholder 2"/>
-          <p:cNvSpPr>
-            <a:spLocks noGrp="1"/>
-          </p:cNvSpPr>
-          <p:nvPr>
-            <p:ph idx="1"/>
-          </p:nvPr>
-        </p:nvSpPr>
-        <p:spPr>
-          <a:xfrm>
-            <a:off x="284164" y="1818870"/>
-            <a:ext cx="4436494" cy="4307294"/>
-          </a:xfrm>
-        </p:spPr>
-        <p:txBody>
-          <a:bodyPr>
-            <a:normAutofit lnSpcReduction="10000"/>
-          </a:bodyPr>
-          <a:lstStyle/>
-          <a:p>
-            <a:r>
-              <a:rPr lang="en-US" dirty="0" smtClean="0"/>
-              <a:t>Each value in an array is assigned an index</a:t>
-            </a:r>
-          </a:p>
-          <a:p>
-            <a:r>
-              <a:rPr lang="en-US" dirty="0" smtClean="0"/>
-              <a:t>The first value would be at index 0</a:t>
-            </a:r>
-            <a:endParaRPr lang="en-US" dirty="0"/>
-          </a:p>
-          <a:p>
-            <a:r>
-              <a:rPr lang="en-US" dirty="0" smtClean="0"/>
-              <a:t>Logic arrays would store True/False instead of numbers</a:t>
-            </a:r>
-          </a:p>
-          <a:p>
-            <a:r>
-              <a:rPr lang="en-US" dirty="0" smtClean="0"/>
-              <a:t>To add a value to an array click the plus +</a:t>
-            </a:r>
-          </a:p>
-          <a:p>
-            <a:pPr lvl="1"/>
-            <a:r>
-              <a:rPr lang="en-US" dirty="0" smtClean="0"/>
-              <a:t>This adds an entry at the next index value (i.e. index 3)</a:t>
             </a:r>
             <a:endParaRPr lang="en-US" dirty="0"/>
           </a:p>
@@ -11921,29 +16483,6 @@
           </a:prstGeom>
         </p:spPr>
       </p:pic>
-      <p:sp>
-        <p:nvSpPr>
-          <p:cNvPr id="14" name="Slide Number Placeholder 13"/>
-          <p:cNvSpPr>
-            <a:spLocks noGrp="1"/>
-          </p:cNvSpPr>
-          <p:nvPr>
-            <p:ph type="sldNum" sz="quarter" idx="12"/>
-          </p:nvPr>
-        </p:nvSpPr>
-        <p:spPr/>
-        <p:txBody>
-          <a:bodyPr/>
-          <a:lstStyle/>
-          <a:p>
-            <a:fld id="{4382A7F7-08BF-4252-8141-63FB96055BBB}" type="slidenum">
-              <a:rPr lang="en-US" smtClean="0"/>
-              <a:t>6</a:t>
-            </a:fld>
-            <a:endParaRPr lang="en-US"/>
-          </a:p>
-        </p:txBody>
-      </p:sp>
       <p:cxnSp>
         <p:nvCxnSpPr>
           <p:cNvPr id="10" name="Straight Arrow Connector 9"/>
@@ -12076,29 +16615,6 @@
           </a:fontRef>
         </p:style>
       </p:cxnSp>
-      <p:sp>
-        <p:nvSpPr>
-          <p:cNvPr id="4" name="Footer Placeholder 3"/>
-          <p:cNvSpPr>
-            <a:spLocks noGrp="1"/>
-          </p:cNvSpPr>
-          <p:nvPr>
-            <p:ph type="ftr" sz="quarter" idx="11"/>
-          </p:nvPr>
-        </p:nvSpPr>
-        <p:spPr/>
-        <p:txBody>
-          <a:bodyPr/>
-          <a:lstStyle/>
-          <a:p>
-            <a:r>
-              <a:rPr lang="en-US" smtClean="0"/>
-              <a:t>© 2015 EV3Lessons.com, Last edit 2/28/2015</a:t>
-            </a:r>
-            <a:endParaRPr lang="en-US"/>
-          </a:p>
-        </p:txBody>
-      </p:sp>
     </p:spTree>
     <p:extLst>
       <p:ext uri="{BB962C8B-B14F-4D97-AF65-F5344CB8AC3E}">
@@ -12325,6 +16841,132 @@
       </p:grpSpPr>
       <p:sp>
         <p:nvSpPr>
+          <p:cNvPr id="3" name="Content Placeholder 2"/>
+          <p:cNvSpPr>
+            <a:spLocks noGrp="1"/>
+          </p:cNvSpPr>
+          <p:nvPr>
+            <p:ph idx="1"/>
+          </p:nvPr>
+        </p:nvSpPr>
+        <p:spPr>
+          <a:xfrm>
+            <a:off x="284164" y="1818870"/>
+            <a:ext cx="4932816" cy="4307294"/>
+          </a:xfrm>
+        </p:spPr>
+        <p:txBody>
+          <a:bodyPr>
+            <a:normAutofit fontScale="77500" lnSpcReduction="20000"/>
+          </a:bodyPr>
+          <a:lstStyle/>
+          <a:p>
+            <a:r>
+              <a:rPr lang="en-US" dirty="0" smtClean="0"/>
+              <a:t>This block is used to read or write to Logic or Numeric arrays</a:t>
+            </a:r>
+          </a:p>
+          <a:p>
+            <a:r>
+              <a:rPr lang="en-US" dirty="0" smtClean="0"/>
+              <a:t>Different modes:</a:t>
+            </a:r>
+          </a:p>
+          <a:p>
+            <a:pPr lvl="1"/>
+            <a:r>
+              <a:rPr lang="en-US" dirty="0" smtClean="0"/>
+              <a:t>Append: Add a new entry after the last array index</a:t>
+            </a:r>
+          </a:p>
+          <a:p>
+            <a:pPr lvl="1"/>
+            <a:r>
+              <a:rPr lang="en-US" dirty="0" smtClean="0"/>
+              <a:t>Read at index: Reads the value at a certain index</a:t>
+            </a:r>
+          </a:p>
+          <a:p>
+            <a:pPr lvl="1"/>
+            <a:r>
+              <a:rPr lang="en-US" dirty="0" smtClean="0"/>
+              <a:t>Write at Index: Write a new value to a certain array index</a:t>
+            </a:r>
+          </a:p>
+          <a:p>
+            <a:pPr lvl="1"/>
+            <a:r>
+              <a:rPr lang="en-US" dirty="0" smtClean="0"/>
+              <a:t>Length: How many entries are in the array</a:t>
+            </a:r>
+          </a:p>
+          <a:p>
+            <a:r>
+              <a:rPr lang="en-US" dirty="0" smtClean="0"/>
+              <a:t>Both write and append output an array </a:t>
+            </a:r>
+            <a:r>
+              <a:rPr lang="en-US" dirty="0" smtClean="0">
+                <a:sym typeface="Wingdings" panose="05000000000000000000" pitchFamily="2" charset="2"/>
+              </a:rPr>
+              <a:t> you will need to write this array back to the variable if you wish to update the stored array (see write/append slides)</a:t>
+            </a:r>
+            <a:endParaRPr lang="en-US" dirty="0" smtClean="0"/>
+          </a:p>
+          <a:p>
+            <a:endParaRPr lang="en-US" dirty="0"/>
+          </a:p>
+        </p:txBody>
+      </p:sp>
+      <p:sp>
+        <p:nvSpPr>
+          <p:cNvPr id="4" name="Footer Placeholder 3"/>
+          <p:cNvSpPr>
+            <a:spLocks noGrp="1"/>
+          </p:cNvSpPr>
+          <p:nvPr>
+            <p:ph type="ftr" sz="quarter" idx="11"/>
+          </p:nvPr>
+        </p:nvSpPr>
+        <p:spPr/>
+        <p:txBody>
+          <a:bodyPr/>
+          <a:lstStyle/>
+          <a:p>
+            <a:r>
+              <a:rPr lang="sk-SK" smtClean="0"/>
+              <a:t>© 2015 EV3Lessons.com, Last edit 6/15/2015</a:t>
+            </a:r>
+            <a:endParaRPr lang="en-US"/>
+          </a:p>
+        </p:txBody>
+      </p:sp>
+      <p:sp>
+        <p:nvSpPr>
+          <p:cNvPr id="8" name="Slide Number Placeholder 7"/>
+          <p:cNvSpPr>
+            <a:spLocks noGrp="1"/>
+          </p:cNvSpPr>
+          <p:nvPr>
+            <p:ph type="sldNum" sz="quarter" idx="12"/>
+          </p:nvPr>
+        </p:nvSpPr>
+        <p:spPr/>
+        <p:txBody>
+          <a:bodyPr/>
+          <a:lstStyle/>
+          <a:p>
+            <a:fld id="{4382A7F7-08BF-4252-8141-63FB96055BBB}" type="slidenum">
+              <a:rPr lang="en-US" smtClean="0"/>
+              <a:pPr/>
+              <a:t>7</a:t>
+            </a:fld>
+            <a:endParaRPr lang="en-US"/>
+          </a:p>
+        </p:txBody>
+      </p:sp>
+      <p:sp>
+        <p:nvSpPr>
           <p:cNvPr id="2" name="Title 1"/>
           <p:cNvSpPr>
             <a:spLocks noGrp="1"/>
@@ -12333,12 +16975,7 @@
             <p:ph type="title"/>
           </p:nvPr>
         </p:nvSpPr>
-        <p:spPr>
-          <a:xfrm>
-            <a:off x="0" y="0"/>
-            <a:ext cx="9143999" cy="1188720"/>
-          </a:xfrm>
-        </p:spPr>
+        <p:spPr/>
         <p:txBody>
           <a:bodyPr/>
           <a:lstStyle/>
@@ -12348,109 +16985,6 @@
               <a:t>Block: Array Operations</a:t>
             </a:r>
             <a:endParaRPr lang="en-US" dirty="0"/>
-          </a:p>
-        </p:txBody>
-      </p:sp>
-      <p:sp>
-        <p:nvSpPr>
-          <p:cNvPr id="3" name="Content Placeholder 2"/>
-          <p:cNvSpPr>
-            <a:spLocks noGrp="1"/>
-          </p:cNvSpPr>
-          <p:nvPr>
-            <p:ph idx="1"/>
-          </p:nvPr>
-        </p:nvSpPr>
-        <p:spPr>
-          <a:xfrm>
-            <a:off x="284164" y="1818870"/>
-            <a:ext cx="4932816" cy="4307294"/>
-          </a:xfrm>
-        </p:spPr>
-        <p:txBody>
-          <a:bodyPr>
-            <a:normAutofit fontScale="77500" lnSpcReduction="20000"/>
-          </a:bodyPr>
-          <a:lstStyle/>
-          <a:p>
-            <a:r>
-              <a:rPr lang="en-US" dirty="0" smtClean="0"/>
-              <a:t>This block is used to read or write to Logic or Numeric arrays</a:t>
-            </a:r>
-          </a:p>
-          <a:p>
-            <a:r>
-              <a:rPr lang="en-US" dirty="0" smtClean="0"/>
-              <a:t>Different modes:</a:t>
-            </a:r>
-          </a:p>
-          <a:p>
-            <a:pPr lvl="1"/>
-            <a:r>
-              <a:rPr lang="en-US" dirty="0" smtClean="0"/>
-              <a:t>Append: Add a new entry after the last array index</a:t>
-            </a:r>
-          </a:p>
-          <a:p>
-            <a:pPr lvl="1"/>
-            <a:r>
-              <a:rPr lang="en-US" dirty="0" smtClean="0"/>
-              <a:t>Read at index: Reads the value at a certain index</a:t>
-            </a:r>
-          </a:p>
-          <a:p>
-            <a:pPr lvl="1"/>
-            <a:r>
-              <a:rPr lang="en-US" dirty="0" smtClean="0"/>
-              <a:t>Write at Index: Write a new value to a certain array index</a:t>
-            </a:r>
-          </a:p>
-          <a:p>
-            <a:pPr lvl="1"/>
-            <a:r>
-              <a:rPr lang="en-US" dirty="0" smtClean="0"/>
-              <a:t>Length: How many entries are in the array</a:t>
-            </a:r>
-          </a:p>
-          <a:p>
-            <a:r>
-              <a:rPr lang="en-US" dirty="0" smtClean="0"/>
-              <a:t>Both write and append output an array </a:t>
-            </a:r>
-            <a:r>
-              <a:rPr lang="en-US" dirty="0" smtClean="0">
-                <a:sym typeface="Wingdings" panose="05000000000000000000" pitchFamily="2" charset="2"/>
-              </a:rPr>
-              <a:t> you will need to write this array back to the variable if you wish to update the stored array (see write/append slides)</a:t>
-            </a:r>
-            <a:endParaRPr lang="en-US" dirty="0" smtClean="0"/>
-          </a:p>
-          <a:p>
-            <a:endParaRPr lang="en-US" dirty="0"/>
-          </a:p>
-        </p:txBody>
-      </p:sp>
-      <p:sp>
-        <p:nvSpPr>
-          <p:cNvPr id="8" name="Slide Number Placeholder 7"/>
-          <p:cNvSpPr>
-            <a:spLocks noGrp="1"/>
-          </p:cNvSpPr>
-          <p:nvPr>
-            <p:ph type="sldNum" sz="quarter" idx="12"/>
-          </p:nvPr>
-        </p:nvSpPr>
-        <p:spPr/>
-        <p:txBody>
-          <a:bodyPr/>
-          <a:lstStyle/>
-          <a:p>
-            <a:fld id="{4382A7F7-08BF-4252-8141-63FB96055BBB}" type="slidenum">
-              <a:rPr lang="en-US" smtClean="0"/>
-              <a:pPr/>
-              <a:t>7</a:t>
-            </a:fld>
-            <a:endParaRPr lang="en-US"/>
           </a:p>
         </p:txBody>
       </p:sp>
@@ -12517,29 +17051,6 @@
           </p:spPr>
         </p:pic>
       </p:grpSp>
-      <p:sp>
-        <p:nvSpPr>
-          <p:cNvPr id="4" name="Footer Placeholder 3"/>
-          <p:cNvSpPr>
-            <a:spLocks noGrp="1"/>
-          </p:cNvSpPr>
-          <p:nvPr>
-            <p:ph type="ftr" sz="quarter" idx="11"/>
-          </p:nvPr>
-        </p:nvSpPr>
-        <p:spPr/>
-        <p:txBody>
-          <a:bodyPr/>
-          <a:lstStyle/>
-          <a:p>
-            <a:r>
-              <a:rPr lang="en-US" smtClean="0"/>
-              <a:t>© 2015 EV3Lessons.com, Last edit 2/28/2015</a:t>
-            </a:r>
-            <a:endParaRPr lang="en-US"/>
-          </a:p>
-        </p:txBody>
-      </p:sp>
     </p:spTree>
     <p:extLst>
       <p:ext uri="{BB962C8B-B14F-4D97-AF65-F5344CB8AC3E}">
@@ -12603,6 +17114,52 @@
       </p:pic>
       <p:sp>
         <p:nvSpPr>
+          <p:cNvPr id="4" name="Footer Placeholder 3"/>
+          <p:cNvSpPr>
+            <a:spLocks noGrp="1"/>
+          </p:cNvSpPr>
+          <p:nvPr>
+            <p:ph type="ftr" sz="quarter" idx="11"/>
+          </p:nvPr>
+        </p:nvSpPr>
+        <p:spPr/>
+        <p:txBody>
+          <a:bodyPr/>
+          <a:lstStyle/>
+          <a:p>
+            <a:r>
+              <a:rPr lang="sk-SK" smtClean="0"/>
+              <a:t>© 2015 EV3Lessons.com, Last edit 6/15/2015</a:t>
+            </a:r>
+            <a:endParaRPr lang="en-US"/>
+          </a:p>
+        </p:txBody>
+      </p:sp>
+      <p:sp>
+        <p:nvSpPr>
+          <p:cNvPr id="14" name="Slide Number Placeholder 13"/>
+          <p:cNvSpPr>
+            <a:spLocks noGrp="1"/>
+          </p:cNvSpPr>
+          <p:nvPr>
+            <p:ph type="sldNum" sz="quarter" idx="12"/>
+          </p:nvPr>
+        </p:nvSpPr>
+        <p:spPr/>
+        <p:txBody>
+          <a:bodyPr/>
+          <a:lstStyle/>
+          <a:p>
+            <a:fld id="{4382A7F7-08BF-4252-8141-63FB96055BBB}" type="slidenum">
+              <a:rPr lang="en-US" smtClean="0"/>
+              <a:t>8</a:t>
+            </a:fld>
+            <a:endParaRPr lang="en-US"/>
+          </a:p>
+        </p:txBody>
+      </p:sp>
+      <p:sp>
+        <p:nvSpPr>
           <p:cNvPr id="2" name="Title 1"/>
           <p:cNvSpPr>
             <a:spLocks noGrp="1"/>
@@ -12611,12 +17168,7 @@
             <p:ph type="title"/>
           </p:nvPr>
         </p:nvSpPr>
-        <p:spPr>
-          <a:xfrm>
-            <a:off x="0" y="0"/>
-            <a:ext cx="9143999" cy="1188720"/>
-          </a:xfrm>
-        </p:spPr>
+        <p:spPr/>
         <p:txBody>
           <a:bodyPr>
             <a:normAutofit/>
@@ -12984,29 +17536,6 @@
       </p:sp>
       <p:sp>
         <p:nvSpPr>
-          <p:cNvPr id="14" name="Slide Number Placeholder 13"/>
-          <p:cNvSpPr>
-            <a:spLocks noGrp="1"/>
-          </p:cNvSpPr>
-          <p:nvPr>
-            <p:ph type="sldNum" sz="quarter" idx="12"/>
-          </p:nvPr>
-        </p:nvSpPr>
-        <p:spPr/>
-        <p:txBody>
-          <a:bodyPr/>
-          <a:lstStyle/>
-          <a:p>
-            <a:fld id="{4382A7F7-08BF-4252-8141-63FB96055BBB}" type="slidenum">
-              <a:rPr lang="en-US" smtClean="0"/>
-              <a:t>8</a:t>
-            </a:fld>
-            <a:endParaRPr lang="en-US"/>
-          </a:p>
-        </p:txBody>
-      </p:sp>
-      <p:sp>
-        <p:nvSpPr>
           <p:cNvPr id="36" name="Rectangle 35"/>
           <p:cNvSpPr/>
           <p:nvPr/>
@@ -13071,29 +17600,6 @@
                 <a:schemeClr val="tx1"/>
               </a:solidFill>
             </a:endParaRPr>
-          </a:p>
-        </p:txBody>
-      </p:sp>
-      <p:sp>
-        <p:nvSpPr>
-          <p:cNvPr id="4" name="Footer Placeholder 3"/>
-          <p:cNvSpPr>
-            <a:spLocks noGrp="1"/>
-          </p:cNvSpPr>
-          <p:nvPr>
-            <p:ph type="ftr" sz="quarter" idx="11"/>
-          </p:nvPr>
-        </p:nvSpPr>
-        <p:spPr/>
-        <p:txBody>
-          <a:bodyPr/>
-          <a:lstStyle/>
-          <a:p>
-            <a:r>
-              <a:rPr lang="en-US" smtClean="0"/>
-              <a:t>© 2015 EV3Lessons.com, Last edit 2/28/2015</a:t>
-            </a:r>
-            <a:endParaRPr lang="en-US"/>
           </a:p>
         </p:txBody>
       </p:sp>
@@ -13182,6 +17688,52 @@
       </p:pic>
       <p:sp>
         <p:nvSpPr>
+          <p:cNvPr id="4" name="Footer Placeholder 3"/>
+          <p:cNvSpPr>
+            <a:spLocks noGrp="1"/>
+          </p:cNvSpPr>
+          <p:nvPr>
+            <p:ph type="ftr" sz="quarter" idx="11"/>
+          </p:nvPr>
+        </p:nvSpPr>
+        <p:spPr/>
+        <p:txBody>
+          <a:bodyPr/>
+          <a:lstStyle/>
+          <a:p>
+            <a:r>
+              <a:rPr lang="sk-SK" smtClean="0"/>
+              <a:t>© 2015 EV3Lessons.com, Last edit 6/15/2015</a:t>
+            </a:r>
+            <a:endParaRPr lang="en-US"/>
+          </a:p>
+        </p:txBody>
+      </p:sp>
+      <p:sp>
+        <p:nvSpPr>
+          <p:cNvPr id="3" name="Slide Number Placeholder 2"/>
+          <p:cNvSpPr>
+            <a:spLocks noGrp="1"/>
+          </p:cNvSpPr>
+          <p:nvPr>
+            <p:ph type="sldNum" sz="quarter" idx="12"/>
+          </p:nvPr>
+        </p:nvSpPr>
+        <p:spPr/>
+        <p:txBody>
+          <a:bodyPr/>
+          <a:lstStyle/>
+          <a:p>
+            <a:fld id="{4382A7F7-08BF-4252-8141-63FB96055BBB}" type="slidenum">
+              <a:rPr lang="en-US" smtClean="0"/>
+              <a:t>9</a:t>
+            </a:fld>
+            <a:endParaRPr lang="en-US"/>
+          </a:p>
+        </p:txBody>
+      </p:sp>
+      <p:sp>
+        <p:nvSpPr>
           <p:cNvPr id="2" name="Title 1"/>
           <p:cNvSpPr>
             <a:spLocks noGrp="1"/>
@@ -13190,12 +17742,7 @@
             <p:ph type="title"/>
           </p:nvPr>
         </p:nvSpPr>
-        <p:spPr>
-          <a:xfrm>
-            <a:off x="0" y="0"/>
-            <a:ext cx="9143999" cy="1188720"/>
-          </a:xfrm>
-        </p:spPr>
+        <p:spPr/>
         <p:txBody>
           <a:bodyPr/>
           <a:lstStyle/>
@@ -13363,52 +17910,6 @@
               <a:t>rray at index 4</a:t>
             </a:r>
             <a:endParaRPr lang="en-US" dirty="0"/>
-          </a:p>
-        </p:txBody>
-      </p:sp>
-      <p:sp>
-        <p:nvSpPr>
-          <p:cNvPr id="3" name="Slide Number Placeholder 2"/>
-          <p:cNvSpPr>
-            <a:spLocks noGrp="1"/>
-          </p:cNvSpPr>
-          <p:nvPr>
-            <p:ph type="sldNum" sz="quarter" idx="12"/>
-          </p:nvPr>
-        </p:nvSpPr>
-        <p:spPr/>
-        <p:txBody>
-          <a:bodyPr/>
-          <a:lstStyle/>
-          <a:p>
-            <a:fld id="{4382A7F7-08BF-4252-8141-63FB96055BBB}" type="slidenum">
-              <a:rPr lang="en-US" smtClean="0"/>
-              <a:t>9</a:t>
-            </a:fld>
-            <a:endParaRPr lang="en-US"/>
-          </a:p>
-        </p:txBody>
-      </p:sp>
-      <p:sp>
-        <p:nvSpPr>
-          <p:cNvPr id="4" name="Footer Placeholder 3"/>
-          <p:cNvSpPr>
-            <a:spLocks noGrp="1"/>
-          </p:cNvSpPr>
-          <p:nvPr>
-            <p:ph type="ftr" sz="quarter" idx="11"/>
-          </p:nvPr>
-        </p:nvSpPr>
-        <p:spPr/>
-        <p:txBody>
-          <a:bodyPr/>
-          <a:lstStyle/>
-          <a:p>
-            <a:r>
-              <a:rPr lang="en-US" smtClean="0"/>
-              <a:t>© 2015 EV3Lessons.com, Last edit 2/28/2015</a:t>
-            </a:r>
-            <a:endParaRPr lang="en-US"/>
           </a:p>
         </p:txBody>
       </p:sp>
@@ -13433,7 +17934,7 @@
 </file>
 
 <file path=ppt/theme/theme1.xml><?xml version="1.0" encoding="utf-8"?>
-<a:theme xmlns:a="http://schemas.openxmlformats.org/drawingml/2006/main" name="Spectrum">
+<a:theme xmlns:a="http://schemas.openxmlformats.org/drawingml/2006/main" name="advanced">
   <a:themeElements>
     <a:clrScheme name="Spectrum">
       <a:dk1>
@@ -13742,6 +18243,11 @@
     </a:lnDef>
   </a:objectDefaults>
   <a:extraClrSchemeLst/>
+  <a:extLst>
+    <a:ext uri="{05A4C25C-085E-4340-85A3-A5531E510DB2}">
+      <thm15:themeFamily xmlns:thm15="http://schemas.microsoft.com/office/thememl/2012/main" name="advanced" id="{90896108-50DE-FE4A-B182-456CF756ABD8}" vid="{7A7CEA50-AD81-7D48-98DE-F95E5886FB32}"/>
+    </a:ext>
+  </a:extLst>
 </a:theme>
 </file>
 

--- a/translations/en-us/advanced/Arrays.pptx
+++ b/translations/en-us/advanced/Arrays.pptx
@@ -227,7 +227,7 @@
           <a:p>
             <a:fld id="{E354B44E-40A3-0E46-B16A-9BF1250A248B}" type="datetimeFigureOut">
               <a:rPr lang="en-US" smtClean="0"/>
-              <a:t>11/15/15</a:t>
+              <a:t>7/19/16</a:t>
             </a:fld>
             <a:endParaRPr lang="en-US"/>
           </a:p>
@@ -393,7 +393,7 @@
           <a:p>
             <a:fld id="{C86AD16C-2DB4-6642-BAD4-9ED973A087A0}" type="datetimeFigureOut">
               <a:rPr lang="en-US" smtClean="0"/>
-              <a:t>11/15/15</a:t>
+              <a:t>7/19/16</a:t>
             </a:fld>
             <a:endParaRPr lang="en-US"/>
           </a:p>
@@ -1114,9 +1114,9 @@
           <a:bodyPr/>
           <a:lstStyle/>
           <a:p>
-            <a:fld id="{3E16403F-CCAE-D746-A57E-1627703E2984}" type="datetime1">
+            <a:fld id="{CE774344-47E4-9C42-A68A-1A3CC734C5D5}" type="datetime1">
               <a:rPr lang="en-US" smtClean="0"/>
-              <a:t>11/15/15</a:t>
+              <a:t>7/19/16</a:t>
             </a:fld>
             <a:endParaRPr lang="en-US"/>
           </a:p>
@@ -1138,8 +1138,8 @@
           <a:lstStyle/>
           <a:p>
             <a:r>
-              <a:rPr lang="en-US" smtClean="0"/>
-              <a:t>© 2015 EV3Lessons.com, Last edit 6/15/2015</a:t>
+              <a:rPr lang="sk-SK" smtClean="0"/>
+              <a:t>© 2016 EV3Lessons.com, Last edit 7/19/2016</a:t>
             </a:r>
             <a:endParaRPr lang="en-US" dirty="0"/>
           </a:p>
@@ -1667,7 +1667,7 @@
           <a:noFill/>
           <a:extLst>
             <a:ext uri="{909E8E84-426E-40dd-AFC4-6F175D3DCCD1}">
-              <a14:hiddenFill xmlns="" xmlns:a14="http://schemas.microsoft.com/office/drawing/2010/main">
+              <a14:hiddenFill xmlns:a14="http://schemas.microsoft.com/office/drawing/2010/main" xmlns="">
                 <a:solidFill>
                   <a:srgbClr val="FFFFFF"/>
                 </a:solidFill>
@@ -1711,288 +1711,6 @@
           </a:fontRef>
         </p:style>
       </p:cxnSp>
-      <p:pic>
-        <p:nvPicPr>
-          <p:cNvPr id="12" name="Picture 11"/>
-          <p:cNvPicPr>
-            <a:picLocks noChangeAspect="1"/>
-          </p:cNvPicPr>
-          <p:nvPr/>
-        </p:nvPicPr>
-        <p:blipFill>
-          <a:blip r:embed="rId3">
-            <a:extLst>
-              <a:ext uri="{28A0092B-C50C-407E-A947-70E740481C1C}">
-                <a14:useLocalDpi xmlns:a14="http://schemas.microsoft.com/office/drawing/2010/main" val="0"/>
-              </a:ext>
-            </a:extLst>
-          </a:blip>
-          <a:stretch>
-            <a:fillRect/>
-          </a:stretch>
-        </p:blipFill>
-        <p:spPr>
-          <a:xfrm>
-            <a:off x="284163" y="4948514"/>
-            <a:ext cx="1265237" cy="1210410"/>
-          </a:xfrm>
-          <a:prstGeom prst="rect">
-            <a:avLst/>
-          </a:prstGeom>
-        </p:spPr>
-      </p:pic>
-      <p:sp>
-        <p:nvSpPr>
-          <p:cNvPr id="18" name="Subtitle 3"/>
-          <p:cNvSpPr txBox="1">
-            <a:spLocks/>
-          </p:cNvSpPr>
-          <p:nvPr/>
-        </p:nvSpPr>
-        <p:spPr>
-          <a:xfrm>
-            <a:off x="1549400" y="5829838"/>
-            <a:ext cx="3749229" cy="484094"/>
-          </a:xfrm>
-          <a:prstGeom prst="rect">
-            <a:avLst/>
-          </a:prstGeom>
-        </p:spPr>
-        <p:txBody>
-          <a:bodyPr vert="horz" lIns="91440" tIns="45720" rIns="91440" bIns="45720" rtlCol="0">
-            <a:normAutofit/>
-          </a:bodyPr>
-          <a:lstStyle>
-            <a:lvl1pPr marL="0" indent="0" algn="l" defTabSz="914400" rtl="0" eaLnBrk="1" latinLnBrk="0" hangingPunct="1">
-              <a:lnSpc>
-                <a:spcPct val="100000"/>
-              </a:lnSpc>
-              <a:spcBef>
-                <a:spcPts val="0"/>
-              </a:spcBef>
-              <a:buClr>
-                <a:schemeClr val="bg1">
-                  <a:lumMod val="65000"/>
-                </a:schemeClr>
-              </a:buClr>
-              <a:buSzPct val="90000"/>
-              <a:buFont typeface="Wingdings" pitchFamily="2" charset="2"/>
-              <a:buNone/>
-              <a:defRPr sz="1800" kern="1200">
-                <a:solidFill>
-                  <a:schemeClr val="bg1"/>
-                </a:solidFill>
-                <a:latin typeface="+mn-lt"/>
-                <a:ea typeface="+mn-ea"/>
-                <a:cs typeface="+mn-cs"/>
-              </a:defRPr>
-            </a:lvl1pPr>
-            <a:lvl2pPr marL="457200" indent="0" algn="ctr" defTabSz="914400" rtl="0" eaLnBrk="1" latinLnBrk="0" hangingPunct="1">
-              <a:spcBef>
-                <a:spcPts val="600"/>
-              </a:spcBef>
-              <a:buClr>
-                <a:schemeClr val="tx1">
-                  <a:lumMod val="75000"/>
-                  <a:lumOff val="25000"/>
-                </a:schemeClr>
-              </a:buClr>
-              <a:buSzPct val="90000"/>
-              <a:buFont typeface="Wingdings" pitchFamily="2" charset="2"/>
-              <a:buNone/>
-              <a:defRPr sz="2200" kern="1200">
-                <a:solidFill>
-                  <a:schemeClr val="tx1">
-                    <a:tint val="75000"/>
-                  </a:schemeClr>
-                </a:solidFill>
-                <a:latin typeface="+mn-lt"/>
-                <a:ea typeface="+mn-ea"/>
-                <a:cs typeface="+mn-cs"/>
-              </a:defRPr>
-            </a:lvl2pPr>
-            <a:lvl3pPr marL="914400" indent="0" algn="ctr" defTabSz="914400" rtl="0" eaLnBrk="1" latinLnBrk="0" hangingPunct="1">
-              <a:spcBef>
-                <a:spcPts val="600"/>
-              </a:spcBef>
-              <a:buClr>
-                <a:schemeClr val="bg1">
-                  <a:lumMod val="65000"/>
-                </a:schemeClr>
-              </a:buClr>
-              <a:buSzPct val="90000"/>
-              <a:buFont typeface="Wingdings" pitchFamily="2" charset="2"/>
-              <a:buNone/>
-              <a:defRPr sz="2000" kern="1200">
-                <a:solidFill>
-                  <a:schemeClr val="tx1">
-                    <a:tint val="75000"/>
-                  </a:schemeClr>
-                </a:solidFill>
-                <a:latin typeface="+mn-lt"/>
-                <a:ea typeface="+mn-ea"/>
-                <a:cs typeface="+mn-cs"/>
-              </a:defRPr>
-            </a:lvl3pPr>
-            <a:lvl4pPr marL="1371600" indent="0" algn="ctr" defTabSz="914400" rtl="0" eaLnBrk="1" latinLnBrk="0" hangingPunct="1">
-              <a:spcBef>
-                <a:spcPts val="600"/>
-              </a:spcBef>
-              <a:buClr>
-                <a:schemeClr val="tx1">
-                  <a:lumMod val="75000"/>
-                  <a:lumOff val="25000"/>
-                </a:schemeClr>
-              </a:buClr>
-              <a:buSzPct val="90000"/>
-              <a:buFont typeface="Wingdings" pitchFamily="2" charset="2"/>
-              <a:buNone/>
-              <a:defRPr sz="1800" kern="1200">
-                <a:solidFill>
-                  <a:schemeClr val="tx1">
-                    <a:tint val="75000"/>
-                  </a:schemeClr>
-                </a:solidFill>
-                <a:latin typeface="+mn-lt"/>
-                <a:ea typeface="+mn-ea"/>
-                <a:cs typeface="+mn-cs"/>
-              </a:defRPr>
-            </a:lvl4pPr>
-            <a:lvl5pPr marL="1828800" indent="0" algn="ctr" defTabSz="914400" rtl="0" eaLnBrk="1" latinLnBrk="0" hangingPunct="1">
-              <a:spcBef>
-                <a:spcPts val="600"/>
-              </a:spcBef>
-              <a:buClr>
-                <a:schemeClr val="bg1">
-                  <a:lumMod val="65000"/>
-                </a:schemeClr>
-              </a:buClr>
-              <a:buSzPct val="90000"/>
-              <a:buFont typeface="Wingdings" pitchFamily="2" charset="2"/>
-              <a:buNone/>
-              <a:defRPr sz="1800" kern="1200">
-                <a:solidFill>
-                  <a:schemeClr val="tx1">
-                    <a:tint val="75000"/>
-                  </a:schemeClr>
-                </a:solidFill>
-                <a:latin typeface="+mn-lt"/>
-                <a:ea typeface="+mn-ea"/>
-                <a:cs typeface="+mn-cs"/>
-              </a:defRPr>
-            </a:lvl5pPr>
-            <a:lvl6pPr marL="2286000" indent="0" algn="ctr" defTabSz="914400" rtl="0" eaLnBrk="1" latinLnBrk="0" hangingPunct="1">
-              <a:spcBef>
-                <a:spcPts val="600"/>
-              </a:spcBef>
-              <a:buClr>
-                <a:schemeClr val="tx1">
-                  <a:lumMod val="75000"/>
-                  <a:lumOff val="25000"/>
-                </a:schemeClr>
-              </a:buClr>
-              <a:buSzPct val="90000"/>
-              <a:buFont typeface="Wingdings" pitchFamily="2" charset="2"/>
-              <a:buNone/>
-              <a:defRPr lang="en-US" sz="1800" kern="1200">
-                <a:solidFill>
-                  <a:schemeClr val="tx1">
-                    <a:tint val="75000"/>
-                  </a:schemeClr>
-                </a:solidFill>
-                <a:latin typeface="+mn-lt"/>
-                <a:ea typeface="+mn-ea"/>
-                <a:cs typeface="+mn-cs"/>
-              </a:defRPr>
-            </a:lvl6pPr>
-            <a:lvl7pPr marL="2743200" indent="0" algn="ctr" defTabSz="914400" rtl="0" eaLnBrk="1" latinLnBrk="0" hangingPunct="1">
-              <a:spcBef>
-                <a:spcPts val="600"/>
-              </a:spcBef>
-              <a:buClr>
-                <a:schemeClr val="bg1">
-                  <a:lumMod val="65000"/>
-                </a:schemeClr>
-              </a:buClr>
-              <a:buSzPct val="90000"/>
-              <a:buFont typeface="Wingdings" pitchFamily="2" charset="2"/>
-              <a:buNone/>
-              <a:defRPr lang="en-US" sz="1800" kern="1200">
-                <a:solidFill>
-                  <a:schemeClr val="tx1">
-                    <a:tint val="75000"/>
-                  </a:schemeClr>
-                </a:solidFill>
-                <a:latin typeface="+mn-lt"/>
-                <a:ea typeface="+mn-ea"/>
-                <a:cs typeface="+mn-cs"/>
-              </a:defRPr>
-            </a:lvl7pPr>
-            <a:lvl8pPr marL="3200400" indent="0" algn="ctr" defTabSz="914400" rtl="0" eaLnBrk="1" latinLnBrk="0" hangingPunct="1">
-              <a:spcBef>
-                <a:spcPts val="600"/>
-              </a:spcBef>
-              <a:buClr>
-                <a:schemeClr val="tx1">
-                  <a:lumMod val="75000"/>
-                  <a:lumOff val="25000"/>
-                </a:schemeClr>
-              </a:buClr>
-              <a:buSzPct val="90000"/>
-              <a:buFont typeface="Wingdings" pitchFamily="2" charset="2"/>
-              <a:buNone/>
-              <a:defRPr lang="en-US" sz="1800" kern="1200">
-                <a:solidFill>
-                  <a:schemeClr val="tx1">
-                    <a:tint val="75000"/>
-                  </a:schemeClr>
-                </a:solidFill>
-                <a:latin typeface="+mn-lt"/>
-                <a:ea typeface="+mn-ea"/>
-                <a:cs typeface="+mn-cs"/>
-              </a:defRPr>
-            </a:lvl8pPr>
-            <a:lvl9pPr marL="3657600" indent="0" algn="ctr" defTabSz="914400" rtl="0" eaLnBrk="1" latinLnBrk="0" hangingPunct="1">
-              <a:spcBef>
-                <a:spcPts val="600"/>
-              </a:spcBef>
-              <a:buClr>
-                <a:schemeClr val="bg1">
-                  <a:lumMod val="65000"/>
-                </a:schemeClr>
-              </a:buClr>
-              <a:buSzPct val="90000"/>
-              <a:buFont typeface="Wingdings" pitchFamily="2" charset="2"/>
-              <a:buNone/>
-              <a:defRPr lang="en-US" sz="1800" kern="1200">
-                <a:solidFill>
-                  <a:schemeClr val="tx1">
-                    <a:tint val="75000"/>
-                  </a:schemeClr>
-                </a:solidFill>
-                <a:latin typeface="+mn-lt"/>
-                <a:ea typeface="+mn-ea"/>
-                <a:cs typeface="+mn-cs"/>
-              </a:defRPr>
-            </a:lvl9pPr>
-          </a:lstStyle>
-          <a:p>
-            <a:r>
-              <a:rPr lang="en-US" dirty="0" smtClean="0">
-                <a:solidFill>
-                  <a:schemeClr val="tx1"/>
-                </a:solidFill>
-              </a:rPr>
-              <a:t>By Droids Robotics</a:t>
-            </a:r>
-            <a:endParaRPr lang="en-US" dirty="0">
-              <a:solidFill>
-                <a:schemeClr val="tx1"/>
-              </a:solidFill>
-            </a:endParaRPr>
-          </a:p>
-        </p:txBody>
-      </p:sp>
       <p:sp>
         <p:nvSpPr>
           <p:cNvPr id="19" name="TextBox 18"/>
@@ -2063,7 +1781,7 @@
           <a:noFill/>
           <a:extLst>
             <a:ext uri="{909E8E84-426E-40dd-AFC4-6F175D3DCCD1}">
-              <a14:hiddenFill xmlns="" xmlns:a14="http://schemas.microsoft.com/office/drawing/2010/main">
+              <a14:hiddenFill xmlns:a14="http://schemas.microsoft.com/office/drawing/2010/main" xmlns="">
                 <a:solidFill>
                   <a:srgbClr val="FFFFFF"/>
                 </a:solidFill>
@@ -2107,288 +1825,6 @@
           </a:fontRef>
         </p:style>
       </p:cxnSp>
-      <p:pic>
-        <p:nvPicPr>
-          <p:cNvPr id="22" name="Picture 21"/>
-          <p:cNvPicPr>
-            <a:picLocks noChangeAspect="1"/>
-          </p:cNvPicPr>
-          <p:nvPr userDrawn="1"/>
-        </p:nvPicPr>
-        <p:blipFill>
-          <a:blip r:embed="rId3">
-            <a:extLst>
-              <a:ext uri="{28A0092B-C50C-407E-A947-70E740481C1C}">
-                <a14:useLocalDpi xmlns:a14="http://schemas.microsoft.com/office/drawing/2010/main" val="0"/>
-              </a:ext>
-            </a:extLst>
-          </a:blip>
-          <a:stretch>
-            <a:fillRect/>
-          </a:stretch>
-        </p:blipFill>
-        <p:spPr>
-          <a:xfrm>
-            <a:off x="284163" y="4948514"/>
-            <a:ext cx="1265237" cy="1210410"/>
-          </a:xfrm>
-          <a:prstGeom prst="rect">
-            <a:avLst/>
-          </a:prstGeom>
-        </p:spPr>
-      </p:pic>
-      <p:sp>
-        <p:nvSpPr>
-          <p:cNvPr id="23" name="Subtitle 3"/>
-          <p:cNvSpPr txBox="1">
-            <a:spLocks/>
-          </p:cNvSpPr>
-          <p:nvPr userDrawn="1"/>
-        </p:nvSpPr>
-        <p:spPr>
-          <a:xfrm>
-            <a:off x="1549400" y="5829838"/>
-            <a:ext cx="3749229" cy="484094"/>
-          </a:xfrm>
-          <a:prstGeom prst="rect">
-            <a:avLst/>
-          </a:prstGeom>
-        </p:spPr>
-        <p:txBody>
-          <a:bodyPr vert="horz" lIns="91440" tIns="45720" rIns="91440" bIns="45720" rtlCol="0">
-            <a:normAutofit/>
-          </a:bodyPr>
-          <a:lstStyle>
-            <a:lvl1pPr marL="0" indent="0" algn="l" defTabSz="914400" rtl="0" eaLnBrk="1" latinLnBrk="0" hangingPunct="1">
-              <a:lnSpc>
-                <a:spcPct val="100000"/>
-              </a:lnSpc>
-              <a:spcBef>
-                <a:spcPts val="0"/>
-              </a:spcBef>
-              <a:buClr>
-                <a:schemeClr val="bg1">
-                  <a:lumMod val="65000"/>
-                </a:schemeClr>
-              </a:buClr>
-              <a:buSzPct val="90000"/>
-              <a:buFont typeface="Wingdings" pitchFamily="2" charset="2"/>
-              <a:buNone/>
-              <a:defRPr sz="1800" kern="1200">
-                <a:solidFill>
-                  <a:schemeClr val="bg1"/>
-                </a:solidFill>
-                <a:latin typeface="+mn-lt"/>
-                <a:ea typeface="+mn-ea"/>
-                <a:cs typeface="+mn-cs"/>
-              </a:defRPr>
-            </a:lvl1pPr>
-            <a:lvl2pPr marL="457200" indent="0" algn="ctr" defTabSz="914400" rtl="0" eaLnBrk="1" latinLnBrk="0" hangingPunct="1">
-              <a:spcBef>
-                <a:spcPts val="600"/>
-              </a:spcBef>
-              <a:buClr>
-                <a:schemeClr val="tx1">
-                  <a:lumMod val="75000"/>
-                  <a:lumOff val="25000"/>
-                </a:schemeClr>
-              </a:buClr>
-              <a:buSzPct val="90000"/>
-              <a:buFont typeface="Wingdings" pitchFamily="2" charset="2"/>
-              <a:buNone/>
-              <a:defRPr sz="2200" kern="1200">
-                <a:solidFill>
-                  <a:schemeClr val="tx1">
-                    <a:tint val="75000"/>
-                  </a:schemeClr>
-                </a:solidFill>
-                <a:latin typeface="+mn-lt"/>
-                <a:ea typeface="+mn-ea"/>
-                <a:cs typeface="+mn-cs"/>
-              </a:defRPr>
-            </a:lvl2pPr>
-            <a:lvl3pPr marL="914400" indent="0" algn="ctr" defTabSz="914400" rtl="0" eaLnBrk="1" latinLnBrk="0" hangingPunct="1">
-              <a:spcBef>
-                <a:spcPts val="600"/>
-              </a:spcBef>
-              <a:buClr>
-                <a:schemeClr val="bg1">
-                  <a:lumMod val="65000"/>
-                </a:schemeClr>
-              </a:buClr>
-              <a:buSzPct val="90000"/>
-              <a:buFont typeface="Wingdings" pitchFamily="2" charset="2"/>
-              <a:buNone/>
-              <a:defRPr sz="2000" kern="1200">
-                <a:solidFill>
-                  <a:schemeClr val="tx1">
-                    <a:tint val="75000"/>
-                  </a:schemeClr>
-                </a:solidFill>
-                <a:latin typeface="+mn-lt"/>
-                <a:ea typeface="+mn-ea"/>
-                <a:cs typeface="+mn-cs"/>
-              </a:defRPr>
-            </a:lvl3pPr>
-            <a:lvl4pPr marL="1371600" indent="0" algn="ctr" defTabSz="914400" rtl="0" eaLnBrk="1" latinLnBrk="0" hangingPunct="1">
-              <a:spcBef>
-                <a:spcPts val="600"/>
-              </a:spcBef>
-              <a:buClr>
-                <a:schemeClr val="tx1">
-                  <a:lumMod val="75000"/>
-                  <a:lumOff val="25000"/>
-                </a:schemeClr>
-              </a:buClr>
-              <a:buSzPct val="90000"/>
-              <a:buFont typeface="Wingdings" pitchFamily="2" charset="2"/>
-              <a:buNone/>
-              <a:defRPr sz="1800" kern="1200">
-                <a:solidFill>
-                  <a:schemeClr val="tx1">
-                    <a:tint val="75000"/>
-                  </a:schemeClr>
-                </a:solidFill>
-                <a:latin typeface="+mn-lt"/>
-                <a:ea typeface="+mn-ea"/>
-                <a:cs typeface="+mn-cs"/>
-              </a:defRPr>
-            </a:lvl4pPr>
-            <a:lvl5pPr marL="1828800" indent="0" algn="ctr" defTabSz="914400" rtl="0" eaLnBrk="1" latinLnBrk="0" hangingPunct="1">
-              <a:spcBef>
-                <a:spcPts val="600"/>
-              </a:spcBef>
-              <a:buClr>
-                <a:schemeClr val="bg1">
-                  <a:lumMod val="65000"/>
-                </a:schemeClr>
-              </a:buClr>
-              <a:buSzPct val="90000"/>
-              <a:buFont typeface="Wingdings" pitchFamily="2" charset="2"/>
-              <a:buNone/>
-              <a:defRPr sz="1800" kern="1200">
-                <a:solidFill>
-                  <a:schemeClr val="tx1">
-                    <a:tint val="75000"/>
-                  </a:schemeClr>
-                </a:solidFill>
-                <a:latin typeface="+mn-lt"/>
-                <a:ea typeface="+mn-ea"/>
-                <a:cs typeface="+mn-cs"/>
-              </a:defRPr>
-            </a:lvl5pPr>
-            <a:lvl6pPr marL="2286000" indent="0" algn="ctr" defTabSz="914400" rtl="0" eaLnBrk="1" latinLnBrk="0" hangingPunct="1">
-              <a:spcBef>
-                <a:spcPts val="600"/>
-              </a:spcBef>
-              <a:buClr>
-                <a:schemeClr val="tx1">
-                  <a:lumMod val="75000"/>
-                  <a:lumOff val="25000"/>
-                </a:schemeClr>
-              </a:buClr>
-              <a:buSzPct val="90000"/>
-              <a:buFont typeface="Wingdings" pitchFamily="2" charset="2"/>
-              <a:buNone/>
-              <a:defRPr lang="en-US" sz="1800" kern="1200">
-                <a:solidFill>
-                  <a:schemeClr val="tx1">
-                    <a:tint val="75000"/>
-                  </a:schemeClr>
-                </a:solidFill>
-                <a:latin typeface="+mn-lt"/>
-                <a:ea typeface="+mn-ea"/>
-                <a:cs typeface="+mn-cs"/>
-              </a:defRPr>
-            </a:lvl6pPr>
-            <a:lvl7pPr marL="2743200" indent="0" algn="ctr" defTabSz="914400" rtl="0" eaLnBrk="1" latinLnBrk="0" hangingPunct="1">
-              <a:spcBef>
-                <a:spcPts val="600"/>
-              </a:spcBef>
-              <a:buClr>
-                <a:schemeClr val="bg1">
-                  <a:lumMod val="65000"/>
-                </a:schemeClr>
-              </a:buClr>
-              <a:buSzPct val="90000"/>
-              <a:buFont typeface="Wingdings" pitchFamily="2" charset="2"/>
-              <a:buNone/>
-              <a:defRPr lang="en-US" sz="1800" kern="1200">
-                <a:solidFill>
-                  <a:schemeClr val="tx1">
-                    <a:tint val="75000"/>
-                  </a:schemeClr>
-                </a:solidFill>
-                <a:latin typeface="+mn-lt"/>
-                <a:ea typeface="+mn-ea"/>
-                <a:cs typeface="+mn-cs"/>
-              </a:defRPr>
-            </a:lvl7pPr>
-            <a:lvl8pPr marL="3200400" indent="0" algn="ctr" defTabSz="914400" rtl="0" eaLnBrk="1" latinLnBrk="0" hangingPunct="1">
-              <a:spcBef>
-                <a:spcPts val="600"/>
-              </a:spcBef>
-              <a:buClr>
-                <a:schemeClr val="tx1">
-                  <a:lumMod val="75000"/>
-                  <a:lumOff val="25000"/>
-                </a:schemeClr>
-              </a:buClr>
-              <a:buSzPct val="90000"/>
-              <a:buFont typeface="Wingdings" pitchFamily="2" charset="2"/>
-              <a:buNone/>
-              <a:defRPr lang="en-US" sz="1800" kern="1200">
-                <a:solidFill>
-                  <a:schemeClr val="tx1">
-                    <a:tint val="75000"/>
-                  </a:schemeClr>
-                </a:solidFill>
-                <a:latin typeface="+mn-lt"/>
-                <a:ea typeface="+mn-ea"/>
-                <a:cs typeface="+mn-cs"/>
-              </a:defRPr>
-            </a:lvl8pPr>
-            <a:lvl9pPr marL="3657600" indent="0" algn="ctr" defTabSz="914400" rtl="0" eaLnBrk="1" latinLnBrk="0" hangingPunct="1">
-              <a:spcBef>
-                <a:spcPts val="600"/>
-              </a:spcBef>
-              <a:buClr>
-                <a:schemeClr val="bg1">
-                  <a:lumMod val="65000"/>
-                </a:schemeClr>
-              </a:buClr>
-              <a:buSzPct val="90000"/>
-              <a:buFont typeface="Wingdings" pitchFamily="2" charset="2"/>
-              <a:buNone/>
-              <a:defRPr lang="en-US" sz="1800" kern="1200">
-                <a:solidFill>
-                  <a:schemeClr val="tx1">
-                    <a:tint val="75000"/>
-                  </a:schemeClr>
-                </a:solidFill>
-                <a:latin typeface="+mn-lt"/>
-                <a:ea typeface="+mn-ea"/>
-                <a:cs typeface="+mn-cs"/>
-              </a:defRPr>
-            </a:lvl9pPr>
-          </a:lstStyle>
-          <a:p>
-            <a:r>
-              <a:rPr lang="en-US" dirty="0" smtClean="0">
-                <a:solidFill>
-                  <a:schemeClr val="tx1"/>
-                </a:solidFill>
-              </a:rPr>
-              <a:t>By Droids Robotics</a:t>
-            </a:r>
-            <a:endParaRPr lang="en-US" dirty="0">
-              <a:solidFill>
-                <a:schemeClr val="tx1"/>
-              </a:solidFill>
-            </a:endParaRPr>
-          </a:p>
-        </p:txBody>
-      </p:sp>
     </p:spTree>
     <p:extLst>
       <p:ext uri="{BB962C8B-B14F-4D97-AF65-F5344CB8AC3E}">
@@ -2497,9 +1933,9 @@
           <a:bodyPr/>
           <a:lstStyle/>
           <a:p>
-            <a:fld id="{F92C6EB1-657D-2348-80B0-7CB46A48D38A}" type="datetime1">
+            <a:fld id="{25719CEC-6FE2-A64D-B07C-426A372ADBCF}" type="datetime1">
               <a:rPr lang="en-US" smtClean="0"/>
-              <a:t>11/15/15</a:t>
+              <a:t>7/19/16</a:t>
             </a:fld>
             <a:endParaRPr lang="en-US"/>
           </a:p>
@@ -2522,7 +1958,7 @@
           <a:p>
             <a:r>
               <a:rPr lang="sk-SK" smtClean="0"/>
-              <a:t>© 2015 EV3Lessons.com, Last edit 6/15/2015</a:t>
+              <a:t>© 2016 EV3Lessons.com, Last edit 7/19/2016</a:t>
             </a:r>
             <a:endParaRPr lang="en-US"/>
           </a:p>
@@ -2955,9 +2391,9 @@
           <a:bodyPr/>
           <a:lstStyle/>
           <a:p>
-            <a:fld id="{1CDB5AB7-AE0F-5847-8879-D95658F19187}" type="datetime1">
+            <a:fld id="{1BA8BB39-6E71-4C41-BE36-BE50F4539595}" type="datetime1">
               <a:rPr lang="en-US" smtClean="0"/>
-              <a:t>11/15/15</a:t>
+              <a:t>7/19/16</a:t>
             </a:fld>
             <a:endParaRPr lang="en-US"/>
           </a:p>
@@ -2980,7 +2416,7 @@
           <a:p>
             <a:r>
               <a:rPr lang="sk-SK" smtClean="0"/>
-              <a:t>© 2015 EV3Lessons.com, Last edit 6/15/2015</a:t>
+              <a:t>© 2016 EV3Lessons.com, Last edit 7/19/2016</a:t>
             </a:r>
             <a:endParaRPr lang="en-US"/>
           </a:p>
@@ -3406,9 +2842,9 @@
           <a:bodyPr/>
           <a:lstStyle/>
           <a:p>
-            <a:fld id="{7C5F0E2F-9F6B-F947-B1CD-A0F2BCA4BDD0}" type="datetime1">
+            <a:fld id="{8299BDD0-4580-034A-9FC8-EC7CE894E8F9}" type="datetime1">
               <a:rPr lang="en-US" smtClean="0"/>
-              <a:t>11/15/15</a:t>
+              <a:t>7/19/16</a:t>
             </a:fld>
             <a:endParaRPr lang="en-US"/>
           </a:p>
@@ -3988,9 +3424,9 @@
           <a:bodyPr/>
           <a:lstStyle/>
           <a:p>
-            <a:fld id="{24B60D1B-E521-6349-AE89-A4AB5C25F0E0}" type="datetime1">
+            <a:fld id="{AE4750A3-BA90-314E-98DD-405269803D7C}" type="datetime1">
               <a:rPr lang="en-US" smtClean="0"/>
-              <a:t>11/15/15</a:t>
+              <a:t>7/19/16</a:t>
             </a:fld>
             <a:endParaRPr lang="en-US"/>
           </a:p>
@@ -4013,7 +3449,7 @@
           <a:p>
             <a:r>
               <a:rPr lang="sk-SK" smtClean="0"/>
-              <a:t>© 2015 EV3Lessons.com, Last edit 6/15/2015</a:t>
+              <a:t>© 2016 EV3Lessons.com, Last edit 7/19/2016</a:t>
             </a:r>
             <a:endParaRPr lang="en-US"/>
           </a:p>
@@ -4265,9 +3701,9 @@
           <a:bodyPr/>
           <a:lstStyle/>
           <a:p>
-            <a:fld id="{40D6C455-5B63-8940-9B32-276BD6D824BD}" type="datetime1">
+            <a:fld id="{FECAE974-8E73-564A-91C1-A77E64036851}" type="datetime1">
               <a:rPr lang="en-US" smtClean="0"/>
-              <a:t>11/15/15</a:t>
+              <a:t>7/19/16</a:t>
             </a:fld>
             <a:endParaRPr lang="en-US"/>
           </a:p>
@@ -4290,7 +3726,7 @@
           <a:p>
             <a:r>
               <a:rPr lang="sk-SK" smtClean="0"/>
-              <a:t>© 2015 EV3Lessons.com, Last edit 6/15/2015</a:t>
+              <a:t>© 2016 EV3Lessons.com, Last edit 7/19/2016</a:t>
             </a:r>
             <a:endParaRPr lang="en-US"/>
           </a:p>
@@ -4580,9 +4016,9 @@
           <a:bodyPr/>
           <a:lstStyle/>
           <a:p>
-            <a:fld id="{942050CC-28F4-DF42-AF3A-74589E4DA979}" type="datetime1">
+            <a:fld id="{D066916C-6CCD-784C-939B-117B67BCC917}" type="datetime1">
               <a:rPr lang="en-US" smtClean="0"/>
-              <a:t>11/15/15</a:t>
+              <a:t>7/19/16</a:t>
             </a:fld>
             <a:endParaRPr lang="en-US"/>
           </a:p>
@@ -4605,7 +4041,7 @@
           <a:p>
             <a:r>
               <a:rPr lang="sk-SK" smtClean="0"/>
-              <a:t>© 2015 EV3Lessons.com, Last edit 6/15/2015</a:t>
+              <a:t>© 2016 EV3Lessons.com, Last edit 7/19/2016</a:t>
             </a:r>
             <a:endParaRPr lang="en-US"/>
           </a:p>
@@ -4804,9 +4240,9 @@
           <a:bodyPr/>
           <a:lstStyle/>
           <a:p>
-            <a:fld id="{0B09783E-33B5-414F-A6F3-EB17950DAF9B}" type="datetime1">
+            <a:fld id="{8BD69708-2E89-FD46-A763-CCA61E31711E}" type="datetime1">
               <a:rPr lang="en-US" smtClean="0"/>
-              <a:t>11/15/15</a:t>
+              <a:t>7/19/16</a:t>
             </a:fld>
             <a:endParaRPr lang="en-US"/>
           </a:p>
@@ -4829,7 +4265,7 @@
           <a:p>
             <a:r>
               <a:rPr lang="sk-SK" smtClean="0"/>
-              <a:t>© 2015 EV3Lessons.com, Last edit 6/15/2015</a:t>
+              <a:t>© 2016 EV3Lessons.com, Last edit 7/19/2016</a:t>
             </a:r>
             <a:endParaRPr lang="en-US"/>
           </a:p>
@@ -5114,9 +4550,9 @@
           <a:bodyPr/>
           <a:lstStyle/>
           <a:p>
-            <a:fld id="{F92C6EB1-657D-2348-80B0-7CB46A48D38A}" type="datetime1">
+            <a:fld id="{A5B86BB1-538C-2341-A743-F9AC65ABD809}" type="datetime1">
               <a:rPr lang="en-US" smtClean="0"/>
-              <a:t>11/15/15</a:t>
+              <a:t>7/19/16</a:t>
             </a:fld>
             <a:endParaRPr lang="en-US"/>
           </a:p>
@@ -5139,7 +4575,7 @@
           <a:p>
             <a:r>
               <a:rPr lang="sk-SK" smtClean="0"/>
-              <a:t>© 2015 EV3Lessons.com, Last edit 6/15/2015</a:t>
+              <a:t>© 2016 EV3Lessons.com, Last edit 7/19/2016</a:t>
             </a:r>
             <a:endParaRPr lang="en-US"/>
           </a:p>
@@ -5730,9 +5166,9 @@
           <a:bodyPr/>
           <a:lstStyle/>
           <a:p>
-            <a:fld id="{1CDB5AB7-AE0F-5847-8879-D95658F19187}" type="datetime1">
+            <a:fld id="{4C78C368-705A-7648-8E88-27070289CFFB}" type="datetime1">
               <a:rPr lang="en-US" smtClean="0"/>
-              <a:t>11/15/15</a:t>
+              <a:t>7/19/16</a:t>
             </a:fld>
             <a:endParaRPr lang="en-US"/>
           </a:p>
@@ -5755,7 +5191,7 @@
           <a:p>
             <a:r>
               <a:rPr lang="sk-SK" smtClean="0"/>
-              <a:t>© 2015 EV3Lessons.com, Last edit 6/15/2015</a:t>
+              <a:t>© 2016 EV3Lessons.com, Last edit 7/19/2016</a:t>
             </a:r>
             <a:endParaRPr lang="en-US"/>
           </a:p>
@@ -6347,9 +5783,9 @@
           <a:bodyPr/>
           <a:lstStyle/>
           <a:p>
-            <a:fld id="{7C5F0E2F-9F6B-F947-B1CD-A0F2BCA4BDD0}" type="datetime1">
+            <a:fld id="{C6959BC2-0B22-034B-A930-44AA6DD9FEB1}" type="datetime1">
               <a:rPr lang="en-US" smtClean="0"/>
-              <a:t>11/15/15</a:t>
+              <a:t>7/19/16</a:t>
             </a:fld>
             <a:endParaRPr lang="en-US"/>
           </a:p>
@@ -7225,9 +6661,9 @@
           <a:bodyPr/>
           <a:lstStyle/>
           <a:p>
-            <a:fld id="{24B60D1B-E521-6349-AE89-A4AB5C25F0E0}" type="datetime1">
+            <a:fld id="{67D1AD19-C359-8C4E-86A6-7BAE18F50B1A}" type="datetime1">
               <a:rPr lang="en-US" smtClean="0"/>
-              <a:t>11/15/15</a:t>
+              <a:t>7/19/16</a:t>
             </a:fld>
             <a:endParaRPr lang="en-US"/>
           </a:p>
@@ -7250,7 +6686,7 @@
           <a:p>
             <a:r>
               <a:rPr lang="sk-SK" smtClean="0"/>
-              <a:t>© 2015 EV3Lessons.com, Last edit 6/15/2015</a:t>
+              <a:t>© 2016 EV3Lessons.com, Last edit 7/19/2016</a:t>
             </a:r>
             <a:endParaRPr lang="en-US"/>
           </a:p>
@@ -7660,9 +7096,9 @@
           <a:bodyPr/>
           <a:lstStyle/>
           <a:p>
-            <a:fld id="{40D6C455-5B63-8940-9B32-276BD6D824BD}" type="datetime1">
+            <a:fld id="{DA8B3459-2D2E-1542-9B54-D840F833A7DB}" type="datetime1">
               <a:rPr lang="en-US" smtClean="0"/>
-              <a:t>11/15/15</a:t>
+              <a:t>7/19/16</a:t>
             </a:fld>
             <a:endParaRPr lang="en-US"/>
           </a:p>
@@ -7685,7 +7121,7 @@
           <a:p>
             <a:r>
               <a:rPr lang="sk-SK" smtClean="0"/>
-              <a:t>© 2015 EV3Lessons.com, Last edit 6/15/2015</a:t>
+              <a:t>© 2016 EV3Lessons.com, Last edit 7/19/2016</a:t>
             </a:r>
             <a:endParaRPr lang="en-US"/>
           </a:p>
@@ -8133,9 +7569,9 @@
           <a:bodyPr/>
           <a:lstStyle/>
           <a:p>
-            <a:fld id="{942050CC-28F4-DF42-AF3A-74589E4DA979}" type="datetime1">
+            <a:fld id="{B7D0A045-34AE-B543-8FFD-E5DEB9921BF7}" type="datetime1">
               <a:rPr lang="en-US" smtClean="0"/>
-              <a:t>11/15/15</a:t>
+              <a:t>7/19/16</a:t>
             </a:fld>
             <a:endParaRPr lang="en-US"/>
           </a:p>
@@ -8158,7 +7594,7 @@
           <a:p>
             <a:r>
               <a:rPr lang="sk-SK" smtClean="0"/>
-              <a:t>© 2015 EV3Lessons.com, Last edit 6/15/2015</a:t>
+              <a:t>© 2016 EV3Lessons.com, Last edit 7/19/2016</a:t>
             </a:r>
             <a:endParaRPr lang="en-US"/>
           </a:p>
@@ -8515,9 +7951,9 @@
           <a:bodyPr/>
           <a:lstStyle/>
           <a:p>
-            <a:fld id="{0B09783E-33B5-414F-A6F3-EB17950DAF9B}" type="datetime1">
+            <a:fld id="{FC05CAC8-E3A3-9F4F-A115-9216F55B464E}" type="datetime1">
               <a:rPr lang="en-US" smtClean="0"/>
-              <a:t>11/15/15</a:t>
+              <a:t>7/19/16</a:t>
             </a:fld>
             <a:endParaRPr lang="en-US"/>
           </a:p>
@@ -8540,7 +7976,7 @@
           <a:p>
             <a:r>
               <a:rPr lang="sk-SK" smtClean="0"/>
-              <a:t>© 2015 EV3Lessons.com, Last edit 6/15/2015</a:t>
+              <a:t>© 2016 EV3Lessons.com, Last edit 7/19/2016</a:t>
             </a:r>
             <a:endParaRPr lang="en-US"/>
           </a:p>
@@ -8955,9 +8391,9 @@
           <a:bodyPr/>
           <a:lstStyle/>
           <a:p>
-            <a:fld id="{9BB45858-DAAD-704C-B8B2-5528B835482B}" type="datetime1">
+            <a:fld id="{7709EF50-100C-634D-8F67-AEC2D65E039F}" type="datetime1">
               <a:rPr lang="en-US" smtClean="0"/>
-              <a:t>11/15/15</a:t>
+              <a:t>7/19/16</a:t>
             </a:fld>
             <a:endParaRPr lang="en-US" dirty="0"/>
           </a:p>
@@ -8980,7 +8416,7 @@
           <a:p>
             <a:r>
               <a:rPr lang="sk-SK" smtClean="0"/>
-              <a:t>© 2015 EV3Lessons.com, Last edit 6/15/2015</a:t>
+              <a:t>© 2016 EV3Lessons.com, Last edit 7/19/2016</a:t>
             </a:r>
             <a:endParaRPr lang="en-US" dirty="0"/>
           </a:p>
@@ -9077,7 +8513,6 @@
   <p:clrMapOvr>
     <a:masterClrMapping/>
   </p:clrMapOvr>
-  <p:hf hdr="0" dt="0"/>
 </p:sldLayout>
 </file>
 
@@ -9201,9 +8636,9 @@
             </a:lvl1pPr>
           </a:lstStyle>
           <a:p>
-            <a:fld id="{9BB45858-DAAD-704C-B8B2-5528B835482B}" type="datetime1">
+            <a:fld id="{A17013AD-CF79-9848-8575-58E272EC5A92}" type="datetime1">
               <a:rPr lang="en-US" smtClean="0"/>
-              <a:t>11/15/15</a:t>
+              <a:t>7/19/16</a:t>
             </a:fld>
             <a:endParaRPr lang="en-US" dirty="0"/>
           </a:p>
@@ -9244,7 +8679,7 @@
           <a:p>
             <a:r>
               <a:rPr lang="sk-SK" smtClean="0"/>
-              <a:t>© 2015 EV3Lessons.com, Last edit 6/15/2015</a:t>
+              <a:t>© 2016 EV3Lessons.com, Last edit 7/19/2016</a:t>
             </a:r>
             <a:endParaRPr lang="en-US" dirty="0"/>
           </a:p>
@@ -9364,7 +8799,7 @@
       </p:par>
     </p:tnLst>
   </p:timing>
-  <p:hf hdr="0" dt="0"/>
+  <p:hf sldNum="0" hdr="0" dt="0"/>
   <p:txStyles>
     <p:titleStyle>
       <a:lvl1pPr marL="231775" indent="3175" algn="l" defTabSz="914400" rtl="0" eaLnBrk="1" latinLnBrk="0" hangingPunct="1">
@@ -9759,10 +9194,47 @@
           <a:bodyPr/>
           <a:lstStyle/>
           <a:p>
-            <a:endParaRPr lang="en-US"/>
-          </a:p>
-        </p:txBody>
-      </p:sp>
+            <a:r>
+              <a:rPr lang="en-US" dirty="0" smtClean="0"/>
+              <a:t>By Sanjay and Arvind </a:t>
+            </a:r>
+            <a:r>
+              <a:rPr lang="en-US" dirty="0" err="1" smtClean="0"/>
+              <a:t>Seshan</a:t>
+            </a:r>
+            <a:endParaRPr lang="en-US" dirty="0"/>
+          </a:p>
+        </p:txBody>
+      </p:sp>
+      <p:pic>
+        <p:nvPicPr>
+          <p:cNvPr id="4" name="Picture 3"/>
+          <p:cNvPicPr>
+            <a:picLocks noChangeAspect="1"/>
+          </p:cNvPicPr>
+          <p:nvPr/>
+        </p:nvPicPr>
+        <p:blipFill rotWithShape="1">
+          <a:blip r:embed="rId3">
+            <a:extLst>
+              <a:ext uri="{28A0092B-C50C-407E-A947-70E740481C1C}">
+                <a14:useLocalDpi xmlns:a14="http://schemas.microsoft.com/office/drawing/2010/main" val="0"/>
+              </a:ext>
+            </a:extLst>
+          </a:blip>
+          <a:srcRect l="4523" t="17619" r="3095" b="25000"/>
+          <a:stretch/>
+        </p:blipFill>
+        <p:spPr>
+          <a:xfrm>
+            <a:off x="3459013" y="4560129"/>
+            <a:ext cx="2225974" cy="1382629"/>
+          </a:xfrm>
+          <a:prstGeom prst="rect">
+            <a:avLst/>
+          </a:prstGeom>
+        </p:spPr>
+      </p:pic>
     </p:spTree>
     <p:extLst>
       <p:ext uri="{BB962C8B-B14F-4D97-AF65-F5344CB8AC3E}">
@@ -9859,32 +9331,8 @@
           <a:p>
             <a:r>
               <a:rPr lang="sk-SK" smtClean="0"/>
-              <a:t>© 2015 EV3Lessons.com, Last edit 6/15/2015</a:t>
-            </a:r>
-            <a:endParaRPr lang="en-US"/>
-          </a:p>
-        </p:txBody>
-      </p:sp>
-      <p:sp>
-        <p:nvSpPr>
-          <p:cNvPr id="9" name="Slide Number Placeholder 8"/>
-          <p:cNvSpPr>
-            <a:spLocks noGrp="1"/>
-          </p:cNvSpPr>
-          <p:nvPr>
-            <p:ph type="sldNum" sz="quarter" idx="12"/>
-          </p:nvPr>
-        </p:nvSpPr>
-        <p:spPr/>
-        <p:txBody>
-          <a:bodyPr/>
-          <a:lstStyle/>
-          <a:p>
-            <a:fld id="{4382A7F7-08BF-4252-8141-63FB96055BBB}" type="slidenum">
-              <a:rPr lang="en-US" smtClean="0"/>
-              <a:pPr/>
-              <a:t>10</a:t>
-            </a:fld>
+              <a:t>© 2016 EV3Lessons.com, Last edit 7/19/2016</a:t>
+            </a:r>
             <a:endParaRPr lang="en-US"/>
           </a:p>
         </p:txBody>
@@ -10228,29 +9676,6 @@
           </a:p>
           <a:p>
             <a:endParaRPr lang="en-US" dirty="0"/>
-          </a:p>
-        </p:txBody>
-      </p:sp>
-      <p:sp>
-        <p:nvSpPr>
-          <p:cNvPr id="4" name="Slide Number Placeholder 3"/>
-          <p:cNvSpPr>
-            <a:spLocks noGrp="1"/>
-          </p:cNvSpPr>
-          <p:nvPr>
-            <p:ph type="sldNum" sz="quarter" idx="12"/>
-          </p:nvPr>
-        </p:nvSpPr>
-        <p:spPr/>
-        <p:txBody>
-          <a:bodyPr/>
-          <a:lstStyle/>
-          <a:p>
-            <a:fld id="{4382A7F7-08BF-4252-8141-63FB96055BBB}" type="slidenum">
-              <a:rPr lang="en-US" smtClean="0"/>
-              <a:t>11</a:t>
-            </a:fld>
-            <a:endParaRPr lang="en-US"/>
           </a:p>
         </p:txBody>
       </p:sp>
@@ -10387,31 +9812,8 @@
           <a:p>
             <a:r>
               <a:rPr lang="sk-SK" smtClean="0"/>
-              <a:t>© 2015 EV3Lessons.com, Last edit 6/15/2015</a:t>
-            </a:r>
-            <a:endParaRPr lang="en-US"/>
-          </a:p>
-        </p:txBody>
-      </p:sp>
-      <p:sp>
-        <p:nvSpPr>
-          <p:cNvPr id="5" name="Slide Number Placeholder 4"/>
-          <p:cNvSpPr>
-            <a:spLocks noGrp="1"/>
-          </p:cNvSpPr>
-          <p:nvPr>
-            <p:ph type="sldNum" sz="quarter" idx="12"/>
-          </p:nvPr>
-        </p:nvSpPr>
-        <p:spPr/>
-        <p:txBody>
-          <a:bodyPr/>
-          <a:lstStyle/>
-          <a:p>
-            <a:fld id="{4382A7F7-08BF-4252-8141-63FB96055BBB}" type="slidenum">
-              <a:rPr lang="en-US" smtClean="0"/>
-              <a:t>12</a:t>
-            </a:fld>
+              <a:t>© 2016 EV3Lessons.com, Last edit 7/19/2016</a:t>
+            </a:r>
             <a:endParaRPr lang="en-US"/>
           </a:p>
         </p:txBody>
@@ -10517,31 +9919,8 @@
           <a:p>
             <a:r>
               <a:rPr lang="sk-SK" smtClean="0"/>
-              <a:t>© 2015 EV3Lessons.com, Last edit 6/15/2015</a:t>
-            </a:r>
-            <a:endParaRPr lang="en-US"/>
-          </a:p>
-        </p:txBody>
-      </p:sp>
-      <p:sp>
-        <p:nvSpPr>
-          <p:cNvPr id="3" name="Slide Number Placeholder 2"/>
-          <p:cNvSpPr>
-            <a:spLocks noGrp="1"/>
-          </p:cNvSpPr>
-          <p:nvPr>
-            <p:ph type="sldNum" sz="quarter" idx="12"/>
-          </p:nvPr>
-        </p:nvSpPr>
-        <p:spPr/>
-        <p:txBody>
-          <a:bodyPr/>
-          <a:lstStyle/>
-          <a:p>
-            <a:fld id="{4382A7F7-08BF-4252-8141-63FB96055BBB}" type="slidenum">
-              <a:rPr lang="en-US" smtClean="0"/>
-              <a:t>13</a:t>
-            </a:fld>
+              <a:t>© 2016 EV3Lessons.com, Last edit 7/19/2016</a:t>
+            </a:r>
             <a:endParaRPr lang="en-US"/>
           </a:p>
         </p:txBody>
@@ -10892,31 +10271,8 @@
           <a:p>
             <a:r>
               <a:rPr lang="sk-SK" smtClean="0"/>
-              <a:t>© 2015 EV3Lessons.com, Last edit 6/15/2015</a:t>
-            </a:r>
-            <a:endParaRPr lang="en-US"/>
-          </a:p>
-        </p:txBody>
-      </p:sp>
-      <p:sp>
-        <p:nvSpPr>
-          <p:cNvPr id="5" name="Slide Number Placeholder 4"/>
-          <p:cNvSpPr>
-            <a:spLocks noGrp="1"/>
-          </p:cNvSpPr>
-          <p:nvPr>
-            <p:ph type="sldNum" sz="quarter" idx="12"/>
-          </p:nvPr>
-        </p:nvSpPr>
-        <p:spPr/>
-        <p:txBody>
-          <a:bodyPr/>
-          <a:lstStyle/>
-          <a:p>
-            <a:fld id="{4382A7F7-08BF-4252-8141-63FB96055BBB}" type="slidenum">
-              <a:rPr lang="en-US" smtClean="0"/>
-              <a:t>14</a:t>
-            </a:fld>
+              <a:t>© 2016 EV3Lessons.com, Last edit 7/19/2016</a:t>
+            </a:r>
             <a:endParaRPr lang="en-US"/>
           </a:p>
         </p:txBody>
@@ -10998,31 +10354,8 @@
           <a:p>
             <a:r>
               <a:rPr lang="sk-SK" smtClean="0"/>
-              <a:t>© 2015 EV3Lessons.com, Last edit 6/15/2015</a:t>
-            </a:r>
-            <a:endParaRPr lang="en-US"/>
-          </a:p>
-        </p:txBody>
-      </p:sp>
-      <p:sp>
-        <p:nvSpPr>
-          <p:cNvPr id="5" name="Slide Number Placeholder 4"/>
-          <p:cNvSpPr>
-            <a:spLocks noGrp="1"/>
-          </p:cNvSpPr>
-          <p:nvPr>
-            <p:ph type="sldNum" sz="quarter" idx="12"/>
-          </p:nvPr>
-        </p:nvSpPr>
-        <p:spPr/>
-        <p:txBody>
-          <a:bodyPr/>
-          <a:lstStyle/>
-          <a:p>
-            <a:fld id="{4382A7F7-08BF-4252-8141-63FB96055BBB}" type="slidenum">
-              <a:rPr lang="en-US" smtClean="0"/>
-              <a:t>15</a:t>
-            </a:fld>
+              <a:t>© 2016 EV3Lessons.com, Last edit 7/19/2016</a:t>
+            </a:r>
             <a:endParaRPr lang="en-US"/>
           </a:p>
         </p:txBody>
@@ -11336,31 +10669,8 @@
           <a:p>
             <a:r>
               <a:rPr lang="sk-SK" smtClean="0"/>
-              <a:t>© 2015 EV3Lessons.com, Last edit 6/15/2015</a:t>
-            </a:r>
-            <a:endParaRPr lang="en-US"/>
-          </a:p>
-        </p:txBody>
-      </p:sp>
-      <p:sp>
-        <p:nvSpPr>
-          <p:cNvPr id="4" name="Slide Number Placeholder 3"/>
-          <p:cNvSpPr>
-            <a:spLocks noGrp="1"/>
-          </p:cNvSpPr>
-          <p:nvPr>
-            <p:ph type="sldNum" sz="quarter" idx="12"/>
-          </p:nvPr>
-        </p:nvSpPr>
-        <p:spPr/>
-        <p:txBody>
-          <a:bodyPr/>
-          <a:lstStyle/>
-          <a:p>
-            <a:fld id="{4382A7F7-08BF-4252-8141-63FB96055BBB}" type="slidenum">
-              <a:rPr lang="en-US" smtClean="0"/>
-              <a:t>16</a:t>
-            </a:fld>
+              <a:t>© 2016 EV3Lessons.com, Last edit 7/19/2016</a:t>
+            </a:r>
             <a:endParaRPr lang="en-US"/>
           </a:p>
         </p:txBody>
@@ -11442,15 +10752,36 @@
           <a:p>
             <a:pPr lvl="1"/>
             <a:r>
+              <a:rPr lang="en-US" dirty="0" smtClean="0"/>
+              <a:t>This tutorial was written by Sanjay </a:t>
+            </a:r>
+            <a:r>
+              <a:rPr lang="en-US" dirty="0" err="1" smtClean="0"/>
+              <a:t>Seshan</a:t>
+            </a:r>
+            <a:r>
+              <a:rPr lang="en-US" dirty="0" smtClean="0"/>
+              <a:t> and Arvind </a:t>
+            </a:r>
+            <a:r>
+              <a:rPr lang="en-US" dirty="0" err="1" smtClean="0"/>
+              <a:t>Seshan</a:t>
+            </a:r>
+            <a:r>
               <a:rPr lang="en-US" smtClean="0"/>
-              <a:t>This tutorial was written by Sanjay Seshan and Arvind Seshan from Droids Robotics </a:t>
-            </a:r>
+              <a:t> </a:t>
+            </a:r>
+            <a:endParaRPr lang="en-US" smtClean="0"/>
           </a:p>
           <a:p>
             <a:pPr lvl="1"/>
             <a:r>
               <a:rPr lang="en-US" smtClean="0"/>
-              <a:t>More lessons at www.ev3lessons.com</a:t>
+              <a:t>More </a:t>
+            </a:r>
+            <a:r>
+              <a:rPr lang="en-US" dirty="0" smtClean="0"/>
+              <a:t>lessons at www.ev3lessons.com</a:t>
             </a:r>
             <a:endParaRPr lang="en-US" dirty="0"/>
           </a:p>
@@ -11473,32 +10804,8 @@
           <a:p>
             <a:r>
               <a:rPr lang="sk-SK" smtClean="0"/>
-              <a:t>© 2015 EV3Lessons.com, Last edit 6/15/2015</a:t>
-            </a:r>
-            <a:endParaRPr lang="en-US"/>
-          </a:p>
-        </p:txBody>
-      </p:sp>
-      <p:sp>
-        <p:nvSpPr>
-          <p:cNvPr id="7" name="Slide Number Placeholder 6"/>
-          <p:cNvSpPr>
-            <a:spLocks noGrp="1"/>
-          </p:cNvSpPr>
-          <p:nvPr>
-            <p:ph type="sldNum" sz="quarter" idx="12"/>
-          </p:nvPr>
-        </p:nvSpPr>
-        <p:spPr/>
-        <p:txBody>
-          <a:bodyPr/>
-          <a:lstStyle/>
-          <a:p>
-            <a:fld id="{4382A7F7-08BF-4252-8141-63FB96055BBB}" type="slidenum">
-              <a:rPr lang="en-US" smtClean="0"/>
-              <a:pPr/>
-              <a:t>17</a:t>
-            </a:fld>
+              <a:t>© 2016 EV3Lessons.com, Last edit 7/19/2016</a:t>
+            </a:r>
             <a:endParaRPr lang="en-US"/>
           </a:p>
         </p:txBody>
@@ -11551,7 +10858,7 @@
           <a:effectLst/>
           <a:extLst>
             <a:ext uri="{91240B29-F687-4f45-9708-019B960494DF}">
-              <a14:hiddenLine xmlns="" xmlns:a14="http://schemas.microsoft.com/office/drawing/2010/main" w="9525">
+              <a14:hiddenLine xmlns:a14="http://schemas.microsoft.com/office/drawing/2010/main" xmlns="" w="9525">
                 <a:solidFill>
                   <a:schemeClr val="tx1"/>
                 </a:solidFill>
@@ -11561,7 +10868,7 @@
               </a14:hiddenLine>
             </a:ext>
             <a:ext uri="{AF507438-7753-43e0-B8FC-AC1667EBCBE1}">
-              <a14:hiddenEffects xmlns="" xmlns:a14="http://schemas.microsoft.com/office/drawing/2010/main">
+              <a14:hiddenEffects xmlns:a14="http://schemas.microsoft.com/office/drawing/2010/main" xmlns="">
                 <a:effectLst>
                   <a:outerShdw dist="35921" dir="2700000" algn="ctr" rotWithShape="0">
                     <a:schemeClr val="bg2"/>
@@ -11914,7 +11221,7 @@
           <a:noFill/>
           <a:extLst>
             <a:ext uri="{909E8E84-426E-40dd-AFC4-6F175D3DCCD1}">
-              <a14:hiddenFill xmlns="" xmlns:a14="http://schemas.microsoft.com/office/drawing/2010/main">
+              <a14:hiddenFill xmlns:a14="http://schemas.microsoft.com/office/drawing/2010/main" xmlns="">
                 <a:solidFill>
                   <a:srgbClr val="FFFFFF"/>
                 </a:solidFill>
@@ -12035,32 +11342,8 @@
           <a:p>
             <a:r>
               <a:rPr lang="sk-SK" smtClean="0"/>
-              <a:t>© 2015 EV3Lessons.com, Last edit 6/15/2015</a:t>
-            </a:r>
-            <a:endParaRPr lang="en-US"/>
-          </a:p>
-        </p:txBody>
-      </p:sp>
-      <p:sp>
-        <p:nvSpPr>
-          <p:cNvPr id="5" name="Slide Number Placeholder 4"/>
-          <p:cNvSpPr>
-            <a:spLocks noGrp="1"/>
-          </p:cNvSpPr>
-          <p:nvPr>
-            <p:ph type="sldNum" sz="quarter" idx="12"/>
-          </p:nvPr>
-        </p:nvSpPr>
-        <p:spPr/>
-        <p:txBody>
-          <a:bodyPr/>
-          <a:lstStyle/>
-          <a:p>
-            <a:fld id="{4382A7F7-08BF-4252-8141-63FB96055BBB}" type="slidenum">
-              <a:rPr lang="en-US" smtClean="0"/>
-              <a:pPr/>
-              <a:t>2</a:t>
-            </a:fld>
+              <a:t>© 2016 EV3Lessons.com, Last edit 7/19/2016</a:t>
+            </a:r>
             <a:endParaRPr lang="en-US"/>
           </a:p>
         </p:txBody>
@@ -12189,31 +11472,8 @@
           <a:p>
             <a:r>
               <a:rPr lang="sk-SK" smtClean="0"/>
-              <a:t>© 2015 EV3Lessons.com, Last edit 6/15/2015</a:t>
-            </a:r>
-            <a:endParaRPr lang="en-US"/>
-          </a:p>
-        </p:txBody>
-      </p:sp>
-      <p:sp>
-        <p:nvSpPr>
-          <p:cNvPr id="5" name="Slide Number Placeholder 4"/>
-          <p:cNvSpPr>
-            <a:spLocks noGrp="1"/>
-          </p:cNvSpPr>
-          <p:nvPr>
-            <p:ph type="sldNum" sz="quarter" idx="12"/>
-          </p:nvPr>
-        </p:nvSpPr>
-        <p:spPr/>
-        <p:txBody>
-          <a:bodyPr/>
-          <a:lstStyle/>
-          <a:p>
-            <a:fld id="{4382A7F7-08BF-4252-8141-63FB96055BBB}" type="slidenum">
-              <a:rPr lang="en-US" smtClean="0"/>
-              <a:t>3</a:t>
-            </a:fld>
+              <a:t>© 2016 EV3Lessons.com, Last edit 7/19/2016</a:t>
+            </a:r>
             <a:endParaRPr lang="en-US"/>
           </a:p>
         </p:txBody>
@@ -12367,32 +11627,9 @@
           <a:p>
             <a:r>
               <a:rPr lang="sk-SK" smtClean="0"/>
-              <a:t>© 2015 EV3Lessons.com, Last edit 6/15/2015</a:t>
+              <a:t>© 2016 EV3Lessons.com, Last edit 7/19/2016</a:t>
             </a:r>
             <a:endParaRPr lang="en-US"/>
-          </a:p>
-        </p:txBody>
-      </p:sp>
-      <p:sp>
-        <p:nvSpPr>
-          <p:cNvPr id="5" name="Slide Number Placeholder 4"/>
-          <p:cNvSpPr>
-            <a:spLocks noGrp="1"/>
-          </p:cNvSpPr>
-          <p:nvPr>
-            <p:ph type="sldNum" sz="quarter" idx="12"/>
-          </p:nvPr>
-        </p:nvSpPr>
-        <p:spPr/>
-        <p:txBody>
-          <a:bodyPr/>
-          <a:lstStyle/>
-          <a:p>
-            <a:fld id="{4382A7F7-08BF-4252-8141-63FB96055BBB}" type="slidenum">
-              <a:rPr lang="en-US" smtClean="0"/>
-              <a:t>4</a:t>
-            </a:fld>
-            <a:endParaRPr lang="en-US" dirty="0"/>
           </a:p>
         </p:txBody>
       </p:sp>
@@ -12610,32 +11847,8 @@
           <a:p>
             <a:r>
               <a:rPr lang="sk-SK" smtClean="0"/>
-              <a:t>© 2015 EV3Lessons.com, Last edit 6/15/2015</a:t>
-            </a:r>
-            <a:endParaRPr lang="en-US"/>
-          </a:p>
-        </p:txBody>
-      </p:sp>
-      <p:sp>
-        <p:nvSpPr>
-          <p:cNvPr id="35" name="Slide Number Placeholder 34"/>
-          <p:cNvSpPr>
-            <a:spLocks noGrp="1"/>
-          </p:cNvSpPr>
-          <p:nvPr>
-            <p:ph type="sldNum" sz="quarter" idx="12"/>
-          </p:nvPr>
-        </p:nvSpPr>
-        <p:spPr/>
-        <p:txBody>
-          <a:bodyPr/>
-          <a:lstStyle/>
-          <a:p>
-            <a:fld id="{4382A7F7-08BF-4252-8141-63FB96055BBB}" type="slidenum">
-              <a:rPr lang="en-US" smtClean="0"/>
-              <a:pPr/>
-              <a:t>5</a:t>
-            </a:fld>
+              <a:t>© 2016 EV3Lessons.com, Last edit 7/19/2016</a:t>
+            </a:r>
             <a:endParaRPr lang="en-US"/>
           </a:p>
         </p:txBody>
@@ -16326,31 +15539,8 @@
           <a:p>
             <a:r>
               <a:rPr lang="sk-SK" smtClean="0"/>
-              <a:t>© 2015 EV3Lessons.com, Last edit 6/15/2015</a:t>
-            </a:r>
-            <a:endParaRPr lang="en-US"/>
-          </a:p>
-        </p:txBody>
-      </p:sp>
-      <p:sp>
-        <p:nvSpPr>
-          <p:cNvPr id="14" name="Slide Number Placeholder 13"/>
-          <p:cNvSpPr>
-            <a:spLocks noGrp="1"/>
-          </p:cNvSpPr>
-          <p:nvPr>
-            <p:ph type="sldNum" sz="quarter" idx="12"/>
-          </p:nvPr>
-        </p:nvSpPr>
-        <p:spPr/>
-        <p:txBody>
-          <a:bodyPr/>
-          <a:lstStyle/>
-          <a:p>
-            <a:fld id="{4382A7F7-08BF-4252-8141-63FB96055BBB}" type="slidenum">
-              <a:rPr lang="en-US" smtClean="0"/>
-              <a:t>6</a:t>
-            </a:fld>
+              <a:t>© 2016 EV3Lessons.com, Last edit 7/19/2016</a:t>
+            </a:r>
             <a:endParaRPr lang="en-US"/>
           </a:p>
         </p:txBody>
@@ -16935,32 +16125,8 @@
           <a:p>
             <a:r>
               <a:rPr lang="sk-SK" smtClean="0"/>
-              <a:t>© 2015 EV3Lessons.com, Last edit 6/15/2015</a:t>
-            </a:r>
-            <a:endParaRPr lang="en-US"/>
-          </a:p>
-        </p:txBody>
-      </p:sp>
-      <p:sp>
-        <p:nvSpPr>
-          <p:cNvPr id="8" name="Slide Number Placeholder 7"/>
-          <p:cNvSpPr>
-            <a:spLocks noGrp="1"/>
-          </p:cNvSpPr>
-          <p:nvPr>
-            <p:ph type="sldNum" sz="quarter" idx="12"/>
-          </p:nvPr>
-        </p:nvSpPr>
-        <p:spPr/>
-        <p:txBody>
-          <a:bodyPr/>
-          <a:lstStyle/>
-          <a:p>
-            <a:fld id="{4382A7F7-08BF-4252-8141-63FB96055BBB}" type="slidenum">
-              <a:rPr lang="en-US" smtClean="0"/>
-              <a:pPr/>
-              <a:t>7</a:t>
-            </a:fld>
+              <a:t>© 2016 EV3Lessons.com, Last edit 7/19/2016</a:t>
+            </a:r>
             <a:endParaRPr lang="en-US"/>
           </a:p>
         </p:txBody>
@@ -17129,31 +16295,8 @@
           <a:p>
             <a:r>
               <a:rPr lang="sk-SK" smtClean="0"/>
-              <a:t>© 2015 EV3Lessons.com, Last edit 6/15/2015</a:t>
-            </a:r>
-            <a:endParaRPr lang="en-US"/>
-          </a:p>
-        </p:txBody>
-      </p:sp>
-      <p:sp>
-        <p:nvSpPr>
-          <p:cNvPr id="14" name="Slide Number Placeholder 13"/>
-          <p:cNvSpPr>
-            <a:spLocks noGrp="1"/>
-          </p:cNvSpPr>
-          <p:nvPr>
-            <p:ph type="sldNum" sz="quarter" idx="12"/>
-          </p:nvPr>
-        </p:nvSpPr>
-        <p:spPr/>
-        <p:txBody>
-          <a:bodyPr/>
-          <a:lstStyle/>
-          <a:p>
-            <a:fld id="{4382A7F7-08BF-4252-8141-63FB96055BBB}" type="slidenum">
-              <a:rPr lang="en-US" smtClean="0"/>
-              <a:t>8</a:t>
-            </a:fld>
+              <a:t>© 2016 EV3Lessons.com, Last edit 7/19/2016</a:t>
+            </a:r>
             <a:endParaRPr lang="en-US"/>
           </a:p>
         </p:txBody>
@@ -17703,31 +16846,8 @@
           <a:p>
             <a:r>
               <a:rPr lang="sk-SK" smtClean="0"/>
-              <a:t>© 2015 EV3Lessons.com, Last edit 6/15/2015</a:t>
-            </a:r>
-            <a:endParaRPr lang="en-US"/>
-          </a:p>
-        </p:txBody>
-      </p:sp>
-      <p:sp>
-        <p:nvSpPr>
-          <p:cNvPr id="3" name="Slide Number Placeholder 2"/>
-          <p:cNvSpPr>
-            <a:spLocks noGrp="1"/>
-          </p:cNvSpPr>
-          <p:nvPr>
-            <p:ph type="sldNum" sz="quarter" idx="12"/>
-          </p:nvPr>
-        </p:nvSpPr>
-        <p:spPr/>
-        <p:txBody>
-          <a:bodyPr/>
-          <a:lstStyle/>
-          <a:p>
-            <a:fld id="{4382A7F7-08BF-4252-8141-63FB96055BBB}" type="slidenum">
-              <a:rPr lang="en-US" smtClean="0"/>
-              <a:t>9</a:t>
-            </a:fld>
+              <a:t>© 2016 EV3Lessons.com, Last edit 7/19/2016</a:t>
+            </a:r>
             <a:endParaRPr lang="en-US"/>
           </a:p>
         </p:txBody>
